--- a/99.ppt/[Ch4-4. 비동기 서비스 구현 (Spring Coroutine)].pptx
+++ b/99.ppt/[Ch4-4. 비동기 서비스 구현 (Spring Coroutine)].pptx
@@ -5,22 +5,40 @@
     <p:sldMasterId id="2147483665" r:id="rId1"/>
   </p:sldMasterIdLst>
   <p:notesMasterIdLst>
-    <p:notesMasterId r:id="rId15"/>
+    <p:notesMasterId r:id="rId33"/>
   </p:notesMasterIdLst>
   <p:sldIdLst>
     <p:sldId id="256" r:id="rId2"/>
     <p:sldId id="276" r:id="rId3"/>
-    <p:sldId id="275" r:id="rId4"/>
-    <p:sldId id="258" r:id="rId5"/>
-    <p:sldId id="270" r:id="rId6"/>
-    <p:sldId id="271" r:id="rId7"/>
-    <p:sldId id="272" r:id="rId8"/>
-    <p:sldId id="262" r:id="rId9"/>
-    <p:sldId id="264" r:id="rId10"/>
-    <p:sldId id="265" r:id="rId11"/>
-    <p:sldId id="267" r:id="rId12"/>
-    <p:sldId id="268" r:id="rId13"/>
-    <p:sldId id="269" r:id="rId14"/>
+    <p:sldId id="277" r:id="rId4"/>
+    <p:sldId id="282" r:id="rId5"/>
+    <p:sldId id="278" r:id="rId6"/>
+    <p:sldId id="283" r:id="rId7"/>
+    <p:sldId id="279" r:id="rId8"/>
+    <p:sldId id="280" r:id="rId9"/>
+    <p:sldId id="275" r:id="rId10"/>
+    <p:sldId id="285" r:id="rId11"/>
+    <p:sldId id="286" r:id="rId12"/>
+    <p:sldId id="287" r:id="rId13"/>
+    <p:sldId id="294" r:id="rId14"/>
+    <p:sldId id="288" r:id="rId15"/>
+    <p:sldId id="295" r:id="rId16"/>
+    <p:sldId id="289" r:id="rId17"/>
+    <p:sldId id="290" r:id="rId18"/>
+    <p:sldId id="291" r:id="rId19"/>
+    <p:sldId id="292" r:id="rId20"/>
+    <p:sldId id="293" r:id="rId21"/>
+    <p:sldId id="284" r:id="rId22"/>
+    <p:sldId id="258" r:id="rId23"/>
+    <p:sldId id="270" r:id="rId24"/>
+    <p:sldId id="271" r:id="rId25"/>
+    <p:sldId id="272" r:id="rId26"/>
+    <p:sldId id="262" r:id="rId27"/>
+    <p:sldId id="264" r:id="rId28"/>
+    <p:sldId id="265" r:id="rId29"/>
+    <p:sldId id="267" r:id="rId30"/>
+    <p:sldId id="268" r:id="rId31"/>
+    <p:sldId id="269" r:id="rId32"/>
   </p:sldIdLst>
   <p:sldSz cx="9144000" cy="5143500" type="screen16x9"/>
   <p:notesSz cx="6858000" cy="9144000"/>
@@ -122,7 +140,7 @@
   <p:extLst>
     <p:ext uri="{EFAFB233-063F-42B5-8137-9DF3F51BA10A}">
       <p15:sldGuideLst xmlns:p15="http://schemas.microsoft.com/office/powerpoint/2012/main">
-        <p15:guide id="1" orient="horz" pos="1257" userDrawn="1">
+        <p15:guide id="1" orient="horz" pos="1234" userDrawn="1">
           <p15:clr>
             <a:srgbClr val="A4A3A4"/>
           </p15:clr>
@@ -220,7 +238,7 @@
           <a:p>
             <a:fld id="{9B770909-2C76-4DF9-BB76-4EE283593418}" type="datetimeFigureOut">
               <a:rPr lang="ko-KR" altLang="en-US" smtClean="0"/>
-              <a:t>2023-07-19</a:t>
+              <a:t>2023-08-01</a:t>
             </a:fld>
             <a:endParaRPr lang="ko-KR" altLang="en-US"/>
           </a:p>
@@ -661,8 +679,143 @@
           <a:lstStyle/>
           <a:p>
             <a:r>
-              <a:rPr lang="ko-KR" altLang="en-US" dirty="0"/>
-              <a:t>지금부터는 동기 서비스를 본격적으로 구현해 보겠습니다</a:t>
+              <a:rPr lang="ko-KR" altLang="en-US" dirty="0" err="1"/>
+              <a:t>코루틴이</a:t>
+            </a:r>
+            <a:r>
+              <a:rPr lang="ko-KR" altLang="en-US" dirty="0"/>
+              <a:t> 그래서 뭐냐 </a:t>
+            </a:r>
+            <a:r>
+              <a:rPr lang="en-US" altLang="ko-KR" dirty="0"/>
+              <a:t>?!  </a:t>
+            </a:r>
+            <a:r>
+              <a:rPr lang="ko-KR" altLang="en-US" dirty="0"/>
+              <a:t>위키에 있는 내용 그대로 가져와 봤습니다</a:t>
+            </a:r>
+            <a:r>
+              <a:rPr lang="en-US" altLang="ko-KR" dirty="0"/>
+              <a:t>.</a:t>
+            </a:r>
+          </a:p>
+          <a:p>
+            <a:endParaRPr lang="en-US" altLang="ko-KR" dirty="0"/>
+          </a:p>
+          <a:p>
+            <a:r>
+              <a:rPr lang="en-US" altLang="ko-KR" dirty="0"/>
+              <a:t>&lt;&lt; </a:t>
+            </a:r>
+            <a:r>
+              <a:rPr lang="ko-KR" altLang="en-US" dirty="0"/>
+              <a:t>반까지 빠르게 읽어본다</a:t>
+            </a:r>
+            <a:r>
+              <a:rPr lang="en-US" altLang="ko-KR" dirty="0"/>
+              <a:t>. &gt;&gt;</a:t>
+            </a:r>
+          </a:p>
+          <a:p>
+            <a:endParaRPr lang="en-US" altLang="ko-KR" dirty="0"/>
+          </a:p>
+          <a:p>
+            <a:r>
+              <a:rPr lang="ko-KR" altLang="en-US" dirty="0"/>
+              <a:t>일단 틀린 내용은 없는 것 같아요</a:t>
+            </a:r>
+            <a:r>
+              <a:rPr lang="en-US" altLang="ko-KR" dirty="0"/>
+              <a:t>. </a:t>
+            </a:r>
+            <a:r>
+              <a:rPr lang="ko-KR" altLang="en-US" dirty="0"/>
+              <a:t>없는 것 같은데</a:t>
+            </a:r>
+            <a:r>
+              <a:rPr lang="en-US" altLang="ko-KR" dirty="0"/>
+              <a:t>…</a:t>
+            </a:r>
+          </a:p>
+          <a:p>
+            <a:endParaRPr lang="en-US" altLang="ko-KR" dirty="0"/>
+          </a:p>
+          <a:p>
+            <a:r>
+              <a:rPr lang="ko-KR" altLang="en-US" dirty="0"/>
+              <a:t>너무 복잡합니다</a:t>
+            </a:r>
+            <a:r>
+              <a:rPr lang="en-US" altLang="ko-KR" dirty="0"/>
+              <a:t>.</a:t>
+            </a:r>
+          </a:p>
+          <a:p>
+            <a:endParaRPr lang="en-US" altLang="ko-KR" dirty="0"/>
+          </a:p>
+          <a:p>
+            <a:r>
+              <a:rPr lang="ko-KR" altLang="en-US" dirty="0"/>
+              <a:t>나중에 본 챕터 설명 모두 들으시면</a:t>
+            </a:r>
+            <a:r>
+              <a:rPr lang="en-US" altLang="ko-KR" dirty="0"/>
+              <a:t>, </a:t>
+            </a:r>
+            <a:r>
+              <a:rPr lang="ko-KR" altLang="en-US" dirty="0"/>
+              <a:t>아 이게 틀린 말은 아니구나 </a:t>
+            </a:r>
+            <a:r>
+              <a:rPr lang="ko-KR" altLang="en-US" dirty="0" err="1"/>
+              <a:t>하실텐데</a:t>
+            </a:r>
+            <a:endParaRPr lang="en-US" altLang="ko-KR" dirty="0"/>
+          </a:p>
+          <a:p>
+            <a:endParaRPr lang="en-US" altLang="ko-KR" dirty="0"/>
+          </a:p>
+          <a:p>
+            <a:r>
+              <a:rPr lang="ko-KR" altLang="en-US" dirty="0"/>
+              <a:t>저도 이걸 읽어보면</a:t>
+            </a:r>
+            <a:r>
+              <a:rPr lang="en-US" altLang="ko-KR" dirty="0"/>
+              <a:t>… </a:t>
+            </a:r>
+            <a:r>
+              <a:rPr lang="ko-KR" altLang="en-US" dirty="0"/>
+              <a:t>말이 너무 어렵습니다</a:t>
+            </a:r>
+            <a:r>
+              <a:rPr lang="en-US" altLang="ko-KR" dirty="0"/>
+              <a:t>. </a:t>
+            </a:r>
+            <a:r>
+              <a:rPr lang="ko-KR" altLang="en-US" dirty="0"/>
+              <a:t>너무 어려워서</a:t>
+            </a:r>
+            <a:r>
+              <a:rPr lang="en-US" altLang="ko-KR" dirty="0"/>
+              <a:t>…</a:t>
+            </a:r>
+          </a:p>
+          <a:p>
+            <a:endParaRPr lang="en-US" altLang="ko-KR" dirty="0"/>
+          </a:p>
+          <a:p>
+            <a:r>
+              <a:rPr lang="ko-KR" altLang="en-US" dirty="0"/>
+              <a:t>지금은 일단 넘어가도록 </a:t>
+            </a:r>
+            <a:r>
+              <a:rPr lang="ko-KR" altLang="en-US" dirty="0" err="1"/>
+              <a:t>할께요</a:t>
+            </a:r>
+            <a:r>
+              <a:rPr lang="en-US" altLang="ko-KR" dirty="0"/>
+              <a:t>.</a:t>
             </a:r>
           </a:p>
         </p:txBody>
@@ -693,7 +846,7 @@
     </p:spTree>
     <p:extLst>
       <p:ext uri="{BB962C8B-B14F-4D97-AF65-F5344CB8AC3E}">
-        <p14:creationId xmlns:p14="http://schemas.microsoft.com/office/powerpoint/2010/main" val="2672002668"/>
+        <p14:creationId xmlns:p14="http://schemas.microsoft.com/office/powerpoint/2010/main" val="24787213"/>
       </p:ext>
     </p:extLst>
   </p:cSld>
@@ -749,33 +902,193 @@
           <a:p>
             <a:r>
               <a:rPr lang="ko-KR" altLang="en-US" dirty="0"/>
-              <a:t>모든 개발과정의 </a:t>
+              <a:t>영문 위키는 내용이 조금 짧아요</a:t>
+            </a:r>
+            <a:r>
+              <a:rPr lang="en-US" altLang="ko-KR" dirty="0"/>
+              <a:t>.</a:t>
+            </a:r>
+          </a:p>
+          <a:p>
+            <a:endParaRPr lang="en-US" altLang="ko-KR" dirty="0"/>
+          </a:p>
+          <a:p>
+            <a:r>
+              <a:rPr lang="en-US" altLang="ko-KR" dirty="0"/>
+              <a:t>&lt;&lt; </a:t>
+            </a:r>
+            <a:r>
+              <a:rPr lang="ko-KR" altLang="en-US" dirty="0"/>
+              <a:t>읽어본다</a:t>
+            </a:r>
+            <a:r>
+              <a:rPr lang="en-US" altLang="ko-KR" dirty="0"/>
+              <a:t>. &gt;&gt;</a:t>
+            </a:r>
+          </a:p>
+          <a:p>
+            <a:endParaRPr lang="en-US" altLang="ko-KR" dirty="0"/>
+          </a:p>
+          <a:p>
+            <a:r>
+              <a:rPr lang="en-US" altLang="ko-KR" dirty="0"/>
+              <a:t>1958</a:t>
+            </a:r>
+            <a:r>
+              <a:rPr lang="ko-KR" altLang="en-US" dirty="0"/>
+              <a:t>년</a:t>
+            </a:r>
+            <a:r>
+              <a:rPr lang="en-US" altLang="ko-KR" dirty="0"/>
+              <a:t>, </a:t>
             </a:r>
             <a:r>
               <a:rPr lang="ko-KR" altLang="en-US" dirty="0" err="1"/>
-              <a:t>기초죠</a:t>
-            </a:r>
-            <a:r>
-              <a:rPr lang="en-US" altLang="ko-KR" dirty="0"/>
-              <a:t>. Hello world</a:t>
-            </a:r>
-            <a:r>
-              <a:rPr lang="ko-KR" altLang="en-US" dirty="0"/>
-              <a:t>를 </a:t>
-            </a:r>
-            <a:r>
-              <a:rPr lang="en-US" altLang="ko-KR" dirty="0"/>
-              <a:t>API</a:t>
-            </a:r>
-            <a:r>
-              <a:rPr lang="ko-KR" altLang="en-US" dirty="0"/>
-              <a:t>로 구현해 보겠습니다</a:t>
+              <a:t>멜빈</a:t>
+            </a:r>
+            <a:r>
+              <a:rPr lang="ko-KR" altLang="en-US" dirty="0"/>
+              <a:t> </a:t>
+            </a:r>
+            <a:r>
+              <a:rPr lang="ko-KR" altLang="en-US" dirty="0" err="1"/>
+              <a:t>콘웨이에</a:t>
+            </a:r>
+            <a:r>
+              <a:rPr lang="ko-KR" altLang="en-US" dirty="0"/>
+              <a:t> 의해 명명되었다</a:t>
+            </a:r>
+            <a:r>
+              <a:rPr lang="en-US" altLang="ko-KR" dirty="0"/>
+              <a:t>…</a:t>
+            </a:r>
+          </a:p>
+          <a:p>
+            <a:endParaRPr lang="en-US" altLang="ko-KR" dirty="0"/>
+          </a:p>
+          <a:p>
+            <a:r>
+              <a:rPr lang="ko-KR" altLang="en-US" dirty="0"/>
+              <a:t>굉장히 겸손하시죠</a:t>
+            </a:r>
+            <a:r>
+              <a:rPr lang="en-US" altLang="ko-KR" dirty="0"/>
+              <a:t>. </a:t>
+            </a:r>
+            <a:r>
+              <a:rPr lang="ko-KR" altLang="en-US" dirty="0" err="1"/>
+              <a:t>저같으면</a:t>
+            </a:r>
+            <a:r>
+              <a:rPr lang="en-US" altLang="ko-KR" dirty="0"/>
+              <a:t>, </a:t>
+            </a:r>
+            <a:r>
+              <a:rPr lang="ko-KR" altLang="en-US" dirty="0"/>
+              <a:t>제가 만들었다 이렇게 말 할 것도 같은데</a:t>
+            </a:r>
+            <a:r>
+              <a:rPr lang="en-US" altLang="ko-KR" dirty="0"/>
+              <a:t>…</a:t>
+            </a:r>
+          </a:p>
+          <a:p>
+            <a:endParaRPr lang="en-US" altLang="ko-KR" dirty="0"/>
+          </a:p>
+          <a:p>
+            <a:r>
+              <a:rPr lang="ko-KR" altLang="en-US" dirty="0"/>
+              <a:t>세상에 겸손하신 분들이 참 많습니다</a:t>
+            </a:r>
+            <a:r>
+              <a:rPr lang="en-US" altLang="ko-KR" dirty="0"/>
+              <a:t>. </a:t>
+            </a:r>
+            <a:r>
+              <a:rPr lang="ko-KR" altLang="en-US" dirty="0"/>
+              <a:t>저도 이런 분들 보면</a:t>
+            </a:r>
+            <a:r>
+              <a:rPr lang="en-US" altLang="ko-KR" dirty="0"/>
+              <a:t>, </a:t>
+            </a:r>
+            <a:r>
+              <a:rPr lang="ko-KR" altLang="en-US" dirty="0"/>
+              <a:t>늘 </a:t>
+            </a:r>
+            <a:r>
+              <a:rPr lang="ko-KR" altLang="en-US" dirty="0" err="1"/>
+              <a:t>본받아야겠다고</a:t>
+            </a:r>
+            <a:r>
+              <a:rPr lang="ko-KR" altLang="en-US" dirty="0"/>
+              <a:t> 가슴에 새기게 되네요</a:t>
             </a:r>
             <a:r>
               <a:rPr lang="en-US" altLang="ko-KR" dirty="0"/>
               <a:t>.</a:t>
             </a:r>
-            <a:endParaRPr lang="ko-KR" altLang="en-US" dirty="0"/>
+          </a:p>
+          <a:p>
+            <a:endParaRPr lang="en-US" altLang="ko-KR" dirty="0"/>
+          </a:p>
+          <a:p>
+            <a:endParaRPr lang="en-US" altLang="ko-KR" dirty="0"/>
+          </a:p>
+          <a:p>
+            <a:r>
+              <a:rPr lang="ko-KR" altLang="en-US" dirty="0"/>
+              <a:t>이 설명은 명확하고 짧은데</a:t>
+            </a:r>
+            <a:r>
+              <a:rPr lang="en-US" altLang="ko-KR" dirty="0"/>
+              <a:t>, </a:t>
+            </a:r>
+            <a:r>
+              <a:rPr lang="ko-KR" altLang="en-US" dirty="0"/>
+              <a:t>마찬가지로 무슨 말인지 잘 모르겠습니다</a:t>
+            </a:r>
+            <a:r>
+              <a:rPr lang="en-US" altLang="ko-KR" dirty="0"/>
+              <a:t>.</a:t>
+            </a:r>
+          </a:p>
+          <a:p>
+            <a:endParaRPr lang="en-US" altLang="ko-KR" dirty="0"/>
+          </a:p>
+          <a:p>
+            <a:r>
+              <a:rPr lang="ko-KR" altLang="en-US" dirty="0"/>
+              <a:t>하지만 그거 하나는 알 것 같아요</a:t>
+            </a:r>
+            <a:r>
+              <a:rPr lang="en-US" altLang="ko-KR" dirty="0"/>
+              <a:t>.</a:t>
+            </a:r>
+          </a:p>
+          <a:p>
+            <a:endParaRPr lang="en-US" altLang="ko-KR" dirty="0"/>
+          </a:p>
+          <a:p>
+            <a:r>
+              <a:rPr lang="en-US" altLang="ko-KR" dirty="0"/>
+              <a:t>Coroutine </a:t>
+            </a:r>
+            <a:r>
+              <a:rPr lang="ko-KR" altLang="en-US" dirty="0" err="1"/>
+              <a:t>이란게</a:t>
+            </a:r>
+            <a:r>
+              <a:rPr lang="ko-KR" altLang="en-US" dirty="0"/>
+              <a:t> 역사가 결코 짧지 않다는 거죠</a:t>
+            </a:r>
+            <a:r>
+              <a:rPr lang="en-US" altLang="ko-KR" dirty="0"/>
+              <a:t>.</a:t>
+            </a:r>
+          </a:p>
+          <a:p>
+            <a:endParaRPr lang="en-US" altLang="ko-KR" dirty="0"/>
           </a:p>
         </p:txBody>
       </p:sp>
@@ -805,7 +1118,7 @@
     </p:spTree>
     <p:extLst>
       <p:ext uri="{BB962C8B-B14F-4D97-AF65-F5344CB8AC3E}">
-        <p14:creationId xmlns:p14="http://schemas.microsoft.com/office/powerpoint/2010/main" val="3842670641"/>
+        <p14:creationId xmlns:p14="http://schemas.microsoft.com/office/powerpoint/2010/main" val="1376814940"/>
       </p:ext>
     </p:extLst>
   </p:cSld>
@@ -859,7 +1172,174 @@
           <a:bodyPr/>
           <a:lstStyle/>
           <a:p>
-            <a:endParaRPr lang="ko-KR" altLang="en-US" dirty="0"/>
+            <a:r>
+              <a:rPr lang="en-US" altLang="ko-KR" dirty="0"/>
+              <a:t>Coroutine </a:t>
+            </a:r>
+            <a:r>
+              <a:rPr lang="ko-KR" altLang="en-US" dirty="0"/>
+              <a:t>은 </a:t>
+            </a:r>
+            <a:r>
+              <a:rPr lang="en-US" altLang="ko-KR" b="1" u="sng" dirty="0"/>
+              <a:t>Java </a:t>
+            </a:r>
+            <a:r>
+              <a:rPr lang="ko-KR" altLang="en-US" b="1" u="sng" dirty="0"/>
+              <a:t>만</a:t>
+            </a:r>
+            <a:r>
+              <a:rPr lang="en-US" altLang="ko-KR" b="1" u="sng" dirty="0"/>
+              <a:t> </a:t>
+            </a:r>
+            <a:r>
+              <a:rPr lang="ko-KR" altLang="en-US" b="1" u="sng" dirty="0"/>
+              <a:t>빼고</a:t>
+            </a:r>
+            <a:r>
+              <a:rPr lang="en-US" altLang="ko-KR" dirty="0"/>
+              <a:t>, </a:t>
+            </a:r>
+            <a:r>
+              <a:rPr lang="ko-KR" altLang="en-US" dirty="0"/>
+              <a:t>정말로 다양한 언어에서 지원을 하고 있습니다</a:t>
+            </a:r>
+            <a:r>
+              <a:rPr lang="en-US" altLang="ko-KR" dirty="0"/>
+              <a:t>.</a:t>
+            </a:r>
+          </a:p>
+          <a:p>
+            <a:endParaRPr lang="en-US" altLang="ko-KR" dirty="0"/>
+          </a:p>
+          <a:p>
+            <a:r>
+              <a:rPr lang="en-US" altLang="ko-KR" dirty="0"/>
+              <a:t>&lt;&lt;</a:t>
+            </a:r>
+            <a:r>
+              <a:rPr lang="ko-KR" altLang="en-US" dirty="0"/>
+              <a:t>설명</a:t>
+            </a:r>
+            <a:r>
+              <a:rPr lang="en-US" altLang="ko-KR" dirty="0"/>
+              <a:t>&gt;&gt;</a:t>
+            </a:r>
+          </a:p>
+        </p:txBody>
+      </p:sp>
+      <p:sp>
+        <p:nvSpPr>
+          <p:cNvPr id="4" name="슬라이드 번호 개체 틀 3"/>
+          <p:cNvSpPr>
+            <a:spLocks noGrp="1"/>
+          </p:cNvSpPr>
+          <p:nvPr>
+            <p:ph type="sldNum" sz="quarter" idx="5"/>
+          </p:nvPr>
+        </p:nvSpPr>
+        <p:spPr/>
+        <p:txBody>
+          <a:bodyPr/>
+          <a:lstStyle/>
+          <a:p>
+            <a:fld id="{4F243B46-72FF-4656-838A-691B9EB329E3}" type="slidenum">
+              <a:rPr lang="ko-KR" altLang="en-US" smtClean="0"/>
+              <a:t>12</a:t>
+            </a:fld>
+            <a:endParaRPr lang="ko-KR" altLang="en-US"/>
+          </a:p>
+        </p:txBody>
+      </p:sp>
+    </p:spTree>
+    <p:extLst>
+      <p:ext uri="{BB962C8B-B14F-4D97-AF65-F5344CB8AC3E}">
+        <p14:creationId xmlns:p14="http://schemas.microsoft.com/office/powerpoint/2010/main" val="3463726362"/>
+      </p:ext>
+    </p:extLst>
+  </p:cSld>
+  <p:clrMapOvr>
+    <a:masterClrMapping/>
+  </p:clrMapOvr>
+</p:notes>
+</file>
+
+<file path=ppt/notesSlides/notesSlide13.xml><?xml version="1.0" encoding="utf-8"?>
+<p:notes xmlns:a="http://schemas.openxmlformats.org/drawingml/2006/main" xmlns:r="http://schemas.openxmlformats.org/officeDocument/2006/relationships" xmlns:p="http://schemas.openxmlformats.org/presentationml/2006/main">
+  <p:cSld>
+    <p:spTree>
+      <p:nvGrpSpPr>
+        <p:cNvPr id="1" name=""/>
+        <p:cNvGrpSpPr/>
+        <p:nvPr/>
+      </p:nvGrpSpPr>
+      <p:grpSpPr>
+        <a:xfrm>
+          <a:off x="0" y="0"/>
+          <a:ext cx="0" cy="0"/>
+          <a:chOff x="0" y="0"/>
+          <a:chExt cx="0" cy="0"/>
+        </a:xfrm>
+      </p:grpSpPr>
+      <p:sp>
+        <p:nvSpPr>
+          <p:cNvPr id="2" name="슬라이드 이미지 개체 틀 1"/>
+          <p:cNvSpPr>
+            <a:spLocks noGrp="1" noRot="1" noChangeAspect="1"/>
+          </p:cNvSpPr>
+          <p:nvPr>
+            <p:ph type="sldImg"/>
+          </p:nvPr>
+        </p:nvSpPr>
+        <p:spPr/>
+      </p:sp>
+      <p:sp>
+        <p:nvSpPr>
+          <p:cNvPr id="3" name="슬라이드 노트 개체 틀 2"/>
+          <p:cNvSpPr>
+            <a:spLocks noGrp="1"/>
+          </p:cNvSpPr>
+          <p:nvPr>
+            <p:ph type="body" idx="1"/>
+          </p:nvPr>
+        </p:nvSpPr>
+        <p:spPr/>
+        <p:txBody>
+          <a:bodyPr/>
+          <a:lstStyle/>
+          <a:p>
+            <a:r>
+              <a:rPr lang="ko-KR" altLang="en-US" dirty="0" err="1"/>
+              <a:t>코루틴을</a:t>
+            </a:r>
+            <a:r>
+              <a:rPr lang="ko-KR" altLang="en-US" dirty="0"/>
+              <a:t> 설명한 것 중에 나무위키 내용이 가장 짧고 좋은 것 같아 가져와 봤습니다</a:t>
+            </a:r>
+            <a:r>
+              <a:rPr lang="en-US" altLang="ko-KR" dirty="0"/>
+              <a:t>.</a:t>
+            </a:r>
+          </a:p>
+          <a:p>
+            <a:endParaRPr lang="en-US" altLang="ko-KR" dirty="0"/>
+          </a:p>
+          <a:p>
+            <a:r>
+              <a:rPr lang="en-US" altLang="ko-KR" dirty="0"/>
+              <a:t>&lt;&lt;</a:t>
+            </a:r>
+            <a:r>
+              <a:rPr lang="ko-KR" altLang="en-US" dirty="0"/>
+              <a:t>설명</a:t>
+            </a:r>
+            <a:r>
+              <a:rPr lang="en-US" altLang="ko-KR" dirty="0"/>
+              <a:t>&gt;&gt;</a:t>
+            </a:r>
+          </a:p>
+          <a:p>
+            <a:endParaRPr lang="en-US" altLang="ko-KR" dirty="0"/>
           </a:p>
         </p:txBody>
       </p:sp>
@@ -889,7 +1369,697 @@
     </p:spTree>
     <p:extLst>
       <p:ext uri="{BB962C8B-B14F-4D97-AF65-F5344CB8AC3E}">
-        <p14:creationId xmlns:p14="http://schemas.microsoft.com/office/powerpoint/2010/main" val="747048193"/>
+        <p14:creationId xmlns:p14="http://schemas.microsoft.com/office/powerpoint/2010/main" val="229035367"/>
+      </p:ext>
+    </p:extLst>
+  </p:cSld>
+  <p:clrMapOvr>
+    <a:masterClrMapping/>
+  </p:clrMapOvr>
+</p:notes>
+</file>
+
+<file path=ppt/notesSlides/notesSlide14.xml><?xml version="1.0" encoding="utf-8"?>
+<p:notes xmlns:a="http://schemas.openxmlformats.org/drawingml/2006/main" xmlns:r="http://schemas.openxmlformats.org/officeDocument/2006/relationships" xmlns:p="http://schemas.openxmlformats.org/presentationml/2006/main">
+  <p:cSld>
+    <p:spTree>
+      <p:nvGrpSpPr>
+        <p:cNvPr id="1" name=""/>
+        <p:cNvGrpSpPr/>
+        <p:nvPr/>
+      </p:nvGrpSpPr>
+      <p:grpSpPr>
+        <a:xfrm>
+          <a:off x="0" y="0"/>
+          <a:ext cx="0" cy="0"/>
+          <a:chOff x="0" y="0"/>
+          <a:chExt cx="0" cy="0"/>
+        </a:xfrm>
+      </p:grpSpPr>
+      <p:sp>
+        <p:nvSpPr>
+          <p:cNvPr id="2" name="슬라이드 이미지 개체 틀 1"/>
+          <p:cNvSpPr>
+            <a:spLocks noGrp="1" noRot="1" noChangeAspect="1"/>
+          </p:cNvSpPr>
+          <p:nvPr>
+            <p:ph type="sldImg"/>
+          </p:nvPr>
+        </p:nvSpPr>
+        <p:spPr/>
+      </p:sp>
+      <p:sp>
+        <p:nvSpPr>
+          <p:cNvPr id="3" name="슬라이드 노트 개체 틀 2"/>
+          <p:cNvSpPr>
+            <a:spLocks noGrp="1"/>
+          </p:cNvSpPr>
+          <p:nvPr>
+            <p:ph type="body" idx="1"/>
+          </p:nvPr>
+        </p:nvSpPr>
+        <p:spPr/>
+        <p:txBody>
+          <a:bodyPr/>
+          <a:lstStyle/>
+          <a:p>
+            <a:pPr marL="0" marR="0" lvl="0" indent="0" algn="l" defTabSz="685800" rtl="0" eaLnBrk="1" fontAlgn="auto" latinLnBrk="1" hangingPunct="1">
+              <a:lnSpc>
+                <a:spcPct val="100000"/>
+              </a:lnSpc>
+              <a:spcBef>
+                <a:spcPts val="0"/>
+              </a:spcBef>
+              <a:spcAft>
+                <a:spcPts val="0"/>
+              </a:spcAft>
+              <a:buClrTx/>
+              <a:buSzTx/>
+              <a:buFontTx/>
+              <a:buNone/>
+              <a:tabLst/>
+              <a:defRPr/>
+            </a:pPr>
+            <a:r>
+              <a:rPr lang="ko-KR" altLang="en-US" dirty="0"/>
+              <a:t>중요한 키워드는 함수를 </a:t>
+            </a:r>
+            <a:r>
+              <a:rPr lang="ko-KR" altLang="en-US" b="1" u="sng" dirty="0"/>
+              <a:t>일시 정지</a:t>
+            </a:r>
+            <a:r>
+              <a:rPr lang="ko-KR" altLang="en-US" dirty="0"/>
+              <a:t>하고 </a:t>
+            </a:r>
+            <a:r>
+              <a:rPr lang="ko-KR" altLang="en-US" b="1" u="sng" dirty="0"/>
+              <a:t>재개</a:t>
+            </a:r>
+            <a:r>
+              <a:rPr lang="ko-KR" altLang="en-US" dirty="0"/>
+              <a:t>할 수 있다는 건데요</a:t>
+            </a:r>
+            <a:r>
+              <a:rPr lang="en-US" altLang="ko-KR" dirty="0"/>
+              <a:t>.</a:t>
+            </a:r>
+          </a:p>
+          <a:p>
+            <a:endParaRPr lang="en-US" altLang="ko-KR" dirty="0"/>
+          </a:p>
+          <a:p>
+            <a:r>
+              <a:rPr lang="ko-KR" altLang="en-US" dirty="0"/>
+              <a:t>지금부터 </a:t>
+            </a:r>
+            <a:r>
+              <a:rPr lang="en-US" altLang="ko-KR" dirty="0"/>
+              <a:t>Coroutine </a:t>
+            </a:r>
+            <a:r>
+              <a:rPr lang="ko-KR" altLang="en-US" dirty="0"/>
+              <a:t>함수가 어떤 식으로 동작하는지</a:t>
+            </a:r>
+            <a:r>
+              <a:rPr lang="en-US" altLang="ko-KR" dirty="0"/>
+              <a:t>, CPS </a:t>
+            </a:r>
+            <a:r>
+              <a:rPr lang="ko-KR" altLang="en-US" dirty="0"/>
+              <a:t>패턴을 통해 조금만 </a:t>
+            </a:r>
+            <a:r>
+              <a:rPr lang="ko-KR" altLang="en-US" dirty="0" err="1"/>
+              <a:t>깊이있게</a:t>
+            </a:r>
+            <a:r>
+              <a:rPr lang="ko-KR" altLang="en-US" dirty="0"/>
+              <a:t> 말씀드려 보겠습니다</a:t>
+            </a:r>
+            <a:endParaRPr lang="en-US" altLang="ko-KR" dirty="0"/>
+          </a:p>
+          <a:p>
+            <a:endParaRPr lang="en-US" altLang="ko-KR" dirty="0"/>
+          </a:p>
+          <a:p>
+            <a:r>
+              <a:rPr lang="en-US" altLang="ko-KR" dirty="0"/>
+              <a:t>&lt;&lt;</a:t>
+            </a:r>
+            <a:r>
+              <a:rPr lang="ko-KR" altLang="en-US" dirty="0"/>
+              <a:t>설명</a:t>
+            </a:r>
+            <a:r>
+              <a:rPr lang="en-US" altLang="ko-KR" dirty="0"/>
+              <a:t>&gt;&gt;.</a:t>
+            </a:r>
+          </a:p>
+        </p:txBody>
+      </p:sp>
+      <p:sp>
+        <p:nvSpPr>
+          <p:cNvPr id="4" name="슬라이드 번호 개체 틀 3"/>
+          <p:cNvSpPr>
+            <a:spLocks noGrp="1"/>
+          </p:cNvSpPr>
+          <p:nvPr>
+            <p:ph type="sldNum" sz="quarter" idx="5"/>
+          </p:nvPr>
+        </p:nvSpPr>
+        <p:spPr/>
+        <p:txBody>
+          <a:bodyPr/>
+          <a:lstStyle/>
+          <a:p>
+            <a:fld id="{4F243B46-72FF-4656-838A-691B9EB329E3}" type="slidenum">
+              <a:rPr lang="ko-KR" altLang="en-US" smtClean="0"/>
+              <a:t>14</a:t>
+            </a:fld>
+            <a:endParaRPr lang="ko-KR" altLang="en-US"/>
+          </a:p>
+        </p:txBody>
+      </p:sp>
+    </p:spTree>
+    <p:extLst>
+      <p:ext uri="{BB962C8B-B14F-4D97-AF65-F5344CB8AC3E}">
+        <p14:creationId xmlns:p14="http://schemas.microsoft.com/office/powerpoint/2010/main" val="4129395512"/>
+      </p:ext>
+    </p:extLst>
+  </p:cSld>
+  <p:clrMapOvr>
+    <a:masterClrMapping/>
+  </p:clrMapOvr>
+</p:notes>
+</file>
+
+<file path=ppt/notesSlides/notesSlide15.xml><?xml version="1.0" encoding="utf-8"?>
+<p:notes xmlns:a="http://schemas.openxmlformats.org/drawingml/2006/main" xmlns:r="http://schemas.openxmlformats.org/officeDocument/2006/relationships" xmlns:p="http://schemas.openxmlformats.org/presentationml/2006/main">
+  <p:cSld>
+    <p:spTree>
+      <p:nvGrpSpPr>
+        <p:cNvPr id="1" name=""/>
+        <p:cNvGrpSpPr/>
+        <p:nvPr/>
+      </p:nvGrpSpPr>
+      <p:grpSpPr>
+        <a:xfrm>
+          <a:off x="0" y="0"/>
+          <a:ext cx="0" cy="0"/>
+          <a:chOff x="0" y="0"/>
+          <a:chExt cx="0" cy="0"/>
+        </a:xfrm>
+      </p:grpSpPr>
+      <p:sp>
+        <p:nvSpPr>
+          <p:cNvPr id="2" name="슬라이드 이미지 개체 틀 1"/>
+          <p:cNvSpPr>
+            <a:spLocks noGrp="1" noRot="1" noChangeAspect="1"/>
+          </p:cNvSpPr>
+          <p:nvPr>
+            <p:ph type="sldImg"/>
+          </p:nvPr>
+        </p:nvSpPr>
+        <p:spPr/>
+      </p:sp>
+      <p:sp>
+        <p:nvSpPr>
+          <p:cNvPr id="3" name="슬라이드 노트 개체 틀 2"/>
+          <p:cNvSpPr>
+            <a:spLocks noGrp="1"/>
+          </p:cNvSpPr>
+          <p:nvPr>
+            <p:ph type="body" idx="1"/>
+          </p:nvPr>
+        </p:nvSpPr>
+        <p:spPr/>
+        <p:txBody>
+          <a:bodyPr/>
+          <a:lstStyle/>
+          <a:p>
+            <a:pPr marL="0" marR="0" lvl="0" indent="0" algn="l" defTabSz="685800" rtl="0" eaLnBrk="1" fontAlgn="auto" latinLnBrk="1" hangingPunct="1">
+              <a:lnSpc>
+                <a:spcPct val="100000"/>
+              </a:lnSpc>
+              <a:spcBef>
+                <a:spcPts val="0"/>
+              </a:spcBef>
+              <a:spcAft>
+                <a:spcPts val="0"/>
+              </a:spcAft>
+              <a:buClrTx/>
+              <a:buSzTx/>
+              <a:buFontTx/>
+              <a:buNone/>
+              <a:tabLst/>
+              <a:defRPr/>
+            </a:pPr>
+            <a:r>
+              <a:rPr lang="ko-KR" altLang="en-US" dirty="0"/>
+              <a:t>결국 중요한 키워드는 함수를 </a:t>
+            </a:r>
+            <a:r>
+              <a:rPr lang="ko-KR" altLang="en-US" b="1" u="sng" dirty="0"/>
+              <a:t>일시 정지</a:t>
+            </a:r>
+            <a:r>
+              <a:rPr lang="ko-KR" altLang="en-US" dirty="0"/>
+              <a:t>하고 </a:t>
+            </a:r>
+            <a:r>
+              <a:rPr lang="ko-KR" altLang="en-US" b="1" u="sng" dirty="0"/>
+              <a:t>재개</a:t>
+            </a:r>
+            <a:r>
+              <a:rPr lang="ko-KR" altLang="en-US" dirty="0"/>
+              <a:t>할 수 있다는 건데요</a:t>
+            </a:r>
+            <a:r>
+              <a:rPr lang="en-US" altLang="ko-KR" dirty="0"/>
+              <a:t>.</a:t>
+            </a:r>
+          </a:p>
+          <a:p>
+            <a:endParaRPr lang="en-US" altLang="ko-KR" dirty="0"/>
+          </a:p>
+          <a:p>
+            <a:r>
+              <a:rPr lang="en-US" altLang="ko-KR" dirty="0"/>
+              <a:t>Coroutine </a:t>
+            </a:r>
+            <a:r>
+              <a:rPr lang="ko-KR" altLang="en-US" dirty="0"/>
+              <a:t>함수가 어떤 식으로 동작하는지</a:t>
+            </a:r>
+            <a:r>
+              <a:rPr lang="en-US" altLang="ko-KR" dirty="0"/>
+              <a:t>, </a:t>
+            </a:r>
+            <a:r>
+              <a:rPr lang="ko-KR" altLang="en-US" dirty="0"/>
+              <a:t>지금부터 </a:t>
+            </a:r>
+            <a:r>
+              <a:rPr lang="en-US" altLang="ko-KR" dirty="0"/>
+              <a:t>CPS </a:t>
+            </a:r>
+            <a:r>
+              <a:rPr lang="ko-KR" altLang="en-US" dirty="0"/>
+              <a:t>패턴을 통해 조금만 </a:t>
+            </a:r>
+            <a:r>
+              <a:rPr lang="ko-KR" altLang="en-US" dirty="0" err="1"/>
+              <a:t>깊이있게</a:t>
+            </a:r>
+            <a:r>
+              <a:rPr lang="ko-KR" altLang="en-US" dirty="0"/>
+              <a:t> 말씀드려 보겠습니다</a:t>
+            </a:r>
+            <a:endParaRPr lang="en-US" altLang="ko-KR" dirty="0"/>
+          </a:p>
+          <a:p>
+            <a:endParaRPr lang="en-US" altLang="ko-KR" dirty="0"/>
+          </a:p>
+          <a:p>
+            <a:r>
+              <a:rPr lang="en-US" altLang="ko-KR" dirty="0"/>
+              <a:t>&lt;&lt;</a:t>
+            </a:r>
+            <a:r>
+              <a:rPr lang="ko-KR" altLang="en-US" dirty="0"/>
+              <a:t>설명</a:t>
+            </a:r>
+            <a:r>
+              <a:rPr lang="en-US" altLang="ko-KR" dirty="0"/>
+              <a:t>&gt;&gt;.</a:t>
+            </a:r>
+          </a:p>
+        </p:txBody>
+      </p:sp>
+      <p:sp>
+        <p:nvSpPr>
+          <p:cNvPr id="4" name="슬라이드 번호 개체 틀 3"/>
+          <p:cNvSpPr>
+            <a:spLocks noGrp="1"/>
+          </p:cNvSpPr>
+          <p:nvPr>
+            <p:ph type="sldNum" sz="quarter" idx="5"/>
+          </p:nvPr>
+        </p:nvSpPr>
+        <p:spPr/>
+        <p:txBody>
+          <a:bodyPr/>
+          <a:lstStyle/>
+          <a:p>
+            <a:fld id="{4F243B46-72FF-4656-838A-691B9EB329E3}" type="slidenum">
+              <a:rPr lang="ko-KR" altLang="en-US" smtClean="0"/>
+              <a:t>15</a:t>
+            </a:fld>
+            <a:endParaRPr lang="ko-KR" altLang="en-US"/>
+          </a:p>
+        </p:txBody>
+      </p:sp>
+    </p:spTree>
+    <p:extLst>
+      <p:ext uri="{BB962C8B-B14F-4D97-AF65-F5344CB8AC3E}">
+        <p14:creationId xmlns:p14="http://schemas.microsoft.com/office/powerpoint/2010/main" val="3373184498"/>
+      </p:ext>
+    </p:extLst>
+  </p:cSld>
+  <p:clrMapOvr>
+    <a:masterClrMapping/>
+  </p:clrMapOvr>
+</p:notes>
+</file>
+
+<file path=ppt/notesSlides/notesSlide16.xml><?xml version="1.0" encoding="utf-8"?>
+<p:notes xmlns:a="http://schemas.openxmlformats.org/drawingml/2006/main" xmlns:r="http://schemas.openxmlformats.org/officeDocument/2006/relationships" xmlns:p="http://schemas.openxmlformats.org/presentationml/2006/main">
+  <p:cSld>
+    <p:spTree>
+      <p:nvGrpSpPr>
+        <p:cNvPr id="1" name=""/>
+        <p:cNvGrpSpPr/>
+        <p:nvPr/>
+      </p:nvGrpSpPr>
+      <p:grpSpPr>
+        <a:xfrm>
+          <a:off x="0" y="0"/>
+          <a:ext cx="0" cy="0"/>
+          <a:chOff x="0" y="0"/>
+          <a:chExt cx="0" cy="0"/>
+        </a:xfrm>
+      </p:grpSpPr>
+      <p:sp>
+        <p:nvSpPr>
+          <p:cNvPr id="2" name="슬라이드 이미지 개체 틀 1"/>
+          <p:cNvSpPr>
+            <a:spLocks noGrp="1" noRot="1" noChangeAspect="1"/>
+          </p:cNvSpPr>
+          <p:nvPr>
+            <p:ph type="sldImg"/>
+          </p:nvPr>
+        </p:nvSpPr>
+        <p:spPr/>
+      </p:sp>
+      <p:sp>
+        <p:nvSpPr>
+          <p:cNvPr id="3" name="슬라이드 노트 개체 틀 2"/>
+          <p:cNvSpPr>
+            <a:spLocks noGrp="1"/>
+          </p:cNvSpPr>
+          <p:nvPr>
+            <p:ph type="body" idx="1"/>
+          </p:nvPr>
+        </p:nvSpPr>
+        <p:spPr/>
+        <p:txBody>
+          <a:bodyPr/>
+          <a:lstStyle/>
+          <a:p>
+            <a:endParaRPr lang="en-US" altLang="ko-KR" dirty="0"/>
+          </a:p>
+        </p:txBody>
+      </p:sp>
+      <p:sp>
+        <p:nvSpPr>
+          <p:cNvPr id="4" name="슬라이드 번호 개체 틀 3"/>
+          <p:cNvSpPr>
+            <a:spLocks noGrp="1"/>
+          </p:cNvSpPr>
+          <p:nvPr>
+            <p:ph type="sldNum" sz="quarter" idx="5"/>
+          </p:nvPr>
+        </p:nvSpPr>
+        <p:spPr/>
+        <p:txBody>
+          <a:bodyPr/>
+          <a:lstStyle/>
+          <a:p>
+            <a:fld id="{4F243B46-72FF-4656-838A-691B9EB329E3}" type="slidenum">
+              <a:rPr lang="ko-KR" altLang="en-US" smtClean="0"/>
+              <a:t>16</a:t>
+            </a:fld>
+            <a:endParaRPr lang="ko-KR" altLang="en-US"/>
+          </a:p>
+        </p:txBody>
+      </p:sp>
+    </p:spTree>
+    <p:extLst>
+      <p:ext uri="{BB962C8B-B14F-4D97-AF65-F5344CB8AC3E}">
+        <p14:creationId xmlns:p14="http://schemas.microsoft.com/office/powerpoint/2010/main" val="1225383310"/>
+      </p:ext>
+    </p:extLst>
+  </p:cSld>
+  <p:clrMapOvr>
+    <a:masterClrMapping/>
+  </p:clrMapOvr>
+</p:notes>
+</file>
+
+<file path=ppt/notesSlides/notesSlide17.xml><?xml version="1.0" encoding="utf-8"?>
+<p:notes xmlns:a="http://schemas.openxmlformats.org/drawingml/2006/main" xmlns:r="http://schemas.openxmlformats.org/officeDocument/2006/relationships" xmlns:p="http://schemas.openxmlformats.org/presentationml/2006/main">
+  <p:cSld>
+    <p:spTree>
+      <p:nvGrpSpPr>
+        <p:cNvPr id="1" name=""/>
+        <p:cNvGrpSpPr/>
+        <p:nvPr/>
+      </p:nvGrpSpPr>
+      <p:grpSpPr>
+        <a:xfrm>
+          <a:off x="0" y="0"/>
+          <a:ext cx="0" cy="0"/>
+          <a:chOff x="0" y="0"/>
+          <a:chExt cx="0" cy="0"/>
+        </a:xfrm>
+      </p:grpSpPr>
+      <p:sp>
+        <p:nvSpPr>
+          <p:cNvPr id="2" name="슬라이드 이미지 개체 틀 1"/>
+          <p:cNvSpPr>
+            <a:spLocks noGrp="1" noRot="1" noChangeAspect="1"/>
+          </p:cNvSpPr>
+          <p:nvPr>
+            <p:ph type="sldImg"/>
+          </p:nvPr>
+        </p:nvSpPr>
+        <p:spPr/>
+      </p:sp>
+      <p:sp>
+        <p:nvSpPr>
+          <p:cNvPr id="3" name="슬라이드 노트 개체 틀 2"/>
+          <p:cNvSpPr>
+            <a:spLocks noGrp="1"/>
+          </p:cNvSpPr>
+          <p:nvPr>
+            <p:ph type="body" idx="1"/>
+          </p:nvPr>
+        </p:nvSpPr>
+        <p:spPr/>
+        <p:txBody>
+          <a:bodyPr/>
+          <a:lstStyle/>
+          <a:p>
+            <a:endParaRPr lang="en-US" altLang="ko-KR" dirty="0"/>
+          </a:p>
+        </p:txBody>
+      </p:sp>
+      <p:sp>
+        <p:nvSpPr>
+          <p:cNvPr id="4" name="슬라이드 번호 개체 틀 3"/>
+          <p:cNvSpPr>
+            <a:spLocks noGrp="1"/>
+          </p:cNvSpPr>
+          <p:nvPr>
+            <p:ph type="sldNum" sz="quarter" idx="5"/>
+          </p:nvPr>
+        </p:nvSpPr>
+        <p:spPr/>
+        <p:txBody>
+          <a:bodyPr/>
+          <a:lstStyle/>
+          <a:p>
+            <a:fld id="{4F243B46-72FF-4656-838A-691B9EB329E3}" type="slidenum">
+              <a:rPr lang="ko-KR" altLang="en-US" smtClean="0"/>
+              <a:t>17</a:t>
+            </a:fld>
+            <a:endParaRPr lang="ko-KR" altLang="en-US"/>
+          </a:p>
+        </p:txBody>
+      </p:sp>
+    </p:spTree>
+    <p:extLst>
+      <p:ext uri="{BB962C8B-B14F-4D97-AF65-F5344CB8AC3E}">
+        <p14:creationId xmlns:p14="http://schemas.microsoft.com/office/powerpoint/2010/main" val="739124647"/>
+      </p:ext>
+    </p:extLst>
+  </p:cSld>
+  <p:clrMapOvr>
+    <a:masterClrMapping/>
+  </p:clrMapOvr>
+</p:notes>
+</file>
+
+<file path=ppt/notesSlides/notesSlide18.xml><?xml version="1.0" encoding="utf-8"?>
+<p:notes xmlns:a="http://schemas.openxmlformats.org/drawingml/2006/main" xmlns:r="http://schemas.openxmlformats.org/officeDocument/2006/relationships" xmlns:p="http://schemas.openxmlformats.org/presentationml/2006/main">
+  <p:cSld>
+    <p:spTree>
+      <p:nvGrpSpPr>
+        <p:cNvPr id="1" name=""/>
+        <p:cNvGrpSpPr/>
+        <p:nvPr/>
+      </p:nvGrpSpPr>
+      <p:grpSpPr>
+        <a:xfrm>
+          <a:off x="0" y="0"/>
+          <a:ext cx="0" cy="0"/>
+          <a:chOff x="0" y="0"/>
+          <a:chExt cx="0" cy="0"/>
+        </a:xfrm>
+      </p:grpSpPr>
+      <p:sp>
+        <p:nvSpPr>
+          <p:cNvPr id="2" name="슬라이드 이미지 개체 틀 1"/>
+          <p:cNvSpPr>
+            <a:spLocks noGrp="1" noRot="1" noChangeAspect="1"/>
+          </p:cNvSpPr>
+          <p:nvPr>
+            <p:ph type="sldImg"/>
+          </p:nvPr>
+        </p:nvSpPr>
+        <p:spPr/>
+      </p:sp>
+      <p:sp>
+        <p:nvSpPr>
+          <p:cNvPr id="3" name="슬라이드 노트 개체 틀 2"/>
+          <p:cNvSpPr>
+            <a:spLocks noGrp="1"/>
+          </p:cNvSpPr>
+          <p:nvPr>
+            <p:ph type="body" idx="1"/>
+          </p:nvPr>
+        </p:nvSpPr>
+        <p:spPr/>
+        <p:txBody>
+          <a:bodyPr/>
+          <a:lstStyle/>
+          <a:p>
+            <a:endParaRPr lang="en-US" altLang="ko-KR" dirty="0"/>
+          </a:p>
+        </p:txBody>
+      </p:sp>
+      <p:sp>
+        <p:nvSpPr>
+          <p:cNvPr id="4" name="슬라이드 번호 개체 틀 3"/>
+          <p:cNvSpPr>
+            <a:spLocks noGrp="1"/>
+          </p:cNvSpPr>
+          <p:nvPr>
+            <p:ph type="sldNum" sz="quarter" idx="5"/>
+          </p:nvPr>
+        </p:nvSpPr>
+        <p:spPr/>
+        <p:txBody>
+          <a:bodyPr/>
+          <a:lstStyle/>
+          <a:p>
+            <a:fld id="{4F243B46-72FF-4656-838A-691B9EB329E3}" type="slidenum">
+              <a:rPr lang="ko-KR" altLang="en-US" smtClean="0"/>
+              <a:t>18</a:t>
+            </a:fld>
+            <a:endParaRPr lang="ko-KR" altLang="en-US"/>
+          </a:p>
+        </p:txBody>
+      </p:sp>
+    </p:spTree>
+    <p:extLst>
+      <p:ext uri="{BB962C8B-B14F-4D97-AF65-F5344CB8AC3E}">
+        <p14:creationId xmlns:p14="http://schemas.microsoft.com/office/powerpoint/2010/main" val="2300136392"/>
+      </p:ext>
+    </p:extLst>
+  </p:cSld>
+  <p:clrMapOvr>
+    <a:masterClrMapping/>
+  </p:clrMapOvr>
+</p:notes>
+</file>
+
+<file path=ppt/notesSlides/notesSlide19.xml><?xml version="1.0" encoding="utf-8"?>
+<p:notes xmlns:a="http://schemas.openxmlformats.org/drawingml/2006/main" xmlns:r="http://schemas.openxmlformats.org/officeDocument/2006/relationships" xmlns:p="http://schemas.openxmlformats.org/presentationml/2006/main">
+  <p:cSld>
+    <p:spTree>
+      <p:nvGrpSpPr>
+        <p:cNvPr id="1" name=""/>
+        <p:cNvGrpSpPr/>
+        <p:nvPr/>
+      </p:nvGrpSpPr>
+      <p:grpSpPr>
+        <a:xfrm>
+          <a:off x="0" y="0"/>
+          <a:ext cx="0" cy="0"/>
+          <a:chOff x="0" y="0"/>
+          <a:chExt cx="0" cy="0"/>
+        </a:xfrm>
+      </p:grpSpPr>
+      <p:sp>
+        <p:nvSpPr>
+          <p:cNvPr id="2" name="슬라이드 이미지 개체 틀 1"/>
+          <p:cNvSpPr>
+            <a:spLocks noGrp="1" noRot="1" noChangeAspect="1"/>
+          </p:cNvSpPr>
+          <p:nvPr>
+            <p:ph type="sldImg"/>
+          </p:nvPr>
+        </p:nvSpPr>
+        <p:spPr/>
+      </p:sp>
+      <p:sp>
+        <p:nvSpPr>
+          <p:cNvPr id="3" name="슬라이드 노트 개체 틀 2"/>
+          <p:cNvSpPr>
+            <a:spLocks noGrp="1"/>
+          </p:cNvSpPr>
+          <p:nvPr>
+            <p:ph type="body" idx="1"/>
+          </p:nvPr>
+        </p:nvSpPr>
+        <p:spPr/>
+        <p:txBody>
+          <a:bodyPr/>
+          <a:lstStyle/>
+          <a:p>
+            <a:endParaRPr lang="en-US" altLang="ko-KR" dirty="0"/>
+          </a:p>
+        </p:txBody>
+      </p:sp>
+      <p:sp>
+        <p:nvSpPr>
+          <p:cNvPr id="4" name="슬라이드 번호 개체 틀 3"/>
+          <p:cNvSpPr>
+            <a:spLocks noGrp="1"/>
+          </p:cNvSpPr>
+          <p:nvPr>
+            <p:ph type="sldNum" sz="quarter" idx="5"/>
+          </p:nvPr>
+        </p:nvSpPr>
+        <p:spPr/>
+        <p:txBody>
+          <a:bodyPr/>
+          <a:lstStyle/>
+          <a:p>
+            <a:fld id="{4F243B46-72FF-4656-838A-691B9EB329E3}" type="slidenum">
+              <a:rPr lang="ko-KR" altLang="en-US" smtClean="0"/>
+              <a:t>19</a:t>
+            </a:fld>
+            <a:endParaRPr lang="ko-KR" altLang="en-US"/>
+          </a:p>
+        </p:txBody>
+      </p:sp>
+    </p:spTree>
+    <p:extLst>
+      <p:ext uri="{BB962C8B-B14F-4D97-AF65-F5344CB8AC3E}">
+        <p14:creationId xmlns:p14="http://schemas.microsoft.com/office/powerpoint/2010/main" val="829637563"/>
       </p:ext>
     </p:extLst>
   </p:cSld>
@@ -943,7 +2113,39 @@
           <a:bodyPr/>
           <a:lstStyle/>
           <a:p>
+            <a:r>
+              <a:rPr lang="en-US" altLang="ko-KR" dirty="0"/>
+              <a:t>Spring Reactor </a:t>
+            </a:r>
+            <a:r>
+              <a:rPr lang="ko-KR" altLang="en-US" dirty="0"/>
+              <a:t>홈페이지에 있는 내용을 그대로 가져왔는데요</a:t>
+            </a:r>
+            <a:r>
+              <a:rPr lang="en-US" altLang="ko-KR" dirty="0"/>
+              <a:t>.</a:t>
+            </a:r>
+          </a:p>
+          <a:p>
             <a:endParaRPr lang="en-US" altLang="ko-KR" dirty="0"/>
+          </a:p>
+          <a:p>
+            <a:r>
+              <a:rPr lang="ko-KR" altLang="en-US" dirty="0"/>
+              <a:t>주목할 점은</a:t>
+            </a:r>
+            <a:r>
+              <a:rPr lang="en-US" altLang="ko-KR" dirty="0"/>
+              <a:t>, </a:t>
+            </a:r>
+            <a:r>
+              <a:rPr lang="ko-KR" altLang="en-US" dirty="0"/>
+              <a:t>어디에도 쉽다는 이야기가 없습니다</a:t>
+            </a:r>
+            <a:r>
+              <a:rPr lang="en-US" altLang="ko-KR" dirty="0"/>
+              <a:t>.</a:t>
+            </a:r>
           </a:p>
         </p:txBody>
       </p:sp>
@@ -974,6 +2176,1088 @@
     <p:extLst>
       <p:ext uri="{BB962C8B-B14F-4D97-AF65-F5344CB8AC3E}">
         <p14:creationId xmlns:p14="http://schemas.microsoft.com/office/powerpoint/2010/main" val="218319445"/>
+      </p:ext>
+    </p:extLst>
+  </p:cSld>
+  <p:clrMapOvr>
+    <a:masterClrMapping/>
+  </p:clrMapOvr>
+</p:notes>
+</file>
+
+<file path=ppt/notesSlides/notesSlide20.xml><?xml version="1.0" encoding="utf-8"?>
+<p:notes xmlns:a="http://schemas.openxmlformats.org/drawingml/2006/main" xmlns:r="http://schemas.openxmlformats.org/officeDocument/2006/relationships" xmlns:p="http://schemas.openxmlformats.org/presentationml/2006/main">
+  <p:cSld>
+    <p:spTree>
+      <p:nvGrpSpPr>
+        <p:cNvPr id="1" name=""/>
+        <p:cNvGrpSpPr/>
+        <p:nvPr/>
+      </p:nvGrpSpPr>
+      <p:grpSpPr>
+        <a:xfrm>
+          <a:off x="0" y="0"/>
+          <a:ext cx="0" cy="0"/>
+          <a:chOff x="0" y="0"/>
+          <a:chExt cx="0" cy="0"/>
+        </a:xfrm>
+      </p:grpSpPr>
+      <p:sp>
+        <p:nvSpPr>
+          <p:cNvPr id="2" name="슬라이드 이미지 개체 틀 1"/>
+          <p:cNvSpPr>
+            <a:spLocks noGrp="1" noRot="1" noChangeAspect="1"/>
+          </p:cNvSpPr>
+          <p:nvPr>
+            <p:ph type="sldImg"/>
+          </p:nvPr>
+        </p:nvSpPr>
+        <p:spPr/>
+      </p:sp>
+      <p:sp>
+        <p:nvSpPr>
+          <p:cNvPr id="3" name="슬라이드 노트 개체 틀 2"/>
+          <p:cNvSpPr>
+            <a:spLocks noGrp="1"/>
+          </p:cNvSpPr>
+          <p:nvPr>
+            <p:ph type="body" idx="1"/>
+          </p:nvPr>
+        </p:nvSpPr>
+        <p:spPr/>
+        <p:txBody>
+          <a:bodyPr/>
+          <a:lstStyle/>
+          <a:p>
+            <a:endParaRPr lang="en-US" altLang="ko-KR" dirty="0"/>
+          </a:p>
+        </p:txBody>
+      </p:sp>
+      <p:sp>
+        <p:nvSpPr>
+          <p:cNvPr id="4" name="슬라이드 번호 개체 틀 3"/>
+          <p:cNvSpPr>
+            <a:spLocks noGrp="1"/>
+          </p:cNvSpPr>
+          <p:nvPr>
+            <p:ph type="sldNum" sz="quarter" idx="5"/>
+          </p:nvPr>
+        </p:nvSpPr>
+        <p:spPr/>
+        <p:txBody>
+          <a:bodyPr/>
+          <a:lstStyle/>
+          <a:p>
+            <a:fld id="{4F243B46-72FF-4656-838A-691B9EB329E3}" type="slidenum">
+              <a:rPr lang="ko-KR" altLang="en-US" smtClean="0"/>
+              <a:t>20</a:t>
+            </a:fld>
+            <a:endParaRPr lang="ko-KR" altLang="en-US"/>
+          </a:p>
+        </p:txBody>
+      </p:sp>
+    </p:spTree>
+    <p:extLst>
+      <p:ext uri="{BB962C8B-B14F-4D97-AF65-F5344CB8AC3E}">
+        <p14:creationId xmlns:p14="http://schemas.microsoft.com/office/powerpoint/2010/main" val="2596946888"/>
+      </p:ext>
+    </p:extLst>
+  </p:cSld>
+  <p:clrMapOvr>
+    <a:masterClrMapping/>
+  </p:clrMapOvr>
+</p:notes>
+</file>
+
+<file path=ppt/notesSlides/notesSlide21.xml><?xml version="1.0" encoding="utf-8"?>
+<p:notes xmlns:a="http://schemas.openxmlformats.org/drawingml/2006/main" xmlns:r="http://schemas.openxmlformats.org/officeDocument/2006/relationships" xmlns:p="http://schemas.openxmlformats.org/presentationml/2006/main">
+  <p:cSld>
+    <p:spTree>
+      <p:nvGrpSpPr>
+        <p:cNvPr id="1" name=""/>
+        <p:cNvGrpSpPr/>
+        <p:nvPr/>
+      </p:nvGrpSpPr>
+      <p:grpSpPr>
+        <a:xfrm>
+          <a:off x="0" y="0"/>
+          <a:ext cx="0" cy="0"/>
+          <a:chOff x="0" y="0"/>
+          <a:chExt cx="0" cy="0"/>
+        </a:xfrm>
+      </p:grpSpPr>
+      <p:sp>
+        <p:nvSpPr>
+          <p:cNvPr id="2" name="슬라이드 이미지 개체 틀 1"/>
+          <p:cNvSpPr>
+            <a:spLocks noGrp="1" noRot="1" noChangeAspect="1"/>
+          </p:cNvSpPr>
+          <p:nvPr>
+            <p:ph type="sldImg"/>
+          </p:nvPr>
+        </p:nvSpPr>
+        <p:spPr/>
+      </p:sp>
+      <p:sp>
+        <p:nvSpPr>
+          <p:cNvPr id="3" name="슬라이드 노트 개체 틀 2"/>
+          <p:cNvSpPr>
+            <a:spLocks noGrp="1"/>
+          </p:cNvSpPr>
+          <p:nvPr>
+            <p:ph type="body" idx="1"/>
+          </p:nvPr>
+        </p:nvSpPr>
+        <p:spPr/>
+        <p:txBody>
+          <a:bodyPr/>
+          <a:lstStyle/>
+          <a:p>
+            <a:r>
+              <a:rPr lang="en-US" altLang="ko-KR" dirty="0"/>
+              <a:t>Spring MVC</a:t>
+            </a:r>
+            <a:r>
+              <a:rPr lang="ko-KR" altLang="en-US" dirty="0"/>
+              <a:t>에서 만들었던 </a:t>
+            </a:r>
+            <a:r>
+              <a:rPr lang="en-US" altLang="ko-KR" dirty="0"/>
+              <a:t>application </a:t>
+            </a:r>
+            <a:r>
+              <a:rPr lang="ko-KR" altLang="en-US" dirty="0"/>
+              <a:t>을 그대로 </a:t>
+            </a:r>
+            <a:r>
+              <a:rPr lang="en-US" altLang="ko-KR" dirty="0"/>
+              <a:t>Spring </a:t>
+            </a:r>
+            <a:r>
+              <a:rPr lang="en-US" altLang="ko-KR" dirty="0" err="1"/>
+              <a:t>Webflux</a:t>
+            </a:r>
+            <a:r>
+              <a:rPr lang="ko-KR" altLang="en-US" dirty="0"/>
+              <a:t> 기반의 비동기 서비스로 다시 구현해 보도록 하겠습니다</a:t>
+            </a:r>
+            <a:r>
+              <a:rPr lang="en-US" altLang="ko-KR" dirty="0"/>
+              <a:t>.</a:t>
+            </a:r>
+          </a:p>
+          <a:p>
+            <a:endParaRPr lang="en-US" altLang="ko-KR" dirty="0"/>
+          </a:p>
+          <a:p>
+            <a:r>
+              <a:rPr lang="ko-KR" altLang="en-US" dirty="0"/>
+              <a:t>이번 챕터에서는 </a:t>
+            </a:r>
+            <a:r>
+              <a:rPr lang="en-US" altLang="ko-KR" dirty="0" err="1"/>
+              <a:t>Webflux</a:t>
+            </a:r>
+            <a:r>
+              <a:rPr lang="en-US" altLang="ko-KR" dirty="0"/>
+              <a:t> </a:t>
+            </a:r>
+            <a:r>
+              <a:rPr lang="ko-KR" altLang="en-US" dirty="0"/>
+              <a:t>공식 </a:t>
+            </a:r>
+            <a:r>
+              <a:rPr lang="en-US" altLang="ko-KR" dirty="0"/>
+              <a:t>Reactive library</a:t>
+            </a:r>
+            <a:r>
+              <a:rPr lang="ko-KR" altLang="en-US" dirty="0"/>
+              <a:t>인 </a:t>
+            </a:r>
+            <a:r>
+              <a:rPr lang="en-US" altLang="ko-KR" dirty="0"/>
+              <a:t>Reactor</a:t>
+            </a:r>
+            <a:r>
+              <a:rPr lang="ko-KR" altLang="en-US" dirty="0"/>
+              <a:t>를 사용해 보겠습니다</a:t>
+            </a:r>
+            <a:r>
+              <a:rPr lang="en-US" altLang="ko-KR" dirty="0"/>
+              <a:t>.</a:t>
+            </a:r>
+          </a:p>
+        </p:txBody>
+      </p:sp>
+      <p:sp>
+        <p:nvSpPr>
+          <p:cNvPr id="4" name="슬라이드 번호 개체 틀 3"/>
+          <p:cNvSpPr>
+            <a:spLocks noGrp="1"/>
+          </p:cNvSpPr>
+          <p:nvPr>
+            <p:ph type="sldNum" sz="quarter" idx="5"/>
+          </p:nvPr>
+        </p:nvSpPr>
+        <p:spPr/>
+        <p:txBody>
+          <a:bodyPr/>
+          <a:lstStyle/>
+          <a:p>
+            <a:fld id="{4F243B46-72FF-4656-838A-691B9EB329E3}" type="slidenum">
+              <a:rPr lang="ko-KR" altLang="en-US" smtClean="0"/>
+              <a:t>21</a:t>
+            </a:fld>
+            <a:endParaRPr lang="ko-KR" altLang="en-US"/>
+          </a:p>
+        </p:txBody>
+      </p:sp>
+    </p:spTree>
+    <p:extLst>
+      <p:ext uri="{BB962C8B-B14F-4D97-AF65-F5344CB8AC3E}">
+        <p14:creationId xmlns:p14="http://schemas.microsoft.com/office/powerpoint/2010/main" val="431094541"/>
+      </p:ext>
+    </p:extLst>
+  </p:cSld>
+  <p:clrMapOvr>
+    <a:masterClrMapping/>
+  </p:clrMapOvr>
+</p:notes>
+</file>
+
+<file path=ppt/notesSlides/notesSlide22.xml><?xml version="1.0" encoding="utf-8"?>
+<p:notes xmlns:a="http://schemas.openxmlformats.org/drawingml/2006/main" xmlns:r="http://schemas.openxmlformats.org/officeDocument/2006/relationships" xmlns:p="http://schemas.openxmlformats.org/presentationml/2006/main">
+  <p:cSld>
+    <p:spTree>
+      <p:nvGrpSpPr>
+        <p:cNvPr id="1" name=""/>
+        <p:cNvGrpSpPr/>
+        <p:nvPr/>
+      </p:nvGrpSpPr>
+      <p:grpSpPr>
+        <a:xfrm>
+          <a:off x="0" y="0"/>
+          <a:ext cx="0" cy="0"/>
+          <a:chOff x="0" y="0"/>
+          <a:chExt cx="0" cy="0"/>
+        </a:xfrm>
+      </p:grpSpPr>
+      <p:sp>
+        <p:nvSpPr>
+          <p:cNvPr id="2" name="슬라이드 이미지 개체 틀 1"/>
+          <p:cNvSpPr>
+            <a:spLocks noGrp="1" noRot="1" noChangeAspect="1"/>
+          </p:cNvSpPr>
+          <p:nvPr>
+            <p:ph type="sldImg"/>
+          </p:nvPr>
+        </p:nvSpPr>
+        <p:spPr/>
+      </p:sp>
+      <p:sp>
+        <p:nvSpPr>
+          <p:cNvPr id="3" name="슬라이드 노트 개체 틀 2"/>
+          <p:cNvSpPr>
+            <a:spLocks noGrp="1"/>
+          </p:cNvSpPr>
+          <p:nvPr>
+            <p:ph type="body" idx="1"/>
+          </p:nvPr>
+        </p:nvSpPr>
+        <p:spPr/>
+        <p:txBody>
+          <a:bodyPr/>
+          <a:lstStyle/>
+          <a:p>
+            <a:endParaRPr lang="en-US" altLang="ko-KR" dirty="0"/>
+          </a:p>
+        </p:txBody>
+      </p:sp>
+      <p:sp>
+        <p:nvSpPr>
+          <p:cNvPr id="4" name="슬라이드 번호 개체 틀 3"/>
+          <p:cNvSpPr>
+            <a:spLocks noGrp="1"/>
+          </p:cNvSpPr>
+          <p:nvPr>
+            <p:ph type="sldNum" sz="quarter" idx="5"/>
+          </p:nvPr>
+        </p:nvSpPr>
+        <p:spPr/>
+        <p:txBody>
+          <a:bodyPr/>
+          <a:lstStyle/>
+          <a:p>
+            <a:fld id="{4F243B46-72FF-4656-838A-691B9EB329E3}" type="slidenum">
+              <a:rPr lang="ko-KR" altLang="en-US" smtClean="0"/>
+              <a:t>22</a:t>
+            </a:fld>
+            <a:endParaRPr lang="ko-KR" altLang="en-US"/>
+          </a:p>
+        </p:txBody>
+      </p:sp>
+    </p:spTree>
+    <p:extLst>
+      <p:ext uri="{BB962C8B-B14F-4D97-AF65-F5344CB8AC3E}">
+        <p14:creationId xmlns:p14="http://schemas.microsoft.com/office/powerpoint/2010/main" val="3409483807"/>
+      </p:ext>
+    </p:extLst>
+  </p:cSld>
+  <p:clrMapOvr>
+    <a:masterClrMapping/>
+  </p:clrMapOvr>
+</p:notes>
+</file>
+
+<file path=ppt/notesSlides/notesSlide23.xml><?xml version="1.0" encoding="utf-8"?>
+<p:notes xmlns:a="http://schemas.openxmlformats.org/drawingml/2006/main" xmlns:r="http://schemas.openxmlformats.org/officeDocument/2006/relationships" xmlns:p="http://schemas.openxmlformats.org/presentationml/2006/main">
+  <p:cSld>
+    <p:spTree>
+      <p:nvGrpSpPr>
+        <p:cNvPr id="1" name=""/>
+        <p:cNvGrpSpPr/>
+        <p:nvPr/>
+      </p:nvGrpSpPr>
+      <p:grpSpPr>
+        <a:xfrm>
+          <a:off x="0" y="0"/>
+          <a:ext cx="0" cy="0"/>
+          <a:chOff x="0" y="0"/>
+          <a:chExt cx="0" cy="0"/>
+        </a:xfrm>
+      </p:grpSpPr>
+      <p:sp>
+        <p:nvSpPr>
+          <p:cNvPr id="2" name="슬라이드 이미지 개체 틀 1"/>
+          <p:cNvSpPr>
+            <a:spLocks noGrp="1" noRot="1" noChangeAspect="1"/>
+          </p:cNvSpPr>
+          <p:nvPr>
+            <p:ph type="sldImg"/>
+          </p:nvPr>
+        </p:nvSpPr>
+        <p:spPr/>
+      </p:sp>
+      <p:sp>
+        <p:nvSpPr>
+          <p:cNvPr id="3" name="슬라이드 노트 개체 틀 2"/>
+          <p:cNvSpPr>
+            <a:spLocks noGrp="1"/>
+          </p:cNvSpPr>
+          <p:nvPr>
+            <p:ph type="body" idx="1"/>
+          </p:nvPr>
+        </p:nvSpPr>
+        <p:spPr/>
+        <p:txBody>
+          <a:bodyPr/>
+          <a:lstStyle/>
+          <a:p>
+            <a:endParaRPr lang="en-US" altLang="ko-KR" dirty="0"/>
+          </a:p>
+        </p:txBody>
+      </p:sp>
+      <p:sp>
+        <p:nvSpPr>
+          <p:cNvPr id="4" name="슬라이드 번호 개체 틀 3"/>
+          <p:cNvSpPr>
+            <a:spLocks noGrp="1"/>
+          </p:cNvSpPr>
+          <p:nvPr>
+            <p:ph type="sldNum" sz="quarter" idx="5"/>
+          </p:nvPr>
+        </p:nvSpPr>
+        <p:spPr/>
+        <p:txBody>
+          <a:bodyPr/>
+          <a:lstStyle/>
+          <a:p>
+            <a:fld id="{4F243B46-72FF-4656-838A-691B9EB329E3}" type="slidenum">
+              <a:rPr lang="ko-KR" altLang="en-US" smtClean="0"/>
+              <a:t>23</a:t>
+            </a:fld>
+            <a:endParaRPr lang="ko-KR" altLang="en-US"/>
+          </a:p>
+        </p:txBody>
+      </p:sp>
+    </p:spTree>
+    <p:extLst>
+      <p:ext uri="{BB962C8B-B14F-4D97-AF65-F5344CB8AC3E}">
+        <p14:creationId xmlns:p14="http://schemas.microsoft.com/office/powerpoint/2010/main" val="258231917"/>
+      </p:ext>
+    </p:extLst>
+  </p:cSld>
+  <p:clrMapOvr>
+    <a:masterClrMapping/>
+  </p:clrMapOvr>
+</p:notes>
+</file>
+
+<file path=ppt/notesSlides/notesSlide24.xml><?xml version="1.0" encoding="utf-8"?>
+<p:notes xmlns:a="http://schemas.openxmlformats.org/drawingml/2006/main" xmlns:r="http://schemas.openxmlformats.org/officeDocument/2006/relationships" xmlns:p="http://schemas.openxmlformats.org/presentationml/2006/main">
+  <p:cSld>
+    <p:spTree>
+      <p:nvGrpSpPr>
+        <p:cNvPr id="1" name=""/>
+        <p:cNvGrpSpPr/>
+        <p:nvPr/>
+      </p:nvGrpSpPr>
+      <p:grpSpPr>
+        <a:xfrm>
+          <a:off x="0" y="0"/>
+          <a:ext cx="0" cy="0"/>
+          <a:chOff x="0" y="0"/>
+          <a:chExt cx="0" cy="0"/>
+        </a:xfrm>
+      </p:grpSpPr>
+      <p:sp>
+        <p:nvSpPr>
+          <p:cNvPr id="2" name="슬라이드 이미지 개체 틀 1"/>
+          <p:cNvSpPr>
+            <a:spLocks noGrp="1" noRot="1" noChangeAspect="1"/>
+          </p:cNvSpPr>
+          <p:nvPr>
+            <p:ph type="sldImg"/>
+          </p:nvPr>
+        </p:nvSpPr>
+        <p:spPr/>
+      </p:sp>
+      <p:sp>
+        <p:nvSpPr>
+          <p:cNvPr id="3" name="슬라이드 노트 개체 틀 2"/>
+          <p:cNvSpPr>
+            <a:spLocks noGrp="1"/>
+          </p:cNvSpPr>
+          <p:nvPr>
+            <p:ph type="body" idx="1"/>
+          </p:nvPr>
+        </p:nvSpPr>
+        <p:spPr/>
+        <p:txBody>
+          <a:bodyPr/>
+          <a:lstStyle/>
+          <a:p>
+            <a:endParaRPr lang="en-US" altLang="ko-KR" dirty="0"/>
+          </a:p>
+          <a:p>
+            <a:r>
+              <a:rPr lang="en-US" altLang="ko-KR" dirty="0" err="1"/>
+              <a:t>Netty</a:t>
+            </a:r>
+            <a:r>
+              <a:rPr lang="ko-KR" altLang="en-US" dirty="0"/>
+              <a:t> 주요 개념</a:t>
+            </a:r>
+            <a:endParaRPr lang="en-US" altLang="ko-KR" dirty="0"/>
+          </a:p>
+          <a:p>
+            <a:pPr marL="171450" indent="-171450">
+              <a:buFont typeface="Arial" panose="020B0604020202020204" pitchFamily="34" charset="0"/>
+              <a:buChar char="•"/>
+            </a:pPr>
+            <a:r>
+              <a:rPr lang="en-US" altLang="ko-KR" dirty="0"/>
+              <a:t>Channel</a:t>
+            </a:r>
+          </a:p>
+          <a:p>
+            <a:pPr marL="171450" indent="-171450">
+              <a:buFont typeface="Arial" panose="020B0604020202020204" pitchFamily="34" charset="0"/>
+              <a:buChar char="•"/>
+            </a:pPr>
+            <a:r>
+              <a:rPr lang="en-US" altLang="ko-KR" dirty="0"/>
+              <a:t>Channel pipeline</a:t>
+            </a:r>
+          </a:p>
+          <a:p>
+            <a:pPr marL="171450" indent="-171450">
+              <a:buFont typeface="Arial" panose="020B0604020202020204" pitchFamily="34" charset="0"/>
+              <a:buChar char="•"/>
+            </a:pPr>
+            <a:r>
+              <a:rPr lang="en-US" altLang="ko-KR" dirty="0"/>
+              <a:t>Handler</a:t>
+            </a:r>
+          </a:p>
+          <a:p>
+            <a:pPr marL="171450" indent="-171450">
+              <a:buFont typeface="Arial" panose="020B0604020202020204" pitchFamily="34" charset="0"/>
+              <a:buChar char="•"/>
+            </a:pPr>
+            <a:r>
+              <a:rPr lang="en-US" altLang="ko-KR" dirty="0"/>
+              <a:t>Channel Buffer</a:t>
+            </a:r>
+          </a:p>
+          <a:p>
+            <a:pPr marL="171450" indent="-171450">
+              <a:buFont typeface="Arial" panose="020B0604020202020204" pitchFamily="34" charset="0"/>
+              <a:buChar char="•"/>
+            </a:pPr>
+            <a:r>
+              <a:rPr lang="en-US" altLang="ko-KR" dirty="0"/>
+              <a:t>Decoder / Encoder</a:t>
+            </a:r>
+          </a:p>
+          <a:p>
+            <a:pPr marL="171450" indent="-171450">
+              <a:buFont typeface="Arial" panose="020B0604020202020204" pitchFamily="34" charset="0"/>
+              <a:buChar char="•"/>
+            </a:pPr>
+            <a:r>
+              <a:rPr lang="en-US" altLang="ko-KR" dirty="0"/>
+              <a:t>Frame</a:t>
+            </a:r>
+          </a:p>
+        </p:txBody>
+      </p:sp>
+      <p:sp>
+        <p:nvSpPr>
+          <p:cNvPr id="4" name="슬라이드 번호 개체 틀 3"/>
+          <p:cNvSpPr>
+            <a:spLocks noGrp="1"/>
+          </p:cNvSpPr>
+          <p:nvPr>
+            <p:ph type="sldNum" sz="quarter" idx="5"/>
+          </p:nvPr>
+        </p:nvSpPr>
+        <p:spPr/>
+        <p:txBody>
+          <a:bodyPr/>
+          <a:lstStyle/>
+          <a:p>
+            <a:fld id="{4F243B46-72FF-4656-838A-691B9EB329E3}" type="slidenum">
+              <a:rPr lang="ko-KR" altLang="en-US" smtClean="0"/>
+              <a:t>24</a:t>
+            </a:fld>
+            <a:endParaRPr lang="ko-KR" altLang="en-US"/>
+          </a:p>
+        </p:txBody>
+      </p:sp>
+    </p:spTree>
+    <p:extLst>
+      <p:ext uri="{BB962C8B-B14F-4D97-AF65-F5344CB8AC3E}">
+        <p14:creationId xmlns:p14="http://schemas.microsoft.com/office/powerpoint/2010/main" val="543300377"/>
+      </p:ext>
+    </p:extLst>
+  </p:cSld>
+  <p:clrMapOvr>
+    <a:masterClrMapping/>
+  </p:clrMapOvr>
+</p:notes>
+</file>
+
+<file path=ppt/notesSlides/notesSlide25.xml><?xml version="1.0" encoding="utf-8"?>
+<p:notes xmlns:a="http://schemas.openxmlformats.org/drawingml/2006/main" xmlns:r="http://schemas.openxmlformats.org/officeDocument/2006/relationships" xmlns:p="http://schemas.openxmlformats.org/presentationml/2006/main">
+  <p:cSld>
+    <p:spTree>
+      <p:nvGrpSpPr>
+        <p:cNvPr id="1" name=""/>
+        <p:cNvGrpSpPr/>
+        <p:nvPr/>
+      </p:nvGrpSpPr>
+      <p:grpSpPr>
+        <a:xfrm>
+          <a:off x="0" y="0"/>
+          <a:ext cx="0" cy="0"/>
+          <a:chOff x="0" y="0"/>
+          <a:chExt cx="0" cy="0"/>
+        </a:xfrm>
+      </p:grpSpPr>
+      <p:sp>
+        <p:nvSpPr>
+          <p:cNvPr id="2" name="슬라이드 이미지 개체 틀 1"/>
+          <p:cNvSpPr>
+            <a:spLocks noGrp="1" noRot="1" noChangeAspect="1"/>
+          </p:cNvSpPr>
+          <p:nvPr>
+            <p:ph type="sldImg"/>
+          </p:nvPr>
+        </p:nvSpPr>
+        <p:spPr/>
+      </p:sp>
+      <p:sp>
+        <p:nvSpPr>
+          <p:cNvPr id="3" name="슬라이드 노트 개체 틀 2"/>
+          <p:cNvSpPr>
+            <a:spLocks noGrp="1"/>
+          </p:cNvSpPr>
+          <p:nvPr>
+            <p:ph type="body" idx="1"/>
+          </p:nvPr>
+        </p:nvSpPr>
+        <p:spPr/>
+        <p:txBody>
+          <a:bodyPr/>
+          <a:lstStyle/>
+          <a:p>
+            <a:r>
+              <a:rPr lang="ko-KR" altLang="en-US" dirty="0"/>
+              <a:t>당시 </a:t>
+            </a:r>
+            <a:r>
+              <a:rPr lang="en-US" altLang="ko-KR" dirty="0"/>
+              <a:t>Netflix </a:t>
+            </a:r>
+            <a:r>
+              <a:rPr lang="ko-KR" altLang="en-US" dirty="0"/>
+              <a:t>에서도 </a:t>
+            </a:r>
+            <a:r>
+              <a:rPr lang="en-US" altLang="ko-KR" dirty="0"/>
+              <a:t>Microservice </a:t>
+            </a:r>
+            <a:r>
+              <a:rPr lang="ko-KR" altLang="en-US" dirty="0"/>
+              <a:t>간 부하 전파에 대해 비슷한 고민을 하고 있었으며</a:t>
+            </a:r>
+            <a:r>
+              <a:rPr lang="en-US" altLang="ko-KR" dirty="0"/>
+              <a:t>, </a:t>
+            </a:r>
+            <a:r>
+              <a:rPr lang="ko-KR" altLang="en-US" dirty="0"/>
+              <a:t>이를 </a:t>
+            </a:r>
+            <a:r>
+              <a:rPr lang="en-US" altLang="ko-KR" dirty="0" err="1"/>
+              <a:t>RxJava</a:t>
+            </a:r>
+            <a:r>
+              <a:rPr lang="ko-KR" altLang="en-US" dirty="0"/>
+              <a:t>란 비동기 </a:t>
+            </a:r>
+            <a:r>
+              <a:rPr lang="en-US" altLang="ko-KR" dirty="0"/>
+              <a:t>NIO </a:t>
+            </a:r>
+            <a:r>
+              <a:rPr lang="ko-KR" altLang="en-US" dirty="0"/>
+              <a:t>프레임워크로 해결</a:t>
+            </a:r>
+            <a:endParaRPr lang="en-US" altLang="ko-KR" dirty="0"/>
+          </a:p>
+          <a:p>
+            <a:endParaRPr lang="en-US" altLang="ko-KR" dirty="0"/>
+          </a:p>
+          <a:p>
+            <a:endParaRPr lang="en-US" altLang="ko-KR" dirty="0"/>
+          </a:p>
+          <a:p>
+            <a:endParaRPr lang="en-US" altLang="ko-KR" dirty="0"/>
+          </a:p>
+        </p:txBody>
+      </p:sp>
+      <p:sp>
+        <p:nvSpPr>
+          <p:cNvPr id="4" name="슬라이드 번호 개체 틀 3"/>
+          <p:cNvSpPr>
+            <a:spLocks noGrp="1"/>
+          </p:cNvSpPr>
+          <p:nvPr>
+            <p:ph type="sldNum" sz="quarter" idx="5"/>
+          </p:nvPr>
+        </p:nvSpPr>
+        <p:spPr/>
+        <p:txBody>
+          <a:bodyPr/>
+          <a:lstStyle/>
+          <a:p>
+            <a:fld id="{4F243B46-72FF-4656-838A-691B9EB329E3}" type="slidenum">
+              <a:rPr lang="ko-KR" altLang="en-US" smtClean="0"/>
+              <a:t>25</a:t>
+            </a:fld>
+            <a:endParaRPr lang="ko-KR" altLang="en-US"/>
+          </a:p>
+        </p:txBody>
+      </p:sp>
+    </p:spTree>
+    <p:extLst>
+      <p:ext uri="{BB962C8B-B14F-4D97-AF65-F5344CB8AC3E}">
+        <p14:creationId xmlns:p14="http://schemas.microsoft.com/office/powerpoint/2010/main" val="1287834120"/>
+      </p:ext>
+    </p:extLst>
+  </p:cSld>
+  <p:clrMapOvr>
+    <a:masterClrMapping/>
+  </p:clrMapOvr>
+</p:notes>
+</file>
+
+<file path=ppt/notesSlides/notesSlide26.xml><?xml version="1.0" encoding="utf-8"?>
+<p:notes xmlns:a="http://schemas.openxmlformats.org/drawingml/2006/main" xmlns:r="http://schemas.openxmlformats.org/officeDocument/2006/relationships" xmlns:p="http://schemas.openxmlformats.org/presentationml/2006/main">
+  <p:cSld>
+    <p:spTree>
+      <p:nvGrpSpPr>
+        <p:cNvPr id="1" name=""/>
+        <p:cNvGrpSpPr/>
+        <p:nvPr/>
+      </p:nvGrpSpPr>
+      <p:grpSpPr>
+        <a:xfrm>
+          <a:off x="0" y="0"/>
+          <a:ext cx="0" cy="0"/>
+          <a:chOff x="0" y="0"/>
+          <a:chExt cx="0" cy="0"/>
+        </a:xfrm>
+      </p:grpSpPr>
+      <p:sp>
+        <p:nvSpPr>
+          <p:cNvPr id="2" name="슬라이드 이미지 개체 틀 1"/>
+          <p:cNvSpPr>
+            <a:spLocks noGrp="1" noRot="1" noChangeAspect="1"/>
+          </p:cNvSpPr>
+          <p:nvPr>
+            <p:ph type="sldImg"/>
+          </p:nvPr>
+        </p:nvSpPr>
+        <p:spPr/>
+      </p:sp>
+      <p:sp>
+        <p:nvSpPr>
+          <p:cNvPr id="3" name="슬라이드 노트 개체 틀 2"/>
+          <p:cNvSpPr>
+            <a:spLocks noGrp="1"/>
+          </p:cNvSpPr>
+          <p:nvPr>
+            <p:ph type="body" idx="1"/>
+          </p:nvPr>
+        </p:nvSpPr>
+        <p:spPr/>
+        <p:txBody>
+          <a:bodyPr/>
+          <a:lstStyle/>
+          <a:p>
+            <a:r>
+              <a:rPr lang="ko-KR" altLang="en-US" dirty="0"/>
+              <a:t>구현해 볼 내용은 </a:t>
+            </a:r>
+            <a:r>
+              <a:rPr lang="en-US" altLang="ko-KR" dirty="0"/>
+              <a:t>Spring MVC</a:t>
+            </a:r>
+            <a:r>
+              <a:rPr lang="ko-KR" altLang="en-US" dirty="0"/>
+              <a:t>와 동일합니다</a:t>
+            </a:r>
+            <a:r>
+              <a:rPr lang="en-US" altLang="ko-KR" dirty="0"/>
+              <a:t>.</a:t>
+            </a:r>
+          </a:p>
+        </p:txBody>
+      </p:sp>
+      <p:sp>
+        <p:nvSpPr>
+          <p:cNvPr id="4" name="슬라이드 번호 개체 틀 3"/>
+          <p:cNvSpPr>
+            <a:spLocks noGrp="1"/>
+          </p:cNvSpPr>
+          <p:nvPr>
+            <p:ph type="sldNum" sz="quarter" idx="5"/>
+          </p:nvPr>
+        </p:nvSpPr>
+        <p:spPr/>
+        <p:txBody>
+          <a:bodyPr/>
+          <a:lstStyle/>
+          <a:p>
+            <a:fld id="{4F243B46-72FF-4656-838A-691B9EB329E3}" type="slidenum">
+              <a:rPr lang="ko-KR" altLang="en-US" smtClean="0"/>
+              <a:t>26</a:t>
+            </a:fld>
+            <a:endParaRPr lang="ko-KR" altLang="en-US"/>
+          </a:p>
+        </p:txBody>
+      </p:sp>
+    </p:spTree>
+    <p:extLst>
+      <p:ext uri="{BB962C8B-B14F-4D97-AF65-F5344CB8AC3E}">
+        <p14:creationId xmlns:p14="http://schemas.microsoft.com/office/powerpoint/2010/main" val="1978714165"/>
+      </p:ext>
+    </p:extLst>
+  </p:cSld>
+  <p:clrMapOvr>
+    <a:masterClrMapping/>
+  </p:clrMapOvr>
+</p:notes>
+</file>
+
+<file path=ppt/notesSlides/notesSlide27.xml><?xml version="1.0" encoding="utf-8"?>
+<p:notes xmlns:a="http://schemas.openxmlformats.org/drawingml/2006/main" xmlns:r="http://schemas.openxmlformats.org/officeDocument/2006/relationships" xmlns:p="http://schemas.openxmlformats.org/presentationml/2006/main">
+  <p:cSld>
+    <p:spTree>
+      <p:nvGrpSpPr>
+        <p:cNvPr id="1" name=""/>
+        <p:cNvGrpSpPr/>
+        <p:nvPr/>
+      </p:nvGrpSpPr>
+      <p:grpSpPr>
+        <a:xfrm>
+          <a:off x="0" y="0"/>
+          <a:ext cx="0" cy="0"/>
+          <a:chOff x="0" y="0"/>
+          <a:chExt cx="0" cy="0"/>
+        </a:xfrm>
+      </p:grpSpPr>
+      <p:sp>
+        <p:nvSpPr>
+          <p:cNvPr id="2" name="슬라이드 이미지 개체 틀 1"/>
+          <p:cNvSpPr>
+            <a:spLocks noGrp="1" noRot="1" noChangeAspect="1"/>
+          </p:cNvSpPr>
+          <p:nvPr>
+            <p:ph type="sldImg"/>
+          </p:nvPr>
+        </p:nvSpPr>
+        <p:spPr/>
+      </p:sp>
+      <p:sp>
+        <p:nvSpPr>
+          <p:cNvPr id="3" name="슬라이드 노트 개체 틀 2"/>
+          <p:cNvSpPr>
+            <a:spLocks noGrp="1"/>
+          </p:cNvSpPr>
+          <p:nvPr>
+            <p:ph type="body" idx="1"/>
+          </p:nvPr>
+        </p:nvSpPr>
+        <p:spPr/>
+        <p:txBody>
+          <a:bodyPr/>
+          <a:lstStyle/>
+          <a:p>
+            <a:endParaRPr lang="en-US" altLang="ko-KR" dirty="0"/>
+          </a:p>
+        </p:txBody>
+      </p:sp>
+      <p:sp>
+        <p:nvSpPr>
+          <p:cNvPr id="4" name="슬라이드 번호 개체 틀 3"/>
+          <p:cNvSpPr>
+            <a:spLocks noGrp="1"/>
+          </p:cNvSpPr>
+          <p:nvPr>
+            <p:ph type="sldNum" sz="quarter" idx="5"/>
+          </p:nvPr>
+        </p:nvSpPr>
+        <p:spPr/>
+        <p:txBody>
+          <a:bodyPr/>
+          <a:lstStyle/>
+          <a:p>
+            <a:fld id="{4F243B46-72FF-4656-838A-691B9EB329E3}" type="slidenum">
+              <a:rPr lang="ko-KR" altLang="en-US" smtClean="0"/>
+              <a:t>27</a:t>
+            </a:fld>
+            <a:endParaRPr lang="ko-KR" altLang="en-US"/>
+          </a:p>
+        </p:txBody>
+      </p:sp>
+    </p:spTree>
+    <p:extLst>
+      <p:ext uri="{BB962C8B-B14F-4D97-AF65-F5344CB8AC3E}">
+        <p14:creationId xmlns:p14="http://schemas.microsoft.com/office/powerpoint/2010/main" val="3800460661"/>
+      </p:ext>
+    </p:extLst>
+  </p:cSld>
+  <p:clrMapOvr>
+    <a:masterClrMapping/>
+  </p:clrMapOvr>
+</p:notes>
+</file>
+
+<file path=ppt/notesSlides/notesSlide28.xml><?xml version="1.0" encoding="utf-8"?>
+<p:notes xmlns:a="http://schemas.openxmlformats.org/drawingml/2006/main" xmlns:r="http://schemas.openxmlformats.org/officeDocument/2006/relationships" xmlns:p="http://schemas.openxmlformats.org/presentationml/2006/main">
+  <p:cSld>
+    <p:spTree>
+      <p:nvGrpSpPr>
+        <p:cNvPr id="1" name=""/>
+        <p:cNvGrpSpPr/>
+        <p:nvPr/>
+      </p:nvGrpSpPr>
+      <p:grpSpPr>
+        <a:xfrm>
+          <a:off x="0" y="0"/>
+          <a:ext cx="0" cy="0"/>
+          <a:chOff x="0" y="0"/>
+          <a:chExt cx="0" cy="0"/>
+        </a:xfrm>
+      </p:grpSpPr>
+      <p:sp>
+        <p:nvSpPr>
+          <p:cNvPr id="2" name="슬라이드 이미지 개체 틀 1"/>
+          <p:cNvSpPr>
+            <a:spLocks noGrp="1" noRot="1" noChangeAspect="1"/>
+          </p:cNvSpPr>
+          <p:nvPr>
+            <p:ph type="sldImg"/>
+          </p:nvPr>
+        </p:nvSpPr>
+        <p:spPr/>
+      </p:sp>
+      <p:sp>
+        <p:nvSpPr>
+          <p:cNvPr id="3" name="슬라이드 노트 개체 틀 2"/>
+          <p:cNvSpPr>
+            <a:spLocks noGrp="1"/>
+          </p:cNvSpPr>
+          <p:nvPr>
+            <p:ph type="body" idx="1"/>
+          </p:nvPr>
+        </p:nvSpPr>
+        <p:spPr/>
+        <p:txBody>
+          <a:bodyPr/>
+          <a:lstStyle/>
+          <a:p>
+            <a:r>
+              <a:rPr lang="ko-KR" altLang="en-US" dirty="0"/>
+              <a:t>지금부터는 동기 서비스를 본격적으로 구현해 보겠습니다</a:t>
+            </a:r>
+          </a:p>
+        </p:txBody>
+      </p:sp>
+      <p:sp>
+        <p:nvSpPr>
+          <p:cNvPr id="4" name="슬라이드 번호 개체 틀 3"/>
+          <p:cNvSpPr>
+            <a:spLocks noGrp="1"/>
+          </p:cNvSpPr>
+          <p:nvPr>
+            <p:ph type="sldNum" sz="quarter" idx="5"/>
+          </p:nvPr>
+        </p:nvSpPr>
+        <p:spPr/>
+        <p:txBody>
+          <a:bodyPr/>
+          <a:lstStyle/>
+          <a:p>
+            <a:fld id="{4F243B46-72FF-4656-838A-691B9EB329E3}" type="slidenum">
+              <a:rPr lang="ko-KR" altLang="en-US" smtClean="0"/>
+              <a:t>28</a:t>
+            </a:fld>
+            <a:endParaRPr lang="ko-KR" altLang="en-US"/>
+          </a:p>
+        </p:txBody>
+      </p:sp>
+    </p:spTree>
+    <p:extLst>
+      <p:ext uri="{BB962C8B-B14F-4D97-AF65-F5344CB8AC3E}">
+        <p14:creationId xmlns:p14="http://schemas.microsoft.com/office/powerpoint/2010/main" val="2672002668"/>
+      </p:ext>
+    </p:extLst>
+  </p:cSld>
+  <p:clrMapOvr>
+    <a:masterClrMapping/>
+  </p:clrMapOvr>
+</p:notes>
+</file>
+
+<file path=ppt/notesSlides/notesSlide29.xml><?xml version="1.0" encoding="utf-8"?>
+<p:notes xmlns:a="http://schemas.openxmlformats.org/drawingml/2006/main" xmlns:r="http://schemas.openxmlformats.org/officeDocument/2006/relationships" xmlns:p="http://schemas.openxmlformats.org/presentationml/2006/main">
+  <p:cSld>
+    <p:spTree>
+      <p:nvGrpSpPr>
+        <p:cNvPr id="1" name=""/>
+        <p:cNvGrpSpPr/>
+        <p:nvPr/>
+      </p:nvGrpSpPr>
+      <p:grpSpPr>
+        <a:xfrm>
+          <a:off x="0" y="0"/>
+          <a:ext cx="0" cy="0"/>
+          <a:chOff x="0" y="0"/>
+          <a:chExt cx="0" cy="0"/>
+        </a:xfrm>
+      </p:grpSpPr>
+      <p:sp>
+        <p:nvSpPr>
+          <p:cNvPr id="2" name="슬라이드 이미지 개체 틀 1"/>
+          <p:cNvSpPr>
+            <a:spLocks noGrp="1" noRot="1" noChangeAspect="1"/>
+          </p:cNvSpPr>
+          <p:nvPr>
+            <p:ph type="sldImg"/>
+          </p:nvPr>
+        </p:nvSpPr>
+        <p:spPr/>
+      </p:sp>
+      <p:sp>
+        <p:nvSpPr>
+          <p:cNvPr id="3" name="슬라이드 노트 개체 틀 2"/>
+          <p:cNvSpPr>
+            <a:spLocks noGrp="1"/>
+          </p:cNvSpPr>
+          <p:nvPr>
+            <p:ph type="body" idx="1"/>
+          </p:nvPr>
+        </p:nvSpPr>
+        <p:spPr/>
+        <p:txBody>
+          <a:bodyPr/>
+          <a:lstStyle/>
+          <a:p>
+            <a:r>
+              <a:rPr lang="ko-KR" altLang="en-US" dirty="0"/>
+              <a:t>모든 개발과정의 </a:t>
+            </a:r>
+            <a:r>
+              <a:rPr lang="ko-KR" altLang="en-US" dirty="0" err="1"/>
+              <a:t>기초죠</a:t>
+            </a:r>
+            <a:r>
+              <a:rPr lang="en-US" altLang="ko-KR" dirty="0"/>
+              <a:t>. Hello world</a:t>
+            </a:r>
+            <a:r>
+              <a:rPr lang="ko-KR" altLang="en-US" dirty="0"/>
+              <a:t>를 </a:t>
+            </a:r>
+            <a:r>
+              <a:rPr lang="en-US" altLang="ko-KR" dirty="0"/>
+              <a:t>API</a:t>
+            </a:r>
+            <a:r>
+              <a:rPr lang="ko-KR" altLang="en-US" dirty="0"/>
+              <a:t>로 구현해 보겠습니다</a:t>
+            </a:r>
+            <a:r>
+              <a:rPr lang="en-US" altLang="ko-KR" dirty="0"/>
+              <a:t>.</a:t>
+            </a:r>
+            <a:endParaRPr lang="ko-KR" altLang="en-US" dirty="0"/>
+          </a:p>
+        </p:txBody>
+      </p:sp>
+      <p:sp>
+        <p:nvSpPr>
+          <p:cNvPr id="4" name="슬라이드 번호 개체 틀 3"/>
+          <p:cNvSpPr>
+            <a:spLocks noGrp="1"/>
+          </p:cNvSpPr>
+          <p:nvPr>
+            <p:ph type="sldNum" sz="quarter" idx="5"/>
+          </p:nvPr>
+        </p:nvSpPr>
+        <p:spPr/>
+        <p:txBody>
+          <a:bodyPr/>
+          <a:lstStyle/>
+          <a:p>
+            <a:fld id="{4F243B46-72FF-4656-838A-691B9EB329E3}" type="slidenum">
+              <a:rPr lang="ko-KR" altLang="en-US" smtClean="0"/>
+              <a:t>29</a:t>
+            </a:fld>
+            <a:endParaRPr lang="ko-KR" altLang="en-US"/>
+          </a:p>
+        </p:txBody>
+      </p:sp>
+    </p:spTree>
+    <p:extLst>
+      <p:ext uri="{BB962C8B-B14F-4D97-AF65-F5344CB8AC3E}">
+        <p14:creationId xmlns:p14="http://schemas.microsoft.com/office/powerpoint/2010/main" val="3842670641"/>
       </p:ext>
     </p:extLst>
   </p:cSld>
@@ -1027,79 +3311,7 @@
           <a:bodyPr/>
           <a:lstStyle/>
           <a:p>
-            <a:r>
-              <a:rPr lang="en-US" altLang="ko-KR" dirty="0"/>
-              <a:t>Spring MVC</a:t>
-            </a:r>
-            <a:r>
-              <a:rPr lang="ko-KR" altLang="en-US" dirty="0"/>
-              <a:t>에서 만들었던 </a:t>
-            </a:r>
-            <a:r>
-              <a:rPr lang="en-US" altLang="ko-KR" dirty="0"/>
-              <a:t>application </a:t>
-            </a:r>
-            <a:r>
-              <a:rPr lang="ko-KR" altLang="en-US" dirty="0"/>
-              <a:t>을 그대로 </a:t>
-            </a:r>
-            <a:r>
-              <a:rPr lang="en-US" altLang="ko-KR" dirty="0"/>
-              <a:t>Spring </a:t>
-            </a:r>
-            <a:r>
-              <a:rPr lang="en-US" altLang="ko-KR" dirty="0" err="1"/>
-              <a:t>Webflux</a:t>
-            </a:r>
-            <a:r>
-              <a:rPr lang="ko-KR" altLang="en-US" dirty="0"/>
-              <a:t> 기반의 비동기 서비스로 다시 구현해 보도록 하겠습니다</a:t>
-            </a:r>
-            <a:r>
-              <a:rPr lang="en-US" altLang="ko-KR" dirty="0"/>
-              <a:t>.</a:t>
-            </a:r>
-          </a:p>
-          <a:p>
             <a:endParaRPr lang="en-US" altLang="ko-KR" dirty="0"/>
-          </a:p>
-          <a:p>
-            <a:r>
-              <a:rPr lang="ko-KR" altLang="en-US" dirty="0"/>
-              <a:t>이번 챕터에서는 </a:t>
-            </a:r>
-            <a:r>
-              <a:rPr lang="en-US" altLang="ko-KR" dirty="0" err="1"/>
-              <a:t>Webflux</a:t>
-            </a:r>
-            <a:r>
-              <a:rPr lang="en-US" altLang="ko-KR" dirty="0"/>
-              <a:t> </a:t>
-            </a:r>
-            <a:r>
-              <a:rPr lang="ko-KR" altLang="en-US" dirty="0"/>
-              <a:t>공식 </a:t>
-            </a:r>
-            <a:r>
-              <a:rPr lang="en-US" altLang="ko-KR" dirty="0"/>
-              <a:t>Reactive library</a:t>
-            </a:r>
-            <a:r>
-              <a:rPr lang="ko-KR" altLang="en-US" dirty="0"/>
-              <a:t>인 </a:t>
-            </a:r>
-            <a:r>
-              <a:rPr lang="en-US" altLang="ko-KR" dirty="0"/>
-              <a:t>Reactor</a:t>
-            </a:r>
-            <a:r>
-              <a:rPr lang="ko-KR" altLang="en-US" dirty="0"/>
-              <a:t>를 사용해 보겠습니다</a:t>
-            </a:r>
-            <a:r>
-              <a:rPr lang="en-US" altLang="ko-KR" dirty="0"/>
-              <a:t>.</a:t>
-            </a:r>
           </a:p>
         </p:txBody>
       </p:sp>
@@ -1129,7 +3341,91 @@
     </p:spTree>
     <p:extLst>
       <p:ext uri="{BB962C8B-B14F-4D97-AF65-F5344CB8AC3E}">
-        <p14:creationId xmlns:p14="http://schemas.microsoft.com/office/powerpoint/2010/main" val="243374130"/>
+        <p14:creationId xmlns:p14="http://schemas.microsoft.com/office/powerpoint/2010/main" val="3083668004"/>
+      </p:ext>
+    </p:extLst>
+  </p:cSld>
+  <p:clrMapOvr>
+    <a:masterClrMapping/>
+  </p:clrMapOvr>
+</p:notes>
+</file>
+
+<file path=ppt/notesSlides/notesSlide30.xml><?xml version="1.0" encoding="utf-8"?>
+<p:notes xmlns:a="http://schemas.openxmlformats.org/drawingml/2006/main" xmlns:r="http://schemas.openxmlformats.org/officeDocument/2006/relationships" xmlns:p="http://schemas.openxmlformats.org/presentationml/2006/main">
+  <p:cSld>
+    <p:spTree>
+      <p:nvGrpSpPr>
+        <p:cNvPr id="1" name=""/>
+        <p:cNvGrpSpPr/>
+        <p:nvPr/>
+      </p:nvGrpSpPr>
+      <p:grpSpPr>
+        <a:xfrm>
+          <a:off x="0" y="0"/>
+          <a:ext cx="0" cy="0"/>
+          <a:chOff x="0" y="0"/>
+          <a:chExt cx="0" cy="0"/>
+        </a:xfrm>
+      </p:grpSpPr>
+      <p:sp>
+        <p:nvSpPr>
+          <p:cNvPr id="2" name="슬라이드 이미지 개체 틀 1"/>
+          <p:cNvSpPr>
+            <a:spLocks noGrp="1" noRot="1" noChangeAspect="1"/>
+          </p:cNvSpPr>
+          <p:nvPr>
+            <p:ph type="sldImg"/>
+          </p:nvPr>
+        </p:nvSpPr>
+        <p:spPr/>
+      </p:sp>
+      <p:sp>
+        <p:nvSpPr>
+          <p:cNvPr id="3" name="슬라이드 노트 개체 틀 2"/>
+          <p:cNvSpPr>
+            <a:spLocks noGrp="1"/>
+          </p:cNvSpPr>
+          <p:nvPr>
+            <p:ph type="body" idx="1"/>
+          </p:nvPr>
+        </p:nvSpPr>
+        <p:spPr/>
+        <p:txBody>
+          <a:bodyPr/>
+          <a:lstStyle/>
+          <a:p>
+            <a:endParaRPr lang="ko-KR" altLang="en-US" dirty="0"/>
+          </a:p>
+        </p:txBody>
+      </p:sp>
+      <p:sp>
+        <p:nvSpPr>
+          <p:cNvPr id="4" name="슬라이드 번호 개체 틀 3"/>
+          <p:cNvSpPr>
+            <a:spLocks noGrp="1"/>
+          </p:cNvSpPr>
+          <p:nvPr>
+            <p:ph type="sldNum" sz="quarter" idx="5"/>
+          </p:nvPr>
+        </p:nvSpPr>
+        <p:spPr/>
+        <p:txBody>
+          <a:bodyPr/>
+          <a:lstStyle/>
+          <a:p>
+            <a:fld id="{4F243B46-72FF-4656-838A-691B9EB329E3}" type="slidenum">
+              <a:rPr lang="ko-KR" altLang="en-US" smtClean="0"/>
+              <a:t>31</a:t>
+            </a:fld>
+            <a:endParaRPr lang="ko-KR" altLang="en-US"/>
+          </a:p>
+        </p:txBody>
+      </p:sp>
+    </p:spTree>
+    <p:extLst>
+      <p:ext uri="{BB962C8B-B14F-4D97-AF65-F5344CB8AC3E}">
+        <p14:creationId xmlns:p14="http://schemas.microsoft.com/office/powerpoint/2010/main" val="747048193"/>
       </p:ext>
     </p:extLst>
   </p:cSld>
@@ -1213,7 +3509,7 @@
     </p:spTree>
     <p:extLst>
       <p:ext uri="{BB962C8B-B14F-4D97-AF65-F5344CB8AC3E}">
-        <p14:creationId xmlns:p14="http://schemas.microsoft.com/office/powerpoint/2010/main" val="3409483807"/>
+        <p14:creationId xmlns:p14="http://schemas.microsoft.com/office/powerpoint/2010/main" val="2740789685"/>
       </p:ext>
     </p:extLst>
   </p:cSld>
@@ -1267,7 +3563,375 @@
           <a:bodyPr/>
           <a:lstStyle/>
           <a:p>
+            <a:r>
+              <a:rPr lang="ko-KR" altLang="en-US" dirty="0"/>
+              <a:t>이건 </a:t>
+            </a:r>
+            <a:r>
+              <a:rPr lang="en-US" altLang="ko-KR" dirty="0"/>
+              <a:t>Spring reactive stack </a:t>
+            </a:r>
+            <a:r>
+              <a:rPr lang="ko-KR" altLang="en-US" dirty="0"/>
+              <a:t>에 있는 소스입니다</a:t>
+            </a:r>
+            <a:r>
+              <a:rPr lang="en-US" altLang="ko-KR" dirty="0"/>
+              <a:t>.</a:t>
+            </a:r>
+          </a:p>
+          <a:p>
             <a:endParaRPr lang="en-US" altLang="ko-KR" dirty="0"/>
+          </a:p>
+          <a:p>
+            <a:r>
+              <a:rPr lang="ko-KR" altLang="en-US" dirty="0"/>
+              <a:t>문맥을 몰라서 어렵기도 하겠지만</a:t>
+            </a:r>
+            <a:r>
+              <a:rPr lang="en-US" altLang="ko-KR" dirty="0"/>
+              <a:t>… </a:t>
+            </a:r>
+            <a:r>
+              <a:rPr lang="ko-KR" altLang="en-US" dirty="0"/>
+              <a:t>정말 코드가 눈에 들어오질 않습니다</a:t>
+            </a:r>
+            <a:r>
+              <a:rPr lang="en-US" altLang="ko-KR" dirty="0"/>
+              <a:t>.</a:t>
+            </a:r>
+          </a:p>
+          <a:p>
+            <a:endParaRPr lang="en-US" altLang="ko-KR" dirty="0"/>
+          </a:p>
+          <a:p>
+            <a:r>
+              <a:rPr lang="ko-KR" altLang="en-US" dirty="0"/>
+              <a:t>여기까지 오면</a:t>
+            </a:r>
+            <a:r>
+              <a:rPr lang="en-US" altLang="ko-KR" dirty="0"/>
+              <a:t>, </a:t>
+            </a:r>
+            <a:r>
+              <a:rPr lang="ko-KR" altLang="en-US" dirty="0"/>
+              <a:t>아</a:t>
+            </a:r>
+            <a:r>
+              <a:rPr lang="en-US" altLang="ko-KR" dirty="0"/>
+              <a:t>.. </a:t>
+            </a:r>
+            <a:r>
+              <a:rPr lang="ko-KR" altLang="en-US" dirty="0"/>
+              <a:t>내가 부족하구나</a:t>
+            </a:r>
+            <a:r>
+              <a:rPr lang="en-US" altLang="ko-KR" dirty="0"/>
+              <a:t>… </a:t>
+            </a:r>
+            <a:r>
+              <a:rPr lang="ko-KR" altLang="en-US" dirty="0"/>
+              <a:t>이런 생각을 하게 되는데요</a:t>
+            </a:r>
+            <a:r>
+              <a:rPr lang="en-US" altLang="ko-KR" dirty="0"/>
+              <a:t>.</a:t>
+            </a:r>
+          </a:p>
+          <a:p>
+            <a:endParaRPr lang="en-US" altLang="ko-KR" dirty="0"/>
+          </a:p>
+          <a:p>
+            <a:r>
+              <a:rPr lang="ko-KR" altLang="en-US" dirty="0"/>
+              <a:t>하지만 절대 그렇지 않습니다</a:t>
+            </a:r>
+            <a:r>
+              <a:rPr lang="en-US" altLang="ko-KR" dirty="0"/>
+              <a:t>.</a:t>
+            </a:r>
+          </a:p>
+          <a:p>
+            <a:endParaRPr lang="en-US" altLang="ko-KR" dirty="0"/>
+          </a:p>
+          <a:p>
+            <a:r>
+              <a:rPr lang="ko-KR" altLang="en-US" dirty="0"/>
+              <a:t>업계 </a:t>
+            </a:r>
+            <a:r>
+              <a:rPr lang="ko-KR" altLang="en-US" dirty="0" err="1"/>
+              <a:t>인플루언서들이</a:t>
+            </a:r>
+            <a:r>
+              <a:rPr lang="ko-KR" altLang="en-US" dirty="0"/>
+              <a:t> </a:t>
+            </a:r>
+            <a:r>
+              <a:rPr lang="en-US" altLang="ko-KR" dirty="0"/>
+              <a:t>Reactor </a:t>
+            </a:r>
+            <a:r>
+              <a:rPr lang="ko-KR" altLang="en-US" dirty="0"/>
+              <a:t>정도는 알아야 되</a:t>
+            </a:r>
+            <a:r>
+              <a:rPr lang="en-US" altLang="ko-KR" dirty="0"/>
+              <a:t>…</a:t>
+            </a:r>
+            <a:r>
+              <a:rPr lang="ko-KR" altLang="en-US" dirty="0"/>
+              <a:t> 이런 말 하시는 걸 </a:t>
+            </a:r>
+            <a:r>
+              <a:rPr lang="ko-KR" altLang="en-US" dirty="0" err="1"/>
+              <a:t>들어보신</a:t>
+            </a:r>
+            <a:r>
+              <a:rPr lang="ko-KR" altLang="en-US" dirty="0"/>
+              <a:t> 적 </a:t>
+            </a:r>
+            <a:r>
+              <a:rPr lang="ko-KR" altLang="en-US" dirty="0" err="1"/>
+              <a:t>있으실거에요</a:t>
+            </a:r>
+            <a:r>
+              <a:rPr lang="en-US" altLang="ko-KR" dirty="0"/>
+              <a:t>.</a:t>
+            </a:r>
+          </a:p>
+          <a:p>
+            <a:endParaRPr lang="en-US" altLang="ko-KR" dirty="0"/>
+          </a:p>
+          <a:p>
+            <a:r>
+              <a:rPr lang="ko-KR" altLang="en-US" dirty="0"/>
+              <a:t>이거 엄청 좋은 거고</a:t>
+            </a:r>
+            <a:r>
+              <a:rPr lang="en-US" altLang="ko-KR" dirty="0"/>
+              <a:t>, </a:t>
+            </a:r>
+            <a:r>
+              <a:rPr lang="ko-KR" altLang="en-US" dirty="0"/>
+              <a:t>이정도면 그렇게 어려운 것도 아닌데 뭘</a:t>
+            </a:r>
+            <a:r>
+              <a:rPr lang="en-US" altLang="ko-KR" dirty="0"/>
+              <a:t>. </a:t>
+            </a:r>
+            <a:r>
+              <a:rPr lang="ko-KR" altLang="en-US" dirty="0"/>
+              <a:t>조금만 노력하면 알 수 있는 건데</a:t>
+            </a:r>
+            <a:r>
+              <a:rPr lang="en-US" altLang="ko-KR" dirty="0"/>
+              <a:t>, </a:t>
+            </a:r>
+            <a:r>
+              <a:rPr lang="ko-KR" altLang="en-US" dirty="0"/>
+              <a:t>이게 이해 안가 </a:t>
+            </a:r>
+            <a:r>
+              <a:rPr lang="en-US" altLang="ko-KR" dirty="0"/>
+              <a:t>?</a:t>
+            </a:r>
+          </a:p>
+          <a:p>
+            <a:endParaRPr lang="en-US" altLang="ko-KR" dirty="0"/>
+          </a:p>
+          <a:p>
+            <a:r>
+              <a:rPr lang="ko-KR" altLang="en-US" dirty="0"/>
+              <a:t>그러면 넌 노력이 부족하거나</a:t>
+            </a:r>
+            <a:r>
+              <a:rPr lang="en-US" altLang="ko-KR" dirty="0"/>
+              <a:t>, </a:t>
+            </a:r>
+            <a:r>
+              <a:rPr lang="ko-KR" altLang="en-US" dirty="0"/>
+              <a:t>개발자로 소양이 없는 거야</a:t>
+            </a:r>
+            <a:r>
+              <a:rPr lang="en-US" altLang="ko-KR" dirty="0"/>
+              <a:t>…. </a:t>
+            </a:r>
+            <a:r>
+              <a:rPr lang="ko-KR" altLang="en-US" dirty="0"/>
+              <a:t>이런 분위기 있잖아요 </a:t>
+            </a:r>
+            <a:r>
+              <a:rPr lang="en-US" altLang="ko-KR" dirty="0"/>
+              <a:t>?</a:t>
+            </a:r>
+          </a:p>
+          <a:p>
+            <a:endParaRPr lang="en-US" altLang="ko-KR" dirty="0"/>
+          </a:p>
+          <a:p>
+            <a:r>
+              <a:rPr lang="ko-KR" altLang="en-US" dirty="0"/>
+              <a:t>그런데</a:t>
+            </a:r>
+            <a:r>
+              <a:rPr lang="en-US" altLang="ko-KR" dirty="0"/>
+              <a:t>, Reactor </a:t>
+            </a:r>
+            <a:r>
+              <a:rPr lang="ko-KR" altLang="en-US" dirty="0"/>
+              <a:t>가 세상에 나온 지 이제 </a:t>
+            </a:r>
+            <a:r>
+              <a:rPr lang="en-US" altLang="ko-KR" dirty="0"/>
+              <a:t>10</a:t>
+            </a:r>
+            <a:r>
+              <a:rPr lang="ko-KR" altLang="en-US" dirty="0"/>
+              <a:t>년이 됬습니다</a:t>
+            </a:r>
+            <a:r>
+              <a:rPr lang="en-US" altLang="ko-KR" dirty="0"/>
+              <a:t>.</a:t>
+            </a:r>
+          </a:p>
+          <a:p>
+            <a:endParaRPr lang="en-US" altLang="ko-KR" dirty="0"/>
+          </a:p>
+          <a:p>
+            <a:pPr marL="0" marR="0" lvl="0" indent="0" algn="l" defTabSz="685800" rtl="0" eaLnBrk="1" fontAlgn="auto" latinLnBrk="1" hangingPunct="1">
+              <a:lnSpc>
+                <a:spcPct val="100000"/>
+              </a:lnSpc>
+              <a:spcBef>
+                <a:spcPts val="0"/>
+              </a:spcBef>
+              <a:spcAft>
+                <a:spcPts val="0"/>
+              </a:spcAft>
+              <a:buClrTx/>
+              <a:buSzTx/>
+              <a:buFontTx/>
+              <a:buNone/>
+              <a:tabLst/>
+              <a:defRPr/>
+            </a:pPr>
+            <a:r>
+              <a:rPr lang="ko-KR" altLang="en-US" dirty="0"/>
+              <a:t>쓰는 사람이 적다는 건 </a:t>
+            </a:r>
+            <a:r>
+              <a:rPr lang="en-US" altLang="ko-KR" dirty="0"/>
+              <a:t>… </a:t>
+            </a:r>
+            <a:r>
+              <a:rPr lang="ko-KR" altLang="en-US" dirty="0"/>
+              <a:t>나만 어렵고 이상하다고 </a:t>
+            </a:r>
+            <a:r>
+              <a:rPr lang="ko-KR" altLang="en-US" dirty="0" err="1"/>
+              <a:t>느끼는게</a:t>
+            </a:r>
+            <a:r>
+              <a:rPr lang="ko-KR" altLang="en-US" dirty="0"/>
+              <a:t> 아니라는 말이지요</a:t>
+            </a:r>
+            <a:r>
+              <a:rPr lang="en-US" altLang="ko-KR" dirty="0"/>
+              <a:t>.</a:t>
+            </a:r>
+          </a:p>
+          <a:p>
+            <a:endParaRPr lang="en-US" altLang="ko-KR" dirty="0"/>
+          </a:p>
+          <a:p>
+            <a:r>
+              <a:rPr lang="en-US" altLang="ko-KR" dirty="0"/>
+              <a:t>Reactor </a:t>
+            </a:r>
+            <a:r>
+              <a:rPr lang="ko-KR" altLang="en-US" dirty="0"/>
+              <a:t>가 쓰기 불편하고 어렵다는 건 이제 정설로 굳었고</a:t>
+            </a:r>
+            <a:endParaRPr lang="en-US" altLang="ko-KR" dirty="0"/>
+          </a:p>
+          <a:p>
+            <a:endParaRPr lang="en-US" altLang="ko-KR" dirty="0"/>
+          </a:p>
+          <a:p>
+            <a:r>
+              <a:rPr lang="en-US" altLang="ko-KR" dirty="0"/>
+              <a:t>Spring </a:t>
+            </a:r>
+            <a:r>
+              <a:rPr lang="ko-KR" altLang="en-US" dirty="0"/>
+              <a:t>도 가만히 보면</a:t>
+            </a:r>
+            <a:r>
+              <a:rPr lang="en-US" altLang="ko-KR" dirty="0"/>
+              <a:t>, </a:t>
+            </a:r>
+            <a:r>
+              <a:rPr lang="ko-KR" altLang="en-US" dirty="0"/>
+              <a:t>더 이상 </a:t>
+            </a:r>
+            <a:r>
+              <a:rPr lang="en-US" altLang="ko-KR" dirty="0"/>
+              <a:t>Reactor </a:t>
+            </a:r>
+            <a:r>
+              <a:rPr lang="ko-KR" altLang="en-US" dirty="0"/>
+              <a:t>를 밀려고 하지 않는 것 같습니다</a:t>
+            </a:r>
+            <a:r>
+              <a:rPr lang="en-US" altLang="ko-KR" dirty="0"/>
+              <a:t>.</a:t>
+            </a:r>
+          </a:p>
+          <a:p>
+            <a:endParaRPr lang="en-US" altLang="ko-KR" dirty="0"/>
+          </a:p>
+          <a:p>
+            <a:endParaRPr lang="en-US" altLang="ko-KR" dirty="0"/>
+          </a:p>
+          <a:p>
+            <a:r>
+              <a:rPr lang="ko-KR" altLang="en-US" dirty="0"/>
+              <a:t>그럼 대안이 있느냐 </a:t>
+            </a:r>
+            <a:r>
+              <a:rPr lang="en-US" altLang="ko-KR" dirty="0"/>
+              <a:t>?</a:t>
+            </a:r>
+          </a:p>
+          <a:p>
+            <a:endParaRPr lang="en-US" altLang="ko-KR" dirty="0"/>
+          </a:p>
+          <a:p>
+            <a:r>
+              <a:rPr lang="ko-KR" altLang="en-US" dirty="0"/>
+              <a:t>네 있습니다</a:t>
+            </a:r>
+            <a:r>
+              <a:rPr lang="en-US" altLang="ko-KR" dirty="0"/>
+              <a:t>. Kotlin coroutine </a:t>
+            </a:r>
+            <a:r>
+              <a:rPr lang="ko-KR" altLang="en-US" dirty="0"/>
+              <a:t>이란 건데요</a:t>
+            </a:r>
+            <a:r>
+              <a:rPr lang="en-US" altLang="ko-KR" dirty="0"/>
+              <a:t>. </a:t>
+            </a:r>
+            <a:r>
+              <a:rPr lang="ko-KR" altLang="en-US" dirty="0"/>
+              <a:t>바로 이번 챕터의 주제가 되겠습니다</a:t>
+            </a:r>
+            <a:r>
+              <a:rPr lang="en-US" altLang="ko-KR" dirty="0"/>
+              <a:t>.</a:t>
+            </a:r>
           </a:p>
         </p:txBody>
       </p:sp>
@@ -1297,7 +3961,7 @@
     </p:spTree>
     <p:extLst>
       <p:ext uri="{BB962C8B-B14F-4D97-AF65-F5344CB8AC3E}">
-        <p14:creationId xmlns:p14="http://schemas.microsoft.com/office/powerpoint/2010/main" val="258231917"/>
+        <p14:creationId xmlns:p14="http://schemas.microsoft.com/office/powerpoint/2010/main" val="896744691"/>
       </p:ext>
     </p:extLst>
   </p:cSld>
@@ -1351,78 +4015,39 @@
           <a:bodyPr/>
           <a:lstStyle/>
           <a:p>
-            <a:endParaRPr lang="en-US" altLang="ko-KR" dirty="0"/>
-          </a:p>
-          <a:p>
-            <a:r>
-              <a:rPr lang="en-US" altLang="ko-KR" dirty="0" err="1"/>
-              <a:t>Netty</a:t>
-            </a:r>
-            <a:r>
-              <a:rPr lang="ko-KR" altLang="en-US" dirty="0"/>
-              <a:t> 주요 개념</a:t>
-            </a:r>
-            <a:endParaRPr lang="en-US" altLang="ko-KR" dirty="0"/>
-          </a:p>
-          <a:p>
-            <a:pPr marL="171450" indent="-171450">
-              <a:buFont typeface="Arial" panose="020B0604020202020204" pitchFamily="34" charset="0"/>
-              <a:buChar char="•"/>
-            </a:pPr>
-            <a:r>
-              <a:rPr lang="en-US" altLang="ko-KR" dirty="0"/>
-              <a:t>Channel</a:t>
-            </a:r>
-          </a:p>
-          <a:p>
-            <a:pPr marL="171450" indent="-171450">
-              <a:buFont typeface="Arial" panose="020B0604020202020204" pitchFamily="34" charset="0"/>
-              <a:buChar char="•"/>
-            </a:pPr>
-            <a:r>
-              <a:rPr lang="en-US" altLang="ko-KR" dirty="0"/>
-              <a:t>Channel pipeline</a:t>
-            </a:r>
-          </a:p>
-          <a:p>
-            <a:pPr marL="171450" indent="-171450">
-              <a:buFont typeface="Arial" panose="020B0604020202020204" pitchFamily="34" charset="0"/>
-              <a:buChar char="•"/>
-            </a:pPr>
-            <a:r>
-              <a:rPr lang="en-US" altLang="ko-KR" dirty="0"/>
-              <a:t>Handler</a:t>
-            </a:r>
-          </a:p>
-          <a:p>
-            <a:pPr marL="171450" indent="-171450">
-              <a:buFont typeface="Arial" panose="020B0604020202020204" pitchFamily="34" charset="0"/>
-              <a:buChar char="•"/>
-            </a:pPr>
-            <a:r>
-              <a:rPr lang="en-US" altLang="ko-KR" dirty="0"/>
-              <a:t>Channel Buffer</a:t>
-            </a:r>
-          </a:p>
-          <a:p>
-            <a:pPr marL="171450" indent="-171450">
-              <a:buFont typeface="Arial" panose="020B0604020202020204" pitchFamily="34" charset="0"/>
-              <a:buChar char="•"/>
-            </a:pPr>
-            <a:r>
-              <a:rPr lang="en-US" altLang="ko-KR" dirty="0"/>
-              <a:t>Decoder / Encoder</a:t>
-            </a:r>
-          </a:p>
-          <a:p>
-            <a:pPr marL="171450" indent="-171450">
-              <a:buFont typeface="Arial" panose="020B0604020202020204" pitchFamily="34" charset="0"/>
-              <a:buChar char="•"/>
-            </a:pPr>
-            <a:r>
-              <a:rPr lang="en-US" altLang="ko-KR" dirty="0"/>
-              <a:t>Frame</a:t>
-            </a:r>
+            <a:r>
+              <a:rPr lang="ko-KR" altLang="en-US" dirty="0"/>
+              <a:t>지금부터 챕터 </a:t>
+            </a:r>
+            <a:r>
+              <a:rPr lang="en-US" altLang="ko-KR" dirty="0"/>
+              <a:t>1</a:t>
+            </a:r>
+            <a:r>
+              <a:rPr lang="ko-KR" altLang="en-US" dirty="0"/>
+              <a:t>에서 만들어봤던 </a:t>
+            </a:r>
+            <a:r>
+              <a:rPr lang="en-US" altLang="ko-KR" dirty="0"/>
+              <a:t>coffee </a:t>
+            </a:r>
+            <a:r>
+              <a:rPr lang="ko-KR" altLang="en-US" dirty="0"/>
+              <a:t>만들기 예제를 무작정 </a:t>
+            </a:r>
+            <a:r>
+              <a:rPr lang="en-US" altLang="ko-KR" dirty="0"/>
+              <a:t>Kotlin Coroutine </a:t>
+            </a:r>
+            <a:r>
+              <a:rPr lang="ko-KR" altLang="en-US" dirty="0"/>
+              <a:t>으로 다시 한 번 만들어 보겠습니다</a:t>
+            </a:r>
+            <a:r>
+              <a:rPr lang="en-US" altLang="ko-KR" dirty="0"/>
+              <a:t>.</a:t>
+            </a:r>
+            <a:endParaRPr lang="ko-KR" altLang="en-US" dirty="0"/>
           </a:p>
         </p:txBody>
       </p:sp>
@@ -1452,7 +4077,7 @@
     </p:spTree>
     <p:extLst>
       <p:ext uri="{BB962C8B-B14F-4D97-AF65-F5344CB8AC3E}">
-        <p14:creationId xmlns:p14="http://schemas.microsoft.com/office/powerpoint/2010/main" val="543300377"/>
+        <p14:creationId xmlns:p14="http://schemas.microsoft.com/office/powerpoint/2010/main" val="3630775824"/>
       </p:ext>
     </p:extLst>
   </p:cSld>
@@ -1507,59 +4132,170 @@
           <a:lstStyle/>
           <a:p>
             <a:r>
-              <a:rPr lang="ko-KR" altLang="en-US" dirty="0"/>
-              <a:t>당시 </a:t>
-            </a:r>
-            <a:r>
-              <a:rPr lang="en-US" altLang="ko-KR" dirty="0"/>
-              <a:t>Netflix </a:t>
-            </a:r>
-            <a:r>
-              <a:rPr lang="ko-KR" altLang="en-US" dirty="0"/>
-              <a:t>에서도 </a:t>
-            </a:r>
-            <a:r>
-              <a:rPr lang="en-US" altLang="ko-KR" dirty="0"/>
-              <a:t>Microservice </a:t>
-            </a:r>
-            <a:r>
-              <a:rPr lang="ko-KR" altLang="en-US" dirty="0"/>
-              <a:t>간 부하 전파에 대해 비슷한 고민을 하고 있었으며</a:t>
-            </a:r>
-            <a:r>
-              <a:rPr lang="en-US" altLang="ko-KR" dirty="0"/>
-              <a:t>, </a:t>
-            </a:r>
-            <a:r>
-              <a:rPr lang="ko-KR" altLang="en-US" dirty="0"/>
-              <a:t>이를 </a:t>
+              <a:rPr lang="en-US" altLang="ko-KR" dirty="0"/>
+              <a:t>Reactor </a:t>
+            </a:r>
+            <a:r>
+              <a:rPr lang="ko-KR" altLang="en-US" dirty="0"/>
+              <a:t>가 그럼 </a:t>
+            </a:r>
+            <a:r>
+              <a:rPr lang="ko-KR" altLang="en-US" dirty="0" err="1"/>
+              <a:t>쓰레기냐</a:t>
+            </a:r>
+            <a:r>
+              <a:rPr lang="ko-KR" altLang="en-US" dirty="0"/>
+              <a:t> 하면 또 그건 아닙니다</a:t>
+            </a:r>
+            <a:r>
+              <a:rPr lang="en-US" altLang="ko-KR" dirty="0"/>
+              <a:t>.</a:t>
+            </a:r>
+          </a:p>
+          <a:p>
+            <a:endParaRPr lang="en-US" altLang="ko-KR" dirty="0"/>
+          </a:p>
+          <a:p>
+            <a:r>
+              <a:rPr lang="en-US" altLang="ko-KR" dirty="0"/>
+              <a:t>Reactor </a:t>
+            </a:r>
+            <a:r>
+              <a:rPr lang="ko-KR" altLang="en-US" dirty="0"/>
+              <a:t>와 </a:t>
+            </a:r>
+            <a:r>
+              <a:rPr lang="en-US" altLang="ko-KR" dirty="0"/>
+              <a:t>Coroutine </a:t>
+            </a:r>
+            <a:r>
+              <a:rPr lang="ko-KR" altLang="en-US" dirty="0"/>
+              <a:t>은 서로 지향하는 바가 다를 뿐이에요</a:t>
+            </a:r>
+            <a:r>
+              <a:rPr lang="en-US" altLang="ko-KR" dirty="0"/>
+              <a:t>.</a:t>
+            </a:r>
+          </a:p>
+          <a:p>
+            <a:endParaRPr lang="en-US" altLang="ko-KR" dirty="0"/>
+          </a:p>
+          <a:p>
+            <a:r>
+              <a:rPr lang="en-US" altLang="ko-KR" dirty="0"/>
+              <a:t>Reactor </a:t>
+            </a:r>
+            <a:r>
+              <a:rPr lang="ko-KR" altLang="en-US" dirty="0"/>
+              <a:t>는 단순 </a:t>
+            </a:r>
+            <a:r>
+              <a:rPr lang="ko-KR" altLang="en-US" dirty="0" err="1"/>
+              <a:t>논블로킹</a:t>
+            </a:r>
+            <a:r>
+              <a:rPr lang="ko-KR" altLang="en-US" dirty="0"/>
+              <a:t> 뿐만 아니라 </a:t>
+            </a:r>
+            <a:r>
+              <a:rPr lang="en-US" altLang="ko-KR" dirty="0"/>
+              <a:t>pub/sub</a:t>
+            </a:r>
+            <a:r>
+              <a:rPr lang="ko-KR" altLang="en-US" dirty="0"/>
+              <a:t>간 배압을 조절하는 기능이 있어 궁극적으로 이벤트 </a:t>
+            </a:r>
+            <a:r>
+              <a:rPr lang="ko-KR" altLang="en-US" dirty="0" err="1"/>
+              <a:t>드리븐</a:t>
+            </a:r>
+            <a:r>
+              <a:rPr lang="ko-KR" altLang="en-US" dirty="0"/>
+              <a:t> 프로그래밍을 가능케 </a:t>
+            </a:r>
+            <a:r>
+              <a:rPr lang="ko-KR" altLang="en-US" dirty="0" err="1"/>
+              <a:t>하려는게</a:t>
+            </a:r>
+            <a:r>
+              <a:rPr lang="ko-KR" altLang="en-US" dirty="0"/>
+              <a:t> 목적이고요</a:t>
+            </a:r>
+            <a:endParaRPr lang="en-US" altLang="ko-KR" dirty="0"/>
+          </a:p>
+          <a:p>
+            <a:endParaRPr lang="en-US" altLang="ko-KR" dirty="0"/>
+          </a:p>
+          <a:p>
+            <a:r>
+              <a:rPr lang="en-US" altLang="ko-KR" dirty="0"/>
+              <a:t>Kotlin coroutine </a:t>
+            </a:r>
+            <a:r>
+              <a:rPr lang="ko-KR" altLang="en-US" dirty="0"/>
+              <a:t>은 필요에 따라 일시 정지할 수 있는 프로그래밍을 통해 궁극적으로 </a:t>
             </a:r>
             <a:r>
               <a:rPr lang="en-US" altLang="ko-KR" dirty="0" err="1"/>
-              <a:t>RxJava</a:t>
-            </a:r>
-            <a:r>
-              <a:rPr lang="ko-KR" altLang="en-US" dirty="0"/>
-              <a:t>란 비동기 </a:t>
-            </a:r>
-            <a:r>
-              <a:rPr lang="en-US" altLang="ko-KR" dirty="0"/>
-              <a:t>NIO </a:t>
-            </a:r>
-            <a:r>
-              <a:rPr lang="ko-KR" altLang="en-US" dirty="0"/>
-              <a:t>프레임워크로 해결</a:t>
-            </a:r>
+              <a:t>cpu</a:t>
+            </a:r>
+            <a:r>
+              <a:rPr lang="en-US" altLang="ko-KR" dirty="0"/>
+              <a:t> </a:t>
+            </a:r>
+            <a:r>
+              <a:rPr lang="ko-KR" altLang="en-US" dirty="0"/>
+              <a:t>유휴시간을 최소화 </a:t>
+            </a:r>
+            <a:r>
+              <a:rPr lang="ko-KR" altLang="en-US" dirty="0" err="1"/>
+              <a:t>하려는게</a:t>
+            </a:r>
+            <a:r>
+              <a:rPr lang="ko-KR" altLang="en-US" dirty="0"/>
+              <a:t> 목적입니다</a:t>
+            </a:r>
+            <a:r>
+              <a:rPr lang="en-US" altLang="ko-KR" dirty="0"/>
+              <a:t>.</a:t>
+            </a:r>
+          </a:p>
+          <a:p>
             <a:endParaRPr lang="en-US" altLang="ko-KR" dirty="0"/>
           </a:p>
           <a:p>
-            <a:endParaRPr lang="en-US" altLang="ko-KR" dirty="0"/>
-          </a:p>
-          <a:p>
-            <a:endParaRPr lang="en-US" altLang="ko-KR" dirty="0"/>
-          </a:p>
-          <a:p>
-            <a:endParaRPr lang="en-US" altLang="ko-KR" dirty="0"/>
+            <a:r>
+              <a:rPr lang="ko-KR" altLang="en-US" dirty="0"/>
+              <a:t>물론 </a:t>
+            </a:r>
+            <a:r>
+              <a:rPr lang="en-US" altLang="ko-KR" dirty="0"/>
+              <a:t>coroutine </a:t>
+            </a:r>
+            <a:r>
+              <a:rPr lang="ko-KR" altLang="en-US" dirty="0"/>
+              <a:t>도 </a:t>
+            </a:r>
+            <a:r>
+              <a:rPr lang="en-US" altLang="ko-KR" dirty="0"/>
+              <a:t>actor </a:t>
+            </a:r>
+            <a:r>
+              <a:rPr lang="ko-KR" altLang="en-US" dirty="0"/>
+              <a:t>를 도입해 </a:t>
+            </a:r>
+            <a:r>
+              <a:rPr lang="en-US" altLang="ko-KR" dirty="0"/>
+              <a:t>Reactor </a:t>
+            </a:r>
+            <a:r>
+              <a:rPr lang="ko-KR" altLang="en-US" dirty="0"/>
+              <a:t>의 배압 기능을 구현할 수 있긴 합니다</a:t>
+            </a:r>
+            <a:r>
+              <a:rPr lang="en-US" altLang="ko-KR" dirty="0"/>
+              <a:t>.</a:t>
+            </a:r>
           </a:p>
         </p:txBody>
       </p:sp>
@@ -1589,7 +4325,7 @@
     </p:spTree>
     <p:extLst>
       <p:ext uri="{BB962C8B-B14F-4D97-AF65-F5344CB8AC3E}">
-        <p14:creationId xmlns:p14="http://schemas.microsoft.com/office/powerpoint/2010/main" val="1287834120"/>
+        <p14:creationId xmlns:p14="http://schemas.microsoft.com/office/powerpoint/2010/main" val="457493128"/>
       </p:ext>
     </p:extLst>
   </p:cSld>
@@ -1644,21 +4380,253 @@
           <a:lstStyle/>
           <a:p>
             <a:r>
-              <a:rPr lang="ko-KR" altLang="en-US" dirty="0"/>
-              <a:t>구현해 볼 내용은 </a:t>
-            </a:r>
-            <a:r>
-              <a:rPr lang="en-US" altLang="ko-KR" dirty="0"/>
-              <a:t>Spring MVC</a:t>
-            </a:r>
-            <a:r>
-              <a:rPr lang="ko-KR" altLang="en-US" dirty="0"/>
-              <a:t>와 동일합니다</a:t>
+              <a:rPr lang="en-US" altLang="ko-KR" dirty="0" err="1"/>
+              <a:t>RxJava</a:t>
+            </a:r>
+            <a:r>
+              <a:rPr lang="en-US" altLang="ko-KR" dirty="0"/>
+              <a:t> </a:t>
+            </a:r>
+            <a:r>
+              <a:rPr lang="ko-KR" altLang="en-US" dirty="0"/>
+              <a:t>와 </a:t>
+            </a:r>
+            <a:r>
+              <a:rPr lang="en-US" altLang="ko-KR" dirty="0"/>
+              <a:t>Coroutine </a:t>
+            </a:r>
+            <a:r>
+              <a:rPr lang="ko-KR" altLang="en-US" dirty="0"/>
+              <a:t>간의 </a:t>
+            </a:r>
+            <a:r>
+              <a:rPr lang="ko-KR" altLang="en-US" dirty="0" err="1"/>
+              <a:t>러닝커브를</a:t>
+            </a:r>
+            <a:r>
+              <a:rPr lang="ko-KR" altLang="en-US" dirty="0"/>
+              <a:t> 비교한 그래프인데요</a:t>
             </a:r>
             <a:r>
               <a:rPr lang="en-US" altLang="ko-KR" dirty="0"/>
               <a:t>.</a:t>
             </a:r>
+          </a:p>
+          <a:p>
+            <a:endParaRPr lang="en-US" altLang="ko-KR" dirty="0"/>
+          </a:p>
+          <a:p>
+            <a:r>
+              <a:rPr lang="en-US" altLang="ko-KR" dirty="0" err="1"/>
+              <a:t>RxJava</a:t>
+            </a:r>
+            <a:r>
+              <a:rPr lang="en-US" altLang="ko-KR" dirty="0"/>
+              <a:t> </a:t>
+            </a:r>
+            <a:r>
+              <a:rPr lang="ko-KR" altLang="en-US" dirty="0"/>
+              <a:t>와 </a:t>
+            </a:r>
+            <a:r>
+              <a:rPr lang="en-US" altLang="ko-KR" dirty="0"/>
+              <a:t>Reactor </a:t>
+            </a:r>
+            <a:r>
+              <a:rPr lang="ko-KR" altLang="en-US" dirty="0"/>
+              <a:t>가 거의 비슷하기 때문에</a:t>
+            </a:r>
+            <a:r>
+              <a:rPr lang="en-US" altLang="ko-KR" dirty="0"/>
+              <a:t>, </a:t>
+            </a:r>
+            <a:r>
+              <a:rPr lang="ko-KR" altLang="en-US" dirty="0"/>
+              <a:t>이 그래프를 </a:t>
+            </a:r>
+            <a:r>
+              <a:rPr lang="en-US" altLang="ko-KR" dirty="0"/>
+              <a:t>Reactor </a:t>
+            </a:r>
+            <a:r>
+              <a:rPr lang="ko-KR" altLang="en-US" dirty="0"/>
+              <a:t>와 </a:t>
+            </a:r>
+            <a:r>
+              <a:rPr lang="en-US" altLang="ko-KR" dirty="0"/>
+              <a:t>Coroutine </a:t>
+            </a:r>
+            <a:r>
+              <a:rPr lang="ko-KR" altLang="en-US" dirty="0"/>
+              <a:t>간 </a:t>
+            </a:r>
+            <a:r>
+              <a:rPr lang="ko-KR" altLang="en-US" dirty="0" err="1"/>
+              <a:t>러닝커브를</a:t>
+            </a:r>
+            <a:r>
+              <a:rPr lang="ko-KR" altLang="en-US" dirty="0"/>
+              <a:t> 비교한 거라고 보아도 무방합니다</a:t>
+            </a:r>
+            <a:r>
+              <a:rPr lang="en-US" altLang="ko-KR" dirty="0"/>
+              <a:t>.</a:t>
+            </a:r>
+          </a:p>
+          <a:p>
+            <a:endParaRPr lang="en-US" altLang="ko-KR" dirty="0"/>
+          </a:p>
+          <a:p>
+            <a:r>
+              <a:rPr lang="ko-KR" altLang="en-US" dirty="0"/>
+              <a:t>여기서 보면</a:t>
+            </a:r>
+            <a:r>
+              <a:rPr lang="en-US" altLang="ko-KR" dirty="0"/>
+              <a:t>, </a:t>
+            </a:r>
+            <a:r>
+              <a:rPr lang="ko-KR" altLang="en-US" dirty="0"/>
+              <a:t>가운데 </a:t>
+            </a:r>
+            <a:r>
+              <a:rPr lang="en-US" altLang="ko-KR" dirty="0"/>
+              <a:t>combination </a:t>
+            </a:r>
+            <a:r>
+              <a:rPr lang="ko-KR" altLang="en-US" dirty="0"/>
+              <a:t>영역이 바로 비즈니스 로직을 구현하기 위한 제어로직들을 배워야 하는 영역인데요</a:t>
+            </a:r>
+            <a:r>
+              <a:rPr lang="en-US" altLang="ko-KR" dirty="0"/>
+              <a:t>.</a:t>
+            </a:r>
+          </a:p>
+          <a:p>
+            <a:endParaRPr lang="en-US" altLang="ko-KR" dirty="0"/>
+          </a:p>
+          <a:p>
+            <a:r>
+              <a:rPr lang="ko-KR" altLang="en-US" dirty="0"/>
+              <a:t>이 부분에서의 </a:t>
+            </a:r>
+            <a:r>
+              <a:rPr lang="ko-KR" altLang="en-US" dirty="0" err="1"/>
+              <a:t>러닝커브가</a:t>
+            </a:r>
+            <a:r>
+              <a:rPr lang="ko-KR" altLang="en-US" dirty="0"/>
+              <a:t> 너무나 현격합니다</a:t>
+            </a:r>
+            <a:r>
+              <a:rPr lang="en-US" altLang="ko-KR" dirty="0"/>
+              <a:t>. </a:t>
+            </a:r>
+            <a:r>
+              <a:rPr lang="ko-KR" altLang="en-US" dirty="0"/>
+              <a:t>실습을 통해 여러분도 비슷하게 느끼셨죠 </a:t>
+            </a:r>
+            <a:r>
+              <a:rPr lang="en-US" altLang="ko-KR" dirty="0"/>
+              <a:t>?</a:t>
+            </a:r>
+          </a:p>
+          <a:p>
+            <a:endParaRPr lang="en-US" altLang="ko-KR" dirty="0"/>
+          </a:p>
+          <a:p>
+            <a:r>
+              <a:rPr lang="ko-KR" altLang="en-US" dirty="0"/>
+              <a:t>나중가면 난이도가 </a:t>
+            </a:r>
+            <a:r>
+              <a:rPr lang="ko-KR" altLang="en-US" dirty="0" err="1"/>
+              <a:t>비슷해진다</a:t>
+            </a:r>
+            <a:r>
+              <a:rPr lang="ko-KR" altLang="en-US" dirty="0"/>
+              <a:t> 해도</a:t>
+            </a:r>
+            <a:r>
+              <a:rPr lang="en-US" altLang="ko-KR" dirty="0"/>
+              <a:t>, </a:t>
+            </a:r>
+            <a:r>
+              <a:rPr lang="ko-KR" altLang="en-US" dirty="0"/>
+              <a:t>저라면 당장 현업에 적용하기 쉬운 </a:t>
+            </a:r>
+            <a:r>
+              <a:rPr lang="en-US" altLang="ko-KR" dirty="0"/>
+              <a:t>coroutine </a:t>
+            </a:r>
+            <a:r>
+              <a:rPr lang="ko-KR" altLang="en-US" dirty="0"/>
+              <a:t>을 선택할 것 같습니다</a:t>
+            </a:r>
+            <a:r>
+              <a:rPr lang="en-US" altLang="ko-KR" dirty="0"/>
+              <a:t>.</a:t>
+            </a:r>
+          </a:p>
+          <a:p>
+            <a:endParaRPr lang="en-US" altLang="ko-KR" dirty="0"/>
+          </a:p>
+          <a:p>
+            <a:r>
+              <a:rPr lang="en-US" altLang="ko-KR" dirty="0"/>
+              <a:t>Spring </a:t>
+            </a:r>
+            <a:r>
+              <a:rPr lang="ko-KR" altLang="en-US" dirty="0"/>
+              <a:t>도 </a:t>
+            </a:r>
+            <a:r>
+              <a:rPr lang="en-US" altLang="ko-KR" dirty="0"/>
+              <a:t>2019.11.04 v5.2 </a:t>
+            </a:r>
+            <a:r>
+              <a:rPr lang="ko-KR" altLang="en-US" dirty="0"/>
+              <a:t>부터 </a:t>
+            </a:r>
+            <a:r>
+              <a:rPr lang="en-US" altLang="ko-KR" dirty="0"/>
+              <a:t>Kotlin </a:t>
+            </a:r>
+            <a:r>
+              <a:rPr lang="en-US" altLang="ko-KR" dirty="0" err="1"/>
+              <a:t>coruinte</a:t>
+            </a:r>
+            <a:r>
+              <a:rPr lang="ko-KR" altLang="en-US" dirty="0"/>
+              <a:t>을 본격적으로 지원하기 시작했습니다</a:t>
+            </a:r>
+            <a:r>
+              <a:rPr lang="en-US" altLang="ko-KR" dirty="0"/>
+              <a:t>.</a:t>
+            </a:r>
+          </a:p>
+          <a:p>
+            <a:endParaRPr lang="en-US" altLang="ko-KR" dirty="0"/>
+          </a:p>
+          <a:p>
+            <a:r>
+              <a:rPr lang="en-US" altLang="ko-KR" dirty="0"/>
+              <a:t>(</a:t>
+            </a:r>
+            <a:r>
+              <a:rPr lang="en-US" altLang="ko-KR" dirty="0">
+                <a:effectLst/>
+                <a:hlinkClick r:id="rId3"/>
+              </a:rPr>
+              <a:t>https://github.com/spring-projects/spring-framework/wiki/What's-New-in-Spring-Framework-5.x#whats-new-in-version-52</a:t>
+            </a:r>
+            <a:r>
+              <a:rPr lang="en-US" altLang="ko-KR" dirty="0">
+                <a:effectLst/>
+              </a:rPr>
+              <a:t>)</a:t>
+            </a:r>
+            <a:endParaRPr lang="en-US" altLang="ko-KR" dirty="0"/>
           </a:p>
         </p:txBody>
       </p:sp>
@@ -1688,7 +4656,7 @@
     </p:spTree>
     <p:extLst>
       <p:ext uri="{BB962C8B-B14F-4D97-AF65-F5344CB8AC3E}">
-        <p14:creationId xmlns:p14="http://schemas.microsoft.com/office/powerpoint/2010/main" val="1978714165"/>
+        <p14:creationId xmlns:p14="http://schemas.microsoft.com/office/powerpoint/2010/main" val="2911389621"/>
       </p:ext>
     </p:extLst>
   </p:cSld>
@@ -1742,7 +4710,22 @@
           <a:bodyPr/>
           <a:lstStyle/>
           <a:p>
-            <a:endParaRPr lang="en-US" altLang="ko-KR" dirty="0"/>
+            <a:r>
+              <a:rPr lang="ko-KR" altLang="en-US" dirty="0"/>
+              <a:t>지금부터는 </a:t>
+            </a:r>
+            <a:r>
+              <a:rPr lang="en-US" altLang="ko-KR" dirty="0"/>
+              <a:t>Coroutine </a:t>
+            </a:r>
+            <a:r>
+              <a:rPr lang="ko-KR" altLang="en-US" dirty="0"/>
+              <a:t>을 본격적으로 알아보도록 하겠습니다</a:t>
+            </a:r>
+            <a:r>
+              <a:rPr lang="en-US" altLang="ko-KR" dirty="0"/>
+              <a:t>.</a:t>
+            </a:r>
           </a:p>
         </p:txBody>
       </p:sp>
@@ -1772,7 +4755,7 @@
     </p:spTree>
     <p:extLst>
       <p:ext uri="{BB962C8B-B14F-4D97-AF65-F5344CB8AC3E}">
-        <p14:creationId xmlns:p14="http://schemas.microsoft.com/office/powerpoint/2010/main" val="3800460661"/>
+        <p14:creationId xmlns:p14="http://schemas.microsoft.com/office/powerpoint/2010/main" val="243374130"/>
       </p:ext>
     </p:extLst>
   </p:cSld>
@@ -3403,9 +6386,12 @@
             </a:r>
             <a:r>
               <a:rPr lang="en-US" altLang="ko-KR" dirty="0"/>
-              <a:t>Coroutine ?!</a:t>
-            </a:r>
-            <a:endParaRPr lang="ko-KR" altLang="en-US" dirty="0"/>
+              <a:t>Reactor </a:t>
+            </a:r>
+            <a:r>
+              <a:rPr lang="ko-KR" altLang="en-US" dirty="0"/>
+              <a:t>구현의 난점</a:t>
+            </a:r>
           </a:p>
         </p:txBody>
       </p:sp>
@@ -3444,7 +6430,7 @@
           <p:cNvPr id="2" name="제목 1">
             <a:extLst>
               <a:ext uri="{FF2B5EF4-FFF2-40B4-BE49-F238E27FC236}">
-                <a16:creationId xmlns:a16="http://schemas.microsoft.com/office/drawing/2014/main" id="{9896B29B-A1AE-E0C6-8543-753E63140B1C}"/>
+                <a16:creationId xmlns:a16="http://schemas.microsoft.com/office/drawing/2014/main" id="{D21C1AA9-5E52-3A11-B3B3-447787E29D09}"/>
               </a:ext>
             </a:extLst>
           </p:cNvPr>
@@ -3452,34 +6438,36 @@
             <a:spLocks noGrp="1"/>
           </p:cNvSpPr>
           <p:nvPr>
-            <p:ph type="ctrTitle"/>
+            <p:ph type="title"/>
           </p:nvPr>
         </p:nvSpPr>
         <p:spPr/>
         <p:txBody>
-          <a:bodyPr>
-            <a:normAutofit/>
-          </a:bodyPr>
-          <a:lstStyle/>
-          <a:p>
-            <a:r>
-              <a:rPr lang="ko-KR" altLang="en-US" b="1" dirty="0"/>
-              <a:t>비동기 서비스 구현 </a:t>
-            </a:r>
-            <a:r>
-              <a:rPr lang="en-US" altLang="ko-KR" sz="2000" b="1" dirty="0"/>
-              <a:t>(Spring Coroutine)</a:t>
-            </a:r>
-            <a:endParaRPr lang="ko-KR" altLang="en-US" b="1" dirty="0"/>
-          </a:p>
-        </p:txBody>
-      </p:sp>
-      <p:sp>
-        <p:nvSpPr>
-          <p:cNvPr id="4" name="부제목 3">
+          <a:bodyPr/>
+          <a:lstStyle/>
+          <a:p>
+            <a:r>
+              <a:rPr lang="en-US" altLang="ko-KR" dirty="0"/>
+              <a:t>Coroutine </a:t>
+            </a:r>
+            <a:r>
+              <a:rPr lang="ko-KR" altLang="en-US" dirty="0"/>
+              <a:t>이란 </a:t>
+            </a:r>
+            <a:r>
+              <a:rPr lang="en-US" altLang="ko-KR" dirty="0"/>
+              <a:t>?</a:t>
+            </a:r>
+            <a:endParaRPr lang="ko-KR" altLang="en-US" dirty="0"/>
+          </a:p>
+        </p:txBody>
+      </p:sp>
+      <p:sp>
+        <p:nvSpPr>
+          <p:cNvPr id="4" name="내용 개체 틀 3">
             <a:extLst>
               <a:ext uri="{FF2B5EF4-FFF2-40B4-BE49-F238E27FC236}">
-                <a16:creationId xmlns:a16="http://schemas.microsoft.com/office/drawing/2014/main" id="{7219E4B9-47F6-C7CA-B046-1256225C3574}"/>
+                <a16:creationId xmlns:a16="http://schemas.microsoft.com/office/drawing/2014/main" id="{42F6317C-F28B-ECBE-0810-17736FC7D8AB}"/>
               </a:ext>
             </a:extLst>
           </p:cNvPr>
@@ -3487,46 +6475,460 @@
             <a:spLocks noGrp="1"/>
           </p:cNvSpPr>
           <p:nvPr>
-            <p:ph type="subTitle" idx="1"/>
+            <p:ph idx="1"/>
           </p:nvPr>
         </p:nvSpPr>
         <p:spPr/>
         <p:txBody>
           <a:bodyPr>
-            <a:normAutofit/>
+            <a:normAutofit fontScale="92500"/>
           </a:bodyPr>
           <a:lstStyle/>
           <a:p>
-            <a:pPr marL="0" indent="0" algn="r">
+            <a:pPr marL="0" indent="0">
               <a:buNone/>
             </a:pPr>
             <a:r>
-              <a:rPr lang="en-US" altLang="ko" b="1" dirty="0">
+              <a:rPr lang="en-US" altLang="ko-KR" dirty="0"/>
+              <a:t>Coroutine</a:t>
+            </a:r>
+            <a:r>
+              <a:rPr lang="ko-KR" altLang="en-US" dirty="0"/>
+              <a:t> </a:t>
+            </a:r>
+            <a:r>
+              <a:rPr lang="en-US" altLang="ko-KR" dirty="0"/>
+              <a:t>?</a:t>
+            </a:r>
+          </a:p>
+          <a:p>
+            <a:pPr lvl="1"/>
+            <a:r>
+              <a:rPr lang="ko-KR" altLang="en-US" dirty="0"/>
+              <a:t>루틴의 일종으로서</a:t>
+            </a:r>
+            <a:r>
+              <a:rPr lang="en-US" altLang="ko-KR" dirty="0"/>
+              <a:t>, </a:t>
+            </a:r>
+            <a:r>
+              <a:rPr lang="ko-KR" altLang="en-US" dirty="0"/>
+              <a:t>협동 루틴이라 할 수 있다</a:t>
+            </a:r>
+            <a:r>
+              <a:rPr lang="en-US" altLang="ko-KR" dirty="0"/>
+              <a:t>. (</a:t>
+            </a:r>
+            <a:r>
+              <a:rPr lang="ko-KR" altLang="en-US" dirty="0" err="1"/>
+              <a:t>코루틴의</a:t>
+            </a:r>
+            <a:r>
+              <a:rPr lang="ko-KR" altLang="en-US" dirty="0"/>
+              <a:t> </a:t>
+            </a:r>
+            <a:r>
+              <a:rPr lang="en-US" altLang="ko-KR" dirty="0"/>
+              <a:t>"Co"</a:t>
+            </a:r>
+            <a:r>
+              <a:rPr lang="ko-KR" altLang="en-US" dirty="0"/>
+              <a:t>는 </a:t>
+            </a:r>
+            <a:r>
+              <a:rPr lang="en-US" altLang="ko-KR" dirty="0"/>
+              <a:t>with </a:t>
+            </a:r>
+            <a:r>
+              <a:rPr lang="ko-KR" altLang="en-US" dirty="0"/>
+              <a:t>또는 </a:t>
+            </a:r>
+            <a:r>
+              <a:rPr lang="en-US" altLang="ko-KR" dirty="0"/>
+              <a:t>together</a:t>
+            </a:r>
+            <a:r>
+              <a:rPr lang="ko-KR" altLang="en-US" dirty="0"/>
+              <a:t>를 뜻한다</a:t>
+            </a:r>
+            <a:r>
+              <a:rPr lang="en-US" altLang="ko-KR" dirty="0"/>
+              <a:t>). </a:t>
+            </a:r>
+            <a:r>
+              <a:rPr lang="ko-KR" altLang="en-US" dirty="0"/>
+              <a:t>상호 연계 프로그램을 일컫는다고도 </a:t>
+            </a:r>
+            <a:r>
+              <a:rPr lang="ko-KR" altLang="en-US" dirty="0" err="1"/>
+              <a:t>표현가능하다</a:t>
+            </a:r>
+            <a:r>
+              <a:rPr lang="en-US" altLang="ko-KR" dirty="0"/>
+              <a:t>. </a:t>
+            </a:r>
+            <a:r>
+              <a:rPr lang="ko-KR" altLang="en-US" dirty="0"/>
+              <a:t>루틴과 서브 루틴은 서로 </a:t>
+            </a:r>
+            <a:r>
+              <a:rPr lang="ko-KR" altLang="en-US" dirty="0" err="1"/>
+              <a:t>비대칭적인</a:t>
+            </a:r>
+            <a:r>
+              <a:rPr lang="ko-KR" altLang="en-US" dirty="0"/>
+              <a:t> 관계이지만</a:t>
+            </a:r>
+            <a:r>
+              <a:rPr lang="en-US" altLang="ko-KR" dirty="0"/>
+              <a:t>, </a:t>
+            </a:r>
+            <a:r>
+              <a:rPr lang="ko-KR" altLang="en-US" dirty="0" err="1"/>
+              <a:t>코루틴들은</a:t>
+            </a:r>
+            <a:r>
+              <a:rPr lang="ko-KR" altLang="en-US" dirty="0"/>
+              <a:t> 완전히 대칭적인</a:t>
+            </a:r>
+            <a:r>
+              <a:rPr lang="en-US" altLang="ko-KR" dirty="0"/>
+              <a:t>, </a:t>
+            </a:r>
+            <a:r>
+              <a:rPr lang="ko-KR" altLang="en-US" dirty="0"/>
+              <a:t>즉 서로가 서로를 호출하는 관계이다</a:t>
+            </a:r>
+            <a:r>
+              <a:rPr lang="en-US" altLang="ko-KR" dirty="0"/>
+              <a:t>. </a:t>
+            </a:r>
+            <a:r>
+              <a:rPr lang="ko-KR" altLang="en-US" dirty="0" err="1"/>
+              <a:t>코루틴들에서는</a:t>
+            </a:r>
+            <a:r>
+              <a:rPr lang="ko-KR" altLang="en-US" dirty="0"/>
+              <a:t> 무엇이 무엇의 서브루틴인지를 구분하는 것이 불가능하다</a:t>
+            </a:r>
+            <a:r>
+              <a:rPr lang="en-US" altLang="ko-KR" dirty="0"/>
+              <a:t>. </a:t>
+            </a:r>
+            <a:r>
+              <a:rPr lang="ko-KR" altLang="en-US" dirty="0" err="1"/>
+              <a:t>코루틴</a:t>
+            </a:r>
+            <a:r>
+              <a:rPr lang="ko-KR" altLang="en-US" dirty="0"/>
+              <a:t> </a:t>
+            </a:r>
+            <a:r>
+              <a:rPr lang="en-US" altLang="ko-KR" dirty="0"/>
+              <a:t>A</a:t>
+            </a:r>
+            <a:r>
+              <a:rPr lang="ko-KR" altLang="en-US" dirty="0"/>
+              <a:t>와 </a:t>
+            </a:r>
+            <a:r>
+              <a:rPr lang="en-US" altLang="ko-KR" dirty="0"/>
+              <a:t>B</a:t>
+            </a:r>
+            <a:r>
+              <a:rPr lang="ko-KR" altLang="en-US" dirty="0"/>
+              <a:t>가 있다고 할 때</a:t>
+            </a:r>
+            <a:r>
+              <a:rPr lang="en-US" altLang="ko-KR" dirty="0"/>
+              <a:t>, A</a:t>
+            </a:r>
+            <a:r>
+              <a:rPr lang="ko-KR" altLang="en-US" dirty="0"/>
+              <a:t>를 프로그래밍 할 때는 </a:t>
+            </a:r>
+            <a:r>
+              <a:rPr lang="en-US" altLang="ko-KR" dirty="0"/>
+              <a:t>B</a:t>
+            </a:r>
+            <a:r>
+              <a:rPr lang="ko-KR" altLang="en-US" dirty="0"/>
+              <a:t>를 </a:t>
+            </a:r>
+            <a:r>
+              <a:rPr lang="en-US" altLang="ko-KR" dirty="0"/>
+              <a:t>A</a:t>
+            </a:r>
+            <a:r>
+              <a:rPr lang="ko-KR" altLang="en-US" dirty="0"/>
+              <a:t>의 서브루틴으로 생각한다</a:t>
+            </a:r>
+            <a:r>
+              <a:rPr lang="en-US" altLang="ko-KR" dirty="0"/>
+              <a:t>. </a:t>
+            </a:r>
+            <a:r>
+              <a:rPr lang="ko-KR" altLang="en-US" dirty="0"/>
+              <a:t>그러나 </a:t>
+            </a:r>
+            <a:r>
+              <a:rPr lang="en-US" altLang="ko-KR" dirty="0"/>
+              <a:t>B</a:t>
+            </a:r>
+            <a:r>
+              <a:rPr lang="ko-KR" altLang="en-US" dirty="0"/>
+              <a:t>를 프로그래밍할 때는 </a:t>
+            </a:r>
+            <a:r>
+              <a:rPr lang="en-US" altLang="ko-KR" dirty="0"/>
+              <a:t>A</a:t>
+            </a:r>
+            <a:r>
+              <a:rPr lang="ko-KR" altLang="en-US" dirty="0"/>
+              <a:t>가 </a:t>
+            </a:r>
+            <a:r>
+              <a:rPr lang="en-US" altLang="ko-KR" dirty="0"/>
+              <a:t>B</a:t>
+            </a:r>
+            <a:r>
+              <a:rPr lang="ko-KR" altLang="en-US" dirty="0"/>
+              <a:t>의 서브루틴이라고 생각한다</a:t>
+            </a:r>
+            <a:r>
+              <a:rPr lang="en-US" altLang="ko-KR" dirty="0"/>
+              <a:t>. </a:t>
+            </a:r>
+            <a:r>
+              <a:rPr lang="ko-KR" altLang="en-US" dirty="0"/>
+              <a:t>어떠한 </a:t>
+            </a:r>
+            <a:r>
+              <a:rPr lang="ko-KR" altLang="en-US" dirty="0" err="1"/>
+              <a:t>코루틴이</a:t>
+            </a:r>
+            <a:r>
+              <a:rPr lang="ko-KR" altLang="en-US" dirty="0"/>
+              <a:t> 발동될 때마다 해당 </a:t>
+            </a:r>
+            <a:r>
+              <a:rPr lang="ko-KR" altLang="en-US" dirty="0" err="1"/>
+              <a:t>코루틴은</a:t>
+            </a:r>
+            <a:r>
+              <a:rPr lang="ko-KR" altLang="en-US" dirty="0"/>
+              <a:t> 이전에 자신의 실행이 마지막으로 중단되었던 지점 다음의 장소에서 실행을 재개한다</a:t>
+            </a:r>
+            <a:r>
+              <a:rPr lang="en-US" altLang="ko-KR" dirty="0"/>
+              <a:t>.</a:t>
+            </a:r>
+            <a:endParaRPr lang="ko-KR" altLang="en-US" dirty="0"/>
+          </a:p>
+        </p:txBody>
+      </p:sp>
+      <p:sp>
+        <p:nvSpPr>
+          <p:cNvPr id="7" name="Google Shape;209;p30">
+            <a:extLst>
+              <a:ext uri="{FF2B5EF4-FFF2-40B4-BE49-F238E27FC236}">
+                <a16:creationId xmlns:a16="http://schemas.microsoft.com/office/drawing/2014/main" id="{35F3E219-4EBB-8DE8-0966-E4317399395E}"/>
+              </a:ext>
+            </a:extLst>
+          </p:cNvPr>
+          <p:cNvSpPr/>
+          <p:nvPr/>
+        </p:nvSpPr>
+        <p:spPr>
+          <a:xfrm>
+            <a:off x="7811013" y="528014"/>
+            <a:ext cx="952500" cy="298200"/>
+          </a:xfrm>
+          <a:prstGeom prst="rect">
+            <a:avLst/>
+          </a:prstGeom>
+          <a:noFill/>
+          <a:ln>
+            <a:noFill/>
+          </a:ln>
+        </p:spPr>
+        <p:txBody>
+          <a:bodyPr spcFirstLastPara="1" wrap="square" lIns="19050" tIns="19050" rIns="19050" bIns="19050" anchor="t" anchorCtr="0">
+            <a:noAutofit/>
+          </a:bodyPr>
+          <a:lstStyle/>
+          <a:p>
+            <a:pPr marL="63500" marR="0" lvl="1" indent="0" algn="l" rtl="0">
+              <a:lnSpc>
+                <a:spcPct val="90000"/>
+              </a:lnSpc>
+              <a:spcBef>
+                <a:spcPts val="0"/>
+              </a:spcBef>
+              <a:spcAft>
+                <a:spcPts val="0"/>
+              </a:spcAft>
+              <a:buNone/>
+            </a:pPr>
+            <a:r>
+              <a:rPr lang="en-US" altLang="ko" sz="1200" b="1" i="0" u="none" strike="noStrike" cap="none" dirty="0">
                 <a:solidFill>
-                  <a:srgbClr val="ED234B"/>
+                  <a:schemeClr val="bg1"/>
+                </a:solidFill>
+                <a:latin typeface="Arial"/>
+                <a:ea typeface="Arial"/>
+                <a:cs typeface="Arial"/>
+                <a:sym typeface="Arial"/>
+              </a:rPr>
+              <a:t>2</a:t>
+            </a:r>
+            <a:r>
+              <a:rPr lang="ko" sz="1200" b="1" i="0" u="none" strike="noStrike" cap="none" dirty="0">
+                <a:solidFill>
+                  <a:schemeClr val="bg1"/>
+                </a:solidFill>
+                <a:latin typeface="Arial"/>
+                <a:ea typeface="Arial"/>
+                <a:cs typeface="Arial"/>
+                <a:sym typeface="Arial"/>
+              </a:rPr>
+              <a:t>.</a:t>
+            </a:r>
+            <a:endParaRPr sz="500" dirty="0">
+              <a:solidFill>
+                <a:schemeClr val="bg1"/>
+              </a:solidFill>
+            </a:endParaRPr>
+          </a:p>
+        </p:txBody>
+      </p:sp>
+      <p:sp>
+        <p:nvSpPr>
+          <p:cNvPr id="8" name="Google Shape;210;p30">
+            <a:extLst>
+              <a:ext uri="{FF2B5EF4-FFF2-40B4-BE49-F238E27FC236}">
+                <a16:creationId xmlns:a16="http://schemas.microsoft.com/office/drawing/2014/main" id="{8CB63A74-B5C7-DCAA-53F5-96E44004D694}"/>
+              </a:ext>
+            </a:extLst>
+          </p:cNvPr>
+          <p:cNvSpPr/>
+          <p:nvPr/>
+        </p:nvSpPr>
+        <p:spPr>
+          <a:xfrm>
+            <a:off x="7811013" y="825047"/>
+            <a:ext cx="952500" cy="293400"/>
+          </a:xfrm>
+          <a:prstGeom prst="rect">
+            <a:avLst/>
+          </a:prstGeom>
+          <a:noFill/>
+          <a:ln>
+            <a:noFill/>
+          </a:ln>
+        </p:spPr>
+        <p:txBody>
+          <a:bodyPr spcFirstLastPara="1" wrap="square" lIns="19050" tIns="19050" rIns="19050" bIns="19050" anchor="t" anchorCtr="0">
+            <a:noAutofit/>
+          </a:bodyPr>
+          <a:lstStyle/>
+          <a:p>
+            <a:pPr marL="63500" marR="0" lvl="1" indent="0" algn="l" rtl="0">
+              <a:spcBef>
+                <a:spcPts val="200"/>
+              </a:spcBef>
+              <a:spcAft>
+                <a:spcPts val="0"/>
+              </a:spcAft>
+              <a:buClr>
+                <a:srgbClr val="000000"/>
+              </a:buClr>
+              <a:buFont typeface="Arial"/>
+              <a:buNone/>
+            </a:pPr>
+            <a:r>
+              <a:rPr lang="en-US" sz="800" dirty="0">
+                <a:solidFill>
+                  <a:schemeClr val="bg1"/>
                 </a:solidFill>
               </a:rPr>
-              <a:t>3</a:t>
-            </a:r>
-            <a:r>
-              <a:rPr lang="ko" altLang="ko-KR" b="1" dirty="0">
+              <a:t>Coroutine </a:t>
+            </a:r>
+            <a:r>
+              <a:rPr lang="ko-KR" altLang="en-US" sz="800" dirty="0">
                 <a:solidFill>
-                  <a:srgbClr val="ED234B"/>
+                  <a:schemeClr val="bg1"/>
                 </a:solidFill>
               </a:rPr>
-              <a:t> </a:t>
-            </a:r>
-            <a:r>
-              <a:rPr lang="ko-KR" altLang="en-US" dirty="0"/>
-              <a:t>서비스 구현</a:t>
-            </a:r>
+              <a:t>이란 </a:t>
+            </a:r>
+            <a:r>
+              <a:rPr lang="en-US" altLang="ko-KR" sz="800" dirty="0">
+                <a:solidFill>
+                  <a:schemeClr val="bg1"/>
+                </a:solidFill>
+              </a:rPr>
+              <a:t>?</a:t>
+            </a:r>
+            <a:endParaRPr sz="800" dirty="0">
+              <a:solidFill>
+                <a:schemeClr val="bg1"/>
+              </a:solidFill>
+            </a:endParaRPr>
+          </a:p>
+        </p:txBody>
+      </p:sp>
+      <p:sp>
+        <p:nvSpPr>
+          <p:cNvPr id="5" name="TextBox 4">
+            <a:extLst>
+              <a:ext uri="{FF2B5EF4-FFF2-40B4-BE49-F238E27FC236}">
+                <a16:creationId xmlns:a16="http://schemas.microsoft.com/office/drawing/2014/main" id="{FD441C87-0F21-3C50-4687-DF20BAD5748E}"/>
+              </a:ext>
+            </a:extLst>
+          </p:cNvPr>
+          <p:cNvSpPr txBox="1"/>
+          <p:nvPr/>
+        </p:nvSpPr>
+        <p:spPr>
+          <a:xfrm>
+            <a:off x="4191513" y="4782754"/>
+            <a:ext cx="4572000" cy="276999"/>
+          </a:xfrm>
+          <a:prstGeom prst="rect">
+            <a:avLst/>
+          </a:prstGeom>
+          <a:noFill/>
+        </p:spPr>
+        <p:txBody>
+          <a:bodyPr wrap="square">
+            <a:spAutoFit/>
+          </a:bodyPr>
+          <a:lstStyle/>
+          <a:p>
+            <a:pPr algn="r"/>
+            <a:r>
+              <a:rPr lang="en-US" altLang="ko-KR" sz="1200" dirty="0">
+                <a:effectLst/>
+                <a:hlinkClick r:id="rId3"/>
+              </a:rPr>
+              <a:t>https://ko.wikipedia.org/wiki/</a:t>
+            </a:r>
+            <a:r>
+              <a:rPr lang="ko-KR" altLang="en-US" sz="1200" dirty="0" err="1">
+                <a:effectLst/>
+                <a:hlinkClick r:id="rId3"/>
+              </a:rPr>
+              <a:t>코루틴</a:t>
+            </a:r>
+            <a:endParaRPr lang="ko-KR" altLang="en-US" sz="1200" dirty="0"/>
           </a:p>
         </p:txBody>
       </p:sp>
     </p:spTree>
     <p:extLst>
       <p:ext uri="{BB962C8B-B14F-4D97-AF65-F5344CB8AC3E}">
-        <p14:creationId xmlns:p14="http://schemas.microsoft.com/office/powerpoint/2010/main" val="2984680853"/>
+        <p14:creationId xmlns:p14="http://schemas.microsoft.com/office/powerpoint/2010/main" val="1435452450"/>
       </p:ext>
     </p:extLst>
   </p:cSld>
@@ -3555,10 +6957,10 @@
       </p:grpSpPr>
       <p:sp>
         <p:nvSpPr>
-          <p:cNvPr id="4" name="제목 3">
+          <p:cNvPr id="2" name="제목 1">
             <a:extLst>
               <a:ext uri="{FF2B5EF4-FFF2-40B4-BE49-F238E27FC236}">
-                <a16:creationId xmlns:a16="http://schemas.microsoft.com/office/drawing/2014/main" id="{D283F7C5-AF5C-DEEF-FC15-4B59CEF592DE}"/>
+                <a16:creationId xmlns:a16="http://schemas.microsoft.com/office/drawing/2014/main" id="{D21C1AA9-5E52-3A11-B3B3-447787E29D09}"/>
               </a:ext>
             </a:extLst>
           </p:cNvPr>
@@ -3566,7 +6968,7 @@
             <a:spLocks noGrp="1"/>
           </p:cNvSpPr>
           <p:nvPr>
-            <p:ph type="ctrTitle"/>
+            <p:ph type="title"/>
           </p:nvPr>
         </p:nvSpPr>
         <p:spPr/>
@@ -3575,18 +6977,27 @@
           <a:lstStyle/>
           <a:p>
             <a:r>
-              <a:rPr lang="ko-KR" altLang="en-US" dirty="0"/>
-              <a:t>구현 실습</a:t>
-            </a:r>
-          </a:p>
-        </p:txBody>
-      </p:sp>
-      <p:sp>
-        <p:nvSpPr>
-          <p:cNvPr id="5" name="부제목 4">
+              <a:rPr lang="en-US" altLang="ko-KR" dirty="0"/>
+              <a:t>Coroutine </a:t>
+            </a:r>
+            <a:r>
+              <a:rPr lang="ko-KR" altLang="en-US" dirty="0"/>
+              <a:t>이란 </a:t>
+            </a:r>
+            <a:r>
+              <a:rPr lang="en-US" altLang="ko-KR" dirty="0"/>
+              <a:t>?</a:t>
+            </a:r>
+            <a:endParaRPr lang="ko-KR" altLang="en-US" dirty="0"/>
+          </a:p>
+        </p:txBody>
+      </p:sp>
+      <p:sp>
+        <p:nvSpPr>
+          <p:cNvPr id="4" name="내용 개체 틀 3">
             <a:extLst>
               <a:ext uri="{FF2B5EF4-FFF2-40B4-BE49-F238E27FC236}">
-                <a16:creationId xmlns:a16="http://schemas.microsoft.com/office/drawing/2014/main" id="{C884C73A-BBA1-E6A6-DDF5-9A946E28E963}"/>
+                <a16:creationId xmlns:a16="http://schemas.microsoft.com/office/drawing/2014/main" id="{42F6317C-F28B-ECBE-0810-17736FC7D8AB}"/>
               </a:ext>
             </a:extLst>
           </p:cNvPr>
@@ -3594,36 +7005,276 @@
             <a:spLocks noGrp="1"/>
           </p:cNvSpPr>
           <p:nvPr>
-            <p:ph type="subTitle" idx="1"/>
+            <p:ph idx="1"/>
           </p:nvPr>
         </p:nvSpPr>
         <p:spPr/>
         <p:txBody>
-          <a:bodyPr/>
-          <a:lstStyle/>
-          <a:p>
-            <a:pPr marL="0" indent="0" algn="r">
+          <a:bodyPr>
+            <a:normAutofit/>
+          </a:bodyPr>
+          <a:lstStyle/>
+          <a:p>
+            <a:pPr marL="0" indent="0">
               <a:buNone/>
             </a:pPr>
             <a:r>
               <a:rPr lang="en-US" altLang="ko-KR" dirty="0"/>
-              <a:t>Hello world </a:t>
-            </a:r>
-            <a:r>
-              <a:rPr lang="en-US" altLang="ko-KR"/>
-              <a:t>API </a:t>
-            </a:r>
-            <a:r>
-              <a:rPr lang="ko-KR" altLang="en-US" dirty="0"/>
-              <a:t>구현</a:t>
-            </a:r>
+              <a:t>Coroutine</a:t>
+            </a:r>
+            <a:r>
+              <a:rPr lang="ko-KR" altLang="en-US" dirty="0"/>
+              <a:t> </a:t>
+            </a:r>
+            <a:r>
+              <a:rPr lang="en-US" altLang="ko-KR" dirty="0"/>
+              <a:t>?</a:t>
+            </a:r>
+          </a:p>
+          <a:p>
+            <a:pPr lvl="1"/>
+            <a:r>
+              <a:rPr lang="en-US" altLang="ko-KR" dirty="0"/>
+              <a:t>suspend</a:t>
+            </a:r>
+            <a:r>
+              <a:rPr lang="ko-KR" altLang="en-US" dirty="0"/>
+              <a:t>와 </a:t>
+            </a:r>
+            <a:r>
+              <a:rPr lang="en-US" altLang="ko-KR" dirty="0"/>
+              <a:t>resume</a:t>
+            </a:r>
+            <a:r>
+              <a:rPr lang="ko-KR" altLang="en-US" dirty="0"/>
+              <a:t>을 통해 </a:t>
+            </a:r>
+            <a:r>
+              <a:rPr lang="en-US" altLang="ko-KR" dirty="0"/>
+              <a:t>subroutine</a:t>
+            </a:r>
+            <a:r>
+              <a:rPr lang="ko-KR" altLang="en-US" dirty="0"/>
+              <a:t>들 간의 비선점형 </a:t>
+            </a:r>
+            <a:r>
+              <a:rPr lang="ko-KR" altLang="en-US" dirty="0" err="1"/>
+              <a:t>멀티테스킹을</a:t>
+            </a:r>
+            <a:r>
+              <a:rPr lang="ko-KR" altLang="en-US" dirty="0"/>
+              <a:t> 할 수 있도록 하는 프로그램 구성요소 </a:t>
+            </a:r>
+            <a:r>
+              <a:rPr lang="en-US" altLang="ko-KR" dirty="0"/>
+              <a:t>!?</a:t>
+            </a:r>
+          </a:p>
+          <a:p>
+            <a:pPr lvl="1"/>
+            <a:r>
+              <a:rPr lang="en-US" altLang="ko-KR" dirty="0"/>
+              <a:t>named by Melvin Conway, 1958</a:t>
+            </a:r>
+            <a:endParaRPr lang="ko-KR" altLang="en-US" dirty="0"/>
+          </a:p>
+        </p:txBody>
+      </p:sp>
+      <p:sp>
+        <p:nvSpPr>
+          <p:cNvPr id="7" name="Google Shape;209;p30">
+            <a:extLst>
+              <a:ext uri="{FF2B5EF4-FFF2-40B4-BE49-F238E27FC236}">
+                <a16:creationId xmlns:a16="http://schemas.microsoft.com/office/drawing/2014/main" id="{35F3E219-4EBB-8DE8-0966-E4317399395E}"/>
+              </a:ext>
+            </a:extLst>
+          </p:cNvPr>
+          <p:cNvSpPr/>
+          <p:nvPr/>
+        </p:nvSpPr>
+        <p:spPr>
+          <a:xfrm>
+            <a:off x="7811013" y="528014"/>
+            <a:ext cx="952500" cy="298200"/>
+          </a:xfrm>
+          <a:prstGeom prst="rect">
+            <a:avLst/>
+          </a:prstGeom>
+          <a:noFill/>
+          <a:ln>
+            <a:noFill/>
+          </a:ln>
+        </p:spPr>
+        <p:txBody>
+          <a:bodyPr spcFirstLastPara="1" wrap="square" lIns="19050" tIns="19050" rIns="19050" bIns="19050" anchor="t" anchorCtr="0">
+            <a:noAutofit/>
+          </a:bodyPr>
+          <a:lstStyle/>
+          <a:p>
+            <a:pPr marL="63500" marR="0" lvl="1" indent="0" algn="l" rtl="0">
+              <a:lnSpc>
+                <a:spcPct val="90000"/>
+              </a:lnSpc>
+              <a:spcBef>
+                <a:spcPts val="0"/>
+              </a:spcBef>
+              <a:spcAft>
+                <a:spcPts val="0"/>
+              </a:spcAft>
+              <a:buNone/>
+            </a:pPr>
+            <a:r>
+              <a:rPr lang="en-US" altLang="ko" sz="1200" b="1" i="0" u="none" strike="noStrike" cap="none" dirty="0">
+                <a:solidFill>
+                  <a:schemeClr val="bg1"/>
+                </a:solidFill>
+                <a:latin typeface="Arial"/>
+                <a:ea typeface="Arial"/>
+                <a:cs typeface="Arial"/>
+                <a:sym typeface="Arial"/>
+              </a:rPr>
+              <a:t>2</a:t>
+            </a:r>
+            <a:r>
+              <a:rPr lang="ko" sz="1200" b="1" i="0" u="none" strike="noStrike" cap="none" dirty="0">
+                <a:solidFill>
+                  <a:schemeClr val="bg1"/>
+                </a:solidFill>
+                <a:latin typeface="Arial"/>
+                <a:ea typeface="Arial"/>
+                <a:cs typeface="Arial"/>
+                <a:sym typeface="Arial"/>
+              </a:rPr>
+              <a:t>.</a:t>
+            </a:r>
+            <a:endParaRPr sz="500" dirty="0">
+              <a:solidFill>
+                <a:schemeClr val="bg1"/>
+              </a:solidFill>
+            </a:endParaRPr>
+          </a:p>
+        </p:txBody>
+      </p:sp>
+      <p:sp>
+        <p:nvSpPr>
+          <p:cNvPr id="8" name="Google Shape;210;p30">
+            <a:extLst>
+              <a:ext uri="{FF2B5EF4-FFF2-40B4-BE49-F238E27FC236}">
+                <a16:creationId xmlns:a16="http://schemas.microsoft.com/office/drawing/2014/main" id="{8CB63A74-B5C7-DCAA-53F5-96E44004D694}"/>
+              </a:ext>
+            </a:extLst>
+          </p:cNvPr>
+          <p:cNvSpPr/>
+          <p:nvPr/>
+        </p:nvSpPr>
+        <p:spPr>
+          <a:xfrm>
+            <a:off x="7811013" y="825047"/>
+            <a:ext cx="952500" cy="293400"/>
+          </a:xfrm>
+          <a:prstGeom prst="rect">
+            <a:avLst/>
+          </a:prstGeom>
+          <a:noFill/>
+          <a:ln>
+            <a:noFill/>
+          </a:ln>
+        </p:spPr>
+        <p:txBody>
+          <a:bodyPr spcFirstLastPara="1" wrap="square" lIns="19050" tIns="19050" rIns="19050" bIns="19050" anchor="t" anchorCtr="0">
+            <a:noAutofit/>
+          </a:bodyPr>
+          <a:lstStyle/>
+          <a:p>
+            <a:pPr marL="63500" marR="0" lvl="1" indent="0" algn="l" rtl="0">
+              <a:spcBef>
+                <a:spcPts val="200"/>
+              </a:spcBef>
+              <a:spcAft>
+                <a:spcPts val="0"/>
+              </a:spcAft>
+              <a:buClr>
+                <a:srgbClr val="000000"/>
+              </a:buClr>
+              <a:buFont typeface="Arial"/>
+              <a:buNone/>
+            </a:pPr>
+            <a:r>
+              <a:rPr lang="en-US" sz="800" dirty="0">
+                <a:solidFill>
+                  <a:schemeClr val="bg1"/>
+                </a:solidFill>
+              </a:rPr>
+              <a:t>Coroutine </a:t>
+            </a:r>
+            <a:r>
+              <a:rPr lang="ko-KR" altLang="en-US" sz="800" dirty="0">
+                <a:solidFill>
+                  <a:schemeClr val="bg1"/>
+                </a:solidFill>
+              </a:rPr>
+              <a:t>이란 </a:t>
+            </a:r>
+            <a:r>
+              <a:rPr lang="en-US" altLang="ko-KR" sz="800" dirty="0">
+                <a:solidFill>
+                  <a:schemeClr val="bg1"/>
+                </a:solidFill>
+              </a:rPr>
+              <a:t>?</a:t>
+            </a:r>
+            <a:endParaRPr sz="800" dirty="0">
+              <a:solidFill>
+                <a:schemeClr val="bg1"/>
+              </a:solidFill>
+            </a:endParaRPr>
+          </a:p>
+        </p:txBody>
+      </p:sp>
+      <p:sp>
+        <p:nvSpPr>
+          <p:cNvPr id="6" name="TextBox 5">
+            <a:extLst>
+              <a:ext uri="{FF2B5EF4-FFF2-40B4-BE49-F238E27FC236}">
+                <a16:creationId xmlns:a16="http://schemas.microsoft.com/office/drawing/2014/main" id="{11B18EF0-F1B6-612C-1FF1-0C3E619F2ED5}"/>
+              </a:ext>
+            </a:extLst>
+          </p:cNvPr>
+          <p:cNvSpPr txBox="1"/>
+          <p:nvPr/>
+        </p:nvSpPr>
+        <p:spPr>
+          <a:xfrm>
+            <a:off x="4103649" y="4705144"/>
+            <a:ext cx="4572000" cy="307777"/>
+          </a:xfrm>
+          <a:prstGeom prst="rect">
+            <a:avLst/>
+          </a:prstGeom>
+          <a:noFill/>
+        </p:spPr>
+        <p:txBody>
+          <a:bodyPr wrap="square">
+            <a:spAutoFit/>
+          </a:bodyPr>
+          <a:lstStyle/>
+          <a:p>
+            <a:pPr algn="r"/>
+            <a:r>
+              <a:rPr lang="en-US" altLang="ko-KR" sz="1400" dirty="0">
+                <a:effectLst/>
+                <a:hlinkClick r:id="rId3"/>
+              </a:rPr>
+              <a:t>https://en.wikipedia.org/wiki/Coroutine</a:t>
+            </a:r>
+            <a:endParaRPr lang="ko-KR" altLang="en-US" sz="1400" dirty="0"/>
           </a:p>
         </p:txBody>
       </p:sp>
     </p:spTree>
     <p:extLst>
       <p:ext uri="{BB962C8B-B14F-4D97-AF65-F5344CB8AC3E}">
-        <p14:creationId xmlns:p14="http://schemas.microsoft.com/office/powerpoint/2010/main" val="2848712885"/>
+        <p14:creationId xmlns:p14="http://schemas.microsoft.com/office/powerpoint/2010/main" val="4045041059"/>
       </p:ext>
     </p:extLst>
   </p:cSld>
@@ -3652,10 +7303,10 @@
       </p:grpSpPr>
       <p:sp>
         <p:nvSpPr>
-          <p:cNvPr id="4" name="제목 3">
+          <p:cNvPr id="2" name="제목 1">
             <a:extLst>
               <a:ext uri="{FF2B5EF4-FFF2-40B4-BE49-F238E27FC236}">
-                <a16:creationId xmlns:a16="http://schemas.microsoft.com/office/drawing/2014/main" id="{D283F7C5-AF5C-DEEF-FC15-4B59CEF592DE}"/>
+                <a16:creationId xmlns:a16="http://schemas.microsoft.com/office/drawing/2014/main" id="{D21C1AA9-5E52-3A11-B3B3-447787E29D09}"/>
               </a:ext>
             </a:extLst>
           </p:cNvPr>
@@ -3663,7 +7314,7 @@
             <a:spLocks noGrp="1"/>
           </p:cNvSpPr>
           <p:nvPr>
-            <p:ph type="ctrTitle"/>
+            <p:ph type="title"/>
           </p:nvPr>
         </p:nvSpPr>
         <p:spPr/>
@@ -3672,18 +7323,27 @@
           <a:lstStyle/>
           <a:p>
             <a:r>
-              <a:rPr lang="ko-KR" altLang="en-US" dirty="0"/>
-              <a:t>구현 실습</a:t>
-            </a:r>
-          </a:p>
-        </p:txBody>
-      </p:sp>
-      <p:sp>
-        <p:nvSpPr>
-          <p:cNvPr id="5" name="부제목 4">
+              <a:rPr lang="en-US" altLang="ko-KR" dirty="0"/>
+              <a:t>Coroutine </a:t>
+            </a:r>
+            <a:r>
+              <a:rPr lang="ko-KR" altLang="en-US" dirty="0"/>
+              <a:t>이란 </a:t>
+            </a:r>
+            <a:r>
+              <a:rPr lang="en-US" altLang="ko-KR" dirty="0"/>
+              <a:t>?</a:t>
+            </a:r>
+            <a:endParaRPr lang="ko-KR" altLang="en-US" dirty="0"/>
+          </a:p>
+        </p:txBody>
+      </p:sp>
+      <p:sp>
+        <p:nvSpPr>
+          <p:cNvPr id="4" name="내용 개체 틀 3">
             <a:extLst>
               <a:ext uri="{FF2B5EF4-FFF2-40B4-BE49-F238E27FC236}">
-                <a16:creationId xmlns:a16="http://schemas.microsoft.com/office/drawing/2014/main" id="{C884C73A-BBA1-E6A6-DDF5-9A946E28E963}"/>
+                <a16:creationId xmlns:a16="http://schemas.microsoft.com/office/drawing/2014/main" id="{42F6317C-F28B-ECBE-0810-17736FC7D8AB}"/>
               </a:ext>
             </a:extLst>
           </p:cNvPr>
@@ -3691,24 +7351,490 @@
             <a:spLocks noGrp="1"/>
           </p:cNvSpPr>
           <p:nvPr>
-            <p:ph type="subTitle" idx="1"/>
-          </p:nvPr>
-        </p:nvSpPr>
-        <p:spPr/>
-        <p:txBody>
-          <a:bodyPr/>
-          <a:lstStyle/>
-          <a:p>
-            <a:pPr marL="0" indent="0" algn="r">
+            <p:ph idx="1"/>
+          </p:nvPr>
+        </p:nvSpPr>
+        <p:spPr>
+          <a:xfrm>
+            <a:off x="628650" y="1171575"/>
+            <a:ext cx="3943350" cy="3971924"/>
+          </a:xfrm>
+        </p:spPr>
+        <p:txBody>
+          <a:bodyPr>
+            <a:normAutofit/>
+          </a:bodyPr>
+          <a:lstStyle/>
+          <a:p>
+            <a:pPr marL="0" indent="0">
               <a:buNone/>
             </a:pPr>
             <a:r>
               <a:rPr lang="en-US" altLang="ko-KR" dirty="0"/>
-              <a:t>CRUD </a:t>
-            </a:r>
-            <a:r>
-              <a:rPr lang="ko-KR" altLang="en-US" dirty="0"/>
-              <a:t>서비스 구현</a:t>
+              <a:t>Coroutine</a:t>
+            </a:r>
+          </a:p>
+          <a:p>
+            <a:pPr lvl="1"/>
+            <a:r>
+              <a:rPr lang="en-US" altLang="ko-KR" dirty="0"/>
+              <a:t>C++ (C++20~)</a:t>
+            </a:r>
+          </a:p>
+          <a:p>
+            <a:pPr lvl="2"/>
+            <a:r>
+              <a:rPr lang="en-US" altLang="ko-KR" dirty="0" err="1"/>
+              <a:t>stackless</a:t>
+            </a:r>
+            <a:r>
+              <a:rPr lang="en-US" altLang="ko-KR" dirty="0"/>
+              <a:t> coroutine</a:t>
+            </a:r>
+          </a:p>
+          <a:p>
+            <a:pPr lvl="1"/>
+            <a:r>
+              <a:rPr lang="en-US" altLang="ko-KR" dirty="0"/>
+              <a:t>Rust (2018~)</a:t>
+            </a:r>
+          </a:p>
+          <a:p>
+            <a:pPr lvl="1"/>
+            <a:r>
+              <a:rPr lang="en-US" altLang="ko-KR" dirty="0"/>
+              <a:t>GO</a:t>
+            </a:r>
+          </a:p>
+          <a:p>
+            <a:pPr lvl="2"/>
+            <a:r>
+              <a:rPr lang="en-US" altLang="ko-KR" dirty="0"/>
+              <a:t>goroutine</a:t>
+            </a:r>
+          </a:p>
+          <a:p>
+            <a:pPr lvl="1"/>
+            <a:r>
+              <a:rPr lang="en-US" altLang="ko-KR" dirty="0" err="1"/>
+              <a:t>Javascript</a:t>
+            </a:r>
+            <a:endParaRPr lang="en-US" altLang="ko-KR" dirty="0"/>
+          </a:p>
+          <a:p>
+            <a:pPr lvl="2"/>
+            <a:r>
+              <a:rPr lang="en-US" altLang="ko-KR" dirty="0"/>
+              <a:t>async</a:t>
+            </a:r>
+            <a:r>
+              <a:rPr lang="ko-KR" altLang="en-US" dirty="0"/>
+              <a:t> </a:t>
+            </a:r>
+            <a:r>
+              <a:rPr lang="en-US" altLang="ko-KR" dirty="0"/>
+              <a:t>/</a:t>
+            </a:r>
+            <a:r>
+              <a:rPr lang="ko-KR" altLang="en-US" dirty="0"/>
+              <a:t> </a:t>
+            </a:r>
+            <a:r>
+              <a:rPr lang="en-US" altLang="ko-KR" dirty="0"/>
+              <a:t>await</a:t>
+            </a:r>
+          </a:p>
+        </p:txBody>
+      </p:sp>
+      <p:sp>
+        <p:nvSpPr>
+          <p:cNvPr id="7" name="Google Shape;209;p30">
+            <a:extLst>
+              <a:ext uri="{FF2B5EF4-FFF2-40B4-BE49-F238E27FC236}">
+                <a16:creationId xmlns:a16="http://schemas.microsoft.com/office/drawing/2014/main" id="{35F3E219-4EBB-8DE8-0966-E4317399395E}"/>
+              </a:ext>
+            </a:extLst>
+          </p:cNvPr>
+          <p:cNvSpPr/>
+          <p:nvPr/>
+        </p:nvSpPr>
+        <p:spPr>
+          <a:xfrm>
+            <a:off x="7811013" y="528014"/>
+            <a:ext cx="952500" cy="298200"/>
+          </a:xfrm>
+          <a:prstGeom prst="rect">
+            <a:avLst/>
+          </a:prstGeom>
+          <a:noFill/>
+          <a:ln>
+            <a:noFill/>
+          </a:ln>
+        </p:spPr>
+        <p:txBody>
+          <a:bodyPr spcFirstLastPara="1" wrap="square" lIns="19050" tIns="19050" rIns="19050" bIns="19050" anchor="t" anchorCtr="0">
+            <a:noAutofit/>
+          </a:bodyPr>
+          <a:lstStyle/>
+          <a:p>
+            <a:pPr marL="63500" marR="0" lvl="1" indent="0" algn="l" rtl="0">
+              <a:lnSpc>
+                <a:spcPct val="90000"/>
+              </a:lnSpc>
+              <a:spcBef>
+                <a:spcPts val="0"/>
+              </a:spcBef>
+              <a:spcAft>
+                <a:spcPts val="0"/>
+              </a:spcAft>
+              <a:buNone/>
+            </a:pPr>
+            <a:r>
+              <a:rPr lang="en-US" altLang="ko" sz="1200" b="1" i="0" u="none" strike="noStrike" cap="none" dirty="0">
+                <a:solidFill>
+                  <a:schemeClr val="bg1"/>
+                </a:solidFill>
+                <a:latin typeface="Arial"/>
+                <a:ea typeface="Arial"/>
+                <a:cs typeface="Arial"/>
+                <a:sym typeface="Arial"/>
+              </a:rPr>
+              <a:t>2</a:t>
+            </a:r>
+            <a:r>
+              <a:rPr lang="ko" sz="1200" b="1" i="0" u="none" strike="noStrike" cap="none" dirty="0">
+                <a:solidFill>
+                  <a:schemeClr val="bg1"/>
+                </a:solidFill>
+                <a:latin typeface="Arial"/>
+                <a:ea typeface="Arial"/>
+                <a:cs typeface="Arial"/>
+                <a:sym typeface="Arial"/>
+              </a:rPr>
+              <a:t>.</a:t>
+            </a:r>
+            <a:endParaRPr sz="500" dirty="0">
+              <a:solidFill>
+                <a:schemeClr val="bg1"/>
+              </a:solidFill>
+            </a:endParaRPr>
+          </a:p>
+        </p:txBody>
+      </p:sp>
+      <p:sp>
+        <p:nvSpPr>
+          <p:cNvPr id="8" name="Google Shape;210;p30">
+            <a:extLst>
+              <a:ext uri="{FF2B5EF4-FFF2-40B4-BE49-F238E27FC236}">
+                <a16:creationId xmlns:a16="http://schemas.microsoft.com/office/drawing/2014/main" id="{8CB63A74-B5C7-DCAA-53F5-96E44004D694}"/>
+              </a:ext>
+            </a:extLst>
+          </p:cNvPr>
+          <p:cNvSpPr/>
+          <p:nvPr/>
+        </p:nvSpPr>
+        <p:spPr>
+          <a:xfrm>
+            <a:off x="7811013" y="825047"/>
+            <a:ext cx="952500" cy="293400"/>
+          </a:xfrm>
+          <a:prstGeom prst="rect">
+            <a:avLst/>
+          </a:prstGeom>
+          <a:noFill/>
+          <a:ln>
+            <a:noFill/>
+          </a:ln>
+        </p:spPr>
+        <p:txBody>
+          <a:bodyPr spcFirstLastPara="1" wrap="square" lIns="19050" tIns="19050" rIns="19050" bIns="19050" anchor="t" anchorCtr="0">
+            <a:noAutofit/>
+          </a:bodyPr>
+          <a:lstStyle/>
+          <a:p>
+            <a:pPr marL="63500" marR="0" lvl="1" indent="0" algn="l" rtl="0">
+              <a:spcBef>
+                <a:spcPts val="200"/>
+              </a:spcBef>
+              <a:spcAft>
+                <a:spcPts val="0"/>
+              </a:spcAft>
+              <a:buClr>
+                <a:srgbClr val="000000"/>
+              </a:buClr>
+              <a:buFont typeface="Arial"/>
+              <a:buNone/>
+            </a:pPr>
+            <a:r>
+              <a:rPr lang="en-US" sz="800" dirty="0">
+                <a:solidFill>
+                  <a:schemeClr val="bg1"/>
+                </a:solidFill>
+              </a:rPr>
+              <a:t>Coroutine </a:t>
+            </a:r>
+            <a:r>
+              <a:rPr lang="ko-KR" altLang="en-US" sz="800" dirty="0">
+                <a:solidFill>
+                  <a:schemeClr val="bg1"/>
+                </a:solidFill>
+              </a:rPr>
+              <a:t>이란 </a:t>
+            </a:r>
+            <a:r>
+              <a:rPr lang="en-US" altLang="ko-KR" sz="800" dirty="0">
+                <a:solidFill>
+                  <a:schemeClr val="bg1"/>
+                </a:solidFill>
+              </a:rPr>
+              <a:t>?</a:t>
+            </a:r>
+            <a:endParaRPr sz="800" dirty="0">
+              <a:solidFill>
+                <a:schemeClr val="bg1"/>
+              </a:solidFill>
+            </a:endParaRPr>
+          </a:p>
+        </p:txBody>
+      </p:sp>
+      <p:sp>
+        <p:nvSpPr>
+          <p:cNvPr id="3" name="내용 개체 틀 3">
+            <a:extLst>
+              <a:ext uri="{FF2B5EF4-FFF2-40B4-BE49-F238E27FC236}">
+                <a16:creationId xmlns:a16="http://schemas.microsoft.com/office/drawing/2014/main" id="{E654CB9D-F3C9-B18C-296A-802DDE9119EB}"/>
+              </a:ext>
+            </a:extLst>
+          </p:cNvPr>
+          <p:cNvSpPr txBox="1">
+            <a:spLocks/>
+          </p:cNvSpPr>
+          <p:nvPr/>
+        </p:nvSpPr>
+        <p:spPr>
+          <a:xfrm>
+            <a:off x="4572000" y="1071217"/>
+            <a:ext cx="3943350" cy="3971924"/>
+          </a:xfrm>
+          <a:prstGeom prst="rect">
+            <a:avLst/>
+          </a:prstGeom>
+        </p:spPr>
+        <p:txBody>
+          <a:bodyPr vert="horz" lIns="91440" tIns="45720" rIns="91440" bIns="45720" rtlCol="0">
+            <a:normAutofit/>
+          </a:bodyPr>
+          <a:lstStyle>
+            <a:lvl1pPr marL="171450" indent="-171450" algn="l" defTabSz="685800" rtl="0" eaLnBrk="1" latinLnBrk="1" hangingPunct="1">
+              <a:lnSpc>
+                <a:spcPct val="150000"/>
+              </a:lnSpc>
+              <a:spcBef>
+                <a:spcPts val="750"/>
+              </a:spcBef>
+              <a:buFont typeface="Arial" panose="020B0604020202020204" pitchFamily="34" charset="0"/>
+              <a:buChar char="•"/>
+              <a:defRPr lang="ko-KR" altLang="en-US" sz="2100" kern="1200" dirty="0" smtClean="0">
+                <a:solidFill>
+                  <a:schemeClr val="tx1"/>
+                </a:solidFill>
+                <a:latin typeface="Spoqa Han Sans Neo Medium" pitchFamily="2" charset="-127"/>
+                <a:ea typeface="Spoqa Han Sans Neo Medium" pitchFamily="2" charset="-127"/>
+                <a:cs typeface="+mn-cs"/>
+              </a:defRPr>
+            </a:lvl1pPr>
+            <a:lvl2pPr marL="514350" indent="-171450" algn="l" defTabSz="685800" rtl="0" eaLnBrk="1" latinLnBrk="1" hangingPunct="1">
+              <a:lnSpc>
+                <a:spcPct val="150000"/>
+              </a:lnSpc>
+              <a:spcBef>
+                <a:spcPts val="375"/>
+              </a:spcBef>
+              <a:buFont typeface="Arial" panose="020B0604020202020204" pitchFamily="34" charset="0"/>
+              <a:buChar char="•"/>
+              <a:defRPr lang="ko-KR" altLang="en-US" sz="1800" kern="1200" dirty="0" smtClean="0">
+                <a:solidFill>
+                  <a:schemeClr val="tx1"/>
+                </a:solidFill>
+                <a:latin typeface="Spoqa Han Sans Neo Medium" pitchFamily="2" charset="-127"/>
+                <a:ea typeface="Spoqa Han Sans Neo Medium" pitchFamily="2" charset="-127"/>
+                <a:cs typeface="+mn-cs"/>
+              </a:defRPr>
+            </a:lvl2pPr>
+            <a:lvl3pPr marL="857250" indent="-171450" algn="l" defTabSz="685800" rtl="0" eaLnBrk="1" latinLnBrk="1" hangingPunct="1">
+              <a:lnSpc>
+                <a:spcPct val="150000"/>
+              </a:lnSpc>
+              <a:spcBef>
+                <a:spcPts val="375"/>
+              </a:spcBef>
+              <a:buFont typeface="Arial" panose="020B0604020202020204" pitchFamily="34" charset="0"/>
+              <a:buChar char="•"/>
+              <a:defRPr lang="ko-KR" altLang="en-US" sz="1500" kern="1200" dirty="0" smtClean="0">
+                <a:solidFill>
+                  <a:schemeClr val="tx1"/>
+                </a:solidFill>
+                <a:latin typeface="Spoqa Han Sans Neo Medium" pitchFamily="2" charset="-127"/>
+                <a:ea typeface="Spoqa Han Sans Neo Medium" pitchFamily="2" charset="-127"/>
+                <a:cs typeface="+mn-cs"/>
+              </a:defRPr>
+            </a:lvl3pPr>
+            <a:lvl4pPr marL="1200150" indent="-171450" algn="l" defTabSz="685800" rtl="0" eaLnBrk="1" latinLnBrk="1" hangingPunct="1">
+              <a:lnSpc>
+                <a:spcPct val="150000"/>
+              </a:lnSpc>
+              <a:spcBef>
+                <a:spcPts val="375"/>
+              </a:spcBef>
+              <a:buFont typeface="Arial" panose="020B0604020202020204" pitchFamily="34" charset="0"/>
+              <a:buChar char="•"/>
+              <a:defRPr lang="ko-KR" altLang="en-US" sz="1350" kern="1200" dirty="0" smtClean="0">
+                <a:solidFill>
+                  <a:schemeClr val="tx1"/>
+                </a:solidFill>
+                <a:latin typeface="Spoqa Han Sans Neo Medium" pitchFamily="2" charset="-127"/>
+                <a:ea typeface="Spoqa Han Sans Neo Medium" pitchFamily="2" charset="-127"/>
+                <a:cs typeface="+mn-cs"/>
+              </a:defRPr>
+            </a:lvl4pPr>
+            <a:lvl5pPr marL="1543050" indent="-171450" algn="l" defTabSz="685800" rtl="0" eaLnBrk="1" latinLnBrk="1" hangingPunct="1">
+              <a:lnSpc>
+                <a:spcPct val="150000"/>
+              </a:lnSpc>
+              <a:spcBef>
+                <a:spcPts val="375"/>
+              </a:spcBef>
+              <a:buFont typeface="Arial" panose="020B0604020202020204" pitchFamily="34" charset="0"/>
+              <a:buChar char="•"/>
+              <a:defRPr lang="en-US" altLang="en-US" sz="1350" kern="1200" dirty="0">
+                <a:solidFill>
+                  <a:schemeClr val="tx1"/>
+                </a:solidFill>
+                <a:latin typeface="Spoqa Han Sans Neo Medium" pitchFamily="2" charset="-127"/>
+                <a:ea typeface="Spoqa Han Sans Neo Medium" pitchFamily="2" charset="-127"/>
+                <a:cs typeface="+mn-cs"/>
+              </a:defRPr>
+            </a:lvl5pPr>
+            <a:lvl6pPr marL="1885950" indent="-171450" algn="l" defTabSz="685800" rtl="0" eaLnBrk="1" latinLnBrk="1" hangingPunct="1">
+              <a:lnSpc>
+                <a:spcPct val="90000"/>
+              </a:lnSpc>
+              <a:spcBef>
+                <a:spcPts val="375"/>
+              </a:spcBef>
+              <a:buFont typeface="Arial" panose="020B0604020202020204" pitchFamily="34" charset="0"/>
+              <a:buChar char="•"/>
+              <a:defRPr sz="1350" kern="1200">
+                <a:solidFill>
+                  <a:schemeClr val="tx1"/>
+                </a:solidFill>
+                <a:latin typeface="+mn-lt"/>
+                <a:ea typeface="+mn-ea"/>
+                <a:cs typeface="+mn-cs"/>
+              </a:defRPr>
+            </a:lvl6pPr>
+            <a:lvl7pPr marL="2228850" indent="-171450" algn="l" defTabSz="685800" rtl="0" eaLnBrk="1" latinLnBrk="1" hangingPunct="1">
+              <a:lnSpc>
+                <a:spcPct val="90000"/>
+              </a:lnSpc>
+              <a:spcBef>
+                <a:spcPts val="375"/>
+              </a:spcBef>
+              <a:buFont typeface="Arial" panose="020B0604020202020204" pitchFamily="34" charset="0"/>
+              <a:buChar char="•"/>
+              <a:defRPr sz="1350" kern="1200">
+                <a:solidFill>
+                  <a:schemeClr val="tx1"/>
+                </a:solidFill>
+                <a:latin typeface="+mn-lt"/>
+                <a:ea typeface="+mn-ea"/>
+                <a:cs typeface="+mn-cs"/>
+              </a:defRPr>
+            </a:lvl7pPr>
+            <a:lvl8pPr marL="2571750" indent="-171450" algn="l" defTabSz="685800" rtl="0" eaLnBrk="1" latinLnBrk="1" hangingPunct="1">
+              <a:lnSpc>
+                <a:spcPct val="90000"/>
+              </a:lnSpc>
+              <a:spcBef>
+                <a:spcPts val="375"/>
+              </a:spcBef>
+              <a:buFont typeface="Arial" panose="020B0604020202020204" pitchFamily="34" charset="0"/>
+              <a:buChar char="•"/>
+              <a:defRPr sz="1350" kern="1200">
+                <a:solidFill>
+                  <a:schemeClr val="tx1"/>
+                </a:solidFill>
+                <a:latin typeface="+mn-lt"/>
+                <a:ea typeface="+mn-ea"/>
+                <a:cs typeface="+mn-cs"/>
+              </a:defRPr>
+            </a:lvl8pPr>
+            <a:lvl9pPr marL="2914650" indent="-171450" algn="l" defTabSz="685800" rtl="0" eaLnBrk="1" latinLnBrk="1" hangingPunct="1">
+              <a:lnSpc>
+                <a:spcPct val="90000"/>
+              </a:lnSpc>
+              <a:spcBef>
+                <a:spcPts val="375"/>
+              </a:spcBef>
+              <a:buFont typeface="Arial" panose="020B0604020202020204" pitchFamily="34" charset="0"/>
+              <a:buChar char="•"/>
+              <a:defRPr sz="1350" kern="1200">
+                <a:solidFill>
+                  <a:schemeClr val="tx1"/>
+                </a:solidFill>
+                <a:latin typeface="+mn-lt"/>
+                <a:ea typeface="+mn-ea"/>
+                <a:cs typeface="+mn-cs"/>
+              </a:defRPr>
+            </a:lvl9pPr>
+          </a:lstStyle>
+          <a:p>
+            <a:pPr marL="0" indent="0">
+              <a:buFont typeface="Arial" panose="020B0604020202020204" pitchFamily="34" charset="0"/>
+              <a:buNone/>
+            </a:pPr>
+            <a:endParaRPr lang="en-US" altLang="ko-KR" dirty="0"/>
+          </a:p>
+          <a:p>
+            <a:pPr lvl="1"/>
+            <a:r>
+              <a:rPr lang="en-US" altLang="ko-KR" dirty="0"/>
+              <a:t>Kotlin (1.3~)</a:t>
+            </a:r>
+          </a:p>
+          <a:p>
+            <a:pPr lvl="1"/>
+            <a:r>
+              <a:rPr lang="en-US" altLang="ko-KR" dirty="0"/>
+              <a:t>PHP (5.5~)</a:t>
+            </a:r>
+          </a:p>
+          <a:p>
+            <a:pPr lvl="1"/>
+            <a:r>
+              <a:rPr lang="en-US" altLang="ko-KR" dirty="0"/>
+              <a:t>C# (2.0~)</a:t>
+            </a:r>
+          </a:p>
+          <a:p>
+            <a:pPr lvl="1"/>
+            <a:r>
+              <a:rPr lang="en-US" altLang="ko-KR" dirty="0"/>
+              <a:t>Python (3.5~)</a:t>
+            </a:r>
+          </a:p>
+          <a:p>
+            <a:pPr lvl="1"/>
+            <a:r>
+              <a:rPr lang="en-US" altLang="ko-KR" dirty="0"/>
+              <a:t>Lua</a:t>
+            </a:r>
+          </a:p>
+          <a:p>
+            <a:pPr lvl="2"/>
+            <a:r>
+              <a:rPr lang="en-US" dirty="0"/>
+              <a:t>thread</a:t>
             </a:r>
           </a:p>
         </p:txBody>
@@ -3716,7 +7842,7 @@
     </p:spTree>
     <p:extLst>
       <p:ext uri="{BB962C8B-B14F-4D97-AF65-F5344CB8AC3E}">
-        <p14:creationId xmlns:p14="http://schemas.microsoft.com/office/powerpoint/2010/main" val="1085195890"/>
+        <p14:creationId xmlns:p14="http://schemas.microsoft.com/office/powerpoint/2010/main" val="3834206583"/>
       </p:ext>
     </p:extLst>
   </p:cSld>
@@ -3745,10 +7871,10 @@
       </p:grpSpPr>
       <p:sp>
         <p:nvSpPr>
-          <p:cNvPr id="4" name="제목 3">
+          <p:cNvPr id="2" name="제목 1">
             <a:extLst>
               <a:ext uri="{FF2B5EF4-FFF2-40B4-BE49-F238E27FC236}">
-                <a16:creationId xmlns:a16="http://schemas.microsoft.com/office/drawing/2014/main" id="{D283F7C5-AF5C-DEEF-FC15-4B59CEF592DE}"/>
+                <a16:creationId xmlns:a16="http://schemas.microsoft.com/office/drawing/2014/main" id="{D21C1AA9-5E52-3A11-B3B3-447787E29D09}"/>
               </a:ext>
             </a:extLst>
           </p:cNvPr>
@@ -3756,7 +7882,7 @@
             <a:spLocks noGrp="1"/>
           </p:cNvSpPr>
           <p:nvPr>
-            <p:ph type="ctrTitle"/>
+            <p:ph type="title"/>
           </p:nvPr>
         </p:nvSpPr>
         <p:spPr/>
@@ -3765,18 +7891,27 @@
           <a:lstStyle/>
           <a:p>
             <a:r>
-              <a:rPr lang="ko-KR" altLang="en-US" dirty="0"/>
-              <a:t>구현 실습</a:t>
-            </a:r>
-          </a:p>
-        </p:txBody>
-      </p:sp>
-      <p:sp>
-        <p:nvSpPr>
-          <p:cNvPr id="5" name="부제목 4">
+              <a:rPr lang="en-US" altLang="ko-KR" dirty="0"/>
+              <a:t>Coroutine </a:t>
+            </a:r>
+            <a:r>
+              <a:rPr lang="ko-KR" altLang="en-US" dirty="0"/>
+              <a:t>이란 </a:t>
+            </a:r>
+            <a:r>
+              <a:rPr lang="en-US" altLang="ko-KR" dirty="0"/>
+              <a:t>?</a:t>
+            </a:r>
+            <a:endParaRPr lang="ko-KR" altLang="en-US" dirty="0"/>
+          </a:p>
+        </p:txBody>
+      </p:sp>
+      <p:sp>
+        <p:nvSpPr>
+          <p:cNvPr id="4" name="내용 개체 틀 3">
             <a:extLst>
               <a:ext uri="{FF2B5EF4-FFF2-40B4-BE49-F238E27FC236}">
-                <a16:creationId xmlns:a16="http://schemas.microsoft.com/office/drawing/2014/main" id="{C884C73A-BBA1-E6A6-DDF5-9A946E28E963}"/>
+                <a16:creationId xmlns:a16="http://schemas.microsoft.com/office/drawing/2014/main" id="{42F6317C-F28B-ECBE-0810-17736FC7D8AB}"/>
               </a:ext>
             </a:extLst>
           </p:cNvPr>
@@ -3784,45 +7919,1923 @@
             <a:spLocks noGrp="1"/>
           </p:cNvSpPr>
           <p:nvPr>
-            <p:ph type="subTitle" idx="1"/>
+            <p:ph idx="1"/>
           </p:nvPr>
         </p:nvSpPr>
         <p:spPr/>
         <p:txBody>
-          <a:bodyPr/>
-          <a:lstStyle/>
-          <a:p>
-            <a:pPr marL="0" indent="0" algn="r">
+          <a:bodyPr>
+            <a:normAutofit/>
+          </a:bodyPr>
+          <a:lstStyle/>
+          <a:p>
+            <a:pPr marL="0" indent="0">
               <a:buNone/>
             </a:pPr>
             <a:r>
               <a:rPr lang="en-US" altLang="ko-KR" dirty="0"/>
-              <a:t>Unit</a:t>
-            </a:r>
-            <a:r>
-              <a:rPr lang="ko-KR" altLang="en-US" dirty="0"/>
-              <a:t> 테스트 </a:t>
-            </a:r>
-            <a:r>
-              <a:rPr lang="en-US" altLang="ko-KR" dirty="0"/>
-              <a:t>(</a:t>
-            </a:r>
-            <a:r>
-              <a:rPr lang="en-US" altLang="ko-KR" dirty="0" err="1"/>
-              <a:t>Kotest</a:t>
-            </a:r>
-            <a:r>
-              <a:rPr lang="en-US" altLang="ko-KR" dirty="0"/>
-              <a:t>)</a:t>
+              <a:t>Coroutine</a:t>
+            </a:r>
+          </a:p>
+          <a:p>
+            <a:pPr lvl="1"/>
+            <a:r>
+              <a:rPr lang="ko-KR" altLang="en-US" dirty="0" err="1"/>
+              <a:t>코루틴은</a:t>
+            </a:r>
+            <a:r>
+              <a:rPr lang="ko-KR" altLang="en-US" dirty="0"/>
+              <a:t> 서브 루틴을 일시 정지하고 재개할 수 있는 구성 요소를 말한다</a:t>
+            </a:r>
+            <a:r>
+              <a:rPr lang="en-US" altLang="ko-KR" dirty="0"/>
+              <a:t>. </a:t>
+            </a:r>
+            <a:br>
+              <a:rPr lang="en-US" altLang="ko-KR" dirty="0"/>
+            </a:br>
+            <a:r>
+              <a:rPr lang="ko-KR" altLang="en-US" dirty="0"/>
+              <a:t>쉽게 말해 필요에 따라 일시 정지할 수 있는 함수를 말한다</a:t>
+            </a:r>
+            <a:r>
+              <a:rPr lang="en-US" altLang="ko-KR" dirty="0"/>
+              <a:t>.</a:t>
+            </a:r>
+          </a:p>
+          <a:p>
+            <a:pPr lvl="1"/>
+            <a:r>
+              <a:rPr lang="ko-KR" altLang="en-US" dirty="0" err="1"/>
+              <a:t>코루틴을</a:t>
+            </a:r>
+            <a:r>
+              <a:rPr lang="ko-KR" altLang="en-US" dirty="0"/>
+              <a:t> 사용하여 </a:t>
+            </a:r>
+            <a:r>
+              <a:rPr lang="en-US" altLang="ko-KR" dirty="0"/>
+              <a:t>I/O </a:t>
+            </a:r>
+            <a:r>
+              <a:rPr lang="ko-KR" altLang="en-US" dirty="0"/>
+              <a:t>처리를 극대화할 수 있는데</a:t>
+            </a:r>
+            <a:r>
+              <a:rPr lang="en-US" altLang="ko-KR" dirty="0"/>
+              <a:t>, </a:t>
+            </a:r>
+            <a:r>
+              <a:rPr lang="ko-KR" altLang="en-US" dirty="0"/>
+              <a:t>이는 단순히 대기하는 작업을 기다리는 동안 다른 작업을 먼저 처리함으로써 </a:t>
+            </a:r>
+            <a:r>
+              <a:rPr lang="en-US" altLang="ko-KR" dirty="0"/>
+              <a:t>CPU</a:t>
+            </a:r>
+            <a:r>
+              <a:rPr lang="ko-KR" altLang="en-US" dirty="0"/>
+              <a:t>의 유휴 시간</a:t>
+            </a:r>
+            <a:r>
+              <a:rPr lang="en-US" altLang="ko-KR" dirty="0"/>
+              <a:t>(Idle time)</a:t>
+            </a:r>
+            <a:r>
+              <a:rPr lang="ko-KR" altLang="en-US" dirty="0"/>
+              <a:t>을 최소화 할 수 있기 때문이다</a:t>
+            </a:r>
+            <a:r>
+              <a:rPr lang="en-US" altLang="ko-KR" dirty="0"/>
+              <a:t>.</a:t>
+            </a:r>
+          </a:p>
+          <a:p>
+            <a:pPr lvl="1"/>
+            <a:r>
+              <a:rPr lang="en-US" altLang="ko-KR" dirty="0"/>
+              <a:t> </a:t>
+            </a:r>
+            <a:r>
+              <a:rPr lang="ko-KR" altLang="en-US" dirty="0" err="1"/>
+              <a:t>코루틴은</a:t>
+            </a:r>
+            <a:r>
+              <a:rPr lang="ko-KR" altLang="en-US" dirty="0"/>
+              <a:t> </a:t>
+            </a:r>
+            <a:r>
+              <a:rPr lang="ko-KR" altLang="en-US" dirty="0" err="1"/>
+              <a:t>멀티쓰레드를</a:t>
+            </a:r>
+            <a:r>
+              <a:rPr lang="ko-KR" altLang="en-US" dirty="0"/>
+              <a:t> 대체하기 위해 등장한 것은 아니다</a:t>
+            </a:r>
+            <a:r>
+              <a:rPr lang="en-US" altLang="ko-KR" dirty="0"/>
+              <a:t>.</a:t>
             </a:r>
             <a:endParaRPr lang="ko-KR" altLang="en-US" dirty="0"/>
+          </a:p>
+        </p:txBody>
+      </p:sp>
+      <p:sp>
+        <p:nvSpPr>
+          <p:cNvPr id="7" name="Google Shape;209;p30">
+            <a:extLst>
+              <a:ext uri="{FF2B5EF4-FFF2-40B4-BE49-F238E27FC236}">
+                <a16:creationId xmlns:a16="http://schemas.microsoft.com/office/drawing/2014/main" id="{35F3E219-4EBB-8DE8-0966-E4317399395E}"/>
+              </a:ext>
+            </a:extLst>
+          </p:cNvPr>
+          <p:cNvSpPr/>
+          <p:nvPr/>
+        </p:nvSpPr>
+        <p:spPr>
+          <a:xfrm>
+            <a:off x="7811013" y="528014"/>
+            <a:ext cx="952500" cy="298200"/>
+          </a:xfrm>
+          <a:prstGeom prst="rect">
+            <a:avLst/>
+          </a:prstGeom>
+          <a:noFill/>
+          <a:ln>
+            <a:noFill/>
+          </a:ln>
+        </p:spPr>
+        <p:txBody>
+          <a:bodyPr spcFirstLastPara="1" wrap="square" lIns="19050" tIns="19050" rIns="19050" bIns="19050" anchor="t" anchorCtr="0">
+            <a:noAutofit/>
+          </a:bodyPr>
+          <a:lstStyle/>
+          <a:p>
+            <a:pPr marL="63500" marR="0" lvl="1" indent="0" algn="l" rtl="0">
+              <a:lnSpc>
+                <a:spcPct val="90000"/>
+              </a:lnSpc>
+              <a:spcBef>
+                <a:spcPts val="0"/>
+              </a:spcBef>
+              <a:spcAft>
+                <a:spcPts val="0"/>
+              </a:spcAft>
+              <a:buNone/>
+            </a:pPr>
+            <a:r>
+              <a:rPr lang="en-US" altLang="ko" sz="1200" b="1" i="0" u="none" strike="noStrike" cap="none" dirty="0">
+                <a:solidFill>
+                  <a:schemeClr val="bg1"/>
+                </a:solidFill>
+                <a:latin typeface="Arial"/>
+                <a:ea typeface="Arial"/>
+                <a:cs typeface="Arial"/>
+                <a:sym typeface="Arial"/>
+              </a:rPr>
+              <a:t>2</a:t>
+            </a:r>
+            <a:r>
+              <a:rPr lang="ko" sz="1200" b="1" i="0" u="none" strike="noStrike" cap="none" dirty="0">
+                <a:solidFill>
+                  <a:schemeClr val="bg1"/>
+                </a:solidFill>
+                <a:latin typeface="Arial"/>
+                <a:ea typeface="Arial"/>
+                <a:cs typeface="Arial"/>
+                <a:sym typeface="Arial"/>
+              </a:rPr>
+              <a:t>.</a:t>
+            </a:r>
+            <a:endParaRPr sz="500" dirty="0">
+              <a:solidFill>
+                <a:schemeClr val="bg1"/>
+              </a:solidFill>
+            </a:endParaRPr>
+          </a:p>
+        </p:txBody>
+      </p:sp>
+      <p:sp>
+        <p:nvSpPr>
+          <p:cNvPr id="8" name="Google Shape;210;p30">
+            <a:extLst>
+              <a:ext uri="{FF2B5EF4-FFF2-40B4-BE49-F238E27FC236}">
+                <a16:creationId xmlns:a16="http://schemas.microsoft.com/office/drawing/2014/main" id="{8CB63A74-B5C7-DCAA-53F5-96E44004D694}"/>
+              </a:ext>
+            </a:extLst>
+          </p:cNvPr>
+          <p:cNvSpPr/>
+          <p:nvPr/>
+        </p:nvSpPr>
+        <p:spPr>
+          <a:xfrm>
+            <a:off x="7811013" y="825047"/>
+            <a:ext cx="952500" cy="293400"/>
+          </a:xfrm>
+          <a:prstGeom prst="rect">
+            <a:avLst/>
+          </a:prstGeom>
+          <a:noFill/>
+          <a:ln>
+            <a:noFill/>
+          </a:ln>
+        </p:spPr>
+        <p:txBody>
+          <a:bodyPr spcFirstLastPara="1" wrap="square" lIns="19050" tIns="19050" rIns="19050" bIns="19050" anchor="t" anchorCtr="0">
+            <a:noAutofit/>
+          </a:bodyPr>
+          <a:lstStyle/>
+          <a:p>
+            <a:pPr marL="63500" marR="0" lvl="1" indent="0" algn="l" rtl="0">
+              <a:spcBef>
+                <a:spcPts val="200"/>
+              </a:spcBef>
+              <a:spcAft>
+                <a:spcPts val="0"/>
+              </a:spcAft>
+              <a:buClr>
+                <a:srgbClr val="000000"/>
+              </a:buClr>
+              <a:buFont typeface="Arial"/>
+              <a:buNone/>
+            </a:pPr>
+            <a:r>
+              <a:rPr lang="en-US" sz="800" dirty="0">
+                <a:solidFill>
+                  <a:schemeClr val="bg1"/>
+                </a:solidFill>
+              </a:rPr>
+              <a:t>Coroutine </a:t>
+            </a:r>
+            <a:r>
+              <a:rPr lang="ko-KR" altLang="en-US" sz="800" dirty="0">
+                <a:solidFill>
+                  <a:schemeClr val="bg1"/>
+                </a:solidFill>
+              </a:rPr>
+              <a:t>이란 </a:t>
+            </a:r>
+            <a:r>
+              <a:rPr lang="en-US" altLang="ko-KR" sz="800" dirty="0">
+                <a:solidFill>
+                  <a:schemeClr val="bg1"/>
+                </a:solidFill>
+              </a:rPr>
+              <a:t>?</a:t>
+            </a:r>
+            <a:endParaRPr sz="800" dirty="0">
+              <a:solidFill>
+                <a:schemeClr val="bg1"/>
+              </a:solidFill>
+            </a:endParaRPr>
+          </a:p>
+        </p:txBody>
+      </p:sp>
+      <p:sp>
+        <p:nvSpPr>
+          <p:cNvPr id="6" name="TextBox 5">
+            <a:extLst>
+              <a:ext uri="{FF2B5EF4-FFF2-40B4-BE49-F238E27FC236}">
+                <a16:creationId xmlns:a16="http://schemas.microsoft.com/office/drawing/2014/main" id="{11B18EF0-F1B6-612C-1FF1-0C3E619F2ED5}"/>
+              </a:ext>
+            </a:extLst>
+          </p:cNvPr>
+          <p:cNvSpPr txBox="1"/>
+          <p:nvPr/>
+        </p:nvSpPr>
+        <p:spPr>
+          <a:xfrm>
+            <a:off x="4103649" y="4705144"/>
+            <a:ext cx="4572000" cy="307777"/>
+          </a:xfrm>
+          <a:prstGeom prst="rect">
+            <a:avLst/>
+          </a:prstGeom>
+          <a:noFill/>
+        </p:spPr>
+        <p:txBody>
+          <a:bodyPr wrap="square">
+            <a:spAutoFit/>
+          </a:bodyPr>
+          <a:lstStyle/>
+          <a:p>
+            <a:pPr algn="r"/>
+            <a:r>
+              <a:rPr lang="en-US" altLang="ko-KR" sz="1400" dirty="0">
+                <a:effectLst/>
+                <a:hlinkClick r:id="rId3"/>
+              </a:rPr>
+              <a:t>https://namu.wiki/w/</a:t>
+            </a:r>
+            <a:r>
+              <a:rPr lang="ko-KR" altLang="en-US" sz="1400" dirty="0" err="1">
+                <a:effectLst/>
+                <a:hlinkClick r:id="rId3"/>
+              </a:rPr>
+              <a:t>코루틴</a:t>
+            </a:r>
+            <a:endParaRPr lang="ko-KR" altLang="en-US" sz="1400" dirty="0"/>
           </a:p>
         </p:txBody>
       </p:sp>
     </p:spTree>
     <p:extLst>
       <p:ext uri="{BB962C8B-B14F-4D97-AF65-F5344CB8AC3E}">
-        <p14:creationId xmlns:p14="http://schemas.microsoft.com/office/powerpoint/2010/main" val="388313514"/>
+        <p14:creationId xmlns:p14="http://schemas.microsoft.com/office/powerpoint/2010/main" val="1131219642"/>
+      </p:ext>
+    </p:extLst>
+  </p:cSld>
+  <p:clrMapOvr>
+    <a:masterClrMapping/>
+  </p:clrMapOvr>
+</p:sld>
+</file>
+
+<file path=ppt/slides/slide14.xml><?xml version="1.0" encoding="utf-8"?>
+<p:sld xmlns:a="http://schemas.openxmlformats.org/drawingml/2006/main" xmlns:r="http://schemas.openxmlformats.org/officeDocument/2006/relationships" xmlns:p="http://schemas.openxmlformats.org/presentationml/2006/main">
+  <p:cSld>
+    <p:spTree>
+      <p:nvGrpSpPr>
+        <p:cNvPr id="1" name=""/>
+        <p:cNvGrpSpPr/>
+        <p:nvPr/>
+      </p:nvGrpSpPr>
+      <p:grpSpPr>
+        <a:xfrm>
+          <a:off x="0" y="0"/>
+          <a:ext cx="0" cy="0"/>
+          <a:chOff x="0" y="0"/>
+          <a:chExt cx="0" cy="0"/>
+        </a:xfrm>
+      </p:grpSpPr>
+      <p:sp>
+        <p:nvSpPr>
+          <p:cNvPr id="2" name="제목 1">
+            <a:extLst>
+              <a:ext uri="{FF2B5EF4-FFF2-40B4-BE49-F238E27FC236}">
+                <a16:creationId xmlns:a16="http://schemas.microsoft.com/office/drawing/2014/main" id="{D21C1AA9-5E52-3A11-B3B3-447787E29D09}"/>
+              </a:ext>
+            </a:extLst>
+          </p:cNvPr>
+          <p:cNvSpPr>
+            <a:spLocks noGrp="1"/>
+          </p:cNvSpPr>
+          <p:nvPr>
+            <p:ph type="title"/>
+          </p:nvPr>
+        </p:nvSpPr>
+        <p:spPr/>
+        <p:txBody>
+          <a:bodyPr/>
+          <a:lstStyle/>
+          <a:p>
+            <a:r>
+              <a:rPr lang="en-US" altLang="ko-KR" dirty="0"/>
+              <a:t>Coroutine </a:t>
+            </a:r>
+            <a:r>
+              <a:rPr lang="ko-KR" altLang="en-US" dirty="0"/>
+              <a:t>이란 </a:t>
+            </a:r>
+            <a:r>
+              <a:rPr lang="en-US" altLang="ko-KR" dirty="0"/>
+              <a:t>?</a:t>
+            </a:r>
+            <a:endParaRPr lang="ko-KR" altLang="en-US" dirty="0"/>
+          </a:p>
+        </p:txBody>
+      </p:sp>
+      <p:sp>
+        <p:nvSpPr>
+          <p:cNvPr id="4" name="내용 개체 틀 3">
+            <a:extLst>
+              <a:ext uri="{FF2B5EF4-FFF2-40B4-BE49-F238E27FC236}">
+                <a16:creationId xmlns:a16="http://schemas.microsoft.com/office/drawing/2014/main" id="{42F6317C-F28B-ECBE-0810-17736FC7D8AB}"/>
+              </a:ext>
+            </a:extLst>
+          </p:cNvPr>
+          <p:cNvSpPr>
+            <a:spLocks noGrp="1"/>
+          </p:cNvSpPr>
+          <p:nvPr>
+            <p:ph idx="1"/>
+          </p:nvPr>
+        </p:nvSpPr>
+        <p:spPr/>
+        <p:txBody>
+          <a:bodyPr>
+            <a:normAutofit/>
+          </a:bodyPr>
+          <a:lstStyle/>
+          <a:p>
+            <a:pPr marL="0" indent="0">
+              <a:buNone/>
+            </a:pPr>
+            <a:r>
+              <a:rPr lang="en-US" altLang="ko-KR" dirty="0"/>
+              <a:t>CPS (Continuation Passing Style)</a:t>
+            </a:r>
+          </a:p>
+          <a:p>
+            <a:pPr lvl="1"/>
+            <a:r>
+              <a:rPr lang="ko-KR" altLang="en-US" dirty="0"/>
+              <a:t>함수의 인자를 함수</a:t>
+            </a:r>
+            <a:r>
+              <a:rPr lang="en-US" altLang="ko-KR" dirty="0"/>
+              <a:t>(Continuation)</a:t>
+            </a:r>
+            <a:r>
+              <a:rPr lang="ko-KR" altLang="en-US" dirty="0"/>
+              <a:t>로 전달하는 패턴</a:t>
+            </a:r>
+            <a:endParaRPr lang="en-US" altLang="ko-KR" dirty="0"/>
+          </a:p>
+          <a:p>
+            <a:pPr lvl="1"/>
+            <a:endParaRPr lang="ko-KR" altLang="en-US" dirty="0"/>
+          </a:p>
+        </p:txBody>
+      </p:sp>
+      <p:sp>
+        <p:nvSpPr>
+          <p:cNvPr id="7" name="Google Shape;209;p30">
+            <a:extLst>
+              <a:ext uri="{FF2B5EF4-FFF2-40B4-BE49-F238E27FC236}">
+                <a16:creationId xmlns:a16="http://schemas.microsoft.com/office/drawing/2014/main" id="{35F3E219-4EBB-8DE8-0966-E4317399395E}"/>
+              </a:ext>
+            </a:extLst>
+          </p:cNvPr>
+          <p:cNvSpPr/>
+          <p:nvPr/>
+        </p:nvSpPr>
+        <p:spPr>
+          <a:xfrm>
+            <a:off x="7811013" y="528014"/>
+            <a:ext cx="952500" cy="298200"/>
+          </a:xfrm>
+          <a:prstGeom prst="rect">
+            <a:avLst/>
+          </a:prstGeom>
+          <a:noFill/>
+          <a:ln>
+            <a:noFill/>
+          </a:ln>
+        </p:spPr>
+        <p:txBody>
+          <a:bodyPr spcFirstLastPara="1" wrap="square" lIns="19050" tIns="19050" rIns="19050" bIns="19050" anchor="t" anchorCtr="0">
+            <a:noAutofit/>
+          </a:bodyPr>
+          <a:lstStyle/>
+          <a:p>
+            <a:pPr marL="63500" marR="0" lvl="1" indent="0" algn="l" rtl="0">
+              <a:lnSpc>
+                <a:spcPct val="90000"/>
+              </a:lnSpc>
+              <a:spcBef>
+                <a:spcPts val="0"/>
+              </a:spcBef>
+              <a:spcAft>
+                <a:spcPts val="0"/>
+              </a:spcAft>
+              <a:buNone/>
+            </a:pPr>
+            <a:r>
+              <a:rPr lang="en-US" altLang="ko" sz="1200" b="1" i="0" u="none" strike="noStrike" cap="none" dirty="0">
+                <a:solidFill>
+                  <a:schemeClr val="bg1"/>
+                </a:solidFill>
+                <a:latin typeface="Arial"/>
+                <a:ea typeface="Arial"/>
+                <a:cs typeface="Arial"/>
+                <a:sym typeface="Arial"/>
+              </a:rPr>
+              <a:t>2</a:t>
+            </a:r>
+            <a:r>
+              <a:rPr lang="ko" sz="1200" b="1" i="0" u="none" strike="noStrike" cap="none" dirty="0">
+                <a:solidFill>
+                  <a:schemeClr val="bg1"/>
+                </a:solidFill>
+                <a:latin typeface="Arial"/>
+                <a:ea typeface="Arial"/>
+                <a:cs typeface="Arial"/>
+                <a:sym typeface="Arial"/>
+              </a:rPr>
+              <a:t>.</a:t>
+            </a:r>
+            <a:endParaRPr sz="500" dirty="0">
+              <a:solidFill>
+                <a:schemeClr val="bg1"/>
+              </a:solidFill>
+            </a:endParaRPr>
+          </a:p>
+        </p:txBody>
+      </p:sp>
+      <p:sp>
+        <p:nvSpPr>
+          <p:cNvPr id="8" name="Google Shape;210;p30">
+            <a:extLst>
+              <a:ext uri="{FF2B5EF4-FFF2-40B4-BE49-F238E27FC236}">
+                <a16:creationId xmlns:a16="http://schemas.microsoft.com/office/drawing/2014/main" id="{8CB63A74-B5C7-DCAA-53F5-96E44004D694}"/>
+              </a:ext>
+            </a:extLst>
+          </p:cNvPr>
+          <p:cNvSpPr/>
+          <p:nvPr/>
+        </p:nvSpPr>
+        <p:spPr>
+          <a:xfrm>
+            <a:off x="7811013" y="825047"/>
+            <a:ext cx="952500" cy="293400"/>
+          </a:xfrm>
+          <a:prstGeom prst="rect">
+            <a:avLst/>
+          </a:prstGeom>
+          <a:noFill/>
+          <a:ln>
+            <a:noFill/>
+          </a:ln>
+        </p:spPr>
+        <p:txBody>
+          <a:bodyPr spcFirstLastPara="1" wrap="square" lIns="19050" tIns="19050" rIns="19050" bIns="19050" anchor="t" anchorCtr="0">
+            <a:noAutofit/>
+          </a:bodyPr>
+          <a:lstStyle/>
+          <a:p>
+            <a:pPr marL="63500" marR="0" lvl="1" indent="0" algn="l" rtl="0">
+              <a:spcBef>
+                <a:spcPts val="200"/>
+              </a:spcBef>
+              <a:spcAft>
+                <a:spcPts val="0"/>
+              </a:spcAft>
+              <a:buClr>
+                <a:srgbClr val="000000"/>
+              </a:buClr>
+              <a:buFont typeface="Arial"/>
+              <a:buNone/>
+            </a:pPr>
+            <a:r>
+              <a:rPr lang="en-US" sz="800" dirty="0">
+                <a:solidFill>
+                  <a:schemeClr val="bg1"/>
+                </a:solidFill>
+              </a:rPr>
+              <a:t>Coroutine </a:t>
+            </a:r>
+            <a:r>
+              <a:rPr lang="ko-KR" altLang="en-US" sz="800" dirty="0">
+                <a:solidFill>
+                  <a:schemeClr val="bg1"/>
+                </a:solidFill>
+              </a:rPr>
+              <a:t>이란 </a:t>
+            </a:r>
+            <a:r>
+              <a:rPr lang="en-US" altLang="ko-KR" sz="800" dirty="0">
+                <a:solidFill>
+                  <a:schemeClr val="bg1"/>
+                </a:solidFill>
+              </a:rPr>
+              <a:t>?</a:t>
+            </a:r>
+            <a:endParaRPr sz="800" dirty="0">
+              <a:solidFill>
+                <a:schemeClr val="bg1"/>
+              </a:solidFill>
+            </a:endParaRPr>
+          </a:p>
+        </p:txBody>
+      </p:sp>
+    </p:spTree>
+    <p:extLst>
+      <p:ext uri="{BB962C8B-B14F-4D97-AF65-F5344CB8AC3E}">
+        <p14:creationId xmlns:p14="http://schemas.microsoft.com/office/powerpoint/2010/main" val="1471691008"/>
+      </p:ext>
+    </p:extLst>
+  </p:cSld>
+  <p:clrMapOvr>
+    <a:masterClrMapping/>
+  </p:clrMapOvr>
+</p:sld>
+</file>
+
+<file path=ppt/slides/slide15.xml><?xml version="1.0" encoding="utf-8"?>
+<p:sld xmlns:a="http://schemas.openxmlformats.org/drawingml/2006/main" xmlns:r="http://schemas.openxmlformats.org/officeDocument/2006/relationships" xmlns:p="http://schemas.openxmlformats.org/presentationml/2006/main">
+  <p:cSld>
+    <p:spTree>
+      <p:nvGrpSpPr>
+        <p:cNvPr id="1" name=""/>
+        <p:cNvGrpSpPr/>
+        <p:nvPr/>
+      </p:nvGrpSpPr>
+      <p:grpSpPr>
+        <a:xfrm>
+          <a:off x="0" y="0"/>
+          <a:ext cx="0" cy="0"/>
+          <a:chOff x="0" y="0"/>
+          <a:chExt cx="0" cy="0"/>
+        </a:xfrm>
+      </p:grpSpPr>
+      <p:sp>
+        <p:nvSpPr>
+          <p:cNvPr id="2" name="제목 1">
+            <a:extLst>
+              <a:ext uri="{FF2B5EF4-FFF2-40B4-BE49-F238E27FC236}">
+                <a16:creationId xmlns:a16="http://schemas.microsoft.com/office/drawing/2014/main" id="{D21C1AA9-5E52-3A11-B3B3-447787E29D09}"/>
+              </a:ext>
+            </a:extLst>
+          </p:cNvPr>
+          <p:cNvSpPr>
+            <a:spLocks noGrp="1"/>
+          </p:cNvSpPr>
+          <p:nvPr>
+            <p:ph type="title"/>
+          </p:nvPr>
+        </p:nvSpPr>
+        <p:spPr/>
+        <p:txBody>
+          <a:bodyPr/>
+          <a:lstStyle/>
+          <a:p>
+            <a:r>
+              <a:rPr lang="en-US" altLang="ko-KR" dirty="0"/>
+              <a:t>Coroutine </a:t>
+            </a:r>
+            <a:r>
+              <a:rPr lang="ko-KR" altLang="en-US" dirty="0"/>
+              <a:t>이란 </a:t>
+            </a:r>
+            <a:r>
+              <a:rPr lang="en-US" altLang="ko-KR" dirty="0"/>
+              <a:t>?</a:t>
+            </a:r>
+            <a:endParaRPr lang="ko-KR" altLang="en-US" dirty="0"/>
+          </a:p>
+        </p:txBody>
+      </p:sp>
+      <p:sp>
+        <p:nvSpPr>
+          <p:cNvPr id="4" name="내용 개체 틀 3">
+            <a:extLst>
+              <a:ext uri="{FF2B5EF4-FFF2-40B4-BE49-F238E27FC236}">
+                <a16:creationId xmlns:a16="http://schemas.microsoft.com/office/drawing/2014/main" id="{42F6317C-F28B-ECBE-0810-17736FC7D8AB}"/>
+              </a:ext>
+            </a:extLst>
+          </p:cNvPr>
+          <p:cNvSpPr>
+            <a:spLocks noGrp="1"/>
+          </p:cNvSpPr>
+          <p:nvPr>
+            <p:ph idx="1"/>
+          </p:nvPr>
+        </p:nvSpPr>
+        <p:spPr/>
+        <p:txBody>
+          <a:bodyPr>
+            <a:normAutofit/>
+          </a:bodyPr>
+          <a:lstStyle/>
+          <a:p>
+            <a:pPr marL="0" indent="0">
+              <a:buNone/>
+            </a:pPr>
+            <a:r>
+              <a:rPr lang="en-US" altLang="ko-KR" dirty="0"/>
+              <a:t>CPS (Continuation Passing Style)</a:t>
+            </a:r>
+          </a:p>
+          <a:p>
+            <a:pPr lvl="1"/>
+            <a:r>
+              <a:rPr lang="ko-KR" altLang="en-US" dirty="0"/>
+              <a:t>함수의 인자를 함수</a:t>
+            </a:r>
+            <a:r>
+              <a:rPr lang="en-US" altLang="ko-KR" dirty="0"/>
+              <a:t>(Continuation)</a:t>
+            </a:r>
+            <a:r>
+              <a:rPr lang="ko-KR" altLang="en-US" dirty="0"/>
+              <a:t>로 전달하는 패턴</a:t>
+            </a:r>
+            <a:endParaRPr lang="en-US" altLang="ko-KR" dirty="0"/>
+          </a:p>
+          <a:p>
+            <a:pPr lvl="1"/>
+            <a:endParaRPr lang="ko-KR" altLang="en-US" dirty="0"/>
+          </a:p>
+        </p:txBody>
+      </p:sp>
+      <p:sp>
+        <p:nvSpPr>
+          <p:cNvPr id="7" name="Google Shape;209;p30">
+            <a:extLst>
+              <a:ext uri="{FF2B5EF4-FFF2-40B4-BE49-F238E27FC236}">
+                <a16:creationId xmlns:a16="http://schemas.microsoft.com/office/drawing/2014/main" id="{35F3E219-4EBB-8DE8-0966-E4317399395E}"/>
+              </a:ext>
+            </a:extLst>
+          </p:cNvPr>
+          <p:cNvSpPr/>
+          <p:nvPr/>
+        </p:nvSpPr>
+        <p:spPr>
+          <a:xfrm>
+            <a:off x="7811013" y="528014"/>
+            <a:ext cx="952500" cy="298200"/>
+          </a:xfrm>
+          <a:prstGeom prst="rect">
+            <a:avLst/>
+          </a:prstGeom>
+          <a:noFill/>
+          <a:ln>
+            <a:noFill/>
+          </a:ln>
+        </p:spPr>
+        <p:txBody>
+          <a:bodyPr spcFirstLastPara="1" wrap="square" lIns="19050" tIns="19050" rIns="19050" bIns="19050" anchor="t" anchorCtr="0">
+            <a:noAutofit/>
+          </a:bodyPr>
+          <a:lstStyle/>
+          <a:p>
+            <a:pPr marL="63500" marR="0" lvl="1" indent="0" algn="l" rtl="0">
+              <a:lnSpc>
+                <a:spcPct val="90000"/>
+              </a:lnSpc>
+              <a:spcBef>
+                <a:spcPts val="0"/>
+              </a:spcBef>
+              <a:spcAft>
+                <a:spcPts val="0"/>
+              </a:spcAft>
+              <a:buNone/>
+            </a:pPr>
+            <a:r>
+              <a:rPr lang="en-US" altLang="ko" sz="1200" b="1" i="0" u="none" strike="noStrike" cap="none" dirty="0">
+                <a:solidFill>
+                  <a:schemeClr val="bg1"/>
+                </a:solidFill>
+                <a:latin typeface="Arial"/>
+                <a:ea typeface="Arial"/>
+                <a:cs typeface="Arial"/>
+                <a:sym typeface="Arial"/>
+              </a:rPr>
+              <a:t>2</a:t>
+            </a:r>
+            <a:r>
+              <a:rPr lang="ko" sz="1200" b="1" i="0" u="none" strike="noStrike" cap="none" dirty="0">
+                <a:solidFill>
+                  <a:schemeClr val="bg1"/>
+                </a:solidFill>
+                <a:latin typeface="Arial"/>
+                <a:ea typeface="Arial"/>
+                <a:cs typeface="Arial"/>
+                <a:sym typeface="Arial"/>
+              </a:rPr>
+              <a:t>.</a:t>
+            </a:r>
+            <a:endParaRPr sz="500" dirty="0">
+              <a:solidFill>
+                <a:schemeClr val="bg1"/>
+              </a:solidFill>
+            </a:endParaRPr>
+          </a:p>
+        </p:txBody>
+      </p:sp>
+      <p:sp>
+        <p:nvSpPr>
+          <p:cNvPr id="8" name="Google Shape;210;p30">
+            <a:extLst>
+              <a:ext uri="{FF2B5EF4-FFF2-40B4-BE49-F238E27FC236}">
+                <a16:creationId xmlns:a16="http://schemas.microsoft.com/office/drawing/2014/main" id="{8CB63A74-B5C7-DCAA-53F5-96E44004D694}"/>
+              </a:ext>
+            </a:extLst>
+          </p:cNvPr>
+          <p:cNvSpPr/>
+          <p:nvPr/>
+        </p:nvSpPr>
+        <p:spPr>
+          <a:xfrm>
+            <a:off x="7811013" y="825047"/>
+            <a:ext cx="952500" cy="293400"/>
+          </a:xfrm>
+          <a:prstGeom prst="rect">
+            <a:avLst/>
+          </a:prstGeom>
+          <a:noFill/>
+          <a:ln>
+            <a:noFill/>
+          </a:ln>
+        </p:spPr>
+        <p:txBody>
+          <a:bodyPr spcFirstLastPara="1" wrap="square" lIns="19050" tIns="19050" rIns="19050" bIns="19050" anchor="t" anchorCtr="0">
+            <a:noAutofit/>
+          </a:bodyPr>
+          <a:lstStyle/>
+          <a:p>
+            <a:pPr marL="63500" marR="0" lvl="1" indent="0" algn="l" rtl="0">
+              <a:spcBef>
+                <a:spcPts val="200"/>
+              </a:spcBef>
+              <a:spcAft>
+                <a:spcPts val="0"/>
+              </a:spcAft>
+              <a:buClr>
+                <a:srgbClr val="000000"/>
+              </a:buClr>
+              <a:buFont typeface="Arial"/>
+              <a:buNone/>
+            </a:pPr>
+            <a:r>
+              <a:rPr lang="en-US" sz="800" dirty="0">
+                <a:solidFill>
+                  <a:schemeClr val="bg1"/>
+                </a:solidFill>
+              </a:rPr>
+              <a:t>Coroutine </a:t>
+            </a:r>
+            <a:r>
+              <a:rPr lang="ko-KR" altLang="en-US" sz="800" dirty="0">
+                <a:solidFill>
+                  <a:schemeClr val="bg1"/>
+                </a:solidFill>
+              </a:rPr>
+              <a:t>이란 </a:t>
+            </a:r>
+            <a:r>
+              <a:rPr lang="en-US" altLang="ko-KR" sz="800" dirty="0">
+                <a:solidFill>
+                  <a:schemeClr val="bg1"/>
+                </a:solidFill>
+              </a:rPr>
+              <a:t>?</a:t>
+            </a:r>
+            <a:endParaRPr sz="800" dirty="0">
+              <a:solidFill>
+                <a:schemeClr val="bg1"/>
+              </a:solidFill>
+            </a:endParaRPr>
+          </a:p>
+        </p:txBody>
+      </p:sp>
+    </p:spTree>
+    <p:extLst>
+      <p:ext uri="{BB962C8B-B14F-4D97-AF65-F5344CB8AC3E}">
+        <p14:creationId xmlns:p14="http://schemas.microsoft.com/office/powerpoint/2010/main" val="1168604118"/>
+      </p:ext>
+    </p:extLst>
+  </p:cSld>
+  <p:clrMapOvr>
+    <a:masterClrMapping/>
+  </p:clrMapOvr>
+</p:sld>
+</file>
+
+<file path=ppt/slides/slide16.xml><?xml version="1.0" encoding="utf-8"?>
+<p:sld xmlns:a="http://schemas.openxmlformats.org/drawingml/2006/main" xmlns:r="http://schemas.openxmlformats.org/officeDocument/2006/relationships" xmlns:p="http://schemas.openxmlformats.org/presentationml/2006/main">
+  <p:cSld>
+    <p:spTree>
+      <p:nvGrpSpPr>
+        <p:cNvPr id="1" name=""/>
+        <p:cNvGrpSpPr/>
+        <p:nvPr/>
+      </p:nvGrpSpPr>
+      <p:grpSpPr>
+        <a:xfrm>
+          <a:off x="0" y="0"/>
+          <a:ext cx="0" cy="0"/>
+          <a:chOff x="0" y="0"/>
+          <a:chExt cx="0" cy="0"/>
+        </a:xfrm>
+      </p:grpSpPr>
+      <p:sp>
+        <p:nvSpPr>
+          <p:cNvPr id="2" name="제목 1">
+            <a:extLst>
+              <a:ext uri="{FF2B5EF4-FFF2-40B4-BE49-F238E27FC236}">
+                <a16:creationId xmlns:a16="http://schemas.microsoft.com/office/drawing/2014/main" id="{D21C1AA9-5E52-3A11-B3B3-447787E29D09}"/>
+              </a:ext>
+            </a:extLst>
+          </p:cNvPr>
+          <p:cNvSpPr>
+            <a:spLocks noGrp="1"/>
+          </p:cNvSpPr>
+          <p:nvPr>
+            <p:ph type="title"/>
+          </p:nvPr>
+        </p:nvSpPr>
+        <p:spPr/>
+        <p:txBody>
+          <a:bodyPr/>
+          <a:lstStyle/>
+          <a:p>
+            <a:r>
+              <a:rPr lang="en-US" altLang="ko-KR" dirty="0"/>
+              <a:t>Coroutine </a:t>
+            </a:r>
+            <a:r>
+              <a:rPr lang="ko-KR" altLang="en-US" dirty="0"/>
+              <a:t>이란 </a:t>
+            </a:r>
+            <a:r>
+              <a:rPr lang="en-US" altLang="ko-KR" dirty="0"/>
+              <a:t>?</a:t>
+            </a:r>
+            <a:endParaRPr lang="ko-KR" altLang="en-US" dirty="0"/>
+          </a:p>
+        </p:txBody>
+      </p:sp>
+      <p:sp>
+        <p:nvSpPr>
+          <p:cNvPr id="4" name="내용 개체 틀 3">
+            <a:extLst>
+              <a:ext uri="{FF2B5EF4-FFF2-40B4-BE49-F238E27FC236}">
+                <a16:creationId xmlns:a16="http://schemas.microsoft.com/office/drawing/2014/main" id="{42F6317C-F28B-ECBE-0810-17736FC7D8AB}"/>
+              </a:ext>
+            </a:extLst>
+          </p:cNvPr>
+          <p:cNvSpPr>
+            <a:spLocks noGrp="1"/>
+          </p:cNvSpPr>
+          <p:nvPr>
+            <p:ph idx="1"/>
+          </p:nvPr>
+        </p:nvSpPr>
+        <p:spPr/>
+        <p:txBody>
+          <a:bodyPr>
+            <a:normAutofit/>
+          </a:bodyPr>
+          <a:lstStyle/>
+          <a:p>
+            <a:pPr marL="0" indent="0">
+              <a:buNone/>
+            </a:pPr>
+            <a:r>
+              <a:rPr lang="en-US" altLang="ko-KR" dirty="0"/>
+              <a:t>Coroutine</a:t>
+            </a:r>
+            <a:r>
+              <a:rPr lang="ko-KR" altLang="en-US" dirty="0"/>
+              <a:t> </a:t>
+            </a:r>
+            <a:r>
+              <a:rPr lang="en-US" altLang="ko-KR" dirty="0"/>
+              <a:t>?</a:t>
+            </a:r>
+          </a:p>
+          <a:p>
+            <a:pPr lvl="1"/>
+            <a:endParaRPr lang="ko-KR" altLang="en-US" dirty="0"/>
+          </a:p>
+        </p:txBody>
+      </p:sp>
+      <p:sp>
+        <p:nvSpPr>
+          <p:cNvPr id="7" name="Google Shape;209;p30">
+            <a:extLst>
+              <a:ext uri="{FF2B5EF4-FFF2-40B4-BE49-F238E27FC236}">
+                <a16:creationId xmlns:a16="http://schemas.microsoft.com/office/drawing/2014/main" id="{35F3E219-4EBB-8DE8-0966-E4317399395E}"/>
+              </a:ext>
+            </a:extLst>
+          </p:cNvPr>
+          <p:cNvSpPr/>
+          <p:nvPr/>
+        </p:nvSpPr>
+        <p:spPr>
+          <a:xfrm>
+            <a:off x="7811013" y="528014"/>
+            <a:ext cx="952500" cy="298200"/>
+          </a:xfrm>
+          <a:prstGeom prst="rect">
+            <a:avLst/>
+          </a:prstGeom>
+          <a:noFill/>
+          <a:ln>
+            <a:noFill/>
+          </a:ln>
+        </p:spPr>
+        <p:txBody>
+          <a:bodyPr spcFirstLastPara="1" wrap="square" lIns="19050" tIns="19050" rIns="19050" bIns="19050" anchor="t" anchorCtr="0">
+            <a:noAutofit/>
+          </a:bodyPr>
+          <a:lstStyle/>
+          <a:p>
+            <a:pPr marL="63500" marR="0" lvl="1" indent="0" algn="l" rtl="0">
+              <a:lnSpc>
+                <a:spcPct val="90000"/>
+              </a:lnSpc>
+              <a:spcBef>
+                <a:spcPts val="0"/>
+              </a:spcBef>
+              <a:spcAft>
+                <a:spcPts val="0"/>
+              </a:spcAft>
+              <a:buNone/>
+            </a:pPr>
+            <a:r>
+              <a:rPr lang="en-US" altLang="ko" sz="1200" b="1" i="0" u="none" strike="noStrike" cap="none" dirty="0">
+                <a:solidFill>
+                  <a:schemeClr val="bg1"/>
+                </a:solidFill>
+                <a:latin typeface="Arial"/>
+                <a:ea typeface="Arial"/>
+                <a:cs typeface="Arial"/>
+                <a:sym typeface="Arial"/>
+              </a:rPr>
+              <a:t>2</a:t>
+            </a:r>
+            <a:r>
+              <a:rPr lang="ko" sz="1200" b="1" i="0" u="none" strike="noStrike" cap="none" dirty="0">
+                <a:solidFill>
+                  <a:schemeClr val="bg1"/>
+                </a:solidFill>
+                <a:latin typeface="Arial"/>
+                <a:ea typeface="Arial"/>
+                <a:cs typeface="Arial"/>
+                <a:sym typeface="Arial"/>
+              </a:rPr>
+              <a:t>.</a:t>
+            </a:r>
+            <a:endParaRPr sz="500" dirty="0">
+              <a:solidFill>
+                <a:schemeClr val="bg1"/>
+              </a:solidFill>
+            </a:endParaRPr>
+          </a:p>
+        </p:txBody>
+      </p:sp>
+      <p:sp>
+        <p:nvSpPr>
+          <p:cNvPr id="8" name="Google Shape;210;p30">
+            <a:extLst>
+              <a:ext uri="{FF2B5EF4-FFF2-40B4-BE49-F238E27FC236}">
+                <a16:creationId xmlns:a16="http://schemas.microsoft.com/office/drawing/2014/main" id="{8CB63A74-B5C7-DCAA-53F5-96E44004D694}"/>
+              </a:ext>
+            </a:extLst>
+          </p:cNvPr>
+          <p:cNvSpPr/>
+          <p:nvPr/>
+        </p:nvSpPr>
+        <p:spPr>
+          <a:xfrm>
+            <a:off x="7811013" y="825047"/>
+            <a:ext cx="952500" cy="293400"/>
+          </a:xfrm>
+          <a:prstGeom prst="rect">
+            <a:avLst/>
+          </a:prstGeom>
+          <a:noFill/>
+          <a:ln>
+            <a:noFill/>
+          </a:ln>
+        </p:spPr>
+        <p:txBody>
+          <a:bodyPr spcFirstLastPara="1" wrap="square" lIns="19050" tIns="19050" rIns="19050" bIns="19050" anchor="t" anchorCtr="0">
+            <a:noAutofit/>
+          </a:bodyPr>
+          <a:lstStyle/>
+          <a:p>
+            <a:pPr marL="63500" marR="0" lvl="1" indent="0" algn="l" rtl="0">
+              <a:spcBef>
+                <a:spcPts val="200"/>
+              </a:spcBef>
+              <a:spcAft>
+                <a:spcPts val="0"/>
+              </a:spcAft>
+              <a:buClr>
+                <a:srgbClr val="000000"/>
+              </a:buClr>
+              <a:buFont typeface="Arial"/>
+              <a:buNone/>
+            </a:pPr>
+            <a:r>
+              <a:rPr lang="en-US" sz="800" dirty="0">
+                <a:solidFill>
+                  <a:schemeClr val="bg1"/>
+                </a:solidFill>
+              </a:rPr>
+              <a:t>Coroutine </a:t>
+            </a:r>
+            <a:r>
+              <a:rPr lang="ko-KR" altLang="en-US" sz="800" dirty="0">
+                <a:solidFill>
+                  <a:schemeClr val="bg1"/>
+                </a:solidFill>
+              </a:rPr>
+              <a:t>이란 </a:t>
+            </a:r>
+            <a:r>
+              <a:rPr lang="en-US" altLang="ko-KR" sz="800" dirty="0">
+                <a:solidFill>
+                  <a:schemeClr val="bg1"/>
+                </a:solidFill>
+              </a:rPr>
+              <a:t>?</a:t>
+            </a:r>
+            <a:endParaRPr sz="800" dirty="0">
+              <a:solidFill>
+                <a:schemeClr val="bg1"/>
+              </a:solidFill>
+            </a:endParaRPr>
+          </a:p>
+        </p:txBody>
+      </p:sp>
+    </p:spTree>
+    <p:extLst>
+      <p:ext uri="{BB962C8B-B14F-4D97-AF65-F5344CB8AC3E}">
+        <p14:creationId xmlns:p14="http://schemas.microsoft.com/office/powerpoint/2010/main" val="2747992680"/>
+      </p:ext>
+    </p:extLst>
+  </p:cSld>
+  <p:clrMapOvr>
+    <a:masterClrMapping/>
+  </p:clrMapOvr>
+</p:sld>
+</file>
+
+<file path=ppt/slides/slide17.xml><?xml version="1.0" encoding="utf-8"?>
+<p:sld xmlns:a="http://schemas.openxmlformats.org/drawingml/2006/main" xmlns:r="http://schemas.openxmlformats.org/officeDocument/2006/relationships" xmlns:p="http://schemas.openxmlformats.org/presentationml/2006/main">
+  <p:cSld>
+    <p:spTree>
+      <p:nvGrpSpPr>
+        <p:cNvPr id="1" name=""/>
+        <p:cNvGrpSpPr/>
+        <p:nvPr/>
+      </p:nvGrpSpPr>
+      <p:grpSpPr>
+        <a:xfrm>
+          <a:off x="0" y="0"/>
+          <a:ext cx="0" cy="0"/>
+          <a:chOff x="0" y="0"/>
+          <a:chExt cx="0" cy="0"/>
+        </a:xfrm>
+      </p:grpSpPr>
+      <p:sp>
+        <p:nvSpPr>
+          <p:cNvPr id="2" name="제목 1">
+            <a:extLst>
+              <a:ext uri="{FF2B5EF4-FFF2-40B4-BE49-F238E27FC236}">
+                <a16:creationId xmlns:a16="http://schemas.microsoft.com/office/drawing/2014/main" id="{D21C1AA9-5E52-3A11-B3B3-447787E29D09}"/>
+              </a:ext>
+            </a:extLst>
+          </p:cNvPr>
+          <p:cNvSpPr>
+            <a:spLocks noGrp="1"/>
+          </p:cNvSpPr>
+          <p:nvPr>
+            <p:ph type="title"/>
+          </p:nvPr>
+        </p:nvSpPr>
+        <p:spPr/>
+        <p:txBody>
+          <a:bodyPr/>
+          <a:lstStyle/>
+          <a:p>
+            <a:r>
+              <a:rPr lang="en-US" altLang="ko-KR" dirty="0"/>
+              <a:t>Coroutine </a:t>
+            </a:r>
+            <a:r>
+              <a:rPr lang="ko-KR" altLang="en-US" dirty="0"/>
+              <a:t>이란 </a:t>
+            </a:r>
+            <a:r>
+              <a:rPr lang="en-US" altLang="ko-KR" dirty="0"/>
+              <a:t>?</a:t>
+            </a:r>
+            <a:endParaRPr lang="ko-KR" altLang="en-US" dirty="0"/>
+          </a:p>
+        </p:txBody>
+      </p:sp>
+      <p:sp>
+        <p:nvSpPr>
+          <p:cNvPr id="4" name="내용 개체 틀 3">
+            <a:extLst>
+              <a:ext uri="{FF2B5EF4-FFF2-40B4-BE49-F238E27FC236}">
+                <a16:creationId xmlns:a16="http://schemas.microsoft.com/office/drawing/2014/main" id="{42F6317C-F28B-ECBE-0810-17736FC7D8AB}"/>
+              </a:ext>
+            </a:extLst>
+          </p:cNvPr>
+          <p:cNvSpPr>
+            <a:spLocks noGrp="1"/>
+          </p:cNvSpPr>
+          <p:nvPr>
+            <p:ph idx="1"/>
+          </p:nvPr>
+        </p:nvSpPr>
+        <p:spPr/>
+        <p:txBody>
+          <a:bodyPr>
+            <a:normAutofit/>
+          </a:bodyPr>
+          <a:lstStyle/>
+          <a:p>
+            <a:pPr marL="0" indent="0">
+              <a:buNone/>
+            </a:pPr>
+            <a:r>
+              <a:rPr lang="en-US" altLang="ko-KR" dirty="0"/>
+              <a:t>Coroutine</a:t>
+            </a:r>
+            <a:r>
+              <a:rPr lang="ko-KR" altLang="en-US" dirty="0"/>
+              <a:t> </a:t>
+            </a:r>
+            <a:r>
+              <a:rPr lang="en-US" altLang="ko-KR" dirty="0"/>
+              <a:t>?</a:t>
+            </a:r>
+          </a:p>
+          <a:p>
+            <a:pPr lvl="1"/>
+            <a:endParaRPr lang="ko-KR" altLang="en-US" dirty="0"/>
+          </a:p>
+        </p:txBody>
+      </p:sp>
+      <p:sp>
+        <p:nvSpPr>
+          <p:cNvPr id="7" name="Google Shape;209;p30">
+            <a:extLst>
+              <a:ext uri="{FF2B5EF4-FFF2-40B4-BE49-F238E27FC236}">
+                <a16:creationId xmlns:a16="http://schemas.microsoft.com/office/drawing/2014/main" id="{35F3E219-4EBB-8DE8-0966-E4317399395E}"/>
+              </a:ext>
+            </a:extLst>
+          </p:cNvPr>
+          <p:cNvSpPr/>
+          <p:nvPr/>
+        </p:nvSpPr>
+        <p:spPr>
+          <a:xfrm>
+            <a:off x="7811013" y="528014"/>
+            <a:ext cx="952500" cy="298200"/>
+          </a:xfrm>
+          <a:prstGeom prst="rect">
+            <a:avLst/>
+          </a:prstGeom>
+          <a:noFill/>
+          <a:ln>
+            <a:noFill/>
+          </a:ln>
+        </p:spPr>
+        <p:txBody>
+          <a:bodyPr spcFirstLastPara="1" wrap="square" lIns="19050" tIns="19050" rIns="19050" bIns="19050" anchor="t" anchorCtr="0">
+            <a:noAutofit/>
+          </a:bodyPr>
+          <a:lstStyle/>
+          <a:p>
+            <a:pPr marL="63500" marR="0" lvl="1" indent="0" algn="l" rtl="0">
+              <a:lnSpc>
+                <a:spcPct val="90000"/>
+              </a:lnSpc>
+              <a:spcBef>
+                <a:spcPts val="0"/>
+              </a:spcBef>
+              <a:spcAft>
+                <a:spcPts val="0"/>
+              </a:spcAft>
+              <a:buNone/>
+            </a:pPr>
+            <a:r>
+              <a:rPr lang="en-US" altLang="ko" sz="1200" b="1" i="0" u="none" strike="noStrike" cap="none" dirty="0">
+                <a:solidFill>
+                  <a:schemeClr val="bg1"/>
+                </a:solidFill>
+                <a:latin typeface="Arial"/>
+                <a:ea typeface="Arial"/>
+                <a:cs typeface="Arial"/>
+                <a:sym typeface="Arial"/>
+              </a:rPr>
+              <a:t>2</a:t>
+            </a:r>
+            <a:r>
+              <a:rPr lang="ko" sz="1200" b="1" i="0" u="none" strike="noStrike" cap="none" dirty="0">
+                <a:solidFill>
+                  <a:schemeClr val="bg1"/>
+                </a:solidFill>
+                <a:latin typeface="Arial"/>
+                <a:ea typeface="Arial"/>
+                <a:cs typeface="Arial"/>
+                <a:sym typeface="Arial"/>
+              </a:rPr>
+              <a:t>.</a:t>
+            </a:r>
+            <a:endParaRPr sz="500" dirty="0">
+              <a:solidFill>
+                <a:schemeClr val="bg1"/>
+              </a:solidFill>
+            </a:endParaRPr>
+          </a:p>
+        </p:txBody>
+      </p:sp>
+      <p:sp>
+        <p:nvSpPr>
+          <p:cNvPr id="8" name="Google Shape;210;p30">
+            <a:extLst>
+              <a:ext uri="{FF2B5EF4-FFF2-40B4-BE49-F238E27FC236}">
+                <a16:creationId xmlns:a16="http://schemas.microsoft.com/office/drawing/2014/main" id="{8CB63A74-B5C7-DCAA-53F5-96E44004D694}"/>
+              </a:ext>
+            </a:extLst>
+          </p:cNvPr>
+          <p:cNvSpPr/>
+          <p:nvPr/>
+        </p:nvSpPr>
+        <p:spPr>
+          <a:xfrm>
+            <a:off x="7811013" y="825047"/>
+            <a:ext cx="952500" cy="293400"/>
+          </a:xfrm>
+          <a:prstGeom prst="rect">
+            <a:avLst/>
+          </a:prstGeom>
+          <a:noFill/>
+          <a:ln>
+            <a:noFill/>
+          </a:ln>
+        </p:spPr>
+        <p:txBody>
+          <a:bodyPr spcFirstLastPara="1" wrap="square" lIns="19050" tIns="19050" rIns="19050" bIns="19050" anchor="t" anchorCtr="0">
+            <a:noAutofit/>
+          </a:bodyPr>
+          <a:lstStyle/>
+          <a:p>
+            <a:pPr marL="63500" marR="0" lvl="1" indent="0" algn="l" rtl="0">
+              <a:spcBef>
+                <a:spcPts val="200"/>
+              </a:spcBef>
+              <a:spcAft>
+                <a:spcPts val="0"/>
+              </a:spcAft>
+              <a:buClr>
+                <a:srgbClr val="000000"/>
+              </a:buClr>
+              <a:buFont typeface="Arial"/>
+              <a:buNone/>
+            </a:pPr>
+            <a:r>
+              <a:rPr lang="en-US" sz="800" dirty="0">
+                <a:solidFill>
+                  <a:schemeClr val="bg1"/>
+                </a:solidFill>
+              </a:rPr>
+              <a:t>Coroutine </a:t>
+            </a:r>
+            <a:r>
+              <a:rPr lang="ko-KR" altLang="en-US" sz="800" dirty="0">
+                <a:solidFill>
+                  <a:schemeClr val="bg1"/>
+                </a:solidFill>
+              </a:rPr>
+              <a:t>이란 </a:t>
+            </a:r>
+            <a:r>
+              <a:rPr lang="en-US" altLang="ko-KR" sz="800" dirty="0">
+                <a:solidFill>
+                  <a:schemeClr val="bg1"/>
+                </a:solidFill>
+              </a:rPr>
+              <a:t>?</a:t>
+            </a:r>
+            <a:endParaRPr sz="800" dirty="0">
+              <a:solidFill>
+                <a:schemeClr val="bg1"/>
+              </a:solidFill>
+            </a:endParaRPr>
+          </a:p>
+        </p:txBody>
+      </p:sp>
+    </p:spTree>
+    <p:extLst>
+      <p:ext uri="{BB962C8B-B14F-4D97-AF65-F5344CB8AC3E}">
+        <p14:creationId xmlns:p14="http://schemas.microsoft.com/office/powerpoint/2010/main" val="520453936"/>
+      </p:ext>
+    </p:extLst>
+  </p:cSld>
+  <p:clrMapOvr>
+    <a:masterClrMapping/>
+  </p:clrMapOvr>
+</p:sld>
+</file>
+
+<file path=ppt/slides/slide18.xml><?xml version="1.0" encoding="utf-8"?>
+<p:sld xmlns:a="http://schemas.openxmlformats.org/drawingml/2006/main" xmlns:r="http://schemas.openxmlformats.org/officeDocument/2006/relationships" xmlns:p="http://schemas.openxmlformats.org/presentationml/2006/main">
+  <p:cSld>
+    <p:spTree>
+      <p:nvGrpSpPr>
+        <p:cNvPr id="1" name=""/>
+        <p:cNvGrpSpPr/>
+        <p:nvPr/>
+      </p:nvGrpSpPr>
+      <p:grpSpPr>
+        <a:xfrm>
+          <a:off x="0" y="0"/>
+          <a:ext cx="0" cy="0"/>
+          <a:chOff x="0" y="0"/>
+          <a:chExt cx="0" cy="0"/>
+        </a:xfrm>
+      </p:grpSpPr>
+      <p:sp>
+        <p:nvSpPr>
+          <p:cNvPr id="2" name="제목 1">
+            <a:extLst>
+              <a:ext uri="{FF2B5EF4-FFF2-40B4-BE49-F238E27FC236}">
+                <a16:creationId xmlns:a16="http://schemas.microsoft.com/office/drawing/2014/main" id="{D21C1AA9-5E52-3A11-B3B3-447787E29D09}"/>
+              </a:ext>
+            </a:extLst>
+          </p:cNvPr>
+          <p:cNvSpPr>
+            <a:spLocks noGrp="1"/>
+          </p:cNvSpPr>
+          <p:nvPr>
+            <p:ph type="title"/>
+          </p:nvPr>
+        </p:nvSpPr>
+        <p:spPr/>
+        <p:txBody>
+          <a:bodyPr/>
+          <a:lstStyle/>
+          <a:p>
+            <a:r>
+              <a:rPr lang="en-US" altLang="ko-KR" dirty="0"/>
+              <a:t>Coroutine </a:t>
+            </a:r>
+            <a:r>
+              <a:rPr lang="ko-KR" altLang="en-US" dirty="0"/>
+              <a:t>이란 </a:t>
+            </a:r>
+            <a:r>
+              <a:rPr lang="en-US" altLang="ko-KR" dirty="0"/>
+              <a:t>?</a:t>
+            </a:r>
+            <a:endParaRPr lang="ko-KR" altLang="en-US" dirty="0"/>
+          </a:p>
+        </p:txBody>
+      </p:sp>
+      <p:sp>
+        <p:nvSpPr>
+          <p:cNvPr id="4" name="내용 개체 틀 3">
+            <a:extLst>
+              <a:ext uri="{FF2B5EF4-FFF2-40B4-BE49-F238E27FC236}">
+                <a16:creationId xmlns:a16="http://schemas.microsoft.com/office/drawing/2014/main" id="{42F6317C-F28B-ECBE-0810-17736FC7D8AB}"/>
+              </a:ext>
+            </a:extLst>
+          </p:cNvPr>
+          <p:cNvSpPr>
+            <a:spLocks noGrp="1"/>
+          </p:cNvSpPr>
+          <p:nvPr>
+            <p:ph idx="1"/>
+          </p:nvPr>
+        </p:nvSpPr>
+        <p:spPr/>
+        <p:txBody>
+          <a:bodyPr>
+            <a:normAutofit/>
+          </a:bodyPr>
+          <a:lstStyle/>
+          <a:p>
+            <a:pPr marL="0" indent="0">
+              <a:buNone/>
+            </a:pPr>
+            <a:r>
+              <a:rPr lang="en-US" altLang="ko-KR" dirty="0"/>
+              <a:t>Coroutine</a:t>
+            </a:r>
+            <a:r>
+              <a:rPr lang="ko-KR" altLang="en-US" dirty="0"/>
+              <a:t> </a:t>
+            </a:r>
+            <a:r>
+              <a:rPr lang="en-US" altLang="ko-KR" dirty="0"/>
+              <a:t>?</a:t>
+            </a:r>
+          </a:p>
+          <a:p>
+            <a:pPr lvl="1"/>
+            <a:endParaRPr lang="ko-KR" altLang="en-US" dirty="0"/>
+          </a:p>
+        </p:txBody>
+      </p:sp>
+      <p:sp>
+        <p:nvSpPr>
+          <p:cNvPr id="7" name="Google Shape;209;p30">
+            <a:extLst>
+              <a:ext uri="{FF2B5EF4-FFF2-40B4-BE49-F238E27FC236}">
+                <a16:creationId xmlns:a16="http://schemas.microsoft.com/office/drawing/2014/main" id="{35F3E219-4EBB-8DE8-0966-E4317399395E}"/>
+              </a:ext>
+            </a:extLst>
+          </p:cNvPr>
+          <p:cNvSpPr/>
+          <p:nvPr/>
+        </p:nvSpPr>
+        <p:spPr>
+          <a:xfrm>
+            <a:off x="7811013" y="528014"/>
+            <a:ext cx="952500" cy="298200"/>
+          </a:xfrm>
+          <a:prstGeom prst="rect">
+            <a:avLst/>
+          </a:prstGeom>
+          <a:noFill/>
+          <a:ln>
+            <a:noFill/>
+          </a:ln>
+        </p:spPr>
+        <p:txBody>
+          <a:bodyPr spcFirstLastPara="1" wrap="square" lIns="19050" tIns="19050" rIns="19050" bIns="19050" anchor="t" anchorCtr="0">
+            <a:noAutofit/>
+          </a:bodyPr>
+          <a:lstStyle/>
+          <a:p>
+            <a:pPr marL="63500" marR="0" lvl="1" indent="0" algn="l" rtl="0">
+              <a:lnSpc>
+                <a:spcPct val="90000"/>
+              </a:lnSpc>
+              <a:spcBef>
+                <a:spcPts val="0"/>
+              </a:spcBef>
+              <a:spcAft>
+                <a:spcPts val="0"/>
+              </a:spcAft>
+              <a:buNone/>
+            </a:pPr>
+            <a:r>
+              <a:rPr lang="en-US" altLang="ko" sz="1200" b="1" i="0" u="none" strike="noStrike" cap="none" dirty="0">
+                <a:solidFill>
+                  <a:schemeClr val="bg1"/>
+                </a:solidFill>
+                <a:latin typeface="Arial"/>
+                <a:ea typeface="Arial"/>
+                <a:cs typeface="Arial"/>
+                <a:sym typeface="Arial"/>
+              </a:rPr>
+              <a:t>2</a:t>
+            </a:r>
+            <a:r>
+              <a:rPr lang="ko" sz="1200" b="1" i="0" u="none" strike="noStrike" cap="none" dirty="0">
+                <a:solidFill>
+                  <a:schemeClr val="bg1"/>
+                </a:solidFill>
+                <a:latin typeface="Arial"/>
+                <a:ea typeface="Arial"/>
+                <a:cs typeface="Arial"/>
+                <a:sym typeface="Arial"/>
+              </a:rPr>
+              <a:t>.</a:t>
+            </a:r>
+            <a:endParaRPr sz="500" dirty="0">
+              <a:solidFill>
+                <a:schemeClr val="bg1"/>
+              </a:solidFill>
+            </a:endParaRPr>
+          </a:p>
+        </p:txBody>
+      </p:sp>
+      <p:sp>
+        <p:nvSpPr>
+          <p:cNvPr id="8" name="Google Shape;210;p30">
+            <a:extLst>
+              <a:ext uri="{FF2B5EF4-FFF2-40B4-BE49-F238E27FC236}">
+                <a16:creationId xmlns:a16="http://schemas.microsoft.com/office/drawing/2014/main" id="{8CB63A74-B5C7-DCAA-53F5-96E44004D694}"/>
+              </a:ext>
+            </a:extLst>
+          </p:cNvPr>
+          <p:cNvSpPr/>
+          <p:nvPr/>
+        </p:nvSpPr>
+        <p:spPr>
+          <a:xfrm>
+            <a:off x="7811013" y="825047"/>
+            <a:ext cx="952500" cy="293400"/>
+          </a:xfrm>
+          <a:prstGeom prst="rect">
+            <a:avLst/>
+          </a:prstGeom>
+          <a:noFill/>
+          <a:ln>
+            <a:noFill/>
+          </a:ln>
+        </p:spPr>
+        <p:txBody>
+          <a:bodyPr spcFirstLastPara="1" wrap="square" lIns="19050" tIns="19050" rIns="19050" bIns="19050" anchor="t" anchorCtr="0">
+            <a:noAutofit/>
+          </a:bodyPr>
+          <a:lstStyle/>
+          <a:p>
+            <a:pPr marL="63500" marR="0" lvl="1" indent="0" algn="l" rtl="0">
+              <a:spcBef>
+                <a:spcPts val="200"/>
+              </a:spcBef>
+              <a:spcAft>
+                <a:spcPts val="0"/>
+              </a:spcAft>
+              <a:buClr>
+                <a:srgbClr val="000000"/>
+              </a:buClr>
+              <a:buFont typeface="Arial"/>
+              <a:buNone/>
+            </a:pPr>
+            <a:r>
+              <a:rPr lang="en-US" sz="800" dirty="0">
+                <a:solidFill>
+                  <a:schemeClr val="bg1"/>
+                </a:solidFill>
+              </a:rPr>
+              <a:t>Coroutine </a:t>
+            </a:r>
+            <a:r>
+              <a:rPr lang="ko-KR" altLang="en-US" sz="800" dirty="0">
+                <a:solidFill>
+                  <a:schemeClr val="bg1"/>
+                </a:solidFill>
+              </a:rPr>
+              <a:t>이란 </a:t>
+            </a:r>
+            <a:r>
+              <a:rPr lang="en-US" altLang="ko-KR" sz="800" dirty="0">
+                <a:solidFill>
+                  <a:schemeClr val="bg1"/>
+                </a:solidFill>
+              </a:rPr>
+              <a:t>?</a:t>
+            </a:r>
+            <a:endParaRPr sz="800" dirty="0">
+              <a:solidFill>
+                <a:schemeClr val="bg1"/>
+              </a:solidFill>
+            </a:endParaRPr>
+          </a:p>
+        </p:txBody>
+      </p:sp>
+    </p:spTree>
+    <p:extLst>
+      <p:ext uri="{BB962C8B-B14F-4D97-AF65-F5344CB8AC3E}">
+        <p14:creationId xmlns:p14="http://schemas.microsoft.com/office/powerpoint/2010/main" val="2580235580"/>
+      </p:ext>
+    </p:extLst>
+  </p:cSld>
+  <p:clrMapOvr>
+    <a:masterClrMapping/>
+  </p:clrMapOvr>
+</p:sld>
+</file>
+
+<file path=ppt/slides/slide19.xml><?xml version="1.0" encoding="utf-8"?>
+<p:sld xmlns:a="http://schemas.openxmlformats.org/drawingml/2006/main" xmlns:r="http://schemas.openxmlformats.org/officeDocument/2006/relationships" xmlns:p="http://schemas.openxmlformats.org/presentationml/2006/main">
+  <p:cSld>
+    <p:spTree>
+      <p:nvGrpSpPr>
+        <p:cNvPr id="1" name=""/>
+        <p:cNvGrpSpPr/>
+        <p:nvPr/>
+      </p:nvGrpSpPr>
+      <p:grpSpPr>
+        <a:xfrm>
+          <a:off x="0" y="0"/>
+          <a:ext cx="0" cy="0"/>
+          <a:chOff x="0" y="0"/>
+          <a:chExt cx="0" cy="0"/>
+        </a:xfrm>
+      </p:grpSpPr>
+      <p:sp>
+        <p:nvSpPr>
+          <p:cNvPr id="2" name="제목 1">
+            <a:extLst>
+              <a:ext uri="{FF2B5EF4-FFF2-40B4-BE49-F238E27FC236}">
+                <a16:creationId xmlns:a16="http://schemas.microsoft.com/office/drawing/2014/main" id="{D21C1AA9-5E52-3A11-B3B3-447787E29D09}"/>
+              </a:ext>
+            </a:extLst>
+          </p:cNvPr>
+          <p:cNvSpPr>
+            <a:spLocks noGrp="1"/>
+          </p:cNvSpPr>
+          <p:nvPr>
+            <p:ph type="title"/>
+          </p:nvPr>
+        </p:nvSpPr>
+        <p:spPr/>
+        <p:txBody>
+          <a:bodyPr/>
+          <a:lstStyle/>
+          <a:p>
+            <a:r>
+              <a:rPr lang="en-US" altLang="ko-KR" dirty="0"/>
+              <a:t>Coroutine </a:t>
+            </a:r>
+            <a:r>
+              <a:rPr lang="ko-KR" altLang="en-US" dirty="0"/>
+              <a:t>이란 </a:t>
+            </a:r>
+            <a:r>
+              <a:rPr lang="en-US" altLang="ko-KR" dirty="0"/>
+              <a:t>?</a:t>
+            </a:r>
+            <a:endParaRPr lang="ko-KR" altLang="en-US" dirty="0"/>
+          </a:p>
+        </p:txBody>
+      </p:sp>
+      <p:sp>
+        <p:nvSpPr>
+          <p:cNvPr id="4" name="내용 개체 틀 3">
+            <a:extLst>
+              <a:ext uri="{FF2B5EF4-FFF2-40B4-BE49-F238E27FC236}">
+                <a16:creationId xmlns:a16="http://schemas.microsoft.com/office/drawing/2014/main" id="{42F6317C-F28B-ECBE-0810-17736FC7D8AB}"/>
+              </a:ext>
+            </a:extLst>
+          </p:cNvPr>
+          <p:cNvSpPr>
+            <a:spLocks noGrp="1"/>
+          </p:cNvSpPr>
+          <p:nvPr>
+            <p:ph idx="1"/>
+          </p:nvPr>
+        </p:nvSpPr>
+        <p:spPr/>
+        <p:txBody>
+          <a:bodyPr>
+            <a:normAutofit/>
+          </a:bodyPr>
+          <a:lstStyle/>
+          <a:p>
+            <a:pPr marL="0" indent="0">
+              <a:buNone/>
+            </a:pPr>
+            <a:r>
+              <a:rPr lang="en-US" altLang="ko-KR" dirty="0"/>
+              <a:t>Coroutine</a:t>
+            </a:r>
+            <a:r>
+              <a:rPr lang="ko-KR" altLang="en-US" dirty="0"/>
+              <a:t> </a:t>
+            </a:r>
+            <a:r>
+              <a:rPr lang="en-US" altLang="ko-KR" dirty="0"/>
+              <a:t>?</a:t>
+            </a:r>
+          </a:p>
+          <a:p>
+            <a:pPr lvl="1"/>
+            <a:endParaRPr lang="ko-KR" altLang="en-US" dirty="0"/>
+          </a:p>
+        </p:txBody>
+      </p:sp>
+      <p:sp>
+        <p:nvSpPr>
+          <p:cNvPr id="7" name="Google Shape;209;p30">
+            <a:extLst>
+              <a:ext uri="{FF2B5EF4-FFF2-40B4-BE49-F238E27FC236}">
+                <a16:creationId xmlns:a16="http://schemas.microsoft.com/office/drawing/2014/main" id="{35F3E219-4EBB-8DE8-0966-E4317399395E}"/>
+              </a:ext>
+            </a:extLst>
+          </p:cNvPr>
+          <p:cNvSpPr/>
+          <p:nvPr/>
+        </p:nvSpPr>
+        <p:spPr>
+          <a:xfrm>
+            <a:off x="7811013" y="528014"/>
+            <a:ext cx="952500" cy="298200"/>
+          </a:xfrm>
+          <a:prstGeom prst="rect">
+            <a:avLst/>
+          </a:prstGeom>
+          <a:noFill/>
+          <a:ln>
+            <a:noFill/>
+          </a:ln>
+        </p:spPr>
+        <p:txBody>
+          <a:bodyPr spcFirstLastPara="1" wrap="square" lIns="19050" tIns="19050" rIns="19050" bIns="19050" anchor="t" anchorCtr="0">
+            <a:noAutofit/>
+          </a:bodyPr>
+          <a:lstStyle/>
+          <a:p>
+            <a:pPr marL="63500" marR="0" lvl="1" indent="0" algn="l" rtl="0">
+              <a:lnSpc>
+                <a:spcPct val="90000"/>
+              </a:lnSpc>
+              <a:spcBef>
+                <a:spcPts val="0"/>
+              </a:spcBef>
+              <a:spcAft>
+                <a:spcPts val="0"/>
+              </a:spcAft>
+              <a:buNone/>
+            </a:pPr>
+            <a:r>
+              <a:rPr lang="en-US" altLang="ko" sz="1200" b="1" i="0" u="none" strike="noStrike" cap="none" dirty="0">
+                <a:solidFill>
+                  <a:schemeClr val="bg1"/>
+                </a:solidFill>
+                <a:latin typeface="Arial"/>
+                <a:ea typeface="Arial"/>
+                <a:cs typeface="Arial"/>
+                <a:sym typeface="Arial"/>
+              </a:rPr>
+              <a:t>2</a:t>
+            </a:r>
+            <a:r>
+              <a:rPr lang="ko" sz="1200" b="1" i="0" u="none" strike="noStrike" cap="none" dirty="0">
+                <a:solidFill>
+                  <a:schemeClr val="bg1"/>
+                </a:solidFill>
+                <a:latin typeface="Arial"/>
+                <a:ea typeface="Arial"/>
+                <a:cs typeface="Arial"/>
+                <a:sym typeface="Arial"/>
+              </a:rPr>
+              <a:t>.</a:t>
+            </a:r>
+            <a:endParaRPr sz="500" dirty="0">
+              <a:solidFill>
+                <a:schemeClr val="bg1"/>
+              </a:solidFill>
+            </a:endParaRPr>
+          </a:p>
+        </p:txBody>
+      </p:sp>
+      <p:sp>
+        <p:nvSpPr>
+          <p:cNvPr id="8" name="Google Shape;210;p30">
+            <a:extLst>
+              <a:ext uri="{FF2B5EF4-FFF2-40B4-BE49-F238E27FC236}">
+                <a16:creationId xmlns:a16="http://schemas.microsoft.com/office/drawing/2014/main" id="{8CB63A74-B5C7-DCAA-53F5-96E44004D694}"/>
+              </a:ext>
+            </a:extLst>
+          </p:cNvPr>
+          <p:cNvSpPr/>
+          <p:nvPr/>
+        </p:nvSpPr>
+        <p:spPr>
+          <a:xfrm>
+            <a:off x="7811013" y="825047"/>
+            <a:ext cx="952500" cy="293400"/>
+          </a:xfrm>
+          <a:prstGeom prst="rect">
+            <a:avLst/>
+          </a:prstGeom>
+          <a:noFill/>
+          <a:ln>
+            <a:noFill/>
+          </a:ln>
+        </p:spPr>
+        <p:txBody>
+          <a:bodyPr spcFirstLastPara="1" wrap="square" lIns="19050" tIns="19050" rIns="19050" bIns="19050" anchor="t" anchorCtr="0">
+            <a:noAutofit/>
+          </a:bodyPr>
+          <a:lstStyle/>
+          <a:p>
+            <a:pPr marL="63500" marR="0" lvl="1" indent="0" algn="l" rtl="0">
+              <a:spcBef>
+                <a:spcPts val="200"/>
+              </a:spcBef>
+              <a:spcAft>
+                <a:spcPts val="0"/>
+              </a:spcAft>
+              <a:buClr>
+                <a:srgbClr val="000000"/>
+              </a:buClr>
+              <a:buFont typeface="Arial"/>
+              <a:buNone/>
+            </a:pPr>
+            <a:r>
+              <a:rPr lang="en-US" sz="800" dirty="0">
+                <a:solidFill>
+                  <a:schemeClr val="bg1"/>
+                </a:solidFill>
+              </a:rPr>
+              <a:t>Coroutine </a:t>
+            </a:r>
+            <a:r>
+              <a:rPr lang="ko-KR" altLang="en-US" sz="800" dirty="0">
+                <a:solidFill>
+                  <a:schemeClr val="bg1"/>
+                </a:solidFill>
+              </a:rPr>
+              <a:t>이란 </a:t>
+            </a:r>
+            <a:r>
+              <a:rPr lang="en-US" altLang="ko-KR" sz="800" dirty="0">
+                <a:solidFill>
+                  <a:schemeClr val="bg1"/>
+                </a:solidFill>
+              </a:rPr>
+              <a:t>?</a:t>
+            </a:r>
+            <a:endParaRPr sz="800" dirty="0">
+              <a:solidFill>
+                <a:schemeClr val="bg1"/>
+              </a:solidFill>
+            </a:endParaRPr>
+          </a:p>
+        </p:txBody>
+      </p:sp>
+    </p:spTree>
+    <p:extLst>
+      <p:ext uri="{BB962C8B-B14F-4D97-AF65-F5344CB8AC3E}">
+        <p14:creationId xmlns:p14="http://schemas.microsoft.com/office/powerpoint/2010/main" val="2718192720"/>
       </p:ext>
     </p:extLst>
   </p:cSld>
@@ -3876,7 +9889,7 @@
             </a:r>
             <a:r>
               <a:rPr lang="ko-KR" altLang="en-US" dirty="0"/>
-              <a:t>구현의 단점</a:t>
+              <a:t>구현의 난점</a:t>
             </a:r>
           </a:p>
         </p:txBody>
@@ -3909,54 +9922,73 @@
             </a:pPr>
             <a:r>
               <a:rPr lang="en-US" altLang="ko-KR" dirty="0"/>
-              <a:t>Spring </a:t>
-            </a:r>
-            <a:r>
-              <a:rPr lang="en-US" altLang="ko-KR" dirty="0" err="1"/>
-              <a:t>Webflux</a:t>
-            </a:r>
-            <a:endParaRPr lang="en-US" altLang="ko-KR" dirty="0"/>
+              <a:t>Reactor </a:t>
+            </a:r>
+            <a:r>
+              <a:rPr lang="ko-KR" altLang="en-US" dirty="0"/>
+              <a:t>는 다루기 쉽나요 </a:t>
+            </a:r>
+            <a:r>
+              <a:rPr lang="en-US" altLang="ko-KR" dirty="0"/>
+              <a:t>?</a:t>
+            </a:r>
           </a:p>
           <a:p>
             <a:pPr lvl="1"/>
             <a:r>
               <a:rPr lang="ko-KR" altLang="en-US" dirty="0"/>
-              <a:t>최소한의 </a:t>
-            </a:r>
-            <a:r>
-              <a:rPr lang="en-US" altLang="ko-KR" dirty="0"/>
-              <a:t>H/W </a:t>
-            </a:r>
-            <a:r>
-              <a:rPr lang="ko-KR" altLang="en-US" dirty="0"/>
-              <a:t>자원으로 동시성을 처리하는 </a:t>
-            </a:r>
-            <a:r>
-              <a:rPr lang="en-US" altLang="ko-KR" dirty="0"/>
-              <a:t>Non-blocking Web stack</a:t>
+              <a:t>기존 동기식 코드와 작성방식이 약간 다를 수 있습니다</a:t>
+            </a:r>
+            <a:r>
+              <a:rPr lang="en-US" altLang="ko-KR" dirty="0"/>
+              <a:t>.</a:t>
             </a:r>
           </a:p>
           <a:p>
             <a:pPr lvl="1"/>
             <a:r>
               <a:rPr lang="ko-KR" altLang="en-US" dirty="0"/>
-              <a:t>첫 릴리즈 </a:t>
-            </a:r>
-            <a:r>
-              <a:rPr lang="en-US" altLang="ko-KR" dirty="0"/>
-              <a:t>: 2017.08 (from Spring 5)</a:t>
+              <a:t>초기에는 어려울 수 있으나 </a:t>
+            </a:r>
+            <a:r>
+              <a:rPr lang="en-US" altLang="ko-KR" dirty="0"/>
+              <a:t>Reactor</a:t>
+            </a:r>
+            <a:r>
+              <a:rPr lang="ko-KR" altLang="en-US" dirty="0"/>
+              <a:t>와 반응형 프로그래밍 패턴에 익숙해지면</a:t>
+            </a:r>
+            <a:br>
+              <a:rPr lang="en-US" altLang="ko-KR" dirty="0"/>
+            </a:br>
+            <a:r>
+              <a:rPr lang="ko-KR" altLang="en-US" dirty="0"/>
+              <a:t>코드가 더욱 세련되고 확장성이 높아질 수 있습니다</a:t>
+            </a:r>
+            <a:r>
+              <a:rPr lang="en-US" altLang="ko-KR" dirty="0"/>
+              <a:t>.</a:t>
             </a:r>
           </a:p>
           <a:p>
             <a:pPr lvl="1"/>
             <a:r>
-              <a:rPr lang="en-US" altLang="ko-KR" dirty="0"/>
-              <a:t>Reactor </a:t>
-            </a:r>
-            <a:r>
-              <a:rPr lang="ko-KR" altLang="en-US" dirty="0"/>
-              <a:t>기반 함수형 프로그래밍</a:t>
-            </a:r>
+              <a:rPr lang="ko-KR" altLang="en-US" dirty="0"/>
+              <a:t>또한</a:t>
+            </a:r>
+            <a:r>
+              <a:rPr lang="en-US" altLang="ko-KR" dirty="0"/>
+              <a:t>, </a:t>
+            </a:r>
+            <a:r>
+              <a:rPr lang="ko-KR" altLang="en-US" dirty="0"/>
+              <a:t>반응형 프로그래밍은 높은 성능과 확장성을 제공하여 대규모 어플리케이션을 만드는 데 도움이 됩니다</a:t>
+            </a:r>
+            <a:r>
+              <a:rPr lang="en-US" altLang="ko-KR" dirty="0"/>
+              <a:t>.</a:t>
+            </a:r>
+            <a:endParaRPr lang="ko-KR" altLang="en-US" dirty="0"/>
           </a:p>
         </p:txBody>
       </p:sp>
@@ -4085,7 +10117,15 @@
                   <a:schemeClr val="bg1"/>
                 </a:solidFill>
               </a:rPr>
-              <a:t>Coroutine ?!</a:t>
+              <a:t>Reactor </a:t>
+            </a:r>
+            <a:r>
+              <a:rPr lang="ko-KR" altLang="en-US" sz="800" dirty="0">
+                <a:solidFill>
+                  <a:schemeClr val="bg1"/>
+                </a:solidFill>
+              </a:rPr>
+              <a:t>구현의 난점</a:t>
             </a:r>
             <a:endParaRPr sz="800" dirty="0">
               <a:solidFill>
@@ -4108,7 +10148,7 @@
 </p:sld>
 </file>
 
-<file path=ppt/slides/slide3.xml><?xml version="1.0" encoding="utf-8"?>
+<file path=ppt/slides/slide20.xml><?xml version="1.0" encoding="utf-8"?>
 <p:sld xmlns:a="http://schemas.openxmlformats.org/drawingml/2006/main" xmlns:r="http://schemas.openxmlformats.org/officeDocument/2006/relationships" xmlns:p="http://schemas.openxmlformats.org/presentationml/2006/main">
   <p:cSld>
     <p:spTree>
@@ -4130,7 +10170,7 @@
           <p:cNvPr id="2" name="제목 1">
             <a:extLst>
               <a:ext uri="{FF2B5EF4-FFF2-40B4-BE49-F238E27FC236}">
-                <a16:creationId xmlns:a16="http://schemas.microsoft.com/office/drawing/2014/main" id="{9896B29B-A1AE-E0C6-8543-753E63140B1C}"/>
+                <a16:creationId xmlns:a16="http://schemas.microsoft.com/office/drawing/2014/main" id="{D21C1AA9-5E52-3A11-B3B3-447787E29D09}"/>
               </a:ext>
             </a:extLst>
           </p:cNvPr>
@@ -4138,7 +10178,44 @@
             <a:spLocks noGrp="1"/>
           </p:cNvSpPr>
           <p:nvPr>
-            <p:ph type="ctrTitle"/>
+            <p:ph type="title"/>
+          </p:nvPr>
+        </p:nvSpPr>
+        <p:spPr/>
+        <p:txBody>
+          <a:bodyPr/>
+          <a:lstStyle/>
+          <a:p>
+            <a:r>
+              <a:rPr lang="en-US" altLang="ko-KR" dirty="0"/>
+              <a:t>Coroutine </a:t>
+            </a:r>
+            <a:r>
+              <a:rPr lang="ko-KR" altLang="en-US" dirty="0"/>
+              <a:t>이란 </a:t>
+            </a:r>
+            <a:r>
+              <a:rPr lang="en-US" altLang="ko-KR" dirty="0"/>
+              <a:t>?</a:t>
+            </a:r>
+            <a:endParaRPr lang="ko-KR" altLang="en-US" dirty="0"/>
+          </a:p>
+        </p:txBody>
+      </p:sp>
+      <p:sp>
+        <p:nvSpPr>
+          <p:cNvPr id="4" name="내용 개체 틀 3">
+            <a:extLst>
+              <a:ext uri="{FF2B5EF4-FFF2-40B4-BE49-F238E27FC236}">
+                <a16:creationId xmlns:a16="http://schemas.microsoft.com/office/drawing/2014/main" id="{42F6317C-F28B-ECBE-0810-17736FC7D8AB}"/>
+              </a:ext>
+            </a:extLst>
+          </p:cNvPr>
+          <p:cNvSpPr>
+            <a:spLocks noGrp="1"/>
+          </p:cNvSpPr>
+          <p:nvPr>
+            <p:ph idx="1"/>
           </p:nvPr>
         </p:nvSpPr>
         <p:spPr/>
@@ -4148,71 +10225,183 @@
           </a:bodyPr>
           <a:lstStyle/>
           <a:p>
-            <a:r>
-              <a:rPr lang="ko-KR" altLang="en-US" b="1" dirty="0"/>
-              <a:t>비동기 서비스 구현 </a:t>
-            </a:r>
-            <a:r>
-              <a:rPr lang="en-US" altLang="ko-KR" sz="2000" b="1" dirty="0"/>
-              <a:t>(Spring Coroutine)</a:t>
-            </a:r>
-            <a:endParaRPr lang="ko-KR" altLang="en-US" b="1" dirty="0"/>
-          </a:p>
-        </p:txBody>
-      </p:sp>
-      <p:sp>
-        <p:nvSpPr>
-          <p:cNvPr id="4" name="부제목 3">
+            <a:pPr marL="0" indent="0">
+              <a:buNone/>
+            </a:pPr>
+            <a:r>
+              <a:rPr lang="en-US" altLang="ko-KR" dirty="0"/>
+              <a:t>Coroutine</a:t>
+            </a:r>
+            <a:r>
+              <a:rPr lang="ko-KR" altLang="en-US" dirty="0"/>
+              <a:t> </a:t>
+            </a:r>
+            <a:r>
+              <a:rPr lang="en-US" altLang="ko-KR" dirty="0"/>
+              <a:t>?</a:t>
+            </a:r>
+          </a:p>
+          <a:p>
+            <a:pPr lvl="1"/>
+            <a:endParaRPr lang="ko-KR" altLang="en-US" dirty="0"/>
+          </a:p>
+        </p:txBody>
+      </p:sp>
+      <p:sp>
+        <p:nvSpPr>
+          <p:cNvPr id="7" name="Google Shape;209;p30">
             <a:extLst>
               <a:ext uri="{FF2B5EF4-FFF2-40B4-BE49-F238E27FC236}">
-                <a16:creationId xmlns:a16="http://schemas.microsoft.com/office/drawing/2014/main" id="{7219E4B9-47F6-C7CA-B046-1256225C3574}"/>
+                <a16:creationId xmlns:a16="http://schemas.microsoft.com/office/drawing/2014/main" id="{35F3E219-4EBB-8DE8-0966-E4317399395E}"/>
               </a:ext>
             </a:extLst>
           </p:cNvPr>
-          <p:cNvSpPr>
-            <a:spLocks noGrp="1"/>
-          </p:cNvSpPr>
-          <p:nvPr>
-            <p:ph type="subTitle" idx="1"/>
-          </p:nvPr>
-        </p:nvSpPr>
-        <p:spPr/>
-        <p:txBody>
-          <a:bodyPr>
-            <a:normAutofit/>
+          <p:cNvSpPr/>
+          <p:nvPr/>
+        </p:nvSpPr>
+        <p:spPr>
+          <a:xfrm>
+            <a:off x="7811013" y="528014"/>
+            <a:ext cx="952500" cy="298200"/>
+          </a:xfrm>
+          <a:prstGeom prst="rect">
+            <a:avLst/>
+          </a:prstGeom>
+          <a:noFill/>
+          <a:ln>
+            <a:noFill/>
+          </a:ln>
+        </p:spPr>
+        <p:txBody>
+          <a:bodyPr spcFirstLastPara="1" wrap="square" lIns="19050" tIns="19050" rIns="19050" bIns="19050" anchor="t" anchorCtr="0">
+            <a:noAutofit/>
           </a:bodyPr>
           <a:lstStyle/>
           <a:p>
-            <a:pPr marL="0" indent="0" algn="r">
+            <a:pPr marL="63500" marR="0" lvl="1" indent="0" algn="l" rtl="0">
+              <a:lnSpc>
+                <a:spcPct val="90000"/>
+              </a:lnSpc>
+              <a:spcBef>
+                <a:spcPts val="0"/>
+              </a:spcBef>
+              <a:spcAft>
+                <a:spcPts val="0"/>
+              </a:spcAft>
               <a:buNone/>
             </a:pPr>
             <a:r>
-              <a:rPr lang="en-US" altLang="ko" b="1" dirty="0">
+              <a:rPr lang="en-US" altLang="ko" sz="1200" b="1" i="0" u="none" strike="noStrike" cap="none" dirty="0">
                 <a:solidFill>
-                  <a:srgbClr val="ED234B"/>
+                  <a:schemeClr val="bg1"/>
+                </a:solidFill>
+                <a:latin typeface="Arial"/>
+                <a:ea typeface="Arial"/>
+                <a:cs typeface="Arial"/>
+                <a:sym typeface="Arial"/>
+              </a:rPr>
+              <a:t>2</a:t>
+            </a:r>
+            <a:r>
+              <a:rPr lang="ko" sz="1200" b="1" i="0" u="none" strike="noStrike" cap="none" dirty="0">
+                <a:solidFill>
+                  <a:schemeClr val="bg1"/>
+                </a:solidFill>
+                <a:latin typeface="Arial"/>
+                <a:ea typeface="Arial"/>
+                <a:cs typeface="Arial"/>
+                <a:sym typeface="Arial"/>
+              </a:rPr>
+              <a:t>.</a:t>
+            </a:r>
+            <a:endParaRPr sz="500" dirty="0">
+              <a:solidFill>
+                <a:schemeClr val="bg1"/>
+              </a:solidFill>
+            </a:endParaRPr>
+          </a:p>
+        </p:txBody>
+      </p:sp>
+      <p:sp>
+        <p:nvSpPr>
+          <p:cNvPr id="8" name="Google Shape;210;p30">
+            <a:extLst>
+              <a:ext uri="{FF2B5EF4-FFF2-40B4-BE49-F238E27FC236}">
+                <a16:creationId xmlns:a16="http://schemas.microsoft.com/office/drawing/2014/main" id="{8CB63A74-B5C7-DCAA-53F5-96E44004D694}"/>
+              </a:ext>
+            </a:extLst>
+          </p:cNvPr>
+          <p:cNvSpPr/>
+          <p:nvPr/>
+        </p:nvSpPr>
+        <p:spPr>
+          <a:xfrm>
+            <a:off x="7811013" y="825047"/>
+            <a:ext cx="952500" cy="293400"/>
+          </a:xfrm>
+          <a:prstGeom prst="rect">
+            <a:avLst/>
+          </a:prstGeom>
+          <a:noFill/>
+          <a:ln>
+            <a:noFill/>
+          </a:ln>
+        </p:spPr>
+        <p:txBody>
+          <a:bodyPr spcFirstLastPara="1" wrap="square" lIns="19050" tIns="19050" rIns="19050" bIns="19050" anchor="t" anchorCtr="0">
+            <a:noAutofit/>
+          </a:bodyPr>
+          <a:lstStyle/>
+          <a:p>
+            <a:pPr marL="63500" marR="0" lvl="1" indent="0" algn="l" rtl="0">
+              <a:spcBef>
+                <a:spcPts val="200"/>
+              </a:spcBef>
+              <a:spcAft>
+                <a:spcPts val="0"/>
+              </a:spcAft>
+              <a:buClr>
+                <a:srgbClr val="000000"/>
+              </a:buClr>
+              <a:buFont typeface="Arial"/>
+              <a:buNone/>
+            </a:pPr>
+            <a:r>
+              <a:rPr lang="en-US" sz="800" dirty="0">
+                <a:solidFill>
+                  <a:schemeClr val="bg1"/>
                 </a:solidFill>
               </a:rPr>
-              <a:t>1</a:t>
-            </a:r>
-            <a:r>
-              <a:rPr lang="ko" altLang="ko-KR" b="1" dirty="0">
+              <a:t>Coroutine </a:t>
+            </a:r>
+            <a:r>
+              <a:rPr lang="ko-KR" altLang="en-US" sz="800" dirty="0">
                 <a:solidFill>
-                  <a:srgbClr val="ED234B"/>
+                  <a:schemeClr val="bg1"/>
                 </a:solidFill>
               </a:rPr>
-              <a:t> </a:t>
-            </a:r>
-            <a:r>
-              <a:rPr lang="ko-KR" altLang="en-US" dirty="0"/>
-              <a:t>소개 및 환경구성</a:t>
-            </a:r>
+              <a:t>이란 </a:t>
+            </a:r>
+            <a:r>
+              <a:rPr lang="en-US" altLang="ko-KR" sz="800" dirty="0">
+                <a:solidFill>
+                  <a:schemeClr val="bg1"/>
+                </a:solidFill>
+              </a:rPr>
+              <a:t>?</a:t>
+            </a:r>
+            <a:endParaRPr sz="800" dirty="0">
+              <a:solidFill>
+                <a:schemeClr val="bg1"/>
+              </a:solidFill>
+            </a:endParaRPr>
           </a:p>
         </p:txBody>
       </p:sp>
     </p:spTree>
     <p:extLst>
       <p:ext uri="{BB962C8B-B14F-4D97-AF65-F5344CB8AC3E}">
-        <p14:creationId xmlns:p14="http://schemas.microsoft.com/office/powerpoint/2010/main" val="2844118876"/>
+        <p14:creationId xmlns:p14="http://schemas.microsoft.com/office/powerpoint/2010/main" val="1752956650"/>
       </p:ext>
     </p:extLst>
   </p:cSld>
@@ -4222,7 +10411,7 @@
 </p:sld>
 </file>
 
-<file path=ppt/slides/slide4.xml><?xml version="1.0" encoding="utf-8"?>
+<file path=ppt/slides/slide21.xml><?xml version="1.0" encoding="utf-8"?>
 <p:sld xmlns:a="http://schemas.openxmlformats.org/drawingml/2006/main" xmlns:r="http://schemas.openxmlformats.org/officeDocument/2006/relationships" xmlns:p="http://schemas.openxmlformats.org/presentationml/2006/main">
   <p:cSld>
     <p:spTree>
@@ -4244,6 +10433,120 @@
           <p:cNvPr id="2" name="제목 1">
             <a:extLst>
               <a:ext uri="{FF2B5EF4-FFF2-40B4-BE49-F238E27FC236}">
+                <a16:creationId xmlns:a16="http://schemas.microsoft.com/office/drawing/2014/main" id="{9896B29B-A1AE-E0C6-8543-753E63140B1C}"/>
+              </a:ext>
+            </a:extLst>
+          </p:cNvPr>
+          <p:cNvSpPr>
+            <a:spLocks noGrp="1"/>
+          </p:cNvSpPr>
+          <p:nvPr>
+            <p:ph type="ctrTitle"/>
+          </p:nvPr>
+        </p:nvSpPr>
+        <p:spPr/>
+        <p:txBody>
+          <a:bodyPr>
+            <a:normAutofit/>
+          </a:bodyPr>
+          <a:lstStyle/>
+          <a:p>
+            <a:r>
+              <a:rPr lang="ko-KR" altLang="en-US" b="1" dirty="0"/>
+              <a:t>비동기 서비스 구현 </a:t>
+            </a:r>
+            <a:r>
+              <a:rPr lang="en-US" altLang="ko-KR" sz="2000" b="1" dirty="0"/>
+              <a:t>(Spring Coroutine)</a:t>
+            </a:r>
+            <a:endParaRPr lang="ko-KR" altLang="en-US" b="1" dirty="0"/>
+          </a:p>
+        </p:txBody>
+      </p:sp>
+      <p:sp>
+        <p:nvSpPr>
+          <p:cNvPr id="4" name="부제목 3">
+            <a:extLst>
+              <a:ext uri="{FF2B5EF4-FFF2-40B4-BE49-F238E27FC236}">
+                <a16:creationId xmlns:a16="http://schemas.microsoft.com/office/drawing/2014/main" id="{7219E4B9-47F6-C7CA-B046-1256225C3574}"/>
+              </a:ext>
+            </a:extLst>
+          </p:cNvPr>
+          <p:cNvSpPr>
+            <a:spLocks noGrp="1"/>
+          </p:cNvSpPr>
+          <p:nvPr>
+            <p:ph type="subTitle" idx="1"/>
+          </p:nvPr>
+        </p:nvSpPr>
+        <p:spPr/>
+        <p:txBody>
+          <a:bodyPr>
+            <a:normAutofit/>
+          </a:bodyPr>
+          <a:lstStyle/>
+          <a:p>
+            <a:pPr marL="0" indent="0" algn="r">
+              <a:buNone/>
+            </a:pPr>
+            <a:r>
+              <a:rPr lang="en-US" altLang="ko" b="1" dirty="0">
+                <a:solidFill>
+                  <a:srgbClr val="ED234B"/>
+                </a:solidFill>
+              </a:rPr>
+              <a:t>1</a:t>
+            </a:r>
+            <a:r>
+              <a:rPr lang="ko" altLang="ko-KR" b="1" dirty="0">
+                <a:solidFill>
+                  <a:srgbClr val="ED234B"/>
+                </a:solidFill>
+              </a:rPr>
+              <a:t> </a:t>
+            </a:r>
+            <a:r>
+              <a:rPr lang="ko-KR" altLang="en-US" dirty="0"/>
+              <a:t>소개 및 환경구성</a:t>
+            </a:r>
+          </a:p>
+        </p:txBody>
+      </p:sp>
+    </p:spTree>
+    <p:extLst>
+      <p:ext uri="{BB962C8B-B14F-4D97-AF65-F5344CB8AC3E}">
+        <p14:creationId xmlns:p14="http://schemas.microsoft.com/office/powerpoint/2010/main" val="912381182"/>
+      </p:ext>
+    </p:extLst>
+  </p:cSld>
+  <p:clrMapOvr>
+    <a:masterClrMapping/>
+  </p:clrMapOvr>
+</p:sld>
+</file>
+
+<file path=ppt/slides/slide22.xml><?xml version="1.0" encoding="utf-8"?>
+<p:sld xmlns:a="http://schemas.openxmlformats.org/drawingml/2006/main" xmlns:r="http://schemas.openxmlformats.org/officeDocument/2006/relationships" xmlns:p="http://schemas.openxmlformats.org/presentationml/2006/main">
+  <p:cSld>
+    <p:spTree>
+      <p:nvGrpSpPr>
+        <p:cNvPr id="1" name=""/>
+        <p:cNvGrpSpPr/>
+        <p:nvPr/>
+      </p:nvGrpSpPr>
+      <p:grpSpPr>
+        <a:xfrm>
+          <a:off x="0" y="0"/>
+          <a:ext cx="0" cy="0"/>
+          <a:chOff x="0" y="0"/>
+          <a:chExt cx="0" cy="0"/>
+        </a:xfrm>
+      </p:grpSpPr>
+      <p:sp>
+        <p:nvSpPr>
+          <p:cNvPr id="2" name="제목 1">
+            <a:extLst>
+              <a:ext uri="{FF2B5EF4-FFF2-40B4-BE49-F238E27FC236}">
                 <a16:creationId xmlns:a16="http://schemas.microsoft.com/office/drawing/2014/main" id="{D21C1AA9-5E52-3A11-B3B3-447787E29D09}"/>
               </a:ext>
             </a:extLst>
@@ -4494,7 +10797,7 @@
 </p:sld>
 </file>
 
-<file path=ppt/slides/slide5.xml><?xml version="1.0" encoding="utf-8"?>
+<file path=ppt/slides/slide23.xml><?xml version="1.0" encoding="utf-8"?>
 <p:sld xmlns:a="http://schemas.openxmlformats.org/drawingml/2006/main" xmlns:r="http://schemas.openxmlformats.org/officeDocument/2006/relationships" xmlns:p="http://schemas.openxmlformats.org/presentationml/2006/main">
   <p:cSld>
     <p:spTree>
@@ -5429,7 +11732,7 @@
 </p:sld>
 </file>
 
-<file path=ppt/slides/slide6.xml><?xml version="1.0" encoding="utf-8"?>
+<file path=ppt/slides/slide24.xml><?xml version="1.0" encoding="utf-8"?>
 <p:sld xmlns:a="http://schemas.openxmlformats.org/drawingml/2006/main" xmlns:r="http://schemas.openxmlformats.org/officeDocument/2006/relationships" xmlns:p="http://schemas.openxmlformats.org/presentationml/2006/main">
   <p:cSld>
     <p:spTree>
@@ -5679,7 +11982,7 @@
 </p:sld>
 </file>
 
-<file path=ppt/slides/slide7.xml><?xml version="1.0" encoding="utf-8"?>
+<file path=ppt/slides/slide25.xml><?xml version="1.0" encoding="utf-8"?>
 <p:sld xmlns:a="http://schemas.openxmlformats.org/drawingml/2006/main" xmlns:r="http://schemas.openxmlformats.org/officeDocument/2006/relationships" xmlns:p="http://schemas.openxmlformats.org/presentationml/2006/main">
   <p:cSld>
     <p:spTree>
@@ -5999,7 +12302,7 @@
 </p:sld>
 </file>
 
-<file path=ppt/slides/slide8.xml><?xml version="1.0" encoding="utf-8"?>
+<file path=ppt/slides/slide26.xml><?xml version="1.0" encoding="utf-8"?>
 <p:sld xmlns:a="http://schemas.openxmlformats.org/drawingml/2006/main" xmlns:r="http://schemas.openxmlformats.org/officeDocument/2006/relationships" xmlns:p="http://schemas.openxmlformats.org/presentationml/2006/main">
   <p:cSld>
     <p:spTree>
@@ -6364,7 +12667,7 @@
 </p:sld>
 </file>
 
-<file path=ppt/slides/slide9.xml><?xml version="1.0" encoding="utf-8"?>
+<file path=ppt/slides/slide27.xml><?xml version="1.0" encoding="utf-8"?>
 <p:sld xmlns:a="http://schemas.openxmlformats.org/drawingml/2006/main" xmlns:r="http://schemas.openxmlformats.org/officeDocument/2006/relationships" xmlns:p="http://schemas.openxmlformats.org/presentationml/2006/main">
   <p:cSld>
     <p:spTree>
@@ -6669,6 +12972,2110 @@
     <p:extLst>
       <p:ext uri="{BB962C8B-B14F-4D97-AF65-F5344CB8AC3E}">
         <p14:creationId xmlns:p14="http://schemas.microsoft.com/office/powerpoint/2010/main" val="655341600"/>
+      </p:ext>
+    </p:extLst>
+  </p:cSld>
+  <p:clrMapOvr>
+    <a:masterClrMapping/>
+  </p:clrMapOvr>
+</p:sld>
+</file>
+
+<file path=ppt/slides/slide28.xml><?xml version="1.0" encoding="utf-8"?>
+<p:sld xmlns:a="http://schemas.openxmlformats.org/drawingml/2006/main" xmlns:r="http://schemas.openxmlformats.org/officeDocument/2006/relationships" xmlns:p="http://schemas.openxmlformats.org/presentationml/2006/main">
+  <p:cSld>
+    <p:spTree>
+      <p:nvGrpSpPr>
+        <p:cNvPr id="1" name=""/>
+        <p:cNvGrpSpPr/>
+        <p:nvPr/>
+      </p:nvGrpSpPr>
+      <p:grpSpPr>
+        <a:xfrm>
+          <a:off x="0" y="0"/>
+          <a:ext cx="0" cy="0"/>
+          <a:chOff x="0" y="0"/>
+          <a:chExt cx="0" cy="0"/>
+        </a:xfrm>
+      </p:grpSpPr>
+      <p:sp>
+        <p:nvSpPr>
+          <p:cNvPr id="2" name="제목 1">
+            <a:extLst>
+              <a:ext uri="{FF2B5EF4-FFF2-40B4-BE49-F238E27FC236}">
+                <a16:creationId xmlns:a16="http://schemas.microsoft.com/office/drawing/2014/main" id="{9896B29B-A1AE-E0C6-8543-753E63140B1C}"/>
+              </a:ext>
+            </a:extLst>
+          </p:cNvPr>
+          <p:cNvSpPr>
+            <a:spLocks noGrp="1"/>
+          </p:cNvSpPr>
+          <p:nvPr>
+            <p:ph type="ctrTitle"/>
+          </p:nvPr>
+        </p:nvSpPr>
+        <p:spPr/>
+        <p:txBody>
+          <a:bodyPr>
+            <a:normAutofit/>
+          </a:bodyPr>
+          <a:lstStyle/>
+          <a:p>
+            <a:r>
+              <a:rPr lang="ko-KR" altLang="en-US" b="1" dirty="0"/>
+              <a:t>비동기 서비스 구현 </a:t>
+            </a:r>
+            <a:r>
+              <a:rPr lang="en-US" altLang="ko-KR" sz="2000" b="1" dirty="0"/>
+              <a:t>(Spring Coroutine)</a:t>
+            </a:r>
+            <a:endParaRPr lang="ko-KR" altLang="en-US" b="1" dirty="0"/>
+          </a:p>
+        </p:txBody>
+      </p:sp>
+      <p:sp>
+        <p:nvSpPr>
+          <p:cNvPr id="4" name="부제목 3">
+            <a:extLst>
+              <a:ext uri="{FF2B5EF4-FFF2-40B4-BE49-F238E27FC236}">
+                <a16:creationId xmlns:a16="http://schemas.microsoft.com/office/drawing/2014/main" id="{7219E4B9-47F6-C7CA-B046-1256225C3574}"/>
+              </a:ext>
+            </a:extLst>
+          </p:cNvPr>
+          <p:cNvSpPr>
+            <a:spLocks noGrp="1"/>
+          </p:cNvSpPr>
+          <p:nvPr>
+            <p:ph type="subTitle" idx="1"/>
+          </p:nvPr>
+        </p:nvSpPr>
+        <p:spPr/>
+        <p:txBody>
+          <a:bodyPr>
+            <a:normAutofit/>
+          </a:bodyPr>
+          <a:lstStyle/>
+          <a:p>
+            <a:pPr marL="0" indent="0" algn="r">
+              <a:buNone/>
+            </a:pPr>
+            <a:r>
+              <a:rPr lang="en-US" altLang="ko" b="1" dirty="0">
+                <a:solidFill>
+                  <a:srgbClr val="ED234B"/>
+                </a:solidFill>
+              </a:rPr>
+              <a:t>3</a:t>
+            </a:r>
+            <a:r>
+              <a:rPr lang="ko" altLang="ko-KR" b="1" dirty="0">
+                <a:solidFill>
+                  <a:srgbClr val="ED234B"/>
+                </a:solidFill>
+              </a:rPr>
+              <a:t> </a:t>
+            </a:r>
+            <a:r>
+              <a:rPr lang="ko-KR" altLang="en-US" dirty="0"/>
+              <a:t>서비스 구현</a:t>
+            </a:r>
+          </a:p>
+        </p:txBody>
+      </p:sp>
+    </p:spTree>
+    <p:extLst>
+      <p:ext uri="{BB962C8B-B14F-4D97-AF65-F5344CB8AC3E}">
+        <p14:creationId xmlns:p14="http://schemas.microsoft.com/office/powerpoint/2010/main" val="2984680853"/>
+      </p:ext>
+    </p:extLst>
+  </p:cSld>
+  <p:clrMapOvr>
+    <a:masterClrMapping/>
+  </p:clrMapOvr>
+</p:sld>
+</file>
+
+<file path=ppt/slides/slide29.xml><?xml version="1.0" encoding="utf-8"?>
+<p:sld xmlns:a="http://schemas.openxmlformats.org/drawingml/2006/main" xmlns:r="http://schemas.openxmlformats.org/officeDocument/2006/relationships" xmlns:p="http://schemas.openxmlformats.org/presentationml/2006/main">
+  <p:cSld>
+    <p:spTree>
+      <p:nvGrpSpPr>
+        <p:cNvPr id="1" name=""/>
+        <p:cNvGrpSpPr/>
+        <p:nvPr/>
+      </p:nvGrpSpPr>
+      <p:grpSpPr>
+        <a:xfrm>
+          <a:off x="0" y="0"/>
+          <a:ext cx="0" cy="0"/>
+          <a:chOff x="0" y="0"/>
+          <a:chExt cx="0" cy="0"/>
+        </a:xfrm>
+      </p:grpSpPr>
+      <p:sp>
+        <p:nvSpPr>
+          <p:cNvPr id="4" name="제목 3">
+            <a:extLst>
+              <a:ext uri="{FF2B5EF4-FFF2-40B4-BE49-F238E27FC236}">
+                <a16:creationId xmlns:a16="http://schemas.microsoft.com/office/drawing/2014/main" id="{D283F7C5-AF5C-DEEF-FC15-4B59CEF592DE}"/>
+              </a:ext>
+            </a:extLst>
+          </p:cNvPr>
+          <p:cNvSpPr>
+            <a:spLocks noGrp="1"/>
+          </p:cNvSpPr>
+          <p:nvPr>
+            <p:ph type="ctrTitle"/>
+          </p:nvPr>
+        </p:nvSpPr>
+        <p:spPr/>
+        <p:txBody>
+          <a:bodyPr/>
+          <a:lstStyle/>
+          <a:p>
+            <a:r>
+              <a:rPr lang="ko-KR" altLang="en-US" dirty="0"/>
+              <a:t>구현 실습</a:t>
+            </a:r>
+          </a:p>
+        </p:txBody>
+      </p:sp>
+      <p:sp>
+        <p:nvSpPr>
+          <p:cNvPr id="5" name="부제목 4">
+            <a:extLst>
+              <a:ext uri="{FF2B5EF4-FFF2-40B4-BE49-F238E27FC236}">
+                <a16:creationId xmlns:a16="http://schemas.microsoft.com/office/drawing/2014/main" id="{C884C73A-BBA1-E6A6-DDF5-9A946E28E963}"/>
+              </a:ext>
+            </a:extLst>
+          </p:cNvPr>
+          <p:cNvSpPr>
+            <a:spLocks noGrp="1"/>
+          </p:cNvSpPr>
+          <p:nvPr>
+            <p:ph type="subTitle" idx="1"/>
+          </p:nvPr>
+        </p:nvSpPr>
+        <p:spPr/>
+        <p:txBody>
+          <a:bodyPr/>
+          <a:lstStyle/>
+          <a:p>
+            <a:pPr marL="0" indent="0" algn="r">
+              <a:buNone/>
+            </a:pPr>
+            <a:r>
+              <a:rPr lang="en-US" altLang="ko-KR" dirty="0"/>
+              <a:t>Hello world </a:t>
+            </a:r>
+            <a:r>
+              <a:rPr lang="en-US" altLang="ko-KR"/>
+              <a:t>API </a:t>
+            </a:r>
+            <a:r>
+              <a:rPr lang="ko-KR" altLang="en-US" dirty="0"/>
+              <a:t>구현</a:t>
+            </a:r>
+          </a:p>
+        </p:txBody>
+      </p:sp>
+    </p:spTree>
+    <p:extLst>
+      <p:ext uri="{BB962C8B-B14F-4D97-AF65-F5344CB8AC3E}">
+        <p14:creationId xmlns:p14="http://schemas.microsoft.com/office/powerpoint/2010/main" val="2848712885"/>
+      </p:ext>
+    </p:extLst>
+  </p:cSld>
+  <p:clrMapOvr>
+    <a:masterClrMapping/>
+  </p:clrMapOvr>
+</p:sld>
+</file>
+
+<file path=ppt/slides/slide3.xml><?xml version="1.0" encoding="utf-8"?>
+<p:sld xmlns:a="http://schemas.openxmlformats.org/drawingml/2006/main" xmlns:r="http://schemas.openxmlformats.org/officeDocument/2006/relationships" xmlns:p="http://schemas.openxmlformats.org/presentationml/2006/main">
+  <p:cSld>
+    <p:spTree>
+      <p:nvGrpSpPr>
+        <p:cNvPr id="1" name=""/>
+        <p:cNvGrpSpPr/>
+        <p:nvPr/>
+      </p:nvGrpSpPr>
+      <p:grpSpPr>
+        <a:xfrm>
+          <a:off x="0" y="0"/>
+          <a:ext cx="0" cy="0"/>
+          <a:chOff x="0" y="0"/>
+          <a:chExt cx="0" cy="0"/>
+        </a:xfrm>
+      </p:grpSpPr>
+      <p:sp>
+        <p:nvSpPr>
+          <p:cNvPr id="2" name="제목 1">
+            <a:extLst>
+              <a:ext uri="{FF2B5EF4-FFF2-40B4-BE49-F238E27FC236}">
+                <a16:creationId xmlns:a16="http://schemas.microsoft.com/office/drawing/2014/main" id="{D21C1AA9-5E52-3A11-B3B3-447787E29D09}"/>
+              </a:ext>
+            </a:extLst>
+          </p:cNvPr>
+          <p:cNvSpPr>
+            <a:spLocks noGrp="1"/>
+          </p:cNvSpPr>
+          <p:nvPr>
+            <p:ph type="title"/>
+          </p:nvPr>
+        </p:nvSpPr>
+        <p:spPr/>
+        <p:txBody>
+          <a:bodyPr/>
+          <a:lstStyle/>
+          <a:p>
+            <a:r>
+              <a:rPr lang="en-US" altLang="ko-KR" dirty="0"/>
+              <a:t>Reactor </a:t>
+            </a:r>
+            <a:r>
+              <a:rPr lang="ko-KR" altLang="en-US" dirty="0"/>
+              <a:t>구현의 난점</a:t>
+            </a:r>
+          </a:p>
+        </p:txBody>
+      </p:sp>
+      <p:sp>
+        <p:nvSpPr>
+          <p:cNvPr id="4" name="내용 개체 틀 3">
+            <a:extLst>
+              <a:ext uri="{FF2B5EF4-FFF2-40B4-BE49-F238E27FC236}">
+                <a16:creationId xmlns:a16="http://schemas.microsoft.com/office/drawing/2014/main" id="{42F6317C-F28B-ECBE-0810-17736FC7D8AB}"/>
+              </a:ext>
+            </a:extLst>
+          </p:cNvPr>
+          <p:cNvSpPr>
+            <a:spLocks noGrp="1"/>
+          </p:cNvSpPr>
+          <p:nvPr>
+            <p:ph idx="1"/>
+          </p:nvPr>
+        </p:nvSpPr>
+        <p:spPr/>
+        <p:txBody>
+          <a:bodyPr>
+            <a:normAutofit/>
+          </a:bodyPr>
+          <a:lstStyle/>
+          <a:p>
+            <a:pPr marL="0" indent="0">
+              <a:buNone/>
+            </a:pPr>
+            <a:r>
+              <a:rPr lang="ko-KR" altLang="en-US" dirty="0"/>
+              <a:t>유지보수성 </a:t>
+            </a:r>
+            <a:r>
+              <a:rPr lang="en-US" altLang="ko-KR" dirty="0"/>
+              <a:t>!?</a:t>
+            </a:r>
+          </a:p>
+        </p:txBody>
+      </p:sp>
+      <p:sp>
+        <p:nvSpPr>
+          <p:cNvPr id="7" name="Google Shape;209;p30">
+            <a:extLst>
+              <a:ext uri="{FF2B5EF4-FFF2-40B4-BE49-F238E27FC236}">
+                <a16:creationId xmlns:a16="http://schemas.microsoft.com/office/drawing/2014/main" id="{35F3E219-4EBB-8DE8-0966-E4317399395E}"/>
+              </a:ext>
+            </a:extLst>
+          </p:cNvPr>
+          <p:cNvSpPr/>
+          <p:nvPr/>
+        </p:nvSpPr>
+        <p:spPr>
+          <a:xfrm>
+            <a:off x="7811013" y="528014"/>
+            <a:ext cx="952500" cy="298200"/>
+          </a:xfrm>
+          <a:prstGeom prst="rect">
+            <a:avLst/>
+          </a:prstGeom>
+          <a:noFill/>
+          <a:ln>
+            <a:noFill/>
+          </a:ln>
+        </p:spPr>
+        <p:txBody>
+          <a:bodyPr spcFirstLastPara="1" wrap="square" lIns="19050" tIns="19050" rIns="19050" bIns="19050" anchor="t" anchorCtr="0">
+            <a:noAutofit/>
+          </a:bodyPr>
+          <a:lstStyle/>
+          <a:p>
+            <a:pPr marL="63500" marR="0" lvl="1" indent="0" algn="l" rtl="0">
+              <a:lnSpc>
+                <a:spcPct val="90000"/>
+              </a:lnSpc>
+              <a:spcBef>
+                <a:spcPts val="0"/>
+              </a:spcBef>
+              <a:spcAft>
+                <a:spcPts val="0"/>
+              </a:spcAft>
+              <a:buNone/>
+            </a:pPr>
+            <a:r>
+              <a:rPr lang="en-US" altLang="ko" sz="1200" b="1" i="0" u="none" strike="noStrike" cap="none" dirty="0">
+                <a:solidFill>
+                  <a:schemeClr val="bg1"/>
+                </a:solidFill>
+                <a:latin typeface="Arial"/>
+                <a:ea typeface="Arial"/>
+                <a:cs typeface="Arial"/>
+                <a:sym typeface="Arial"/>
+              </a:rPr>
+              <a:t>1</a:t>
+            </a:r>
+            <a:r>
+              <a:rPr lang="ko" sz="1200" b="1" i="0" u="none" strike="noStrike" cap="none" dirty="0">
+                <a:solidFill>
+                  <a:schemeClr val="bg1"/>
+                </a:solidFill>
+                <a:latin typeface="Arial"/>
+                <a:ea typeface="Arial"/>
+                <a:cs typeface="Arial"/>
+                <a:sym typeface="Arial"/>
+              </a:rPr>
+              <a:t>.</a:t>
+            </a:r>
+            <a:endParaRPr sz="500" dirty="0">
+              <a:solidFill>
+                <a:schemeClr val="bg1"/>
+              </a:solidFill>
+            </a:endParaRPr>
+          </a:p>
+        </p:txBody>
+      </p:sp>
+      <p:sp>
+        <p:nvSpPr>
+          <p:cNvPr id="8" name="Google Shape;210;p30">
+            <a:extLst>
+              <a:ext uri="{FF2B5EF4-FFF2-40B4-BE49-F238E27FC236}">
+                <a16:creationId xmlns:a16="http://schemas.microsoft.com/office/drawing/2014/main" id="{8CB63A74-B5C7-DCAA-53F5-96E44004D694}"/>
+              </a:ext>
+            </a:extLst>
+          </p:cNvPr>
+          <p:cNvSpPr/>
+          <p:nvPr/>
+        </p:nvSpPr>
+        <p:spPr>
+          <a:xfrm>
+            <a:off x="7811013" y="825047"/>
+            <a:ext cx="952500" cy="293400"/>
+          </a:xfrm>
+          <a:prstGeom prst="rect">
+            <a:avLst/>
+          </a:prstGeom>
+          <a:noFill/>
+          <a:ln>
+            <a:noFill/>
+          </a:ln>
+        </p:spPr>
+        <p:txBody>
+          <a:bodyPr spcFirstLastPara="1" wrap="square" lIns="19050" tIns="19050" rIns="19050" bIns="19050" anchor="t" anchorCtr="0">
+            <a:noAutofit/>
+          </a:bodyPr>
+          <a:lstStyle/>
+          <a:p>
+            <a:pPr marL="63500" marR="0" lvl="1" indent="0" algn="l" rtl="0">
+              <a:spcBef>
+                <a:spcPts val="200"/>
+              </a:spcBef>
+              <a:spcAft>
+                <a:spcPts val="0"/>
+              </a:spcAft>
+              <a:buClr>
+                <a:srgbClr val="000000"/>
+              </a:buClr>
+              <a:buFont typeface="Arial"/>
+              <a:buNone/>
+            </a:pPr>
+            <a:r>
+              <a:rPr lang="en-US" sz="800" dirty="0">
+                <a:solidFill>
+                  <a:schemeClr val="bg1"/>
+                </a:solidFill>
+              </a:rPr>
+              <a:t>Reactor </a:t>
+            </a:r>
+            <a:r>
+              <a:rPr lang="ko-KR" altLang="en-US" sz="800" dirty="0">
+                <a:solidFill>
+                  <a:schemeClr val="bg1"/>
+                </a:solidFill>
+              </a:rPr>
+              <a:t>구현의 난점</a:t>
+            </a:r>
+            <a:endParaRPr sz="800" dirty="0">
+              <a:solidFill>
+                <a:schemeClr val="bg1"/>
+              </a:solidFill>
+            </a:endParaRPr>
+          </a:p>
+        </p:txBody>
+      </p:sp>
+      <p:pic>
+        <p:nvPicPr>
+          <p:cNvPr id="5" name="그림 4">
+            <a:extLst>
+              <a:ext uri="{FF2B5EF4-FFF2-40B4-BE49-F238E27FC236}">
+                <a16:creationId xmlns:a16="http://schemas.microsoft.com/office/drawing/2014/main" id="{2ABC61B2-4EBF-E2D6-84F1-CEECBD516220}"/>
+              </a:ext>
+            </a:extLst>
+          </p:cNvPr>
+          <p:cNvPicPr>
+            <a:picLocks noChangeAspect="1"/>
+          </p:cNvPicPr>
+          <p:nvPr/>
+        </p:nvPicPr>
+        <p:blipFill>
+          <a:blip r:embed="rId3"/>
+          <a:stretch>
+            <a:fillRect/>
+          </a:stretch>
+        </p:blipFill>
+        <p:spPr>
+          <a:xfrm>
+            <a:off x="725107" y="1884002"/>
+            <a:ext cx="7790243" cy="2434451"/>
+          </a:xfrm>
+          <a:prstGeom prst="rect">
+            <a:avLst/>
+          </a:prstGeom>
+        </p:spPr>
+      </p:pic>
+    </p:spTree>
+    <p:extLst>
+      <p:ext uri="{BB962C8B-B14F-4D97-AF65-F5344CB8AC3E}">
+        <p14:creationId xmlns:p14="http://schemas.microsoft.com/office/powerpoint/2010/main" val="3464488622"/>
+      </p:ext>
+    </p:extLst>
+  </p:cSld>
+  <p:clrMapOvr>
+    <a:masterClrMapping/>
+  </p:clrMapOvr>
+</p:sld>
+</file>
+
+<file path=ppt/slides/slide30.xml><?xml version="1.0" encoding="utf-8"?>
+<p:sld xmlns:a="http://schemas.openxmlformats.org/drawingml/2006/main" xmlns:r="http://schemas.openxmlformats.org/officeDocument/2006/relationships" xmlns:p="http://schemas.openxmlformats.org/presentationml/2006/main">
+  <p:cSld>
+    <p:spTree>
+      <p:nvGrpSpPr>
+        <p:cNvPr id="1" name=""/>
+        <p:cNvGrpSpPr/>
+        <p:nvPr/>
+      </p:nvGrpSpPr>
+      <p:grpSpPr>
+        <a:xfrm>
+          <a:off x="0" y="0"/>
+          <a:ext cx="0" cy="0"/>
+          <a:chOff x="0" y="0"/>
+          <a:chExt cx="0" cy="0"/>
+        </a:xfrm>
+      </p:grpSpPr>
+      <p:sp>
+        <p:nvSpPr>
+          <p:cNvPr id="4" name="제목 3">
+            <a:extLst>
+              <a:ext uri="{FF2B5EF4-FFF2-40B4-BE49-F238E27FC236}">
+                <a16:creationId xmlns:a16="http://schemas.microsoft.com/office/drawing/2014/main" id="{D283F7C5-AF5C-DEEF-FC15-4B59CEF592DE}"/>
+              </a:ext>
+            </a:extLst>
+          </p:cNvPr>
+          <p:cNvSpPr>
+            <a:spLocks noGrp="1"/>
+          </p:cNvSpPr>
+          <p:nvPr>
+            <p:ph type="ctrTitle"/>
+          </p:nvPr>
+        </p:nvSpPr>
+        <p:spPr/>
+        <p:txBody>
+          <a:bodyPr/>
+          <a:lstStyle/>
+          <a:p>
+            <a:r>
+              <a:rPr lang="ko-KR" altLang="en-US" dirty="0"/>
+              <a:t>구현 실습</a:t>
+            </a:r>
+          </a:p>
+        </p:txBody>
+      </p:sp>
+      <p:sp>
+        <p:nvSpPr>
+          <p:cNvPr id="5" name="부제목 4">
+            <a:extLst>
+              <a:ext uri="{FF2B5EF4-FFF2-40B4-BE49-F238E27FC236}">
+                <a16:creationId xmlns:a16="http://schemas.microsoft.com/office/drawing/2014/main" id="{C884C73A-BBA1-E6A6-DDF5-9A946E28E963}"/>
+              </a:ext>
+            </a:extLst>
+          </p:cNvPr>
+          <p:cNvSpPr>
+            <a:spLocks noGrp="1"/>
+          </p:cNvSpPr>
+          <p:nvPr>
+            <p:ph type="subTitle" idx="1"/>
+          </p:nvPr>
+        </p:nvSpPr>
+        <p:spPr/>
+        <p:txBody>
+          <a:bodyPr/>
+          <a:lstStyle/>
+          <a:p>
+            <a:pPr marL="0" indent="0" algn="r">
+              <a:buNone/>
+            </a:pPr>
+            <a:r>
+              <a:rPr lang="en-US" altLang="ko-KR" dirty="0"/>
+              <a:t>CRUD </a:t>
+            </a:r>
+            <a:r>
+              <a:rPr lang="ko-KR" altLang="en-US" dirty="0"/>
+              <a:t>서비스 구현</a:t>
+            </a:r>
+          </a:p>
+        </p:txBody>
+      </p:sp>
+    </p:spTree>
+    <p:extLst>
+      <p:ext uri="{BB962C8B-B14F-4D97-AF65-F5344CB8AC3E}">
+        <p14:creationId xmlns:p14="http://schemas.microsoft.com/office/powerpoint/2010/main" val="1085195890"/>
+      </p:ext>
+    </p:extLst>
+  </p:cSld>
+  <p:clrMapOvr>
+    <a:masterClrMapping/>
+  </p:clrMapOvr>
+</p:sld>
+</file>
+
+<file path=ppt/slides/slide31.xml><?xml version="1.0" encoding="utf-8"?>
+<p:sld xmlns:a="http://schemas.openxmlformats.org/drawingml/2006/main" xmlns:r="http://schemas.openxmlformats.org/officeDocument/2006/relationships" xmlns:p="http://schemas.openxmlformats.org/presentationml/2006/main">
+  <p:cSld>
+    <p:spTree>
+      <p:nvGrpSpPr>
+        <p:cNvPr id="1" name=""/>
+        <p:cNvGrpSpPr/>
+        <p:nvPr/>
+      </p:nvGrpSpPr>
+      <p:grpSpPr>
+        <a:xfrm>
+          <a:off x="0" y="0"/>
+          <a:ext cx="0" cy="0"/>
+          <a:chOff x="0" y="0"/>
+          <a:chExt cx="0" cy="0"/>
+        </a:xfrm>
+      </p:grpSpPr>
+      <p:sp>
+        <p:nvSpPr>
+          <p:cNvPr id="4" name="제목 3">
+            <a:extLst>
+              <a:ext uri="{FF2B5EF4-FFF2-40B4-BE49-F238E27FC236}">
+                <a16:creationId xmlns:a16="http://schemas.microsoft.com/office/drawing/2014/main" id="{D283F7C5-AF5C-DEEF-FC15-4B59CEF592DE}"/>
+              </a:ext>
+            </a:extLst>
+          </p:cNvPr>
+          <p:cNvSpPr>
+            <a:spLocks noGrp="1"/>
+          </p:cNvSpPr>
+          <p:nvPr>
+            <p:ph type="ctrTitle"/>
+          </p:nvPr>
+        </p:nvSpPr>
+        <p:spPr/>
+        <p:txBody>
+          <a:bodyPr/>
+          <a:lstStyle/>
+          <a:p>
+            <a:r>
+              <a:rPr lang="ko-KR" altLang="en-US" dirty="0"/>
+              <a:t>구현 실습</a:t>
+            </a:r>
+          </a:p>
+        </p:txBody>
+      </p:sp>
+      <p:sp>
+        <p:nvSpPr>
+          <p:cNvPr id="5" name="부제목 4">
+            <a:extLst>
+              <a:ext uri="{FF2B5EF4-FFF2-40B4-BE49-F238E27FC236}">
+                <a16:creationId xmlns:a16="http://schemas.microsoft.com/office/drawing/2014/main" id="{C884C73A-BBA1-E6A6-DDF5-9A946E28E963}"/>
+              </a:ext>
+            </a:extLst>
+          </p:cNvPr>
+          <p:cNvSpPr>
+            <a:spLocks noGrp="1"/>
+          </p:cNvSpPr>
+          <p:nvPr>
+            <p:ph type="subTitle" idx="1"/>
+          </p:nvPr>
+        </p:nvSpPr>
+        <p:spPr/>
+        <p:txBody>
+          <a:bodyPr/>
+          <a:lstStyle/>
+          <a:p>
+            <a:pPr marL="0" indent="0" algn="r">
+              <a:buNone/>
+            </a:pPr>
+            <a:r>
+              <a:rPr lang="en-US" altLang="ko-KR" dirty="0"/>
+              <a:t>Unit</a:t>
+            </a:r>
+            <a:r>
+              <a:rPr lang="ko-KR" altLang="en-US" dirty="0"/>
+              <a:t> 테스트 </a:t>
+            </a:r>
+            <a:r>
+              <a:rPr lang="en-US" altLang="ko-KR" dirty="0"/>
+              <a:t>(</a:t>
+            </a:r>
+            <a:r>
+              <a:rPr lang="en-US" altLang="ko-KR" dirty="0" err="1"/>
+              <a:t>Kotest</a:t>
+            </a:r>
+            <a:r>
+              <a:rPr lang="en-US" altLang="ko-KR" dirty="0"/>
+              <a:t>)</a:t>
+            </a:r>
+            <a:endParaRPr lang="ko-KR" altLang="en-US" dirty="0"/>
+          </a:p>
+        </p:txBody>
+      </p:sp>
+    </p:spTree>
+    <p:extLst>
+      <p:ext uri="{BB962C8B-B14F-4D97-AF65-F5344CB8AC3E}">
+        <p14:creationId xmlns:p14="http://schemas.microsoft.com/office/powerpoint/2010/main" val="388313514"/>
+      </p:ext>
+    </p:extLst>
+  </p:cSld>
+  <p:clrMapOvr>
+    <a:masterClrMapping/>
+  </p:clrMapOvr>
+</p:sld>
+</file>
+
+<file path=ppt/slides/slide4.xml><?xml version="1.0" encoding="utf-8"?>
+<p:sld xmlns:a="http://schemas.openxmlformats.org/drawingml/2006/main" xmlns:r="http://schemas.openxmlformats.org/officeDocument/2006/relationships" xmlns:p="http://schemas.openxmlformats.org/presentationml/2006/main">
+  <p:cSld>
+    <p:spTree>
+      <p:nvGrpSpPr>
+        <p:cNvPr id="1" name=""/>
+        <p:cNvGrpSpPr/>
+        <p:nvPr/>
+      </p:nvGrpSpPr>
+      <p:grpSpPr>
+        <a:xfrm>
+          <a:off x="0" y="0"/>
+          <a:ext cx="0" cy="0"/>
+          <a:chOff x="0" y="0"/>
+          <a:chExt cx="0" cy="0"/>
+        </a:xfrm>
+      </p:grpSpPr>
+      <p:sp>
+        <p:nvSpPr>
+          <p:cNvPr id="2" name="제목 1">
+            <a:extLst>
+              <a:ext uri="{FF2B5EF4-FFF2-40B4-BE49-F238E27FC236}">
+                <a16:creationId xmlns:a16="http://schemas.microsoft.com/office/drawing/2014/main" id="{D21C1AA9-5E52-3A11-B3B3-447787E29D09}"/>
+              </a:ext>
+            </a:extLst>
+          </p:cNvPr>
+          <p:cNvSpPr>
+            <a:spLocks noGrp="1"/>
+          </p:cNvSpPr>
+          <p:nvPr>
+            <p:ph type="title"/>
+          </p:nvPr>
+        </p:nvSpPr>
+        <p:spPr/>
+        <p:txBody>
+          <a:bodyPr/>
+          <a:lstStyle/>
+          <a:p>
+            <a:r>
+              <a:rPr lang="en-US" altLang="ko-KR" dirty="0"/>
+              <a:t>Reactor </a:t>
+            </a:r>
+            <a:r>
+              <a:rPr lang="ko-KR" altLang="en-US" dirty="0"/>
+              <a:t>구현의 난점</a:t>
+            </a:r>
+          </a:p>
+        </p:txBody>
+      </p:sp>
+      <p:sp>
+        <p:nvSpPr>
+          <p:cNvPr id="4" name="내용 개체 틀 3">
+            <a:extLst>
+              <a:ext uri="{FF2B5EF4-FFF2-40B4-BE49-F238E27FC236}">
+                <a16:creationId xmlns:a16="http://schemas.microsoft.com/office/drawing/2014/main" id="{42F6317C-F28B-ECBE-0810-17736FC7D8AB}"/>
+              </a:ext>
+            </a:extLst>
+          </p:cNvPr>
+          <p:cNvSpPr>
+            <a:spLocks noGrp="1"/>
+          </p:cNvSpPr>
+          <p:nvPr>
+            <p:ph idx="1"/>
+          </p:nvPr>
+        </p:nvSpPr>
+        <p:spPr/>
+        <p:txBody>
+          <a:bodyPr>
+            <a:normAutofit/>
+          </a:bodyPr>
+          <a:lstStyle/>
+          <a:p>
+            <a:pPr marL="0" indent="0">
+              <a:buNone/>
+            </a:pPr>
+            <a:r>
+              <a:rPr lang="ko-KR" altLang="en-US" dirty="0"/>
+              <a:t>유지보수성 </a:t>
+            </a:r>
+            <a:r>
+              <a:rPr lang="en-US" altLang="ko-KR" dirty="0"/>
+              <a:t>!?</a:t>
+            </a:r>
+          </a:p>
+        </p:txBody>
+      </p:sp>
+      <p:sp>
+        <p:nvSpPr>
+          <p:cNvPr id="7" name="Google Shape;209;p30">
+            <a:extLst>
+              <a:ext uri="{FF2B5EF4-FFF2-40B4-BE49-F238E27FC236}">
+                <a16:creationId xmlns:a16="http://schemas.microsoft.com/office/drawing/2014/main" id="{35F3E219-4EBB-8DE8-0966-E4317399395E}"/>
+              </a:ext>
+            </a:extLst>
+          </p:cNvPr>
+          <p:cNvSpPr/>
+          <p:nvPr/>
+        </p:nvSpPr>
+        <p:spPr>
+          <a:xfrm>
+            <a:off x="7811013" y="528014"/>
+            <a:ext cx="952500" cy="298200"/>
+          </a:xfrm>
+          <a:prstGeom prst="rect">
+            <a:avLst/>
+          </a:prstGeom>
+          <a:noFill/>
+          <a:ln>
+            <a:noFill/>
+          </a:ln>
+        </p:spPr>
+        <p:txBody>
+          <a:bodyPr spcFirstLastPara="1" wrap="square" lIns="19050" tIns="19050" rIns="19050" bIns="19050" anchor="t" anchorCtr="0">
+            <a:noAutofit/>
+          </a:bodyPr>
+          <a:lstStyle/>
+          <a:p>
+            <a:pPr marL="63500" marR="0" lvl="1" indent="0" algn="l" rtl="0">
+              <a:lnSpc>
+                <a:spcPct val="90000"/>
+              </a:lnSpc>
+              <a:spcBef>
+                <a:spcPts val="0"/>
+              </a:spcBef>
+              <a:spcAft>
+                <a:spcPts val="0"/>
+              </a:spcAft>
+              <a:buNone/>
+            </a:pPr>
+            <a:r>
+              <a:rPr lang="en-US" altLang="ko" sz="1200" b="1" i="0" u="none" strike="noStrike" cap="none" dirty="0">
+                <a:solidFill>
+                  <a:schemeClr val="bg1"/>
+                </a:solidFill>
+                <a:latin typeface="Arial"/>
+                <a:ea typeface="Arial"/>
+                <a:cs typeface="Arial"/>
+                <a:sym typeface="Arial"/>
+              </a:rPr>
+              <a:t>1</a:t>
+            </a:r>
+            <a:r>
+              <a:rPr lang="ko" sz="1200" b="1" i="0" u="none" strike="noStrike" cap="none" dirty="0">
+                <a:solidFill>
+                  <a:schemeClr val="bg1"/>
+                </a:solidFill>
+                <a:latin typeface="Arial"/>
+                <a:ea typeface="Arial"/>
+                <a:cs typeface="Arial"/>
+                <a:sym typeface="Arial"/>
+              </a:rPr>
+              <a:t>.</a:t>
+            </a:r>
+            <a:endParaRPr sz="500" dirty="0">
+              <a:solidFill>
+                <a:schemeClr val="bg1"/>
+              </a:solidFill>
+            </a:endParaRPr>
+          </a:p>
+        </p:txBody>
+      </p:sp>
+      <p:sp>
+        <p:nvSpPr>
+          <p:cNvPr id="8" name="Google Shape;210;p30">
+            <a:extLst>
+              <a:ext uri="{FF2B5EF4-FFF2-40B4-BE49-F238E27FC236}">
+                <a16:creationId xmlns:a16="http://schemas.microsoft.com/office/drawing/2014/main" id="{8CB63A74-B5C7-DCAA-53F5-96E44004D694}"/>
+              </a:ext>
+            </a:extLst>
+          </p:cNvPr>
+          <p:cNvSpPr/>
+          <p:nvPr/>
+        </p:nvSpPr>
+        <p:spPr>
+          <a:xfrm>
+            <a:off x="7811013" y="825047"/>
+            <a:ext cx="952500" cy="293400"/>
+          </a:xfrm>
+          <a:prstGeom prst="rect">
+            <a:avLst/>
+          </a:prstGeom>
+          <a:noFill/>
+          <a:ln>
+            <a:noFill/>
+          </a:ln>
+        </p:spPr>
+        <p:txBody>
+          <a:bodyPr spcFirstLastPara="1" wrap="square" lIns="19050" tIns="19050" rIns="19050" bIns="19050" anchor="t" anchorCtr="0">
+            <a:noAutofit/>
+          </a:bodyPr>
+          <a:lstStyle/>
+          <a:p>
+            <a:pPr marL="63500" marR="0" lvl="1" indent="0" algn="l" rtl="0">
+              <a:spcBef>
+                <a:spcPts val="200"/>
+              </a:spcBef>
+              <a:spcAft>
+                <a:spcPts val="0"/>
+              </a:spcAft>
+              <a:buClr>
+                <a:srgbClr val="000000"/>
+              </a:buClr>
+              <a:buFont typeface="Arial"/>
+              <a:buNone/>
+            </a:pPr>
+            <a:r>
+              <a:rPr lang="en-US" sz="800" dirty="0">
+                <a:solidFill>
+                  <a:schemeClr val="bg1"/>
+                </a:solidFill>
+              </a:rPr>
+              <a:t>Reactor </a:t>
+            </a:r>
+            <a:r>
+              <a:rPr lang="ko-KR" altLang="en-US" sz="800" dirty="0">
+                <a:solidFill>
+                  <a:schemeClr val="bg1"/>
+                </a:solidFill>
+              </a:rPr>
+              <a:t>구현의 난점</a:t>
+            </a:r>
+            <a:endParaRPr sz="800" dirty="0">
+              <a:solidFill>
+                <a:schemeClr val="bg1"/>
+              </a:solidFill>
+            </a:endParaRPr>
+          </a:p>
+        </p:txBody>
+      </p:sp>
+      <p:pic>
+        <p:nvPicPr>
+          <p:cNvPr id="6" name="그림 5">
+            <a:extLst>
+              <a:ext uri="{FF2B5EF4-FFF2-40B4-BE49-F238E27FC236}">
+                <a16:creationId xmlns:a16="http://schemas.microsoft.com/office/drawing/2014/main" id="{CA514884-9C5F-9E0A-2A79-FAB8D10FDF20}"/>
+              </a:ext>
+            </a:extLst>
+          </p:cNvPr>
+          <p:cNvPicPr>
+            <a:picLocks noChangeAspect="1"/>
+          </p:cNvPicPr>
+          <p:nvPr/>
+        </p:nvPicPr>
+        <p:blipFill>
+          <a:blip r:embed="rId3"/>
+          <a:stretch>
+            <a:fillRect/>
+          </a:stretch>
+        </p:blipFill>
+        <p:spPr>
+          <a:xfrm>
+            <a:off x="747132" y="1764458"/>
+            <a:ext cx="7886701" cy="2835269"/>
+          </a:xfrm>
+          <a:prstGeom prst="rect">
+            <a:avLst/>
+          </a:prstGeom>
+        </p:spPr>
+      </p:pic>
+    </p:spTree>
+    <p:extLst>
+      <p:ext uri="{BB962C8B-B14F-4D97-AF65-F5344CB8AC3E}">
+        <p14:creationId xmlns:p14="http://schemas.microsoft.com/office/powerpoint/2010/main" val="1793981141"/>
+      </p:ext>
+    </p:extLst>
+  </p:cSld>
+  <p:clrMapOvr>
+    <a:masterClrMapping/>
+  </p:clrMapOvr>
+</p:sld>
+</file>
+
+<file path=ppt/slides/slide5.xml><?xml version="1.0" encoding="utf-8"?>
+<p:sld xmlns:a="http://schemas.openxmlformats.org/drawingml/2006/main" xmlns:r="http://schemas.openxmlformats.org/officeDocument/2006/relationships" xmlns:p="http://schemas.openxmlformats.org/presentationml/2006/main">
+  <p:cSld>
+    <p:spTree>
+      <p:nvGrpSpPr>
+        <p:cNvPr id="1" name=""/>
+        <p:cNvGrpSpPr/>
+        <p:nvPr/>
+      </p:nvGrpSpPr>
+      <p:grpSpPr>
+        <a:xfrm>
+          <a:off x="0" y="0"/>
+          <a:ext cx="0" cy="0"/>
+          <a:chOff x="0" y="0"/>
+          <a:chExt cx="0" cy="0"/>
+        </a:xfrm>
+      </p:grpSpPr>
+      <p:sp>
+        <p:nvSpPr>
+          <p:cNvPr id="2" name="제목 1">
+            <a:extLst>
+              <a:ext uri="{FF2B5EF4-FFF2-40B4-BE49-F238E27FC236}">
+                <a16:creationId xmlns:a16="http://schemas.microsoft.com/office/drawing/2014/main" id="{D21C1AA9-5E52-3A11-B3B3-447787E29D09}"/>
+              </a:ext>
+            </a:extLst>
+          </p:cNvPr>
+          <p:cNvSpPr>
+            <a:spLocks noGrp="1"/>
+          </p:cNvSpPr>
+          <p:nvPr>
+            <p:ph type="title"/>
+          </p:nvPr>
+        </p:nvSpPr>
+        <p:spPr/>
+        <p:txBody>
+          <a:bodyPr/>
+          <a:lstStyle/>
+          <a:p>
+            <a:r>
+              <a:rPr lang="en-US" altLang="ko-KR" dirty="0"/>
+              <a:t>Reactor </a:t>
+            </a:r>
+            <a:r>
+              <a:rPr lang="ko-KR" altLang="en-US" dirty="0"/>
+              <a:t>구현의 난점</a:t>
+            </a:r>
+          </a:p>
+        </p:txBody>
+      </p:sp>
+      <p:sp>
+        <p:nvSpPr>
+          <p:cNvPr id="4" name="내용 개체 틀 3">
+            <a:extLst>
+              <a:ext uri="{FF2B5EF4-FFF2-40B4-BE49-F238E27FC236}">
+                <a16:creationId xmlns:a16="http://schemas.microsoft.com/office/drawing/2014/main" id="{42F6317C-F28B-ECBE-0810-17736FC7D8AB}"/>
+              </a:ext>
+            </a:extLst>
+          </p:cNvPr>
+          <p:cNvSpPr>
+            <a:spLocks noGrp="1"/>
+          </p:cNvSpPr>
+          <p:nvPr>
+            <p:ph idx="1"/>
+          </p:nvPr>
+        </p:nvSpPr>
+        <p:spPr/>
+        <p:txBody>
+          <a:bodyPr>
+            <a:normAutofit/>
+          </a:bodyPr>
+          <a:lstStyle/>
+          <a:p>
+            <a:pPr marL="0" indent="0">
+              <a:buNone/>
+            </a:pPr>
+            <a:r>
+              <a:rPr lang="ko-KR" altLang="en-US" dirty="0"/>
+              <a:t>유지보수성 </a:t>
+            </a:r>
+            <a:r>
+              <a:rPr lang="en-US" altLang="ko-KR" dirty="0"/>
+              <a:t>!?</a:t>
+            </a:r>
+          </a:p>
+        </p:txBody>
+      </p:sp>
+      <p:sp>
+        <p:nvSpPr>
+          <p:cNvPr id="7" name="Google Shape;209;p30">
+            <a:extLst>
+              <a:ext uri="{FF2B5EF4-FFF2-40B4-BE49-F238E27FC236}">
+                <a16:creationId xmlns:a16="http://schemas.microsoft.com/office/drawing/2014/main" id="{35F3E219-4EBB-8DE8-0966-E4317399395E}"/>
+              </a:ext>
+            </a:extLst>
+          </p:cNvPr>
+          <p:cNvSpPr/>
+          <p:nvPr/>
+        </p:nvSpPr>
+        <p:spPr>
+          <a:xfrm>
+            <a:off x="7811013" y="528014"/>
+            <a:ext cx="952500" cy="298200"/>
+          </a:xfrm>
+          <a:prstGeom prst="rect">
+            <a:avLst/>
+          </a:prstGeom>
+          <a:noFill/>
+          <a:ln>
+            <a:noFill/>
+          </a:ln>
+        </p:spPr>
+        <p:txBody>
+          <a:bodyPr spcFirstLastPara="1" wrap="square" lIns="19050" tIns="19050" rIns="19050" bIns="19050" anchor="t" anchorCtr="0">
+            <a:noAutofit/>
+          </a:bodyPr>
+          <a:lstStyle/>
+          <a:p>
+            <a:pPr marL="63500" marR="0" lvl="1" indent="0" algn="l" rtl="0">
+              <a:lnSpc>
+                <a:spcPct val="90000"/>
+              </a:lnSpc>
+              <a:spcBef>
+                <a:spcPts val="0"/>
+              </a:spcBef>
+              <a:spcAft>
+                <a:spcPts val="0"/>
+              </a:spcAft>
+              <a:buNone/>
+            </a:pPr>
+            <a:r>
+              <a:rPr lang="en-US" altLang="ko" sz="1200" b="1" i="0" u="none" strike="noStrike" cap="none" dirty="0">
+                <a:solidFill>
+                  <a:schemeClr val="bg1"/>
+                </a:solidFill>
+                <a:latin typeface="Arial"/>
+                <a:ea typeface="Arial"/>
+                <a:cs typeface="Arial"/>
+                <a:sym typeface="Arial"/>
+              </a:rPr>
+              <a:t>1</a:t>
+            </a:r>
+            <a:r>
+              <a:rPr lang="ko" sz="1200" b="1" i="0" u="none" strike="noStrike" cap="none" dirty="0">
+                <a:solidFill>
+                  <a:schemeClr val="bg1"/>
+                </a:solidFill>
+                <a:latin typeface="Arial"/>
+                <a:ea typeface="Arial"/>
+                <a:cs typeface="Arial"/>
+                <a:sym typeface="Arial"/>
+              </a:rPr>
+              <a:t>.</a:t>
+            </a:r>
+            <a:endParaRPr sz="500" dirty="0">
+              <a:solidFill>
+                <a:schemeClr val="bg1"/>
+              </a:solidFill>
+            </a:endParaRPr>
+          </a:p>
+        </p:txBody>
+      </p:sp>
+      <p:sp>
+        <p:nvSpPr>
+          <p:cNvPr id="8" name="Google Shape;210;p30">
+            <a:extLst>
+              <a:ext uri="{FF2B5EF4-FFF2-40B4-BE49-F238E27FC236}">
+                <a16:creationId xmlns:a16="http://schemas.microsoft.com/office/drawing/2014/main" id="{8CB63A74-B5C7-DCAA-53F5-96E44004D694}"/>
+              </a:ext>
+            </a:extLst>
+          </p:cNvPr>
+          <p:cNvSpPr/>
+          <p:nvPr/>
+        </p:nvSpPr>
+        <p:spPr>
+          <a:xfrm>
+            <a:off x="7811013" y="825047"/>
+            <a:ext cx="952500" cy="293400"/>
+          </a:xfrm>
+          <a:prstGeom prst="rect">
+            <a:avLst/>
+          </a:prstGeom>
+          <a:noFill/>
+          <a:ln>
+            <a:noFill/>
+          </a:ln>
+        </p:spPr>
+        <p:txBody>
+          <a:bodyPr spcFirstLastPara="1" wrap="square" lIns="19050" tIns="19050" rIns="19050" bIns="19050" anchor="t" anchorCtr="0">
+            <a:noAutofit/>
+          </a:bodyPr>
+          <a:lstStyle/>
+          <a:p>
+            <a:pPr marL="63500" marR="0" lvl="1" indent="0" algn="l" rtl="0">
+              <a:spcBef>
+                <a:spcPts val="200"/>
+              </a:spcBef>
+              <a:spcAft>
+                <a:spcPts val="0"/>
+              </a:spcAft>
+              <a:buClr>
+                <a:srgbClr val="000000"/>
+              </a:buClr>
+              <a:buFont typeface="Arial"/>
+              <a:buNone/>
+            </a:pPr>
+            <a:r>
+              <a:rPr lang="en-US" sz="800" dirty="0">
+                <a:solidFill>
+                  <a:schemeClr val="bg1"/>
+                </a:solidFill>
+              </a:rPr>
+              <a:t>Reactor </a:t>
+            </a:r>
+            <a:r>
+              <a:rPr lang="ko-KR" altLang="en-US" sz="800" dirty="0">
+                <a:solidFill>
+                  <a:schemeClr val="bg1"/>
+                </a:solidFill>
+              </a:rPr>
+              <a:t>구현의 난점</a:t>
+            </a:r>
+            <a:endParaRPr sz="800" dirty="0">
+              <a:solidFill>
+                <a:schemeClr val="bg1"/>
+              </a:solidFill>
+            </a:endParaRPr>
+          </a:p>
+        </p:txBody>
+      </p:sp>
+      <p:pic>
+        <p:nvPicPr>
+          <p:cNvPr id="5" name="그림 4">
+            <a:extLst>
+              <a:ext uri="{FF2B5EF4-FFF2-40B4-BE49-F238E27FC236}">
+                <a16:creationId xmlns:a16="http://schemas.microsoft.com/office/drawing/2014/main" id="{B638ECF6-450F-A625-20C6-D924E36D5DAC}"/>
+              </a:ext>
+            </a:extLst>
+          </p:cNvPr>
+          <p:cNvPicPr>
+            <a:picLocks noChangeAspect="1"/>
+          </p:cNvPicPr>
+          <p:nvPr/>
+        </p:nvPicPr>
+        <p:blipFill>
+          <a:blip r:embed="rId3"/>
+          <a:stretch>
+            <a:fillRect/>
+          </a:stretch>
+        </p:blipFill>
+        <p:spPr>
+          <a:xfrm>
+            <a:off x="735980" y="1798747"/>
+            <a:ext cx="7886700" cy="1987448"/>
+          </a:xfrm>
+          <a:prstGeom prst="rect">
+            <a:avLst/>
+          </a:prstGeom>
+        </p:spPr>
+      </p:pic>
+    </p:spTree>
+    <p:extLst>
+      <p:ext uri="{BB962C8B-B14F-4D97-AF65-F5344CB8AC3E}">
+        <p14:creationId xmlns:p14="http://schemas.microsoft.com/office/powerpoint/2010/main" val="2274964803"/>
+      </p:ext>
+    </p:extLst>
+  </p:cSld>
+  <p:clrMapOvr>
+    <a:masterClrMapping/>
+  </p:clrMapOvr>
+</p:sld>
+</file>
+
+<file path=ppt/slides/slide6.xml><?xml version="1.0" encoding="utf-8"?>
+<p:sld xmlns:a="http://schemas.openxmlformats.org/drawingml/2006/main" xmlns:r="http://schemas.openxmlformats.org/officeDocument/2006/relationships" xmlns:p="http://schemas.openxmlformats.org/presentationml/2006/main">
+  <p:cSld>
+    <p:spTree>
+      <p:nvGrpSpPr>
+        <p:cNvPr id="1" name=""/>
+        <p:cNvGrpSpPr/>
+        <p:nvPr/>
+      </p:nvGrpSpPr>
+      <p:grpSpPr>
+        <a:xfrm>
+          <a:off x="0" y="0"/>
+          <a:ext cx="0" cy="0"/>
+          <a:chOff x="0" y="0"/>
+          <a:chExt cx="0" cy="0"/>
+        </a:xfrm>
+      </p:grpSpPr>
+      <p:sp>
+        <p:nvSpPr>
+          <p:cNvPr id="4" name="제목 3">
+            <a:extLst>
+              <a:ext uri="{FF2B5EF4-FFF2-40B4-BE49-F238E27FC236}">
+                <a16:creationId xmlns:a16="http://schemas.microsoft.com/office/drawing/2014/main" id="{D283F7C5-AF5C-DEEF-FC15-4B59CEF592DE}"/>
+              </a:ext>
+            </a:extLst>
+          </p:cNvPr>
+          <p:cNvSpPr>
+            <a:spLocks noGrp="1"/>
+          </p:cNvSpPr>
+          <p:nvPr>
+            <p:ph type="ctrTitle"/>
+          </p:nvPr>
+        </p:nvSpPr>
+        <p:spPr/>
+        <p:txBody>
+          <a:bodyPr/>
+          <a:lstStyle/>
+          <a:p>
+            <a:r>
+              <a:rPr lang="ko-KR" altLang="en-US" dirty="0"/>
+              <a:t>구현 실습</a:t>
+            </a:r>
+          </a:p>
+        </p:txBody>
+      </p:sp>
+      <p:sp>
+        <p:nvSpPr>
+          <p:cNvPr id="5" name="부제목 4">
+            <a:extLst>
+              <a:ext uri="{FF2B5EF4-FFF2-40B4-BE49-F238E27FC236}">
+                <a16:creationId xmlns:a16="http://schemas.microsoft.com/office/drawing/2014/main" id="{C884C73A-BBA1-E6A6-DDF5-9A946E28E963}"/>
+              </a:ext>
+            </a:extLst>
+          </p:cNvPr>
+          <p:cNvSpPr>
+            <a:spLocks noGrp="1"/>
+          </p:cNvSpPr>
+          <p:nvPr>
+            <p:ph type="subTitle" idx="1"/>
+          </p:nvPr>
+        </p:nvSpPr>
+        <p:spPr/>
+        <p:txBody>
+          <a:bodyPr/>
+          <a:lstStyle/>
+          <a:p>
+            <a:pPr marL="0" indent="0" algn="r">
+              <a:buNone/>
+            </a:pPr>
+            <a:r>
+              <a:rPr lang="en-US" altLang="ko-KR" dirty="0" err="1"/>
+              <a:t>Coffe</a:t>
+            </a:r>
+            <a:r>
+              <a:rPr lang="en-US" altLang="ko-KR" dirty="0"/>
+              <a:t> by Coroutine</a:t>
+            </a:r>
+            <a:endParaRPr lang="ko-KR" altLang="en-US" dirty="0"/>
+          </a:p>
+        </p:txBody>
+      </p:sp>
+    </p:spTree>
+    <p:extLst>
+      <p:ext uri="{BB962C8B-B14F-4D97-AF65-F5344CB8AC3E}">
+        <p14:creationId xmlns:p14="http://schemas.microsoft.com/office/powerpoint/2010/main" val="1454840612"/>
+      </p:ext>
+    </p:extLst>
+  </p:cSld>
+  <p:clrMapOvr>
+    <a:masterClrMapping/>
+  </p:clrMapOvr>
+</p:sld>
+</file>
+
+<file path=ppt/slides/slide7.xml><?xml version="1.0" encoding="utf-8"?>
+<p:sld xmlns:a="http://schemas.openxmlformats.org/drawingml/2006/main" xmlns:r="http://schemas.openxmlformats.org/officeDocument/2006/relationships" xmlns:p="http://schemas.openxmlformats.org/presentationml/2006/main">
+  <p:cSld>
+    <p:spTree>
+      <p:nvGrpSpPr>
+        <p:cNvPr id="1" name=""/>
+        <p:cNvGrpSpPr/>
+        <p:nvPr/>
+      </p:nvGrpSpPr>
+      <p:grpSpPr>
+        <a:xfrm>
+          <a:off x="0" y="0"/>
+          <a:ext cx="0" cy="0"/>
+          <a:chOff x="0" y="0"/>
+          <a:chExt cx="0" cy="0"/>
+        </a:xfrm>
+      </p:grpSpPr>
+      <p:sp>
+        <p:nvSpPr>
+          <p:cNvPr id="2" name="제목 1">
+            <a:extLst>
+              <a:ext uri="{FF2B5EF4-FFF2-40B4-BE49-F238E27FC236}">
+                <a16:creationId xmlns:a16="http://schemas.microsoft.com/office/drawing/2014/main" id="{D21C1AA9-5E52-3A11-B3B3-447787E29D09}"/>
+              </a:ext>
+            </a:extLst>
+          </p:cNvPr>
+          <p:cNvSpPr>
+            <a:spLocks noGrp="1"/>
+          </p:cNvSpPr>
+          <p:nvPr>
+            <p:ph type="title"/>
+          </p:nvPr>
+        </p:nvSpPr>
+        <p:spPr/>
+        <p:txBody>
+          <a:bodyPr/>
+          <a:lstStyle/>
+          <a:p>
+            <a:r>
+              <a:rPr lang="en-US" altLang="ko-KR" dirty="0"/>
+              <a:t>Reactor </a:t>
+            </a:r>
+            <a:r>
+              <a:rPr lang="ko-KR" altLang="en-US" dirty="0"/>
+              <a:t>구현의 난점</a:t>
+            </a:r>
+          </a:p>
+        </p:txBody>
+      </p:sp>
+      <p:sp>
+        <p:nvSpPr>
+          <p:cNvPr id="4" name="내용 개체 틀 3">
+            <a:extLst>
+              <a:ext uri="{FF2B5EF4-FFF2-40B4-BE49-F238E27FC236}">
+                <a16:creationId xmlns:a16="http://schemas.microsoft.com/office/drawing/2014/main" id="{42F6317C-F28B-ECBE-0810-17736FC7D8AB}"/>
+              </a:ext>
+            </a:extLst>
+          </p:cNvPr>
+          <p:cNvSpPr>
+            <a:spLocks noGrp="1"/>
+          </p:cNvSpPr>
+          <p:nvPr>
+            <p:ph idx="1"/>
+          </p:nvPr>
+        </p:nvSpPr>
+        <p:spPr/>
+        <p:txBody>
+          <a:bodyPr>
+            <a:normAutofit/>
+          </a:bodyPr>
+          <a:lstStyle/>
+          <a:p>
+            <a:pPr marL="0" indent="0">
+              <a:buNone/>
+            </a:pPr>
+            <a:r>
+              <a:rPr lang="en-US" altLang="ko-KR" dirty="0"/>
+              <a:t>Reactor </a:t>
+            </a:r>
+            <a:r>
+              <a:rPr lang="ko-KR" altLang="en-US" dirty="0"/>
+              <a:t>와 </a:t>
+            </a:r>
+            <a:r>
+              <a:rPr lang="en-US" altLang="ko-KR" dirty="0"/>
+              <a:t>Coroutine </a:t>
+            </a:r>
+            <a:r>
+              <a:rPr lang="ko-KR" altLang="en-US" dirty="0"/>
+              <a:t>은 다르다</a:t>
+            </a:r>
+            <a:endParaRPr lang="en-US" altLang="ko-KR" dirty="0"/>
+          </a:p>
+          <a:p>
+            <a:pPr lvl="1"/>
+            <a:r>
+              <a:rPr lang="en-US" altLang="ko-KR" dirty="0"/>
+              <a:t>Reactor</a:t>
+            </a:r>
+          </a:p>
+          <a:p>
+            <a:pPr lvl="2"/>
+            <a:r>
+              <a:rPr lang="en-US" altLang="ko-KR" dirty="0"/>
+              <a:t>Non-Blocking IO + Backpressure </a:t>
+            </a:r>
+            <a:r>
+              <a:rPr lang="en-US" altLang="ko-KR" dirty="0">
+                <a:sym typeface="Wingdings" panose="05000000000000000000" pitchFamily="2" charset="2"/>
+              </a:rPr>
+              <a:t> </a:t>
+            </a:r>
+            <a:r>
+              <a:rPr lang="en-US" altLang="ko-KR" b="1" u="sng" dirty="0">
+                <a:sym typeface="Wingdings" panose="05000000000000000000" pitchFamily="2" charset="2"/>
+              </a:rPr>
+              <a:t>Event Driven</a:t>
+            </a:r>
+            <a:r>
+              <a:rPr lang="en-US" altLang="ko-KR" dirty="0">
+                <a:sym typeface="Wingdings" panose="05000000000000000000" pitchFamily="2" charset="2"/>
+              </a:rPr>
+              <a:t> programming</a:t>
+            </a:r>
+          </a:p>
+          <a:p>
+            <a:pPr lvl="1"/>
+            <a:r>
+              <a:rPr lang="en-US" altLang="ko-KR" dirty="0">
+                <a:sym typeface="Wingdings" panose="05000000000000000000" pitchFamily="2" charset="2"/>
+              </a:rPr>
+              <a:t>Coroutine</a:t>
+            </a:r>
+          </a:p>
+          <a:p>
+            <a:pPr lvl="2"/>
+            <a:r>
+              <a:rPr lang="en-US" altLang="ko-KR" dirty="0">
+                <a:sym typeface="Wingdings" panose="05000000000000000000" pitchFamily="2" charset="2"/>
+              </a:rPr>
+              <a:t>Instance of </a:t>
+            </a:r>
+            <a:r>
+              <a:rPr lang="en-US" altLang="ko-KR" b="1" u="sng" dirty="0" err="1">
+                <a:sym typeface="Wingdings" panose="05000000000000000000" pitchFamily="2" charset="2"/>
+              </a:rPr>
+              <a:t>suspendable</a:t>
+            </a:r>
+            <a:r>
+              <a:rPr lang="en-US" altLang="ko-KR" dirty="0">
+                <a:sym typeface="Wingdings" panose="05000000000000000000" pitchFamily="2" charset="2"/>
+              </a:rPr>
+              <a:t> computation</a:t>
+            </a:r>
+            <a:endParaRPr lang="en-US" altLang="ko-KR" dirty="0"/>
+          </a:p>
+        </p:txBody>
+      </p:sp>
+      <p:sp>
+        <p:nvSpPr>
+          <p:cNvPr id="7" name="Google Shape;209;p30">
+            <a:extLst>
+              <a:ext uri="{FF2B5EF4-FFF2-40B4-BE49-F238E27FC236}">
+                <a16:creationId xmlns:a16="http://schemas.microsoft.com/office/drawing/2014/main" id="{35F3E219-4EBB-8DE8-0966-E4317399395E}"/>
+              </a:ext>
+            </a:extLst>
+          </p:cNvPr>
+          <p:cNvSpPr/>
+          <p:nvPr/>
+        </p:nvSpPr>
+        <p:spPr>
+          <a:xfrm>
+            <a:off x="7811013" y="528014"/>
+            <a:ext cx="952500" cy="298200"/>
+          </a:xfrm>
+          <a:prstGeom prst="rect">
+            <a:avLst/>
+          </a:prstGeom>
+          <a:noFill/>
+          <a:ln>
+            <a:noFill/>
+          </a:ln>
+        </p:spPr>
+        <p:txBody>
+          <a:bodyPr spcFirstLastPara="1" wrap="square" lIns="19050" tIns="19050" rIns="19050" bIns="19050" anchor="t" anchorCtr="0">
+            <a:noAutofit/>
+          </a:bodyPr>
+          <a:lstStyle/>
+          <a:p>
+            <a:pPr marL="63500" marR="0" lvl="1" indent="0" algn="l" rtl="0">
+              <a:lnSpc>
+                <a:spcPct val="90000"/>
+              </a:lnSpc>
+              <a:spcBef>
+                <a:spcPts val="0"/>
+              </a:spcBef>
+              <a:spcAft>
+                <a:spcPts val="0"/>
+              </a:spcAft>
+              <a:buNone/>
+            </a:pPr>
+            <a:r>
+              <a:rPr lang="en-US" altLang="ko" sz="1200" b="1" i="0" u="none" strike="noStrike" cap="none" dirty="0">
+                <a:solidFill>
+                  <a:schemeClr val="bg1"/>
+                </a:solidFill>
+                <a:latin typeface="Arial"/>
+                <a:ea typeface="Arial"/>
+                <a:cs typeface="Arial"/>
+                <a:sym typeface="Arial"/>
+              </a:rPr>
+              <a:t>1</a:t>
+            </a:r>
+            <a:r>
+              <a:rPr lang="ko" sz="1200" b="1" i="0" u="none" strike="noStrike" cap="none" dirty="0">
+                <a:solidFill>
+                  <a:schemeClr val="bg1"/>
+                </a:solidFill>
+                <a:latin typeface="Arial"/>
+                <a:ea typeface="Arial"/>
+                <a:cs typeface="Arial"/>
+                <a:sym typeface="Arial"/>
+              </a:rPr>
+              <a:t>.</a:t>
+            </a:r>
+            <a:endParaRPr sz="500" dirty="0">
+              <a:solidFill>
+                <a:schemeClr val="bg1"/>
+              </a:solidFill>
+            </a:endParaRPr>
+          </a:p>
+        </p:txBody>
+      </p:sp>
+      <p:sp>
+        <p:nvSpPr>
+          <p:cNvPr id="8" name="Google Shape;210;p30">
+            <a:extLst>
+              <a:ext uri="{FF2B5EF4-FFF2-40B4-BE49-F238E27FC236}">
+                <a16:creationId xmlns:a16="http://schemas.microsoft.com/office/drawing/2014/main" id="{8CB63A74-B5C7-DCAA-53F5-96E44004D694}"/>
+              </a:ext>
+            </a:extLst>
+          </p:cNvPr>
+          <p:cNvSpPr/>
+          <p:nvPr/>
+        </p:nvSpPr>
+        <p:spPr>
+          <a:xfrm>
+            <a:off x="7811013" y="825047"/>
+            <a:ext cx="952500" cy="293400"/>
+          </a:xfrm>
+          <a:prstGeom prst="rect">
+            <a:avLst/>
+          </a:prstGeom>
+          <a:noFill/>
+          <a:ln>
+            <a:noFill/>
+          </a:ln>
+        </p:spPr>
+        <p:txBody>
+          <a:bodyPr spcFirstLastPara="1" wrap="square" lIns="19050" tIns="19050" rIns="19050" bIns="19050" anchor="t" anchorCtr="0">
+            <a:noAutofit/>
+          </a:bodyPr>
+          <a:lstStyle/>
+          <a:p>
+            <a:pPr marL="63500" marR="0" lvl="1" indent="0" algn="l" rtl="0">
+              <a:spcBef>
+                <a:spcPts val="200"/>
+              </a:spcBef>
+              <a:spcAft>
+                <a:spcPts val="0"/>
+              </a:spcAft>
+              <a:buClr>
+                <a:srgbClr val="000000"/>
+              </a:buClr>
+              <a:buFont typeface="Arial"/>
+              <a:buNone/>
+            </a:pPr>
+            <a:r>
+              <a:rPr lang="en-US" sz="800" dirty="0">
+                <a:solidFill>
+                  <a:schemeClr val="bg1"/>
+                </a:solidFill>
+              </a:rPr>
+              <a:t>Reactor </a:t>
+            </a:r>
+            <a:r>
+              <a:rPr lang="ko-KR" altLang="en-US" sz="800" dirty="0">
+                <a:solidFill>
+                  <a:schemeClr val="bg1"/>
+                </a:solidFill>
+              </a:rPr>
+              <a:t>구현의 난점</a:t>
+            </a:r>
+            <a:endParaRPr sz="800" dirty="0">
+              <a:solidFill>
+                <a:schemeClr val="bg1"/>
+              </a:solidFill>
+            </a:endParaRPr>
+          </a:p>
+        </p:txBody>
+      </p:sp>
+    </p:spTree>
+    <p:extLst>
+      <p:ext uri="{BB962C8B-B14F-4D97-AF65-F5344CB8AC3E}">
+        <p14:creationId xmlns:p14="http://schemas.microsoft.com/office/powerpoint/2010/main" val="3545361745"/>
+      </p:ext>
+    </p:extLst>
+  </p:cSld>
+  <p:clrMapOvr>
+    <a:masterClrMapping/>
+  </p:clrMapOvr>
+</p:sld>
+</file>
+
+<file path=ppt/slides/slide8.xml><?xml version="1.0" encoding="utf-8"?>
+<p:sld xmlns:a="http://schemas.openxmlformats.org/drawingml/2006/main" xmlns:r="http://schemas.openxmlformats.org/officeDocument/2006/relationships" xmlns:p="http://schemas.openxmlformats.org/presentationml/2006/main">
+  <p:cSld>
+    <p:spTree>
+      <p:nvGrpSpPr>
+        <p:cNvPr id="1" name=""/>
+        <p:cNvGrpSpPr/>
+        <p:nvPr/>
+      </p:nvGrpSpPr>
+      <p:grpSpPr>
+        <a:xfrm>
+          <a:off x="0" y="0"/>
+          <a:ext cx="0" cy="0"/>
+          <a:chOff x="0" y="0"/>
+          <a:chExt cx="0" cy="0"/>
+        </a:xfrm>
+      </p:grpSpPr>
+      <p:sp>
+        <p:nvSpPr>
+          <p:cNvPr id="2" name="제목 1">
+            <a:extLst>
+              <a:ext uri="{FF2B5EF4-FFF2-40B4-BE49-F238E27FC236}">
+                <a16:creationId xmlns:a16="http://schemas.microsoft.com/office/drawing/2014/main" id="{D21C1AA9-5E52-3A11-B3B3-447787E29D09}"/>
+              </a:ext>
+            </a:extLst>
+          </p:cNvPr>
+          <p:cNvSpPr>
+            <a:spLocks noGrp="1"/>
+          </p:cNvSpPr>
+          <p:nvPr>
+            <p:ph type="title"/>
+          </p:nvPr>
+        </p:nvSpPr>
+        <p:spPr/>
+        <p:txBody>
+          <a:bodyPr/>
+          <a:lstStyle/>
+          <a:p>
+            <a:r>
+              <a:rPr lang="en-US" altLang="ko-KR" dirty="0"/>
+              <a:t>Reactor </a:t>
+            </a:r>
+            <a:r>
+              <a:rPr lang="ko-KR" altLang="en-US" dirty="0"/>
+              <a:t>구현의 난점</a:t>
+            </a:r>
+          </a:p>
+        </p:txBody>
+      </p:sp>
+      <p:sp>
+        <p:nvSpPr>
+          <p:cNvPr id="4" name="내용 개체 틀 3">
+            <a:extLst>
+              <a:ext uri="{FF2B5EF4-FFF2-40B4-BE49-F238E27FC236}">
+                <a16:creationId xmlns:a16="http://schemas.microsoft.com/office/drawing/2014/main" id="{42F6317C-F28B-ECBE-0810-17736FC7D8AB}"/>
+              </a:ext>
+            </a:extLst>
+          </p:cNvPr>
+          <p:cNvSpPr>
+            <a:spLocks noGrp="1"/>
+          </p:cNvSpPr>
+          <p:nvPr>
+            <p:ph idx="1"/>
+          </p:nvPr>
+        </p:nvSpPr>
+        <p:spPr/>
+        <p:txBody>
+          <a:bodyPr>
+            <a:normAutofit/>
+          </a:bodyPr>
+          <a:lstStyle/>
+          <a:p>
+            <a:pPr marL="0" indent="0">
+              <a:buNone/>
+            </a:pPr>
+            <a:r>
+              <a:rPr lang="en-US" altLang="ko-KR" dirty="0"/>
+              <a:t>Learning Curve</a:t>
+            </a:r>
+          </a:p>
+        </p:txBody>
+      </p:sp>
+      <p:sp>
+        <p:nvSpPr>
+          <p:cNvPr id="7" name="Google Shape;209;p30">
+            <a:extLst>
+              <a:ext uri="{FF2B5EF4-FFF2-40B4-BE49-F238E27FC236}">
+                <a16:creationId xmlns:a16="http://schemas.microsoft.com/office/drawing/2014/main" id="{35F3E219-4EBB-8DE8-0966-E4317399395E}"/>
+              </a:ext>
+            </a:extLst>
+          </p:cNvPr>
+          <p:cNvSpPr/>
+          <p:nvPr/>
+        </p:nvSpPr>
+        <p:spPr>
+          <a:xfrm>
+            <a:off x="7811013" y="528014"/>
+            <a:ext cx="952500" cy="298200"/>
+          </a:xfrm>
+          <a:prstGeom prst="rect">
+            <a:avLst/>
+          </a:prstGeom>
+          <a:noFill/>
+          <a:ln>
+            <a:noFill/>
+          </a:ln>
+        </p:spPr>
+        <p:txBody>
+          <a:bodyPr spcFirstLastPara="1" wrap="square" lIns="19050" tIns="19050" rIns="19050" bIns="19050" anchor="t" anchorCtr="0">
+            <a:noAutofit/>
+          </a:bodyPr>
+          <a:lstStyle/>
+          <a:p>
+            <a:pPr marL="63500" marR="0" lvl="1" indent="0" algn="l" rtl="0">
+              <a:lnSpc>
+                <a:spcPct val="90000"/>
+              </a:lnSpc>
+              <a:spcBef>
+                <a:spcPts val="0"/>
+              </a:spcBef>
+              <a:spcAft>
+                <a:spcPts val="0"/>
+              </a:spcAft>
+              <a:buNone/>
+            </a:pPr>
+            <a:r>
+              <a:rPr lang="en-US" altLang="ko" sz="1200" b="1" i="0" u="none" strike="noStrike" cap="none" dirty="0">
+                <a:solidFill>
+                  <a:schemeClr val="bg1"/>
+                </a:solidFill>
+                <a:latin typeface="Arial"/>
+                <a:ea typeface="Arial"/>
+                <a:cs typeface="Arial"/>
+                <a:sym typeface="Arial"/>
+              </a:rPr>
+              <a:t>1</a:t>
+            </a:r>
+            <a:r>
+              <a:rPr lang="ko" sz="1200" b="1" i="0" u="none" strike="noStrike" cap="none" dirty="0">
+                <a:solidFill>
+                  <a:schemeClr val="bg1"/>
+                </a:solidFill>
+                <a:latin typeface="Arial"/>
+                <a:ea typeface="Arial"/>
+                <a:cs typeface="Arial"/>
+                <a:sym typeface="Arial"/>
+              </a:rPr>
+              <a:t>.</a:t>
+            </a:r>
+            <a:endParaRPr sz="500" dirty="0">
+              <a:solidFill>
+                <a:schemeClr val="bg1"/>
+              </a:solidFill>
+            </a:endParaRPr>
+          </a:p>
+        </p:txBody>
+      </p:sp>
+      <p:sp>
+        <p:nvSpPr>
+          <p:cNvPr id="8" name="Google Shape;210;p30">
+            <a:extLst>
+              <a:ext uri="{FF2B5EF4-FFF2-40B4-BE49-F238E27FC236}">
+                <a16:creationId xmlns:a16="http://schemas.microsoft.com/office/drawing/2014/main" id="{8CB63A74-B5C7-DCAA-53F5-96E44004D694}"/>
+              </a:ext>
+            </a:extLst>
+          </p:cNvPr>
+          <p:cNvSpPr/>
+          <p:nvPr/>
+        </p:nvSpPr>
+        <p:spPr>
+          <a:xfrm>
+            <a:off x="7811013" y="825047"/>
+            <a:ext cx="952500" cy="293400"/>
+          </a:xfrm>
+          <a:prstGeom prst="rect">
+            <a:avLst/>
+          </a:prstGeom>
+          <a:noFill/>
+          <a:ln>
+            <a:noFill/>
+          </a:ln>
+        </p:spPr>
+        <p:txBody>
+          <a:bodyPr spcFirstLastPara="1" wrap="square" lIns="19050" tIns="19050" rIns="19050" bIns="19050" anchor="t" anchorCtr="0">
+            <a:noAutofit/>
+          </a:bodyPr>
+          <a:lstStyle/>
+          <a:p>
+            <a:pPr marL="63500" marR="0" lvl="1" indent="0" algn="l" rtl="0">
+              <a:spcBef>
+                <a:spcPts val="200"/>
+              </a:spcBef>
+              <a:spcAft>
+                <a:spcPts val="0"/>
+              </a:spcAft>
+              <a:buClr>
+                <a:srgbClr val="000000"/>
+              </a:buClr>
+              <a:buFont typeface="Arial"/>
+              <a:buNone/>
+            </a:pPr>
+            <a:r>
+              <a:rPr lang="en-US" sz="800" dirty="0">
+                <a:solidFill>
+                  <a:schemeClr val="bg1"/>
+                </a:solidFill>
+              </a:rPr>
+              <a:t>Reactor </a:t>
+            </a:r>
+            <a:r>
+              <a:rPr lang="ko-KR" altLang="en-US" sz="800" dirty="0">
+                <a:solidFill>
+                  <a:schemeClr val="bg1"/>
+                </a:solidFill>
+              </a:rPr>
+              <a:t>구현의 난점</a:t>
+            </a:r>
+            <a:endParaRPr sz="800" dirty="0">
+              <a:solidFill>
+                <a:schemeClr val="bg1"/>
+              </a:solidFill>
+            </a:endParaRPr>
+          </a:p>
+        </p:txBody>
+      </p:sp>
+      <p:pic>
+        <p:nvPicPr>
+          <p:cNvPr id="5" name="그림 4">
+            <a:extLst>
+              <a:ext uri="{FF2B5EF4-FFF2-40B4-BE49-F238E27FC236}">
+                <a16:creationId xmlns:a16="http://schemas.microsoft.com/office/drawing/2014/main" id="{964EAF8F-8A21-54E3-E572-7FD711B9C5C7}"/>
+              </a:ext>
+            </a:extLst>
+          </p:cNvPr>
+          <p:cNvPicPr>
+            <a:picLocks noChangeAspect="1"/>
+          </p:cNvPicPr>
+          <p:nvPr/>
+        </p:nvPicPr>
+        <p:blipFill>
+          <a:blip r:embed="rId3"/>
+          <a:stretch>
+            <a:fillRect/>
+          </a:stretch>
+        </p:blipFill>
+        <p:spPr>
+          <a:xfrm>
+            <a:off x="920917" y="1795345"/>
+            <a:ext cx="4224963" cy="3189847"/>
+          </a:xfrm>
+          <a:prstGeom prst="rect">
+            <a:avLst/>
+          </a:prstGeom>
+        </p:spPr>
+      </p:pic>
+      <p:sp>
+        <p:nvSpPr>
+          <p:cNvPr id="9" name="TextBox 8">
+            <a:extLst>
+              <a:ext uri="{FF2B5EF4-FFF2-40B4-BE49-F238E27FC236}">
+                <a16:creationId xmlns:a16="http://schemas.microsoft.com/office/drawing/2014/main" id="{0191BFAF-A75A-10F4-5AD1-1A45773399E4}"/>
+              </a:ext>
+            </a:extLst>
+          </p:cNvPr>
+          <p:cNvSpPr txBox="1"/>
+          <p:nvPr/>
+        </p:nvSpPr>
+        <p:spPr>
+          <a:xfrm>
+            <a:off x="5018049" y="4662935"/>
+            <a:ext cx="4125951" cy="276999"/>
+          </a:xfrm>
+          <a:prstGeom prst="rect">
+            <a:avLst/>
+          </a:prstGeom>
+          <a:noFill/>
+        </p:spPr>
+        <p:txBody>
+          <a:bodyPr wrap="square">
+            <a:spAutoFit/>
+          </a:bodyPr>
+          <a:lstStyle/>
+          <a:p>
+            <a:pPr algn="r"/>
+            <a:r>
+              <a:rPr lang="en-US" altLang="ko-KR" sz="1200" dirty="0">
+                <a:hlinkClick r:id="rId4"/>
+              </a:rPr>
+              <a:t>https://twitter.com/akarnokd/status/979732723152687106</a:t>
+            </a:r>
+            <a:endParaRPr lang="ko-KR" altLang="en-US" sz="1200" dirty="0"/>
+          </a:p>
+        </p:txBody>
+      </p:sp>
+      <p:sp>
+        <p:nvSpPr>
+          <p:cNvPr id="11" name="TextBox 10">
+            <a:extLst>
+              <a:ext uri="{FF2B5EF4-FFF2-40B4-BE49-F238E27FC236}">
+                <a16:creationId xmlns:a16="http://schemas.microsoft.com/office/drawing/2014/main" id="{671EA06B-8368-6910-66E9-55387357E1D8}"/>
+              </a:ext>
+            </a:extLst>
+          </p:cNvPr>
+          <p:cNvSpPr txBox="1"/>
+          <p:nvPr/>
+        </p:nvSpPr>
+        <p:spPr>
+          <a:xfrm>
+            <a:off x="5319132" y="4401325"/>
+            <a:ext cx="1654620" cy="261610"/>
+          </a:xfrm>
+          <a:prstGeom prst="rect">
+            <a:avLst/>
+          </a:prstGeom>
+          <a:noFill/>
+        </p:spPr>
+        <p:txBody>
+          <a:bodyPr wrap="none" rtlCol="0">
+            <a:spAutoFit/>
+          </a:bodyPr>
+          <a:lstStyle/>
+          <a:p>
+            <a:r>
+              <a:rPr lang="en-US" altLang="ko-KR" sz="1100" dirty="0"/>
+              <a:t>2018.03.30, Davie </a:t>
+            </a:r>
+            <a:r>
+              <a:rPr lang="en-US" altLang="ko-KR" sz="1100" dirty="0" err="1"/>
+              <a:t>Karnok</a:t>
+            </a:r>
+            <a:endParaRPr lang="ko-KR" altLang="en-US" sz="1100" dirty="0"/>
+          </a:p>
+        </p:txBody>
+      </p:sp>
+    </p:spTree>
+    <p:extLst>
+      <p:ext uri="{BB962C8B-B14F-4D97-AF65-F5344CB8AC3E}">
+        <p14:creationId xmlns:p14="http://schemas.microsoft.com/office/powerpoint/2010/main" val="3658353871"/>
+      </p:ext>
+    </p:extLst>
+  </p:cSld>
+  <p:clrMapOvr>
+    <a:masterClrMapping/>
+  </p:clrMapOvr>
+</p:sld>
+</file>
+
+<file path=ppt/slides/slide9.xml><?xml version="1.0" encoding="utf-8"?>
+<p:sld xmlns:a="http://schemas.openxmlformats.org/drawingml/2006/main" xmlns:r="http://schemas.openxmlformats.org/officeDocument/2006/relationships" xmlns:p="http://schemas.openxmlformats.org/presentationml/2006/main">
+  <p:cSld>
+    <p:spTree>
+      <p:nvGrpSpPr>
+        <p:cNvPr id="1" name=""/>
+        <p:cNvGrpSpPr/>
+        <p:nvPr/>
+      </p:nvGrpSpPr>
+      <p:grpSpPr>
+        <a:xfrm>
+          <a:off x="0" y="0"/>
+          <a:ext cx="0" cy="0"/>
+          <a:chOff x="0" y="0"/>
+          <a:chExt cx="0" cy="0"/>
+        </a:xfrm>
+      </p:grpSpPr>
+      <p:sp>
+        <p:nvSpPr>
+          <p:cNvPr id="2" name="제목 1">
+            <a:extLst>
+              <a:ext uri="{FF2B5EF4-FFF2-40B4-BE49-F238E27FC236}">
+                <a16:creationId xmlns:a16="http://schemas.microsoft.com/office/drawing/2014/main" id="{9896B29B-A1AE-E0C6-8543-753E63140B1C}"/>
+              </a:ext>
+            </a:extLst>
+          </p:cNvPr>
+          <p:cNvSpPr>
+            <a:spLocks noGrp="1"/>
+          </p:cNvSpPr>
+          <p:nvPr>
+            <p:ph type="ctrTitle"/>
+          </p:nvPr>
+        </p:nvSpPr>
+        <p:spPr/>
+        <p:txBody>
+          <a:bodyPr>
+            <a:normAutofit/>
+          </a:bodyPr>
+          <a:lstStyle/>
+          <a:p>
+            <a:r>
+              <a:rPr lang="ko-KR" altLang="en-US" b="1" dirty="0"/>
+              <a:t>비동기 서비스 구현 </a:t>
+            </a:r>
+            <a:r>
+              <a:rPr lang="en-US" altLang="ko-KR" sz="2000" b="1" dirty="0"/>
+              <a:t>(Spring Coroutine)</a:t>
+            </a:r>
+            <a:endParaRPr lang="ko-KR" altLang="en-US" b="1" dirty="0"/>
+          </a:p>
+        </p:txBody>
+      </p:sp>
+      <p:sp>
+        <p:nvSpPr>
+          <p:cNvPr id="4" name="부제목 3">
+            <a:extLst>
+              <a:ext uri="{FF2B5EF4-FFF2-40B4-BE49-F238E27FC236}">
+                <a16:creationId xmlns:a16="http://schemas.microsoft.com/office/drawing/2014/main" id="{7219E4B9-47F6-C7CA-B046-1256225C3574}"/>
+              </a:ext>
+            </a:extLst>
+          </p:cNvPr>
+          <p:cNvSpPr>
+            <a:spLocks noGrp="1"/>
+          </p:cNvSpPr>
+          <p:nvPr>
+            <p:ph type="subTitle" idx="1"/>
+          </p:nvPr>
+        </p:nvSpPr>
+        <p:spPr/>
+        <p:txBody>
+          <a:bodyPr>
+            <a:normAutofit/>
+          </a:bodyPr>
+          <a:lstStyle/>
+          <a:p>
+            <a:pPr marL="0" indent="0" algn="r">
+              <a:buNone/>
+            </a:pPr>
+            <a:r>
+              <a:rPr lang="en-US" altLang="ko" b="1" dirty="0">
+                <a:solidFill>
+                  <a:srgbClr val="ED234B"/>
+                </a:solidFill>
+              </a:rPr>
+              <a:t>2</a:t>
+            </a:r>
+            <a:r>
+              <a:rPr lang="ko" altLang="ko-KR" b="1" dirty="0">
+                <a:solidFill>
+                  <a:srgbClr val="ED234B"/>
+                </a:solidFill>
+              </a:rPr>
+              <a:t> </a:t>
+            </a:r>
+            <a:r>
+              <a:rPr lang="en-US" altLang="ko-KR" dirty="0"/>
+              <a:t>Coroutine</a:t>
+            </a:r>
+            <a:r>
+              <a:rPr lang="ko-KR" altLang="en-US" dirty="0"/>
+              <a:t>이란</a:t>
+            </a:r>
+            <a:r>
+              <a:rPr lang="en-US" altLang="ko-KR" dirty="0"/>
+              <a:t>?</a:t>
+            </a:r>
+            <a:endParaRPr lang="ko-KR" altLang="en-US" dirty="0"/>
+          </a:p>
+        </p:txBody>
+      </p:sp>
+    </p:spTree>
+    <p:extLst>
+      <p:ext uri="{BB962C8B-B14F-4D97-AF65-F5344CB8AC3E}">
+        <p14:creationId xmlns:p14="http://schemas.microsoft.com/office/powerpoint/2010/main" val="2844118876"/>
       </p:ext>
     </p:extLst>
   </p:cSld>
